--- a/img/Figures.pptx
+++ b/img/Figures.pptx
@@ -6,13 +6,14 @@
     <p:sldMasterId id="2147483660" r:id="rId2"/>
   </p:sldMasterIdLst>
   <p:notesMasterIdLst>
-    <p:notesMasterId r:id="rId7"/>
+    <p:notesMasterId r:id="rId8"/>
   </p:notesMasterIdLst>
   <p:sldIdLst>
     <p:sldId id="256" r:id="rId3"/>
     <p:sldId id="265" r:id="rId4"/>
     <p:sldId id="260" r:id="rId5"/>
     <p:sldId id="266" r:id="rId6"/>
+    <p:sldId id="267" r:id="rId7"/>
   </p:sldIdLst>
   <p:sldSz cx="12192000" cy="6858000"/>
   <p:notesSz cx="6858000" cy="9144000"/>
@@ -13336,121 +13337,193 @@
           <a:chExt cx="0" cy="0"/>
         </a:xfrm>
       </p:grpSpPr>
-      <p:sp>
-        <p:nvSpPr>
-          <p:cNvPr id="209" name="Rectangle 208">
-            <a:extLst>
-              <a:ext uri="{FF2B5EF4-FFF2-40B4-BE49-F238E27FC236}">
-                <a16:creationId xmlns:a16="http://schemas.microsoft.com/office/drawing/2014/main" id="{03A159A2-7F2D-4398-B00B-DE37FC117412}"/>
-              </a:ext>
-            </a:extLst>
-          </p:cNvPr>
-          <p:cNvSpPr/>
+      <p:grpSp>
+        <p:nvGrpSpPr>
+          <p:cNvPr id="2" name="Group 1">
+            <a:extLst>
+              <a:ext uri="{FF2B5EF4-FFF2-40B4-BE49-F238E27FC236}">
+                <a16:creationId xmlns:a16="http://schemas.microsoft.com/office/drawing/2014/main" id="{EBD998CC-DEF4-AE86-351E-0E95537FAE53}"/>
+              </a:ext>
+            </a:extLst>
+          </p:cNvPr>
+          <p:cNvGrpSpPr/>
           <p:nvPr/>
-        </p:nvSpPr>
-        <p:spPr>
+        </p:nvGrpSpPr>
+        <p:grpSpPr>
           <a:xfrm>
-            <a:off x="1036545" y="2447925"/>
-            <a:ext cx="9793642" cy="2076450"/>
+            <a:off x="1767389" y="2608666"/>
+            <a:ext cx="8277364" cy="1754968"/>
+            <a:chOff x="1036545" y="2447925"/>
+            <a:chExt cx="9793642" cy="2076450"/>
           </a:xfrm>
-          <a:prstGeom prst="rect">
-            <a:avLst/>
-          </a:prstGeom>
-          <a:solidFill>
-            <a:schemeClr val="bg1"/>
-          </a:solidFill>
-          <a:ln>
-            <a:noFill/>
-          </a:ln>
-        </p:spPr>
-        <p:style>
-          <a:lnRef idx="2">
-            <a:schemeClr val="accent1">
-              <a:shade val="50000"/>
-            </a:schemeClr>
-          </a:lnRef>
-          <a:fillRef idx="1">
-            <a:schemeClr val="accent1"/>
-          </a:fillRef>
-          <a:effectRef idx="0">
-            <a:schemeClr val="accent1"/>
-          </a:effectRef>
-          <a:fontRef idx="minor">
-            <a:schemeClr val="lt1"/>
-          </a:fontRef>
-        </p:style>
-        <p:txBody>
-          <a:bodyPr rtlCol="0" anchor="ctr"/>
-          <a:lstStyle/>
-          <a:p>
-            <a:pPr algn="ctr"/>
-            <a:endParaRPr lang="en-NL"/>
-          </a:p>
-        </p:txBody>
-      </p:sp>
-      <p:sp>
-        <p:nvSpPr>
-          <p:cNvPr id="3" name="Rectangle 2">
-            <a:extLst>
-              <a:ext uri="{FF2B5EF4-FFF2-40B4-BE49-F238E27FC236}">
-                <a16:creationId xmlns:a16="http://schemas.microsoft.com/office/drawing/2014/main" id="{08BCB2F3-BBEA-4743-AA9B-B996AD8932A1}"/>
-              </a:ext>
-            </a:extLst>
-          </p:cNvPr>
-          <p:cNvSpPr/>
-          <p:nvPr/>
-        </p:nvSpPr>
-        <p:spPr>
-          <a:xfrm>
-            <a:off x="1180412" y="2632434"/>
-            <a:ext cx="1097960" cy="796566"/>
-          </a:xfrm>
-          <a:prstGeom prst="rect">
-            <a:avLst/>
-          </a:prstGeom>
-          <a:solidFill>
-            <a:srgbClr val="0070C0"/>
-          </a:solidFill>
-        </p:spPr>
-        <p:style>
-          <a:lnRef idx="2">
-            <a:schemeClr val="accent1">
-              <a:shade val="50000"/>
-            </a:schemeClr>
-          </a:lnRef>
-          <a:fillRef idx="1">
-            <a:schemeClr val="accent1"/>
-          </a:fillRef>
-          <a:effectRef idx="0">
-            <a:schemeClr val="accent1"/>
-          </a:effectRef>
-          <a:fontRef idx="minor">
-            <a:schemeClr val="lt1"/>
-          </a:fontRef>
-        </p:style>
-        <p:txBody>
-          <a:bodyPr rtlCol="0" anchor="ctr"/>
-          <a:lstStyle/>
-          <a:p>
-            <a:pPr marL="0" marR="0" lvl="0" indent="0" algn="ctr" defTabSz="914400" rtl="0" eaLnBrk="1" fontAlgn="auto" latinLnBrk="0" hangingPunct="1">
-              <a:lnSpc>
-                <a:spcPct val="100000"/>
-              </a:lnSpc>
-              <a:spcBef>
-                <a:spcPts val="0"/>
-              </a:spcBef>
-              <a:spcAft>
-                <a:spcPts val="0"/>
-              </a:spcAft>
-              <a:buClrTx/>
-              <a:buSzTx/>
-              <a:buFontTx/>
-              <a:buNone/>
-              <a:tabLst/>
-              <a:defRPr/>
-            </a:pPr>
-            <a:r>
-              <a:rPr kumimoji="0" lang="nl-NL" sz="1200" b="1" i="0" u="none" strike="noStrike" kern="1200" cap="none" spc="0" normalizeH="0" baseline="0" noProof="0" dirty="0">
+        </p:grpSpPr>
+        <p:sp>
+          <p:nvSpPr>
+            <p:cNvPr id="209" name="Rectangle 208">
+              <a:extLst>
+                <a:ext uri="{FF2B5EF4-FFF2-40B4-BE49-F238E27FC236}">
+                  <a16:creationId xmlns:a16="http://schemas.microsoft.com/office/drawing/2014/main" id="{03A159A2-7F2D-4398-B00B-DE37FC117412}"/>
+                </a:ext>
+              </a:extLst>
+            </p:cNvPr>
+            <p:cNvSpPr/>
+            <p:nvPr/>
+          </p:nvSpPr>
+          <p:spPr>
+            <a:xfrm>
+              <a:off x="1036545" y="2447925"/>
+              <a:ext cx="9793642" cy="2076450"/>
+            </a:xfrm>
+            <a:prstGeom prst="rect">
+              <a:avLst/>
+            </a:prstGeom>
+            <a:solidFill>
+              <a:schemeClr val="bg1"/>
+            </a:solidFill>
+            <a:ln>
+              <a:noFill/>
+            </a:ln>
+          </p:spPr>
+          <p:style>
+            <a:lnRef idx="2">
+              <a:schemeClr val="accent1">
+                <a:shade val="50000"/>
+              </a:schemeClr>
+            </a:lnRef>
+            <a:fillRef idx="1">
+              <a:schemeClr val="accent1"/>
+            </a:fillRef>
+            <a:effectRef idx="0">
+              <a:schemeClr val="accent1"/>
+            </a:effectRef>
+            <a:fontRef idx="minor">
+              <a:schemeClr val="lt1"/>
+            </a:fontRef>
+          </p:style>
+          <p:txBody>
+            <a:bodyPr rtlCol="0" anchor="ctr"/>
+            <a:lstStyle/>
+            <a:p>
+              <a:pPr algn="ctr"/>
+              <a:endParaRPr lang="en-NL"/>
+            </a:p>
+          </p:txBody>
+        </p:sp>
+        <p:sp>
+          <p:nvSpPr>
+            <p:cNvPr id="3" name="Rectangle 2">
+              <a:extLst>
+                <a:ext uri="{FF2B5EF4-FFF2-40B4-BE49-F238E27FC236}">
+                  <a16:creationId xmlns:a16="http://schemas.microsoft.com/office/drawing/2014/main" id="{08BCB2F3-BBEA-4743-AA9B-B996AD8932A1}"/>
+                </a:ext>
+              </a:extLst>
+            </p:cNvPr>
+            <p:cNvSpPr/>
+            <p:nvPr/>
+          </p:nvSpPr>
+          <p:spPr>
+            <a:xfrm>
+              <a:off x="1180412" y="2632434"/>
+              <a:ext cx="1097960" cy="796566"/>
+            </a:xfrm>
+            <a:prstGeom prst="rect">
+              <a:avLst/>
+            </a:prstGeom>
+            <a:solidFill>
+              <a:srgbClr val="0070C0"/>
+            </a:solidFill>
+          </p:spPr>
+          <p:style>
+            <a:lnRef idx="2">
+              <a:schemeClr val="accent1">
+                <a:shade val="50000"/>
+              </a:schemeClr>
+            </a:lnRef>
+            <a:fillRef idx="1">
+              <a:schemeClr val="accent1"/>
+            </a:fillRef>
+            <a:effectRef idx="0">
+              <a:schemeClr val="accent1"/>
+            </a:effectRef>
+            <a:fontRef idx="minor">
+              <a:schemeClr val="lt1"/>
+            </a:fontRef>
+          </p:style>
+          <p:txBody>
+            <a:bodyPr rtlCol="0" anchor="ctr"/>
+            <a:lstStyle/>
+            <a:p>
+              <a:pPr marL="0" marR="0" lvl="0" indent="0" algn="ctr" defTabSz="914400" rtl="0" eaLnBrk="1" fontAlgn="auto" latinLnBrk="0" hangingPunct="1">
+                <a:lnSpc>
+                  <a:spcPct val="100000"/>
+                </a:lnSpc>
+                <a:spcBef>
+                  <a:spcPts val="0"/>
+                </a:spcBef>
+                <a:spcAft>
+                  <a:spcPts val="0"/>
+                </a:spcAft>
+                <a:buClrTx/>
+                <a:buSzTx/>
+                <a:buFontTx/>
+                <a:buNone/>
+                <a:tabLst/>
+                <a:defRPr/>
+              </a:pPr>
+              <a:r>
+                <a:rPr kumimoji="0" lang="nl-NL" sz="900" b="1" i="0" u="none" strike="noStrike" kern="1200" cap="none" spc="0" normalizeH="0" baseline="0" noProof="0" dirty="0">
+                  <a:ln>
+                    <a:noFill/>
+                  </a:ln>
+                  <a:solidFill>
+                    <a:prstClr val="white"/>
+                  </a:solidFill>
+                  <a:effectLst/>
+                  <a:uLnTx/>
+                  <a:uFillTx/>
+                  <a:latin typeface="Calibri" panose="020F0502020204030204"/>
+                  <a:ea typeface="+mn-ea"/>
+                  <a:cs typeface="+mn-cs"/>
+                </a:rPr>
+                <a:t>Camera</a:t>
+              </a:r>
+            </a:p>
+            <a:p>
+              <a:pPr marL="0" marR="0" lvl="0" indent="0" algn="ctr" defTabSz="914400" rtl="0" eaLnBrk="1" fontAlgn="auto" latinLnBrk="0" hangingPunct="1">
+                <a:lnSpc>
+                  <a:spcPct val="100000"/>
+                </a:lnSpc>
+                <a:spcBef>
+                  <a:spcPts val="0"/>
+                </a:spcBef>
+                <a:spcAft>
+                  <a:spcPts val="0"/>
+                </a:spcAft>
+                <a:buClrTx/>
+                <a:buSzTx/>
+                <a:buFontTx/>
+                <a:buNone/>
+                <a:tabLst/>
+                <a:defRPr/>
+              </a:pPr>
+              <a:r>
+                <a:rPr kumimoji="0" lang="nl-NL" sz="900" b="1" i="0" u="none" strike="noStrike" kern="1200" cap="none" spc="0" normalizeH="0" baseline="0" noProof="0" dirty="0" err="1">
+                  <a:ln>
+                    <a:noFill/>
+                  </a:ln>
+                  <a:solidFill>
+                    <a:prstClr val="white"/>
+                  </a:solidFill>
+                  <a:effectLst/>
+                  <a:uLnTx/>
+                  <a:uFillTx/>
+                  <a:latin typeface="Calibri" panose="020F0502020204030204"/>
+                  <a:ea typeface="+mn-ea"/>
+                  <a:cs typeface="+mn-cs"/>
+                </a:rPr>
+                <a:t>Simulation</a:t>
+              </a:r>
+              <a:endParaRPr kumimoji="0" lang="nl-NL" sz="900" b="1" i="0" u="none" strike="noStrike" kern="1200" cap="none" spc="0" normalizeH="0" baseline="0" noProof="0" dirty="0">
                 <a:ln>
                   <a:noFill/>
                 </a:ln>
@@ -13463,30 +13536,161 @@
                 <a:latin typeface="Calibri" panose="020F0502020204030204"/>
                 <a:ea typeface="+mn-ea"/>
                 <a:cs typeface="+mn-cs"/>
-              </a:rPr>
-              <a:t>Camera</a:t>
-            </a:r>
-          </a:p>
-          <a:p>
-            <a:pPr marL="0" marR="0" lvl="0" indent="0" algn="ctr" defTabSz="914400" rtl="0" eaLnBrk="1" fontAlgn="auto" latinLnBrk="0" hangingPunct="1">
-              <a:lnSpc>
-                <a:spcPct val="100000"/>
-              </a:lnSpc>
-              <a:spcBef>
-                <a:spcPts val="0"/>
-              </a:spcBef>
-              <a:spcAft>
-                <a:spcPts val="0"/>
-              </a:spcAft>
-              <a:buClrTx/>
-              <a:buSzTx/>
-              <a:buFontTx/>
-              <a:buNone/>
-              <a:tabLst/>
-              <a:defRPr/>
-            </a:pPr>
-            <a:r>
-              <a:rPr kumimoji="0" lang="nl-NL" sz="1200" b="1" i="0" u="none" strike="noStrike" kern="1200" cap="none" spc="0" normalizeH="0" baseline="0" noProof="0" dirty="0" err="1">
+              </a:endParaRPr>
+            </a:p>
+          </p:txBody>
+        </p:sp>
+        <p:sp>
+          <p:nvSpPr>
+            <p:cNvPr id="27" name="Rectangle 26">
+              <a:extLst>
+                <a:ext uri="{FF2B5EF4-FFF2-40B4-BE49-F238E27FC236}">
+                  <a16:creationId xmlns:a16="http://schemas.microsoft.com/office/drawing/2014/main" id="{C6E0445A-460C-4AB6-BC1D-0F813BA32317}"/>
+                </a:ext>
+              </a:extLst>
+            </p:cNvPr>
+            <p:cNvSpPr/>
+            <p:nvPr/>
+          </p:nvSpPr>
+          <p:spPr>
+            <a:xfrm>
+              <a:off x="3049701" y="2632434"/>
+              <a:ext cx="1423631" cy="796566"/>
+            </a:xfrm>
+            <a:prstGeom prst="rect">
+              <a:avLst/>
+            </a:prstGeom>
+            <a:solidFill>
+              <a:srgbClr val="0070C0"/>
+            </a:solidFill>
+          </p:spPr>
+          <p:style>
+            <a:lnRef idx="2">
+              <a:schemeClr val="accent1">
+                <a:shade val="50000"/>
+              </a:schemeClr>
+            </a:lnRef>
+            <a:fillRef idx="1">
+              <a:schemeClr val="accent1"/>
+            </a:fillRef>
+            <a:effectRef idx="0">
+              <a:schemeClr val="accent1"/>
+            </a:effectRef>
+            <a:fontRef idx="minor">
+              <a:schemeClr val="lt1"/>
+            </a:fontRef>
+          </p:style>
+          <p:txBody>
+            <a:bodyPr lIns="648000" rtlCol="0" anchor="ctr"/>
+            <a:lstStyle/>
+            <a:p>
+              <a:pPr marL="0" marR="0" lvl="0" indent="0" algn="ctr" defTabSz="914400" rtl="0" eaLnBrk="1" fontAlgn="auto" latinLnBrk="0" hangingPunct="1">
+                <a:lnSpc>
+                  <a:spcPct val="100000"/>
+                </a:lnSpc>
+                <a:spcBef>
+                  <a:spcPts val="0"/>
+                </a:spcBef>
+                <a:spcAft>
+                  <a:spcPts val="0"/>
+                </a:spcAft>
+                <a:buClrTx/>
+                <a:buSzTx/>
+                <a:buFontTx/>
+                <a:buNone/>
+                <a:tabLst/>
+                <a:defRPr/>
+              </a:pPr>
+              <a:r>
+                <a:rPr kumimoji="0" lang="nl-NL" sz="900" b="1" i="0" u="none" strike="noStrike" kern="1200" cap="none" spc="0" normalizeH="0" baseline="0" noProof="0" dirty="0">
+                  <a:ln>
+                    <a:noFill/>
+                  </a:ln>
+                  <a:solidFill>
+                    <a:prstClr val="white"/>
+                  </a:solidFill>
+                  <a:effectLst/>
+                  <a:uLnTx/>
+                  <a:uFillTx/>
+                  <a:latin typeface="Calibri" panose="020F0502020204030204"/>
+                  <a:ea typeface="+mn-ea"/>
+                  <a:cs typeface="+mn-cs"/>
+                </a:rPr>
+                <a:t>Traffic</a:t>
+              </a:r>
+            </a:p>
+            <a:p>
+              <a:pPr marL="0" marR="0" lvl="0" indent="0" algn="ctr" defTabSz="914400" rtl="0" eaLnBrk="1" fontAlgn="auto" latinLnBrk="0" hangingPunct="1">
+                <a:lnSpc>
+                  <a:spcPct val="100000"/>
+                </a:lnSpc>
+                <a:spcBef>
+                  <a:spcPts val="0"/>
+                </a:spcBef>
+                <a:spcAft>
+                  <a:spcPts val="0"/>
+                </a:spcAft>
+                <a:buClrTx/>
+                <a:buSzTx/>
+                <a:buFontTx/>
+                <a:buNone/>
+                <a:tabLst/>
+                <a:defRPr/>
+              </a:pPr>
+              <a:r>
+                <a:rPr kumimoji="0" lang="nl-NL" sz="900" b="1" i="0" u="none" strike="noStrike" kern="1200" cap="none" spc="0" normalizeH="0" baseline="0" noProof="0" dirty="0">
+                  <a:ln>
+                    <a:noFill/>
+                  </a:ln>
+                  <a:solidFill>
+                    <a:prstClr val="white"/>
+                  </a:solidFill>
+                  <a:effectLst/>
+                  <a:uLnTx/>
+                  <a:uFillTx/>
+                  <a:latin typeface="Calibri" panose="020F0502020204030204"/>
+                  <a:ea typeface="+mn-ea"/>
+                  <a:cs typeface="+mn-cs"/>
+                </a:rPr>
+                <a:t>Control</a:t>
+              </a:r>
+            </a:p>
+            <a:p>
+              <a:pPr marL="0" marR="0" lvl="0" indent="0" algn="ctr" defTabSz="914400" rtl="0" eaLnBrk="1" fontAlgn="auto" latinLnBrk="0" hangingPunct="1">
+                <a:lnSpc>
+                  <a:spcPct val="100000"/>
+                </a:lnSpc>
+                <a:spcBef>
+                  <a:spcPts val="0"/>
+                </a:spcBef>
+                <a:spcAft>
+                  <a:spcPts val="0"/>
+                </a:spcAft>
+                <a:buClrTx/>
+                <a:buSzTx/>
+                <a:buFontTx/>
+                <a:buNone/>
+                <a:tabLst/>
+                <a:defRPr/>
+              </a:pPr>
+              <a:r>
+                <a:rPr kumimoji="0" lang="nl-NL" sz="900" b="1" i="0" u="none" strike="noStrike" kern="1200" cap="none" spc="0" normalizeH="0" baseline="0" noProof="0" dirty="0">
+                  <a:ln>
+                    <a:noFill/>
+                  </a:ln>
+                  <a:solidFill>
+                    <a:prstClr val="white"/>
+                  </a:solidFill>
+                  <a:effectLst/>
+                  <a:uLnTx/>
+                  <a:uFillTx/>
+                  <a:latin typeface="Calibri" panose="020F0502020204030204"/>
+                  <a:ea typeface="+mn-ea"/>
+                  <a:cs typeface="+mn-cs"/>
+                </a:rPr>
+                <a:t>Service</a:t>
+              </a:r>
+              <a:endParaRPr kumimoji="0" lang="en-US" sz="900" b="1" i="0" u="none" strike="noStrike" kern="1200" cap="none" spc="0" normalizeH="0" baseline="0" noProof="0" dirty="0">
                 <a:ln>
                   <a:noFill/>
                 </a:ln>
@@ -13499,89 +13703,89 @@
                 <a:latin typeface="Calibri" panose="020F0502020204030204"/>
                 <a:ea typeface="+mn-ea"/>
                 <a:cs typeface="+mn-cs"/>
-              </a:rPr>
-              <a:t>Simulation</a:t>
-            </a:r>
-            <a:endParaRPr kumimoji="0" lang="nl-NL" sz="1200" b="1" i="0" u="none" strike="noStrike" kern="1200" cap="none" spc="0" normalizeH="0" baseline="0" noProof="0" dirty="0">
-              <a:ln>
-                <a:noFill/>
-              </a:ln>
-              <a:solidFill>
-                <a:prstClr val="white"/>
-              </a:solidFill>
-              <a:effectLst/>
-              <a:uLnTx/>
-              <a:uFillTx/>
-              <a:latin typeface="Calibri" panose="020F0502020204030204"/>
-              <a:ea typeface="+mn-ea"/>
-              <a:cs typeface="+mn-cs"/>
-            </a:endParaRPr>
-          </a:p>
-        </p:txBody>
-      </p:sp>
-      <p:sp>
-        <p:nvSpPr>
-          <p:cNvPr id="27" name="Rectangle 26">
-            <a:extLst>
-              <a:ext uri="{FF2B5EF4-FFF2-40B4-BE49-F238E27FC236}">
-                <a16:creationId xmlns:a16="http://schemas.microsoft.com/office/drawing/2014/main" id="{C6E0445A-460C-4AB6-BC1D-0F813BA32317}"/>
-              </a:ext>
-            </a:extLst>
-          </p:cNvPr>
-          <p:cNvSpPr/>
-          <p:nvPr/>
-        </p:nvSpPr>
-        <p:spPr>
-          <a:xfrm>
-            <a:off x="3049701" y="2632434"/>
-            <a:ext cx="1687346" cy="796566"/>
-          </a:xfrm>
-          <a:prstGeom prst="rect">
-            <a:avLst/>
-          </a:prstGeom>
-          <a:solidFill>
-            <a:srgbClr val="0070C0"/>
-          </a:solidFill>
-        </p:spPr>
-        <p:style>
-          <a:lnRef idx="2">
-            <a:schemeClr val="accent1">
-              <a:shade val="50000"/>
-            </a:schemeClr>
-          </a:lnRef>
-          <a:fillRef idx="1">
-            <a:schemeClr val="accent1"/>
-          </a:fillRef>
-          <a:effectRef idx="0">
-            <a:schemeClr val="accent1"/>
-          </a:effectRef>
-          <a:fontRef idx="minor">
-            <a:schemeClr val="lt1"/>
-          </a:fontRef>
-        </p:style>
-        <p:txBody>
-          <a:bodyPr lIns="828000" rtlCol="0" anchor="ctr"/>
-          <a:lstStyle/>
-          <a:p>
-            <a:pPr marL="0" marR="0" lvl="0" indent="0" algn="ctr" defTabSz="914400" rtl="0" eaLnBrk="1" fontAlgn="auto" latinLnBrk="0" hangingPunct="1">
-              <a:lnSpc>
-                <a:spcPct val="100000"/>
-              </a:lnSpc>
-              <a:spcBef>
-                <a:spcPts val="0"/>
-              </a:spcBef>
-              <a:spcAft>
-                <a:spcPts val="0"/>
-              </a:spcAft>
-              <a:buClrTx/>
-              <a:buSzTx/>
-              <a:buFontTx/>
-              <a:buNone/>
-              <a:tabLst/>
-              <a:defRPr/>
-            </a:pPr>
-            <a:r>
-              <a:rPr kumimoji="0" lang="nl-NL" sz="1200" b="1" i="0" u="none" strike="noStrike" kern="1200" cap="none" spc="0" normalizeH="0" baseline="0" noProof="0" dirty="0">
+              </a:endParaRPr>
+            </a:p>
+          </p:txBody>
+        </p:sp>
+        <p:sp>
+          <p:nvSpPr>
+            <p:cNvPr id="28" name="Rectangle 27">
+              <a:extLst>
+                <a:ext uri="{FF2B5EF4-FFF2-40B4-BE49-F238E27FC236}">
+                  <a16:creationId xmlns:a16="http://schemas.microsoft.com/office/drawing/2014/main" id="{855AFF49-FE7B-4CFC-B84E-E80F1C1D3BCF}"/>
+                </a:ext>
+              </a:extLst>
+            </p:cNvPr>
+            <p:cNvSpPr/>
+            <p:nvPr/>
+          </p:nvSpPr>
+          <p:spPr>
+            <a:xfrm>
+              <a:off x="5867650" y="3059820"/>
+              <a:ext cx="2431467" cy="796564"/>
+            </a:xfrm>
+            <a:prstGeom prst="rect">
+              <a:avLst/>
+            </a:prstGeom>
+            <a:solidFill>
+              <a:srgbClr val="0070C0"/>
+            </a:solidFill>
+          </p:spPr>
+          <p:style>
+            <a:lnRef idx="2">
+              <a:schemeClr val="accent1">
+                <a:shade val="50000"/>
+              </a:schemeClr>
+            </a:lnRef>
+            <a:fillRef idx="1">
+              <a:schemeClr val="accent1"/>
+            </a:fillRef>
+            <a:effectRef idx="0">
+              <a:schemeClr val="accent1"/>
+            </a:effectRef>
+            <a:fontRef idx="minor">
+              <a:schemeClr val="lt1"/>
+            </a:fontRef>
+          </p:style>
+          <p:txBody>
+            <a:bodyPr lIns="72000" rIns="0" rtlCol="0" anchor="ctr"/>
+            <a:lstStyle/>
+            <a:p>
+              <a:pPr marL="0" marR="0" lvl="0" indent="0" algn="ctr" defTabSz="914400" rtl="0" eaLnBrk="1" fontAlgn="auto" latinLnBrk="0" hangingPunct="1">
+                <a:lnSpc>
+                  <a:spcPct val="100000"/>
+                </a:lnSpc>
+                <a:spcBef>
+                  <a:spcPts val="0"/>
+                </a:spcBef>
+                <a:spcAft>
+                  <a:spcPts val="0"/>
+                </a:spcAft>
+                <a:buClrTx/>
+                <a:buSzTx/>
+                <a:buFontTx/>
+                <a:buNone/>
+                <a:tabLst/>
+                <a:defRPr/>
+              </a:pPr>
+              <a:r>
+                <a:rPr kumimoji="0" lang="nl-NL" sz="900" b="1" i="0" u="none" strike="noStrike" kern="1200" cap="none" spc="0" normalizeH="0" baseline="0" noProof="0" dirty="0" err="1">
+                  <a:ln>
+                    <a:noFill/>
+                  </a:ln>
+                  <a:solidFill>
+                    <a:prstClr val="white"/>
+                  </a:solidFill>
+                  <a:effectLst/>
+                  <a:uLnTx/>
+                  <a:uFillTx/>
+                  <a:latin typeface="Calibri" panose="020F0502020204030204"/>
+                  <a:ea typeface="+mn-ea"/>
+                  <a:cs typeface="+mn-cs"/>
+                </a:rPr>
+                <a:t>Measurements</a:t>
+              </a:r>
+              <a:endParaRPr kumimoji="0" lang="nl-NL" sz="900" b="1" i="0" u="none" strike="noStrike" kern="1200" cap="none" spc="0" normalizeH="0" baseline="0" noProof="0" dirty="0">
                 <a:ln>
                   <a:noFill/>
                 </a:ln>
@@ -13594,30 +13798,44 @@
                 <a:latin typeface="Calibri" panose="020F0502020204030204"/>
                 <a:ea typeface="+mn-ea"/>
                 <a:cs typeface="+mn-cs"/>
-              </a:rPr>
-              <a:t>Traffic</a:t>
-            </a:r>
-          </a:p>
-          <a:p>
-            <a:pPr marL="0" marR="0" lvl="0" indent="0" algn="ctr" defTabSz="914400" rtl="0" eaLnBrk="1" fontAlgn="auto" latinLnBrk="0" hangingPunct="1">
-              <a:lnSpc>
-                <a:spcPct val="100000"/>
-              </a:lnSpc>
-              <a:spcBef>
-                <a:spcPts val="0"/>
-              </a:spcBef>
-              <a:spcAft>
-                <a:spcPts val="0"/>
-              </a:spcAft>
-              <a:buClrTx/>
-              <a:buSzTx/>
-              <a:buFontTx/>
-              <a:buNone/>
-              <a:tabLst/>
-              <a:defRPr/>
-            </a:pPr>
-            <a:r>
-              <a:rPr kumimoji="0" lang="nl-NL" sz="1200" b="1" i="0" u="none" strike="noStrike" kern="1200" cap="none" spc="0" normalizeH="0" baseline="0" noProof="0" dirty="0">
+              </a:endParaRPr>
+            </a:p>
+            <a:p>
+              <a:pPr marL="0" marR="0" lvl="0" indent="0" algn="ctr" defTabSz="914400" rtl="0" eaLnBrk="1" fontAlgn="auto" latinLnBrk="0" hangingPunct="1">
+                <a:lnSpc>
+                  <a:spcPct val="100000"/>
+                </a:lnSpc>
+                <a:spcBef>
+                  <a:spcPts val="0"/>
+                </a:spcBef>
+                <a:spcAft>
+                  <a:spcPts val="0"/>
+                </a:spcAft>
+                <a:buClrTx/>
+                <a:buSzTx/>
+                <a:buFontTx/>
+                <a:buNone/>
+                <a:tabLst/>
+                <a:defRPr/>
+              </a:pPr>
+              <a:r>
+                <a:rPr kumimoji="0" lang="nl-NL" sz="900" b="1" i="0" u="none" strike="noStrike" kern="1200" cap="none" spc="0" normalizeH="0" baseline="0" noProof="0" dirty="0">
+                  <a:ln>
+                    <a:noFill/>
+                  </a:ln>
+                  <a:solidFill>
+                    <a:prstClr val="white"/>
+                  </a:solidFill>
+                  <a:effectLst/>
+                  <a:uLnTx/>
+                  <a:uFillTx/>
+                  <a:latin typeface="Calibri" panose="020F0502020204030204"/>
+                  <a:ea typeface="+mn-ea"/>
+                  <a:cs typeface="+mn-cs"/>
+                </a:rPr>
+                <a:t>Service</a:t>
+              </a:r>
+              <a:endParaRPr kumimoji="0" lang="en-US" sz="900" b="1" i="0" u="none" strike="noStrike" kern="1200" cap="none" spc="0" normalizeH="0" baseline="0" noProof="0" dirty="0">
                 <a:ln>
                   <a:noFill/>
                 </a:ln>
@@ -13630,30 +13848,111 @@
                 <a:latin typeface="Calibri" panose="020F0502020204030204"/>
                 <a:ea typeface="+mn-ea"/>
                 <a:cs typeface="+mn-cs"/>
-              </a:rPr>
-              <a:t>Control</a:t>
-            </a:r>
-          </a:p>
-          <a:p>
-            <a:pPr marL="0" marR="0" lvl="0" indent="0" algn="ctr" defTabSz="914400" rtl="0" eaLnBrk="1" fontAlgn="auto" latinLnBrk="0" hangingPunct="1">
-              <a:lnSpc>
-                <a:spcPct val="100000"/>
-              </a:lnSpc>
-              <a:spcBef>
-                <a:spcPts val="0"/>
-              </a:spcBef>
-              <a:spcAft>
-                <a:spcPts val="0"/>
-              </a:spcAft>
-              <a:buClrTx/>
-              <a:buSzTx/>
-              <a:buFontTx/>
-              <a:buNone/>
-              <a:tabLst/>
-              <a:defRPr/>
-            </a:pPr>
-            <a:r>
-              <a:rPr kumimoji="0" lang="nl-NL" sz="1200" b="1" i="0" u="none" strike="noStrike" kern="1200" cap="none" spc="0" normalizeH="0" baseline="0" noProof="0" dirty="0">
+              </a:endParaRPr>
+            </a:p>
+          </p:txBody>
+        </p:sp>
+        <p:sp>
+          <p:nvSpPr>
+            <p:cNvPr id="4" name="Rectangle: Rounded Corners 3">
+              <a:extLst>
+                <a:ext uri="{FF2B5EF4-FFF2-40B4-BE49-F238E27FC236}">
+                  <a16:creationId xmlns:a16="http://schemas.microsoft.com/office/drawing/2014/main" id="{4A21F473-1306-4762-8A76-D6E31EAD2161}"/>
+                </a:ext>
+              </a:extLst>
+            </p:cNvPr>
+            <p:cNvSpPr/>
+            <p:nvPr/>
+          </p:nvSpPr>
+          <p:spPr>
+            <a:xfrm>
+              <a:off x="2844060" y="2712336"/>
+              <a:ext cx="881900" cy="273662"/>
+            </a:xfrm>
+            <a:prstGeom prst="roundRect">
+              <a:avLst>
+                <a:gd name="adj" fmla="val 50000"/>
+              </a:avLst>
+            </a:prstGeom>
+            <a:solidFill>
+              <a:srgbClr val="002060"/>
+            </a:solidFill>
+            <a:ln>
+              <a:noFill/>
+            </a:ln>
+          </p:spPr>
+          <p:style>
+            <a:lnRef idx="2">
+              <a:schemeClr val="accent6">
+                <a:shade val="50000"/>
+              </a:schemeClr>
+            </a:lnRef>
+            <a:fillRef idx="1">
+              <a:schemeClr val="accent6"/>
+            </a:fillRef>
+            <a:effectRef idx="0">
+              <a:schemeClr val="accent6"/>
+            </a:effectRef>
+            <a:fontRef idx="minor">
+              <a:schemeClr val="lt1"/>
+            </a:fontRef>
+          </p:style>
+          <p:txBody>
+            <a:bodyPr rtlCol="0" anchor="ctr"/>
+            <a:lstStyle/>
+            <a:p>
+              <a:pPr marL="0" marR="0" lvl="0" indent="0" defTabSz="914400" rtl="0" eaLnBrk="1" fontAlgn="auto" latinLnBrk="0" hangingPunct="1">
+                <a:lnSpc>
+                  <a:spcPct val="100000"/>
+                </a:lnSpc>
+                <a:spcBef>
+                  <a:spcPts val="0"/>
+                </a:spcBef>
+                <a:spcAft>
+                  <a:spcPts val="0"/>
+                </a:spcAft>
+                <a:buClrTx/>
+                <a:buSzTx/>
+                <a:buFontTx/>
+                <a:buNone/>
+                <a:tabLst/>
+                <a:defRPr/>
+              </a:pPr>
+              <a:r>
+                <a:rPr kumimoji="0" lang="nl-NL" sz="800" b="0" i="0" u="none" strike="noStrike" kern="1200" cap="none" spc="0" normalizeH="0" baseline="0" noProof="0" dirty="0">
+                  <a:ln>
+                    <a:noFill/>
+                  </a:ln>
+                  <a:solidFill>
+                    <a:prstClr val="white"/>
+                  </a:solidFill>
+                  <a:effectLst/>
+                  <a:uLnTx/>
+                  <a:uFillTx/>
+                  <a:latin typeface="Calibri" panose="020F0502020204030204"/>
+                  <a:ea typeface="+mn-ea"/>
+                  <a:cs typeface="+mn-cs"/>
+                </a:rPr>
+                <a:t>/</a:t>
+              </a:r>
+              <a:r>
+                <a:rPr kumimoji="0" lang="nl-NL" sz="800" b="0" i="0" u="none" strike="noStrike" kern="1200" cap="none" spc="0" normalizeH="0" baseline="0" noProof="0" dirty="0" err="1">
+                  <a:ln>
+                    <a:noFill/>
+                  </a:ln>
+                  <a:solidFill>
+                    <a:prstClr val="white"/>
+                  </a:solidFill>
+                  <a:effectLst/>
+                  <a:uLnTx/>
+                  <a:uFillTx/>
+                  <a:latin typeface="Calibri" panose="020F0502020204030204"/>
+                  <a:ea typeface="+mn-ea"/>
+                  <a:cs typeface="+mn-cs"/>
+                </a:rPr>
+                <a:t>entrycam</a:t>
+              </a:r>
+              <a:endParaRPr kumimoji="0" lang="en-US" sz="800" b="0" i="0" u="none" strike="noStrike" kern="1200" cap="none" spc="0" normalizeH="0" baseline="0" noProof="0" dirty="0">
                 <a:ln>
                   <a:noFill/>
                 </a:ln>
@@ -13666,89 +13965,111 @@
                 <a:latin typeface="Calibri" panose="020F0502020204030204"/>
                 <a:ea typeface="+mn-ea"/>
                 <a:cs typeface="+mn-cs"/>
-              </a:rPr>
-              <a:t>Service</a:t>
-            </a:r>
-            <a:endParaRPr kumimoji="0" lang="en-US" sz="1200" b="1" i="0" u="none" strike="noStrike" kern="1200" cap="none" spc="0" normalizeH="0" baseline="0" noProof="0" dirty="0">
-              <a:ln>
-                <a:noFill/>
-              </a:ln>
-              <a:solidFill>
-                <a:prstClr val="white"/>
-              </a:solidFill>
-              <a:effectLst/>
-              <a:uLnTx/>
-              <a:uFillTx/>
-              <a:latin typeface="Calibri" panose="020F0502020204030204"/>
-              <a:ea typeface="+mn-ea"/>
-              <a:cs typeface="+mn-cs"/>
-            </a:endParaRPr>
-          </a:p>
-        </p:txBody>
-      </p:sp>
-      <p:sp>
-        <p:nvSpPr>
-          <p:cNvPr id="28" name="Rectangle 27">
-            <a:extLst>
-              <a:ext uri="{FF2B5EF4-FFF2-40B4-BE49-F238E27FC236}">
-                <a16:creationId xmlns:a16="http://schemas.microsoft.com/office/drawing/2014/main" id="{855AFF49-FE7B-4CFC-B84E-E80F1C1D3BCF}"/>
-              </a:ext>
-            </a:extLst>
-          </p:cNvPr>
-          <p:cNvSpPr/>
-          <p:nvPr/>
-        </p:nvSpPr>
-        <p:spPr>
-          <a:xfrm>
-            <a:off x="5867650" y="3059820"/>
-            <a:ext cx="2431467" cy="796564"/>
-          </a:xfrm>
-          <a:prstGeom prst="rect">
-            <a:avLst/>
-          </a:prstGeom>
-          <a:solidFill>
-            <a:srgbClr val="0070C0"/>
-          </a:solidFill>
-        </p:spPr>
-        <p:style>
-          <a:lnRef idx="2">
-            <a:schemeClr val="accent1">
-              <a:shade val="50000"/>
-            </a:schemeClr>
-          </a:lnRef>
-          <a:fillRef idx="1">
-            <a:schemeClr val="accent1"/>
-          </a:fillRef>
-          <a:effectRef idx="0">
-            <a:schemeClr val="accent1"/>
-          </a:effectRef>
-          <a:fontRef idx="minor">
-            <a:schemeClr val="lt1"/>
-          </a:fontRef>
-        </p:style>
-        <p:txBody>
-          <a:bodyPr lIns="72000" rIns="0" rtlCol="0" anchor="ctr"/>
-          <a:lstStyle/>
-          <a:p>
-            <a:pPr marL="0" marR="0" lvl="0" indent="0" algn="ctr" defTabSz="914400" rtl="0" eaLnBrk="1" fontAlgn="auto" latinLnBrk="0" hangingPunct="1">
-              <a:lnSpc>
-                <a:spcPct val="100000"/>
-              </a:lnSpc>
-              <a:spcBef>
-                <a:spcPts val="0"/>
-              </a:spcBef>
-              <a:spcAft>
-                <a:spcPts val="0"/>
-              </a:spcAft>
-              <a:buClrTx/>
-              <a:buSzTx/>
-              <a:buFontTx/>
-              <a:buNone/>
-              <a:tabLst/>
-              <a:defRPr/>
-            </a:pPr>
-            <a:r>
-              <a:rPr kumimoji="0" lang="nl-NL" sz="1200" b="1" i="0" u="none" strike="noStrike" kern="1200" cap="none" spc="0" normalizeH="0" baseline="0" noProof="0" dirty="0" err="1">
+              </a:endParaRPr>
+            </a:p>
+          </p:txBody>
+        </p:sp>
+        <p:sp>
+          <p:nvSpPr>
+            <p:cNvPr id="29" name="Rectangle: Rounded Corners 28">
+              <a:extLst>
+                <a:ext uri="{FF2B5EF4-FFF2-40B4-BE49-F238E27FC236}">
+                  <a16:creationId xmlns:a16="http://schemas.microsoft.com/office/drawing/2014/main" id="{45E11952-9BB9-456F-AE51-F0E5037206D4}"/>
+                </a:ext>
+              </a:extLst>
+            </p:cNvPr>
+            <p:cNvSpPr/>
+            <p:nvPr/>
+          </p:nvSpPr>
+          <p:spPr>
+            <a:xfrm>
+              <a:off x="2844060" y="3061586"/>
+              <a:ext cx="881900" cy="273662"/>
+            </a:xfrm>
+            <a:prstGeom prst="roundRect">
+              <a:avLst>
+                <a:gd name="adj" fmla="val 50000"/>
+              </a:avLst>
+            </a:prstGeom>
+            <a:solidFill>
+              <a:srgbClr val="002060"/>
+            </a:solidFill>
+            <a:ln>
+              <a:noFill/>
+            </a:ln>
+          </p:spPr>
+          <p:style>
+            <a:lnRef idx="2">
+              <a:schemeClr val="accent6">
+                <a:shade val="50000"/>
+              </a:schemeClr>
+            </a:lnRef>
+            <a:fillRef idx="1">
+              <a:schemeClr val="accent6"/>
+            </a:fillRef>
+            <a:effectRef idx="0">
+              <a:schemeClr val="accent6"/>
+            </a:effectRef>
+            <a:fontRef idx="minor">
+              <a:schemeClr val="lt1"/>
+            </a:fontRef>
+          </p:style>
+          <p:txBody>
+            <a:bodyPr rtlCol="0" anchor="ctr"/>
+            <a:lstStyle/>
+            <a:p>
+              <a:pPr marL="0" marR="0" lvl="0" indent="0" defTabSz="914400" rtl="0" eaLnBrk="1" fontAlgn="auto" latinLnBrk="0" hangingPunct="1">
+                <a:lnSpc>
+                  <a:spcPct val="100000"/>
+                </a:lnSpc>
+                <a:spcBef>
+                  <a:spcPts val="0"/>
+                </a:spcBef>
+                <a:spcAft>
+                  <a:spcPts val="0"/>
+                </a:spcAft>
+                <a:buClrTx/>
+                <a:buSzTx/>
+                <a:buFontTx/>
+                <a:buNone/>
+                <a:tabLst/>
+                <a:defRPr/>
+              </a:pPr>
+              <a:r>
+                <a:rPr kumimoji="0" lang="nl-NL" sz="800" b="0" i="0" u="none" strike="noStrike" kern="1200" cap="none" spc="0" normalizeH="0" baseline="0" noProof="0" dirty="0">
+                  <a:ln>
+                    <a:noFill/>
+                  </a:ln>
+                  <a:solidFill>
+                    <a:prstClr val="white"/>
+                  </a:solidFill>
+                  <a:effectLst/>
+                  <a:uLnTx/>
+                  <a:uFillTx/>
+                  <a:latin typeface="Calibri" panose="020F0502020204030204"/>
+                  <a:ea typeface="+mn-ea"/>
+                  <a:cs typeface="+mn-cs"/>
+                </a:rPr>
+                <a:t>/</a:t>
+              </a:r>
+              <a:r>
+                <a:rPr kumimoji="0" lang="nl-NL" sz="800" b="0" i="0" u="none" strike="noStrike" kern="1200" cap="none" spc="0" normalizeH="0" baseline="0" noProof="0" dirty="0" err="1">
+                  <a:ln>
+                    <a:noFill/>
+                  </a:ln>
+                  <a:solidFill>
+                    <a:prstClr val="white"/>
+                  </a:solidFill>
+                  <a:effectLst/>
+                  <a:uLnTx/>
+                  <a:uFillTx/>
+                  <a:latin typeface="Calibri" panose="020F0502020204030204"/>
+                  <a:ea typeface="+mn-ea"/>
+                  <a:cs typeface="+mn-cs"/>
+                </a:rPr>
+                <a:t>exitcam</a:t>
+              </a:r>
+              <a:endParaRPr kumimoji="0" lang="en-US" sz="800" b="0" i="0" u="none" strike="noStrike" kern="1200" cap="none" spc="0" normalizeH="0" baseline="0" noProof="0" dirty="0">
                 <a:ln>
                   <a:noFill/>
                 </a:ln>
@@ -13761,44 +14082,95 @@
                 <a:latin typeface="Calibri" panose="020F0502020204030204"/>
                 <a:ea typeface="+mn-ea"/>
                 <a:cs typeface="+mn-cs"/>
-              </a:rPr>
-              <a:t>Measurements</a:t>
-            </a:r>
-            <a:endParaRPr kumimoji="0" lang="nl-NL" sz="1200" b="1" i="0" u="none" strike="noStrike" kern="1200" cap="none" spc="0" normalizeH="0" baseline="0" noProof="0" dirty="0">
-              <a:ln>
-                <a:noFill/>
-              </a:ln>
-              <a:solidFill>
-                <a:prstClr val="white"/>
-              </a:solidFill>
-              <a:effectLst/>
-              <a:uLnTx/>
-              <a:uFillTx/>
-              <a:latin typeface="Calibri" panose="020F0502020204030204"/>
-              <a:ea typeface="+mn-ea"/>
-              <a:cs typeface="+mn-cs"/>
-            </a:endParaRPr>
-          </a:p>
-          <a:p>
-            <a:pPr marL="0" marR="0" lvl="0" indent="0" algn="ctr" defTabSz="914400" rtl="0" eaLnBrk="1" fontAlgn="auto" latinLnBrk="0" hangingPunct="1">
-              <a:lnSpc>
-                <a:spcPct val="100000"/>
-              </a:lnSpc>
-              <a:spcBef>
-                <a:spcPts val="0"/>
-              </a:spcBef>
-              <a:spcAft>
-                <a:spcPts val="0"/>
-              </a:spcAft>
-              <a:buClrTx/>
-              <a:buSzTx/>
-              <a:buFontTx/>
-              <a:buNone/>
-              <a:tabLst/>
-              <a:defRPr/>
-            </a:pPr>
-            <a:r>
-              <a:rPr kumimoji="0" lang="nl-NL" sz="1200" b="1" i="0" u="none" strike="noStrike" kern="1200" cap="none" spc="0" normalizeH="0" baseline="0" noProof="0" dirty="0">
+              </a:endParaRPr>
+            </a:p>
+          </p:txBody>
+        </p:sp>
+        <p:sp>
+          <p:nvSpPr>
+            <p:cNvPr id="31" name="Rectangle: Rounded Corners 30">
+              <a:extLst>
+                <a:ext uri="{FF2B5EF4-FFF2-40B4-BE49-F238E27FC236}">
+                  <a16:creationId xmlns:a16="http://schemas.microsoft.com/office/drawing/2014/main" id="{8BE3FE1E-9AF8-4982-A76E-71DF12239796}"/>
+                </a:ext>
+              </a:extLst>
+            </p:cNvPr>
+            <p:cNvSpPr/>
+            <p:nvPr/>
+          </p:nvSpPr>
+          <p:spPr>
+            <a:xfrm>
+              <a:off x="5442765" y="3141488"/>
+              <a:ext cx="1083008" cy="273662"/>
+            </a:xfrm>
+            <a:prstGeom prst="roundRect">
+              <a:avLst>
+                <a:gd name="adj" fmla="val 50000"/>
+              </a:avLst>
+            </a:prstGeom>
+            <a:solidFill>
+              <a:srgbClr val="002060"/>
+            </a:solidFill>
+            <a:ln>
+              <a:noFill/>
+            </a:ln>
+          </p:spPr>
+          <p:style>
+            <a:lnRef idx="2">
+              <a:schemeClr val="accent6">
+                <a:shade val="50000"/>
+              </a:schemeClr>
+            </a:lnRef>
+            <a:fillRef idx="1">
+              <a:schemeClr val="accent6"/>
+            </a:fillRef>
+            <a:effectRef idx="0">
+              <a:schemeClr val="accent6"/>
+            </a:effectRef>
+            <a:fontRef idx="minor">
+              <a:schemeClr val="lt1"/>
+            </a:fontRef>
+          </p:style>
+          <p:txBody>
+            <a:bodyPr rtlCol="0" anchor="ctr"/>
+            <a:lstStyle/>
+            <a:p>
+              <a:pPr marL="0" marR="0" lvl="0" indent="0" defTabSz="914400" rtl="0" eaLnBrk="1" fontAlgn="auto" latinLnBrk="0" hangingPunct="1">
+                <a:lnSpc>
+                  <a:spcPct val="100000"/>
+                </a:lnSpc>
+                <a:spcBef>
+                  <a:spcPts val="0"/>
+                </a:spcBef>
+                <a:spcAft>
+                  <a:spcPts val="0"/>
+                </a:spcAft>
+                <a:buClrTx/>
+                <a:buSzTx/>
+                <a:buFontTx/>
+                <a:buNone/>
+                <a:tabLst/>
+                <a:defRPr/>
+              </a:pPr>
+              <a:r>
+                <a:rPr lang="nl-NL" sz="800" dirty="0">
+                  <a:solidFill>
+                    <a:prstClr val="white"/>
+                  </a:solidFill>
+                  <a:latin typeface="Calibri" panose="020F0502020204030204"/>
+                </a:rPr>
+                <a:t>/</a:t>
+              </a:r>
+              <a:r>
+                <a:rPr lang="nl-NL" sz="800" dirty="0" err="1">
+                  <a:solidFill>
+                    <a:prstClr val="white"/>
+                  </a:solidFill>
+                  <a:latin typeface="Calibri" panose="020F0502020204030204"/>
+                </a:rPr>
+                <a:t>averageSpeed</a:t>
+              </a:r>
+              <a:endParaRPr kumimoji="0" lang="en-US" sz="800" b="0" i="0" u="none" strike="noStrike" kern="1200" cap="none" spc="0" normalizeH="0" baseline="0" noProof="0" dirty="0">
                 <a:ln>
                   <a:noFill/>
                 </a:ln>
@@ -13811,94 +14183,226 @@
                 <a:latin typeface="Calibri" panose="020F0502020204030204"/>
                 <a:ea typeface="+mn-ea"/>
                 <a:cs typeface="+mn-cs"/>
-              </a:rPr>
-              <a:t>Service</a:t>
-            </a:r>
-            <a:endParaRPr kumimoji="0" lang="en-US" sz="1200" b="1" i="0" u="none" strike="noStrike" kern="1200" cap="none" spc="0" normalizeH="0" baseline="0" noProof="0" dirty="0">
-              <a:ln>
-                <a:noFill/>
-              </a:ln>
+              </a:endParaRPr>
+            </a:p>
+          </p:txBody>
+        </p:sp>
+        <p:cxnSp>
+          <p:nvCxnSpPr>
+            <p:cNvPr id="7" name="Straight Arrow Connector 6">
+              <a:extLst>
+                <a:ext uri="{FF2B5EF4-FFF2-40B4-BE49-F238E27FC236}">
+                  <a16:creationId xmlns:a16="http://schemas.microsoft.com/office/drawing/2014/main" id="{9D2F5525-B012-456D-BFBA-EBADDC2208E2}"/>
+                </a:ext>
+              </a:extLst>
+            </p:cNvPr>
+            <p:cNvCxnSpPr>
+              <a:cxnSpLocks/>
+              <a:stCxn id="3" idx="3"/>
+              <a:endCxn id="4" idx="1"/>
+            </p:cNvCxnSpPr>
+            <p:nvPr/>
+          </p:nvCxnSpPr>
+          <p:spPr>
+            <a:xfrm flipV="1">
+              <a:off x="2278372" y="2849167"/>
+              <a:ext cx="565688" cy="181550"/>
+            </a:xfrm>
+            <a:prstGeom prst="straightConnector1">
+              <a:avLst/>
+            </a:prstGeom>
+            <a:ln w="19050">
               <a:solidFill>
-                <a:prstClr val="white"/>
+                <a:schemeClr val="tx1"/>
               </a:solidFill>
-              <a:effectLst/>
-              <a:uLnTx/>
-              <a:uFillTx/>
-              <a:latin typeface="Calibri" panose="020F0502020204030204"/>
-              <a:ea typeface="+mn-ea"/>
-              <a:cs typeface="+mn-cs"/>
-            </a:endParaRPr>
-          </a:p>
-        </p:txBody>
-      </p:sp>
-      <p:sp>
-        <p:nvSpPr>
-          <p:cNvPr id="4" name="Rectangle: Rounded Corners 3">
-            <a:extLst>
-              <a:ext uri="{FF2B5EF4-FFF2-40B4-BE49-F238E27FC236}">
-                <a16:creationId xmlns:a16="http://schemas.microsoft.com/office/drawing/2014/main" id="{4A21F473-1306-4762-8A76-D6E31EAD2161}"/>
-              </a:ext>
-            </a:extLst>
-          </p:cNvPr>
-          <p:cNvSpPr/>
-          <p:nvPr/>
-        </p:nvSpPr>
-        <p:spPr>
-          <a:xfrm>
-            <a:off x="2844060" y="2712336"/>
-            <a:ext cx="881900" cy="273662"/>
-          </a:xfrm>
-          <a:prstGeom prst="roundRect">
-            <a:avLst>
-              <a:gd name="adj" fmla="val 50000"/>
-            </a:avLst>
-          </a:prstGeom>
-          <a:solidFill>
-            <a:srgbClr val="002060"/>
-          </a:solidFill>
-          <a:ln>
-            <a:noFill/>
-          </a:ln>
-        </p:spPr>
-        <p:style>
-          <a:lnRef idx="2">
-            <a:schemeClr val="accent6">
-              <a:shade val="50000"/>
-            </a:schemeClr>
-          </a:lnRef>
-          <a:fillRef idx="1">
-            <a:schemeClr val="accent6"/>
-          </a:fillRef>
-          <a:effectRef idx="0">
-            <a:schemeClr val="accent6"/>
-          </a:effectRef>
-          <a:fontRef idx="minor">
-            <a:schemeClr val="lt1"/>
-          </a:fontRef>
-        </p:style>
-        <p:txBody>
-          <a:bodyPr rtlCol="0" anchor="ctr"/>
-          <a:lstStyle/>
-          <a:p>
-            <a:pPr marL="0" marR="0" lvl="0" indent="0" defTabSz="914400" rtl="0" eaLnBrk="1" fontAlgn="auto" latinLnBrk="0" hangingPunct="1">
-              <a:lnSpc>
-                <a:spcPct val="100000"/>
-              </a:lnSpc>
-              <a:spcBef>
-                <a:spcPts val="0"/>
-              </a:spcBef>
-              <a:spcAft>
-                <a:spcPts val="0"/>
-              </a:spcAft>
-              <a:buClrTx/>
-              <a:buSzTx/>
-              <a:buFontTx/>
-              <a:buNone/>
-              <a:tabLst/>
-              <a:defRPr/>
-            </a:pPr>
-            <a:r>
-              <a:rPr kumimoji="0" lang="nl-NL" sz="1050" b="0" i="0" u="none" strike="noStrike" kern="1200" cap="none" spc="0" normalizeH="0" baseline="0" noProof="0" dirty="0">
+              <a:tailEnd type="triangle"/>
+            </a:ln>
+          </p:spPr>
+          <p:style>
+            <a:lnRef idx="1">
+              <a:schemeClr val="accent1"/>
+            </a:lnRef>
+            <a:fillRef idx="0">
+              <a:schemeClr val="accent1"/>
+            </a:fillRef>
+            <a:effectRef idx="0">
+              <a:schemeClr val="accent1"/>
+            </a:effectRef>
+            <a:fontRef idx="minor">
+              <a:schemeClr val="tx1"/>
+            </a:fontRef>
+          </p:style>
+        </p:cxnSp>
+        <p:cxnSp>
+          <p:nvCxnSpPr>
+            <p:cNvPr id="34" name="Straight Arrow Connector 33">
+              <a:extLst>
+                <a:ext uri="{FF2B5EF4-FFF2-40B4-BE49-F238E27FC236}">
+                  <a16:creationId xmlns:a16="http://schemas.microsoft.com/office/drawing/2014/main" id="{2751A23B-3249-4DF6-A4C4-797B4935C539}"/>
+                </a:ext>
+              </a:extLst>
+            </p:cNvPr>
+            <p:cNvCxnSpPr>
+              <a:cxnSpLocks/>
+              <a:stCxn id="3" idx="3"/>
+              <a:endCxn id="29" idx="1"/>
+            </p:cNvCxnSpPr>
+            <p:nvPr/>
+          </p:nvCxnSpPr>
+          <p:spPr>
+            <a:xfrm>
+              <a:off x="2278372" y="3030717"/>
+              <a:ext cx="565688" cy="167700"/>
+            </a:xfrm>
+            <a:prstGeom prst="straightConnector1">
+              <a:avLst/>
+            </a:prstGeom>
+            <a:ln w="19050">
+              <a:solidFill>
+                <a:schemeClr val="tx1"/>
+              </a:solidFill>
+              <a:tailEnd type="triangle"/>
+            </a:ln>
+          </p:spPr>
+          <p:style>
+            <a:lnRef idx="1">
+              <a:schemeClr val="accent1"/>
+            </a:lnRef>
+            <a:fillRef idx="0">
+              <a:schemeClr val="accent1"/>
+            </a:fillRef>
+            <a:effectRef idx="0">
+              <a:schemeClr val="accent1"/>
+            </a:effectRef>
+            <a:fontRef idx="minor">
+              <a:schemeClr val="tx1"/>
+            </a:fontRef>
+          </p:style>
+        </p:cxnSp>
+        <p:cxnSp>
+          <p:nvCxnSpPr>
+            <p:cNvPr id="40" name="Straight Arrow Connector 39">
+              <a:extLst>
+                <a:ext uri="{FF2B5EF4-FFF2-40B4-BE49-F238E27FC236}">
+                  <a16:creationId xmlns:a16="http://schemas.microsoft.com/office/drawing/2014/main" id="{8F0D0570-9E5C-4D3F-8C69-7492819819CA}"/>
+                </a:ext>
+              </a:extLst>
+            </p:cNvPr>
+            <p:cNvCxnSpPr>
+              <a:cxnSpLocks/>
+              <a:stCxn id="27" idx="3"/>
+              <a:endCxn id="31" idx="1"/>
+            </p:cNvCxnSpPr>
+            <p:nvPr/>
+          </p:nvCxnSpPr>
+          <p:spPr>
+            <a:xfrm>
+              <a:off x="4473333" y="3030718"/>
+              <a:ext cx="969432" cy="247603"/>
+            </a:xfrm>
+            <a:prstGeom prst="bentConnector3">
+              <a:avLst>
+                <a:gd name="adj1" fmla="val 50000"/>
+              </a:avLst>
+            </a:prstGeom>
+            <a:ln w="19050">
+              <a:solidFill>
+                <a:schemeClr val="tx1"/>
+              </a:solidFill>
+              <a:tailEnd type="triangle"/>
+            </a:ln>
+          </p:spPr>
+          <p:style>
+            <a:lnRef idx="1">
+              <a:schemeClr val="accent1"/>
+            </a:lnRef>
+            <a:fillRef idx="0">
+              <a:schemeClr val="accent1"/>
+            </a:fillRef>
+            <a:effectRef idx="0">
+              <a:schemeClr val="accent1"/>
+            </a:effectRef>
+            <a:fontRef idx="minor">
+              <a:schemeClr val="tx1"/>
+            </a:fontRef>
+          </p:style>
+        </p:cxnSp>
+        <p:sp>
+          <p:nvSpPr>
+            <p:cNvPr id="6" name="Rectangle: Rounded Corners 5">
+              <a:extLst>
+                <a:ext uri="{FF2B5EF4-FFF2-40B4-BE49-F238E27FC236}">
+                  <a16:creationId xmlns:a16="http://schemas.microsoft.com/office/drawing/2014/main" id="{69AA8C8D-3649-18C2-0565-0BA30408B933}"/>
+                </a:ext>
+              </a:extLst>
+            </p:cNvPr>
+            <p:cNvSpPr/>
+            <p:nvPr/>
+          </p:nvSpPr>
+          <p:spPr>
+            <a:xfrm>
+              <a:off x="5442765" y="3487443"/>
+              <a:ext cx="1083008" cy="273662"/>
+            </a:xfrm>
+            <a:prstGeom prst="roundRect">
+              <a:avLst>
+                <a:gd name="adj" fmla="val 50000"/>
+              </a:avLst>
+            </a:prstGeom>
+            <a:solidFill>
+              <a:srgbClr val="002060"/>
+            </a:solidFill>
+            <a:ln>
+              <a:noFill/>
+            </a:ln>
+          </p:spPr>
+          <p:style>
+            <a:lnRef idx="2">
+              <a:schemeClr val="accent6">
+                <a:shade val="50000"/>
+              </a:schemeClr>
+            </a:lnRef>
+            <a:fillRef idx="1">
+              <a:schemeClr val="accent6"/>
+            </a:fillRef>
+            <a:effectRef idx="0">
+              <a:schemeClr val="accent6"/>
+            </a:effectRef>
+            <a:fontRef idx="minor">
+              <a:schemeClr val="lt1"/>
+            </a:fontRef>
+          </p:style>
+          <p:txBody>
+            <a:bodyPr rtlCol="0" anchor="ctr"/>
+            <a:lstStyle/>
+            <a:p>
+              <a:pPr marL="0" marR="0" lvl="0" indent="0" defTabSz="914400" rtl="0" eaLnBrk="1" fontAlgn="auto" latinLnBrk="0" hangingPunct="1">
+                <a:lnSpc>
+                  <a:spcPct val="100000"/>
+                </a:lnSpc>
+                <a:spcBef>
+                  <a:spcPts val="0"/>
+                </a:spcBef>
+                <a:spcAft>
+                  <a:spcPts val="0"/>
+                </a:spcAft>
+                <a:buClrTx/>
+                <a:buSzTx/>
+                <a:buFontTx/>
+                <a:buNone/>
+                <a:tabLst/>
+                <a:defRPr/>
+              </a:pPr>
+              <a:r>
+                <a:rPr lang="nl-NL" sz="800" dirty="0">
+                  <a:solidFill>
+                    <a:prstClr val="white"/>
+                  </a:solidFill>
+                  <a:latin typeface="Calibri" panose="020F0502020204030204"/>
+                </a:rPr>
+                <a:t>/co2Level</a:t>
+              </a:r>
+              <a:endParaRPr kumimoji="0" lang="en-US" sz="800" b="0" i="0" u="none" strike="noStrike" kern="1200" cap="none" spc="0" normalizeH="0" baseline="0" noProof="0" dirty="0">
                 <a:ln>
                   <a:noFill/>
                 </a:ln>
@@ -13911,11 +14415,173 @@
                 <a:latin typeface="Calibri" panose="020F0502020204030204"/>
                 <a:ea typeface="+mn-ea"/>
                 <a:cs typeface="+mn-cs"/>
-              </a:rPr>
-              <a:t>/</a:t>
-            </a:r>
-            <a:r>
-              <a:rPr kumimoji="0" lang="nl-NL" sz="1050" b="0" i="0" u="none" strike="noStrike" kern="1200" cap="none" spc="0" normalizeH="0" baseline="0" noProof="0" dirty="0" err="1">
+              </a:endParaRPr>
+            </a:p>
+          </p:txBody>
+        </p:sp>
+        <p:cxnSp>
+          <p:nvCxnSpPr>
+            <p:cNvPr id="8" name="Straight Arrow Connector 7">
+              <a:extLst>
+                <a:ext uri="{FF2B5EF4-FFF2-40B4-BE49-F238E27FC236}">
+                  <a16:creationId xmlns:a16="http://schemas.microsoft.com/office/drawing/2014/main" id="{B458D0F6-E762-A6E5-797D-E7B4166B6A66}"/>
+                </a:ext>
+              </a:extLst>
+            </p:cNvPr>
+            <p:cNvCxnSpPr>
+              <a:cxnSpLocks/>
+              <a:stCxn id="11" idx="3"/>
+              <a:endCxn id="6" idx="1"/>
+            </p:cNvCxnSpPr>
+            <p:nvPr/>
+          </p:nvCxnSpPr>
+          <p:spPr>
+            <a:xfrm flipV="1">
+              <a:off x="2278372" y="3624274"/>
+              <a:ext cx="3164393" cy="384559"/>
+            </a:xfrm>
+            <a:prstGeom prst="bentConnector3">
+              <a:avLst>
+                <a:gd name="adj1" fmla="val 85001"/>
+              </a:avLst>
+            </a:prstGeom>
+            <a:ln w="19050">
+              <a:solidFill>
+                <a:schemeClr val="tx1"/>
+              </a:solidFill>
+              <a:tailEnd type="triangle"/>
+            </a:ln>
+          </p:spPr>
+          <p:style>
+            <a:lnRef idx="1">
+              <a:schemeClr val="accent1"/>
+            </a:lnRef>
+            <a:fillRef idx="0">
+              <a:schemeClr val="accent1"/>
+            </a:fillRef>
+            <a:effectRef idx="0">
+              <a:schemeClr val="accent1"/>
+            </a:effectRef>
+            <a:fontRef idx="minor">
+              <a:schemeClr val="tx1"/>
+            </a:fontRef>
+          </p:style>
+        </p:cxnSp>
+        <p:sp>
+          <p:nvSpPr>
+            <p:cNvPr id="11" name="Rectangle 10">
+              <a:extLst>
+                <a:ext uri="{FF2B5EF4-FFF2-40B4-BE49-F238E27FC236}">
+                  <a16:creationId xmlns:a16="http://schemas.microsoft.com/office/drawing/2014/main" id="{8CC6B7FE-3D49-7D7C-BF93-C8E7963D5FE8}"/>
+                </a:ext>
+              </a:extLst>
+            </p:cNvPr>
+            <p:cNvSpPr/>
+            <p:nvPr/>
+          </p:nvSpPr>
+          <p:spPr>
+            <a:xfrm>
+              <a:off x="1180412" y="3610550"/>
+              <a:ext cx="1097960" cy="796566"/>
+            </a:xfrm>
+            <a:prstGeom prst="rect">
+              <a:avLst/>
+            </a:prstGeom>
+            <a:solidFill>
+              <a:srgbClr val="0070C0"/>
+            </a:solidFill>
+          </p:spPr>
+          <p:style>
+            <a:lnRef idx="2">
+              <a:schemeClr val="accent1">
+                <a:shade val="50000"/>
+              </a:schemeClr>
+            </a:lnRef>
+            <a:fillRef idx="1">
+              <a:schemeClr val="accent1"/>
+            </a:fillRef>
+            <a:effectRef idx="0">
+              <a:schemeClr val="accent1"/>
+            </a:effectRef>
+            <a:fontRef idx="minor">
+              <a:schemeClr val="lt1"/>
+            </a:fontRef>
+          </p:style>
+          <p:txBody>
+            <a:bodyPr rtlCol="0" anchor="ctr"/>
+            <a:lstStyle/>
+            <a:p>
+              <a:pPr marL="0" marR="0" lvl="0" indent="0" algn="ctr" defTabSz="914400" rtl="0" eaLnBrk="1" fontAlgn="auto" latinLnBrk="0" hangingPunct="1">
+                <a:lnSpc>
+                  <a:spcPct val="100000"/>
+                </a:lnSpc>
+                <a:spcBef>
+                  <a:spcPts val="0"/>
+                </a:spcBef>
+                <a:spcAft>
+                  <a:spcPts val="0"/>
+                </a:spcAft>
+                <a:buClrTx/>
+                <a:buSzTx/>
+                <a:buFontTx/>
+                <a:buNone/>
+                <a:tabLst/>
+                <a:defRPr/>
+              </a:pPr>
+              <a:r>
+                <a:rPr kumimoji="0" lang="nl-NL" sz="900" b="1" i="0" u="none" strike="noStrike" kern="1200" cap="none" spc="0" normalizeH="0" baseline="0" noProof="0" dirty="0">
+                  <a:ln>
+                    <a:noFill/>
+                  </a:ln>
+                  <a:solidFill>
+                    <a:prstClr val="white"/>
+                  </a:solidFill>
+                  <a:effectLst/>
+                  <a:uLnTx/>
+                  <a:uFillTx/>
+                  <a:latin typeface="Calibri" panose="020F0502020204030204"/>
+                  <a:ea typeface="+mn-ea"/>
+                  <a:cs typeface="+mn-cs"/>
+                </a:rPr>
+                <a:t>CO2 Sensor</a:t>
+              </a:r>
+            </a:p>
+            <a:p>
+              <a:pPr marL="0" marR="0" lvl="0" indent="0" algn="ctr" defTabSz="914400" rtl="0" eaLnBrk="1" fontAlgn="auto" latinLnBrk="0" hangingPunct="1">
+                <a:lnSpc>
+                  <a:spcPct val="100000"/>
+                </a:lnSpc>
+                <a:spcBef>
+                  <a:spcPts val="0"/>
+                </a:spcBef>
+                <a:spcAft>
+                  <a:spcPts val="0"/>
+                </a:spcAft>
+                <a:buClrTx/>
+                <a:buSzTx/>
+                <a:buFontTx/>
+                <a:buNone/>
+                <a:tabLst/>
+                <a:defRPr/>
+              </a:pPr>
+              <a:r>
+                <a:rPr kumimoji="0" lang="nl-NL" sz="900" b="1" i="0" u="none" strike="noStrike" kern="1200" cap="none" spc="0" normalizeH="0" baseline="0" noProof="0" dirty="0" err="1">
+                  <a:ln>
+                    <a:noFill/>
+                  </a:ln>
+                  <a:solidFill>
+                    <a:prstClr val="white"/>
+                  </a:solidFill>
+                  <a:effectLst/>
+                  <a:uLnTx/>
+                  <a:uFillTx/>
+                  <a:latin typeface="Calibri" panose="020F0502020204030204"/>
+                  <a:ea typeface="+mn-ea"/>
+                  <a:cs typeface="+mn-cs"/>
+                </a:rPr>
+                <a:t>Simulation</a:t>
+              </a:r>
+              <a:endParaRPr kumimoji="0" lang="nl-NL" sz="900" b="1" i="0" u="none" strike="noStrike" kern="1200" cap="none" spc="0" normalizeH="0" baseline="0" noProof="0" dirty="0">
                 <a:ln>
                   <a:noFill/>
                 </a:ln>
@@ -13928,94 +14594,89 @@
                 <a:latin typeface="Calibri" panose="020F0502020204030204"/>
                 <a:ea typeface="+mn-ea"/>
                 <a:cs typeface="+mn-cs"/>
-              </a:rPr>
-              <a:t>entrycam</a:t>
-            </a:r>
-            <a:endParaRPr kumimoji="0" lang="en-US" sz="1050" b="0" i="0" u="none" strike="noStrike" kern="1200" cap="none" spc="0" normalizeH="0" baseline="0" noProof="0" dirty="0">
-              <a:ln>
-                <a:noFill/>
-              </a:ln>
-              <a:solidFill>
-                <a:prstClr val="white"/>
-              </a:solidFill>
-              <a:effectLst/>
-              <a:uLnTx/>
-              <a:uFillTx/>
-              <a:latin typeface="Calibri" panose="020F0502020204030204"/>
-              <a:ea typeface="+mn-ea"/>
-              <a:cs typeface="+mn-cs"/>
-            </a:endParaRPr>
-          </a:p>
-        </p:txBody>
-      </p:sp>
-      <p:sp>
-        <p:nvSpPr>
-          <p:cNvPr id="29" name="Rectangle: Rounded Corners 28">
-            <a:extLst>
-              <a:ext uri="{FF2B5EF4-FFF2-40B4-BE49-F238E27FC236}">
-                <a16:creationId xmlns:a16="http://schemas.microsoft.com/office/drawing/2014/main" id="{45E11952-9BB9-456F-AE51-F0E5037206D4}"/>
-              </a:ext>
-            </a:extLst>
-          </p:cNvPr>
-          <p:cNvSpPr/>
-          <p:nvPr/>
-        </p:nvSpPr>
-        <p:spPr>
-          <a:xfrm>
-            <a:off x="2844060" y="3061586"/>
-            <a:ext cx="881900" cy="273662"/>
-          </a:xfrm>
-          <a:prstGeom prst="roundRect">
-            <a:avLst>
-              <a:gd name="adj" fmla="val 50000"/>
-            </a:avLst>
-          </a:prstGeom>
-          <a:solidFill>
-            <a:srgbClr val="002060"/>
-          </a:solidFill>
-          <a:ln>
-            <a:noFill/>
-          </a:ln>
-        </p:spPr>
-        <p:style>
-          <a:lnRef idx="2">
-            <a:schemeClr val="accent6">
-              <a:shade val="50000"/>
-            </a:schemeClr>
-          </a:lnRef>
-          <a:fillRef idx="1">
-            <a:schemeClr val="accent6"/>
-          </a:fillRef>
-          <a:effectRef idx="0">
-            <a:schemeClr val="accent6"/>
-          </a:effectRef>
-          <a:fontRef idx="minor">
-            <a:schemeClr val="lt1"/>
-          </a:fontRef>
-        </p:style>
-        <p:txBody>
-          <a:bodyPr rtlCol="0" anchor="ctr"/>
-          <a:lstStyle/>
-          <a:p>
-            <a:pPr marL="0" marR="0" lvl="0" indent="0" defTabSz="914400" rtl="0" eaLnBrk="1" fontAlgn="auto" latinLnBrk="0" hangingPunct="1">
-              <a:lnSpc>
-                <a:spcPct val="100000"/>
-              </a:lnSpc>
-              <a:spcBef>
-                <a:spcPts val="0"/>
-              </a:spcBef>
-              <a:spcAft>
-                <a:spcPts val="0"/>
-              </a:spcAft>
-              <a:buClrTx/>
-              <a:buSzTx/>
-              <a:buFontTx/>
-              <a:buNone/>
-              <a:tabLst/>
-              <a:defRPr/>
-            </a:pPr>
-            <a:r>
-              <a:rPr kumimoji="0" lang="nl-NL" sz="1050" b="0" i="0" u="none" strike="noStrike" kern="1200" cap="none" spc="0" normalizeH="0" baseline="0" noProof="0" dirty="0">
+              </a:endParaRPr>
+            </a:p>
+          </p:txBody>
+        </p:sp>
+        <p:sp>
+          <p:nvSpPr>
+            <p:cNvPr id="32" name="Rectangle 31">
+              <a:extLst>
+                <a:ext uri="{FF2B5EF4-FFF2-40B4-BE49-F238E27FC236}">
+                  <a16:creationId xmlns:a16="http://schemas.microsoft.com/office/drawing/2014/main" id="{CE11509D-3D5C-CE03-80A6-3126557720E8}"/>
+                </a:ext>
+              </a:extLst>
+            </p:cNvPr>
+            <p:cNvSpPr/>
+            <p:nvPr/>
+          </p:nvSpPr>
+          <p:spPr>
+            <a:xfrm>
+              <a:off x="9127038" y="3061586"/>
+              <a:ext cx="1555777" cy="796566"/>
+            </a:xfrm>
+            <a:prstGeom prst="rect">
+              <a:avLst/>
+            </a:prstGeom>
+            <a:solidFill>
+              <a:srgbClr val="0070C0"/>
+            </a:solidFill>
+          </p:spPr>
+          <p:style>
+            <a:lnRef idx="2">
+              <a:schemeClr val="accent1">
+                <a:shade val="50000"/>
+              </a:schemeClr>
+            </a:lnRef>
+            <a:fillRef idx="1">
+              <a:schemeClr val="accent1"/>
+            </a:fillRef>
+            <a:effectRef idx="0">
+              <a:schemeClr val="accent1"/>
+            </a:effectRef>
+            <a:fontRef idx="minor">
+              <a:schemeClr val="lt1"/>
+            </a:fontRef>
+          </p:style>
+          <p:txBody>
+            <a:bodyPr rtlCol="0" anchor="ctr"/>
+            <a:lstStyle/>
+            <a:p>
+              <a:pPr marL="0" marR="0" lvl="0" indent="0" algn="ctr" defTabSz="914400" rtl="0" eaLnBrk="1" fontAlgn="auto" latinLnBrk="0" hangingPunct="1">
+                <a:lnSpc>
+                  <a:spcPct val="100000"/>
+                </a:lnSpc>
+                <a:spcBef>
+                  <a:spcPts val="0"/>
+                </a:spcBef>
+                <a:spcAft>
+                  <a:spcPts val="0"/>
+                </a:spcAft>
+                <a:buClrTx/>
+                <a:buSzTx/>
+                <a:buFontTx/>
+                <a:buNone/>
+                <a:tabLst/>
+                <a:defRPr/>
+              </a:pPr>
+              <a:r>
+                <a:rPr kumimoji="0" lang="nl-NL" sz="900" b="1" i="0" u="none" strike="noStrike" kern="1200" cap="none" spc="0" normalizeH="0" baseline="0" noProof="0" dirty="0" err="1">
+                  <a:ln>
+                    <a:noFill/>
+                  </a:ln>
+                  <a:solidFill>
+                    <a:prstClr val="white"/>
+                  </a:solidFill>
+                  <a:effectLst/>
+                  <a:uLnTx/>
+                  <a:uFillTx/>
+                  <a:latin typeface="Calibri" panose="020F0502020204030204"/>
+                  <a:ea typeface="+mn-ea"/>
+                  <a:cs typeface="+mn-cs"/>
+                </a:rPr>
+                <a:t>Measurements</a:t>
+              </a:r>
+              <a:endParaRPr kumimoji="0" lang="nl-NL" sz="900" b="1" i="0" u="none" strike="noStrike" kern="1200" cap="none" spc="0" normalizeH="0" baseline="0" noProof="0" dirty="0">
                 <a:ln>
                   <a:noFill/>
                 </a:ln>
@@ -14028,11 +14689,131 @@
                 <a:latin typeface="Calibri" panose="020F0502020204030204"/>
                 <a:ea typeface="+mn-ea"/>
                 <a:cs typeface="+mn-cs"/>
-              </a:rPr>
-              <a:t>/</a:t>
-            </a:r>
-            <a:r>
-              <a:rPr kumimoji="0" lang="nl-NL" sz="1050" b="0" i="0" u="none" strike="noStrike" kern="1200" cap="none" spc="0" normalizeH="0" baseline="0" noProof="0" dirty="0" err="1">
+              </a:endParaRPr>
+            </a:p>
+            <a:p>
+              <a:pPr marL="0" marR="0" lvl="0" indent="0" algn="ctr" defTabSz="914400" rtl="0" eaLnBrk="1" fontAlgn="auto" latinLnBrk="0" hangingPunct="1">
+                <a:lnSpc>
+                  <a:spcPct val="100000"/>
+                </a:lnSpc>
+                <a:spcBef>
+                  <a:spcPts val="0"/>
+                </a:spcBef>
+                <a:spcAft>
+                  <a:spcPts val="0"/>
+                </a:spcAft>
+                <a:buClrTx/>
+                <a:buSzTx/>
+                <a:buFontTx/>
+                <a:buNone/>
+                <a:tabLst/>
+                <a:defRPr/>
+              </a:pPr>
+              <a:r>
+                <a:rPr kumimoji="0" lang="nl-NL" sz="900" b="1" i="0" u="none" strike="noStrike" kern="1200" cap="none" spc="0" normalizeH="0" baseline="0" noProof="0" dirty="0">
+                  <a:ln>
+                    <a:noFill/>
+                  </a:ln>
+                  <a:solidFill>
+                    <a:prstClr val="white"/>
+                  </a:solidFill>
+                  <a:effectLst/>
+                  <a:uLnTx/>
+                  <a:uFillTx/>
+                  <a:latin typeface="Calibri" panose="020F0502020204030204"/>
+                  <a:ea typeface="+mn-ea"/>
+                  <a:cs typeface="+mn-cs"/>
+                </a:rPr>
+                <a:t>Dashboard</a:t>
+              </a:r>
+            </a:p>
+          </p:txBody>
+        </p:sp>
+        <p:sp>
+          <p:nvSpPr>
+            <p:cNvPr id="42" name="Rectangle: Rounded Corners 41">
+              <a:extLst>
+                <a:ext uri="{FF2B5EF4-FFF2-40B4-BE49-F238E27FC236}">
+                  <a16:creationId xmlns:a16="http://schemas.microsoft.com/office/drawing/2014/main" id="{4B933A5D-757C-B9CD-A93E-F9369D497917}"/>
+                </a:ext>
+              </a:extLst>
+            </p:cNvPr>
+            <p:cNvSpPr/>
+            <p:nvPr/>
+          </p:nvSpPr>
+          <p:spPr>
+            <a:xfrm>
+              <a:off x="7755840" y="3321271"/>
+              <a:ext cx="937964" cy="273662"/>
+            </a:xfrm>
+            <a:prstGeom prst="roundRect">
+              <a:avLst>
+                <a:gd name="adj" fmla="val 50000"/>
+              </a:avLst>
+            </a:prstGeom>
+            <a:solidFill>
+              <a:srgbClr val="002060"/>
+            </a:solidFill>
+            <a:ln>
+              <a:noFill/>
+            </a:ln>
+          </p:spPr>
+          <p:style>
+            <a:lnRef idx="2">
+              <a:schemeClr val="accent6">
+                <a:shade val="50000"/>
+              </a:schemeClr>
+            </a:lnRef>
+            <a:fillRef idx="1">
+              <a:schemeClr val="accent6"/>
+            </a:fillRef>
+            <a:effectRef idx="0">
+              <a:schemeClr val="accent6"/>
+            </a:effectRef>
+            <a:fontRef idx="minor">
+              <a:schemeClr val="lt1"/>
+            </a:fontRef>
+          </p:style>
+          <p:txBody>
+            <a:bodyPr rtlCol="0" anchor="ctr"/>
+            <a:lstStyle/>
+            <a:p>
+              <a:pPr marL="0" marR="0" lvl="0" indent="0" defTabSz="914400" rtl="0" eaLnBrk="1" fontAlgn="auto" latinLnBrk="0" hangingPunct="1">
+                <a:lnSpc>
+                  <a:spcPct val="100000"/>
+                </a:lnSpc>
+                <a:spcBef>
+                  <a:spcPts val="0"/>
+                </a:spcBef>
+                <a:spcAft>
+                  <a:spcPts val="0"/>
+                </a:spcAft>
+                <a:buClrTx/>
+                <a:buSzTx/>
+                <a:buFontTx/>
+                <a:buNone/>
+                <a:tabLst/>
+                <a:defRPr/>
+              </a:pPr>
+              <a:r>
+                <a:rPr lang="nl-NL" sz="800" dirty="0">
+                  <a:solidFill>
+                    <a:prstClr val="white"/>
+                  </a:solidFill>
+                  <a:latin typeface="Calibri" panose="020F0502020204030204"/>
+                </a:rPr>
+                <a:t>/</a:t>
+              </a:r>
+              <a:r>
+                <a:rPr lang="nl-NL" sz="800" dirty="0" err="1">
+                  <a:solidFill>
+                    <a:prstClr val="white"/>
+                  </a:solidFill>
+                  <a:latin typeface="Calibri" panose="020F0502020204030204"/>
+                </a:rPr>
+                <a:t>metrics</a:t>
+              </a:r>
+              <a:endParaRPr kumimoji="0" lang="en-US" sz="800" b="0" i="0" u="none" strike="noStrike" kern="1200" cap="none" spc="0" normalizeH="0" baseline="0" noProof="0" dirty="0">
                 <a:ln>
                   <a:noFill/>
                 </a:ln>
@@ -14045,817 +14826,58 @@
                 <a:latin typeface="Calibri" panose="020F0502020204030204"/>
                 <a:ea typeface="+mn-ea"/>
                 <a:cs typeface="+mn-cs"/>
-              </a:rPr>
-              <a:t>exitcam</a:t>
-            </a:r>
-            <a:endParaRPr kumimoji="0" lang="en-US" sz="1050" b="0" i="0" u="none" strike="noStrike" kern="1200" cap="none" spc="0" normalizeH="0" baseline="0" noProof="0" dirty="0">
-              <a:ln>
-                <a:noFill/>
-              </a:ln>
+              </a:endParaRPr>
+            </a:p>
+          </p:txBody>
+        </p:sp>
+        <p:cxnSp>
+          <p:nvCxnSpPr>
+            <p:cNvPr id="45" name="Straight Arrow Connector 44">
+              <a:extLst>
+                <a:ext uri="{FF2B5EF4-FFF2-40B4-BE49-F238E27FC236}">
+                  <a16:creationId xmlns:a16="http://schemas.microsoft.com/office/drawing/2014/main" id="{5E471599-FF4C-0D25-F606-DBA989B060FA}"/>
+                </a:ext>
+              </a:extLst>
+            </p:cNvPr>
+            <p:cNvCxnSpPr>
+              <a:cxnSpLocks/>
+              <a:stCxn id="42" idx="3"/>
+              <a:endCxn id="32" idx="1"/>
+            </p:cNvCxnSpPr>
+            <p:nvPr/>
+          </p:nvCxnSpPr>
+          <p:spPr>
+            <a:xfrm>
+              <a:off x="8693804" y="3458102"/>
+              <a:ext cx="433234" cy="1767"/>
+            </a:xfrm>
+            <a:prstGeom prst="straightConnector1">
+              <a:avLst/>
+            </a:prstGeom>
+            <a:ln w="19050">
               <a:solidFill>
-                <a:prstClr val="white"/>
+                <a:schemeClr val="tx1"/>
               </a:solidFill>
-              <a:effectLst/>
-              <a:uLnTx/>
-              <a:uFillTx/>
-              <a:latin typeface="Calibri" panose="020F0502020204030204"/>
-              <a:ea typeface="+mn-ea"/>
-              <a:cs typeface="+mn-cs"/>
-            </a:endParaRPr>
-          </a:p>
-        </p:txBody>
-      </p:sp>
-      <p:sp>
-        <p:nvSpPr>
-          <p:cNvPr id="31" name="Rectangle: Rounded Corners 30">
-            <a:extLst>
-              <a:ext uri="{FF2B5EF4-FFF2-40B4-BE49-F238E27FC236}">
-                <a16:creationId xmlns:a16="http://schemas.microsoft.com/office/drawing/2014/main" id="{8BE3FE1E-9AF8-4982-A76E-71DF12239796}"/>
-              </a:ext>
-            </a:extLst>
-          </p:cNvPr>
-          <p:cNvSpPr/>
-          <p:nvPr/>
-        </p:nvSpPr>
-        <p:spPr>
-          <a:xfrm>
-            <a:off x="5442765" y="3141488"/>
-            <a:ext cx="1083008" cy="273662"/>
-          </a:xfrm>
-          <a:prstGeom prst="roundRect">
-            <a:avLst>
-              <a:gd name="adj" fmla="val 50000"/>
-            </a:avLst>
-          </a:prstGeom>
-          <a:solidFill>
-            <a:srgbClr val="002060"/>
-          </a:solidFill>
-          <a:ln>
-            <a:noFill/>
-          </a:ln>
-        </p:spPr>
-        <p:style>
-          <a:lnRef idx="2">
-            <a:schemeClr val="accent6">
-              <a:shade val="50000"/>
-            </a:schemeClr>
-          </a:lnRef>
-          <a:fillRef idx="1">
-            <a:schemeClr val="accent6"/>
-          </a:fillRef>
-          <a:effectRef idx="0">
-            <a:schemeClr val="accent6"/>
-          </a:effectRef>
-          <a:fontRef idx="minor">
-            <a:schemeClr val="lt1"/>
-          </a:fontRef>
-        </p:style>
-        <p:txBody>
-          <a:bodyPr rtlCol="0" anchor="ctr"/>
-          <a:lstStyle/>
-          <a:p>
-            <a:pPr marL="0" marR="0" lvl="0" indent="0" defTabSz="914400" rtl="0" eaLnBrk="1" fontAlgn="auto" latinLnBrk="0" hangingPunct="1">
-              <a:lnSpc>
-                <a:spcPct val="100000"/>
-              </a:lnSpc>
-              <a:spcBef>
-                <a:spcPts val="0"/>
-              </a:spcBef>
-              <a:spcAft>
-                <a:spcPts val="0"/>
-              </a:spcAft>
-              <a:buClrTx/>
-              <a:buSzTx/>
-              <a:buFontTx/>
-              <a:buNone/>
-              <a:tabLst/>
-              <a:defRPr/>
-            </a:pPr>
-            <a:r>
-              <a:rPr lang="nl-NL" sz="1050" dirty="0">
-                <a:solidFill>
-                  <a:prstClr val="white"/>
-                </a:solidFill>
-                <a:latin typeface="Calibri" panose="020F0502020204030204"/>
-              </a:rPr>
-              <a:t>/</a:t>
-            </a:r>
-            <a:r>
-              <a:rPr lang="nl-NL" sz="1050" dirty="0" err="1">
-                <a:solidFill>
-                  <a:prstClr val="white"/>
-                </a:solidFill>
-                <a:latin typeface="Calibri" panose="020F0502020204030204"/>
-              </a:rPr>
-              <a:t>averageSpeed</a:t>
-            </a:r>
-            <a:endParaRPr kumimoji="0" lang="en-US" sz="1050" b="0" i="0" u="none" strike="noStrike" kern="1200" cap="none" spc="0" normalizeH="0" baseline="0" noProof="0" dirty="0">
-              <a:ln>
-                <a:noFill/>
-              </a:ln>
-              <a:solidFill>
-                <a:prstClr val="white"/>
-              </a:solidFill>
-              <a:effectLst/>
-              <a:uLnTx/>
-              <a:uFillTx/>
-              <a:latin typeface="Calibri" panose="020F0502020204030204"/>
-              <a:ea typeface="+mn-ea"/>
-              <a:cs typeface="+mn-cs"/>
-            </a:endParaRPr>
-          </a:p>
-        </p:txBody>
-      </p:sp>
-      <p:cxnSp>
-        <p:nvCxnSpPr>
-          <p:cNvPr id="7" name="Straight Arrow Connector 6">
-            <a:extLst>
-              <a:ext uri="{FF2B5EF4-FFF2-40B4-BE49-F238E27FC236}">
-                <a16:creationId xmlns:a16="http://schemas.microsoft.com/office/drawing/2014/main" id="{9D2F5525-B012-456D-BFBA-EBADDC2208E2}"/>
-              </a:ext>
-            </a:extLst>
-          </p:cNvPr>
-          <p:cNvCxnSpPr>
-            <a:cxnSpLocks/>
-            <a:stCxn id="3" idx="3"/>
-            <a:endCxn id="4" idx="1"/>
-          </p:cNvCxnSpPr>
-          <p:nvPr/>
-        </p:nvCxnSpPr>
-        <p:spPr>
-          <a:xfrm flipV="1">
-            <a:off x="2278372" y="2849167"/>
-            <a:ext cx="565688" cy="181550"/>
-          </a:xfrm>
-          <a:prstGeom prst="straightConnector1">
-            <a:avLst/>
-          </a:prstGeom>
-          <a:ln w="19050">
-            <a:solidFill>
+              <a:headEnd type="triangle" w="med" len="med"/>
+              <a:tailEnd type="none" w="med" len="med"/>
+            </a:ln>
+          </p:spPr>
+          <p:style>
+            <a:lnRef idx="1">
+              <a:schemeClr val="accent1"/>
+            </a:lnRef>
+            <a:fillRef idx="0">
+              <a:schemeClr val="accent1"/>
+            </a:fillRef>
+            <a:effectRef idx="0">
+              <a:schemeClr val="accent1"/>
+            </a:effectRef>
+            <a:fontRef idx="minor">
               <a:schemeClr val="tx1"/>
-            </a:solidFill>
-            <a:tailEnd type="triangle"/>
-          </a:ln>
-        </p:spPr>
-        <p:style>
-          <a:lnRef idx="1">
-            <a:schemeClr val="accent1"/>
-          </a:lnRef>
-          <a:fillRef idx="0">
-            <a:schemeClr val="accent1"/>
-          </a:fillRef>
-          <a:effectRef idx="0">
-            <a:schemeClr val="accent1"/>
-          </a:effectRef>
-          <a:fontRef idx="minor">
-            <a:schemeClr val="tx1"/>
-          </a:fontRef>
-        </p:style>
-      </p:cxnSp>
-      <p:cxnSp>
-        <p:nvCxnSpPr>
-          <p:cNvPr id="34" name="Straight Arrow Connector 33">
-            <a:extLst>
-              <a:ext uri="{FF2B5EF4-FFF2-40B4-BE49-F238E27FC236}">
-                <a16:creationId xmlns:a16="http://schemas.microsoft.com/office/drawing/2014/main" id="{2751A23B-3249-4DF6-A4C4-797B4935C539}"/>
-              </a:ext>
-            </a:extLst>
-          </p:cNvPr>
-          <p:cNvCxnSpPr>
-            <a:cxnSpLocks/>
-            <a:stCxn id="3" idx="3"/>
-            <a:endCxn id="29" idx="1"/>
-          </p:cNvCxnSpPr>
-          <p:nvPr/>
-        </p:nvCxnSpPr>
-        <p:spPr>
-          <a:xfrm>
-            <a:off x="2278372" y="3030717"/>
-            <a:ext cx="565688" cy="167700"/>
-          </a:xfrm>
-          <a:prstGeom prst="straightConnector1">
-            <a:avLst/>
-          </a:prstGeom>
-          <a:ln w="19050">
-            <a:solidFill>
-              <a:schemeClr val="tx1"/>
-            </a:solidFill>
-            <a:tailEnd type="triangle"/>
-          </a:ln>
-        </p:spPr>
-        <p:style>
-          <a:lnRef idx="1">
-            <a:schemeClr val="accent1"/>
-          </a:lnRef>
-          <a:fillRef idx="0">
-            <a:schemeClr val="accent1"/>
-          </a:fillRef>
-          <a:effectRef idx="0">
-            <a:schemeClr val="accent1"/>
-          </a:effectRef>
-          <a:fontRef idx="minor">
-            <a:schemeClr val="tx1"/>
-          </a:fontRef>
-        </p:style>
-      </p:cxnSp>
-      <p:cxnSp>
-        <p:nvCxnSpPr>
-          <p:cNvPr id="40" name="Straight Arrow Connector 39">
-            <a:extLst>
-              <a:ext uri="{FF2B5EF4-FFF2-40B4-BE49-F238E27FC236}">
-                <a16:creationId xmlns:a16="http://schemas.microsoft.com/office/drawing/2014/main" id="{8F0D0570-9E5C-4D3F-8C69-7492819819CA}"/>
-              </a:ext>
-            </a:extLst>
-          </p:cNvPr>
-          <p:cNvCxnSpPr>
-            <a:cxnSpLocks/>
-            <a:stCxn id="27" idx="3"/>
-            <a:endCxn id="31" idx="1"/>
-          </p:cNvCxnSpPr>
-          <p:nvPr/>
-        </p:nvCxnSpPr>
-        <p:spPr>
-          <a:xfrm>
-            <a:off x="4737047" y="3030717"/>
-            <a:ext cx="705718" cy="247602"/>
-          </a:xfrm>
-          <a:prstGeom prst="bentConnector3">
-            <a:avLst>
-              <a:gd name="adj1" fmla="val 50000"/>
-            </a:avLst>
-          </a:prstGeom>
-          <a:ln w="19050">
-            <a:solidFill>
-              <a:schemeClr val="tx1"/>
-            </a:solidFill>
-            <a:tailEnd type="triangle"/>
-          </a:ln>
-        </p:spPr>
-        <p:style>
-          <a:lnRef idx="1">
-            <a:schemeClr val="accent1"/>
-          </a:lnRef>
-          <a:fillRef idx="0">
-            <a:schemeClr val="accent1"/>
-          </a:fillRef>
-          <a:effectRef idx="0">
-            <a:schemeClr val="accent1"/>
-          </a:effectRef>
-          <a:fontRef idx="minor">
-            <a:schemeClr val="tx1"/>
-          </a:fontRef>
-        </p:style>
-      </p:cxnSp>
-      <p:sp>
-        <p:nvSpPr>
-          <p:cNvPr id="6" name="Rectangle: Rounded Corners 5">
-            <a:extLst>
-              <a:ext uri="{FF2B5EF4-FFF2-40B4-BE49-F238E27FC236}">
-                <a16:creationId xmlns:a16="http://schemas.microsoft.com/office/drawing/2014/main" id="{69AA8C8D-3649-18C2-0565-0BA30408B933}"/>
-              </a:ext>
-            </a:extLst>
-          </p:cNvPr>
-          <p:cNvSpPr/>
-          <p:nvPr/>
-        </p:nvSpPr>
-        <p:spPr>
-          <a:xfrm>
-            <a:off x="5442765" y="3487443"/>
-            <a:ext cx="1083008" cy="273662"/>
-          </a:xfrm>
-          <a:prstGeom prst="roundRect">
-            <a:avLst>
-              <a:gd name="adj" fmla="val 50000"/>
-            </a:avLst>
-          </a:prstGeom>
-          <a:solidFill>
-            <a:srgbClr val="002060"/>
-          </a:solidFill>
-          <a:ln>
-            <a:noFill/>
-          </a:ln>
-        </p:spPr>
-        <p:style>
-          <a:lnRef idx="2">
-            <a:schemeClr val="accent6">
-              <a:shade val="50000"/>
-            </a:schemeClr>
-          </a:lnRef>
-          <a:fillRef idx="1">
-            <a:schemeClr val="accent6"/>
-          </a:fillRef>
-          <a:effectRef idx="0">
-            <a:schemeClr val="accent6"/>
-          </a:effectRef>
-          <a:fontRef idx="minor">
-            <a:schemeClr val="lt1"/>
-          </a:fontRef>
-        </p:style>
-        <p:txBody>
-          <a:bodyPr rtlCol="0" anchor="ctr"/>
-          <a:lstStyle/>
-          <a:p>
-            <a:pPr marL="0" marR="0" lvl="0" indent="0" defTabSz="914400" rtl="0" eaLnBrk="1" fontAlgn="auto" latinLnBrk="0" hangingPunct="1">
-              <a:lnSpc>
-                <a:spcPct val="100000"/>
-              </a:lnSpc>
-              <a:spcBef>
-                <a:spcPts val="0"/>
-              </a:spcBef>
-              <a:spcAft>
-                <a:spcPts val="0"/>
-              </a:spcAft>
-              <a:buClrTx/>
-              <a:buSzTx/>
-              <a:buFontTx/>
-              <a:buNone/>
-              <a:tabLst/>
-              <a:defRPr/>
-            </a:pPr>
-            <a:r>
-              <a:rPr lang="nl-NL" sz="1050" dirty="0">
-                <a:solidFill>
-                  <a:prstClr val="white"/>
-                </a:solidFill>
-                <a:latin typeface="Calibri" panose="020F0502020204030204"/>
-              </a:rPr>
-              <a:t>/co2Level</a:t>
-            </a:r>
-            <a:endParaRPr kumimoji="0" lang="en-US" sz="1050" b="0" i="0" u="none" strike="noStrike" kern="1200" cap="none" spc="0" normalizeH="0" baseline="0" noProof="0" dirty="0">
-              <a:ln>
-                <a:noFill/>
-              </a:ln>
-              <a:solidFill>
-                <a:prstClr val="white"/>
-              </a:solidFill>
-              <a:effectLst/>
-              <a:uLnTx/>
-              <a:uFillTx/>
-              <a:latin typeface="Calibri" panose="020F0502020204030204"/>
-              <a:ea typeface="+mn-ea"/>
-              <a:cs typeface="+mn-cs"/>
-            </a:endParaRPr>
-          </a:p>
-        </p:txBody>
-      </p:sp>
-      <p:cxnSp>
-        <p:nvCxnSpPr>
-          <p:cNvPr id="8" name="Straight Arrow Connector 7">
-            <a:extLst>
-              <a:ext uri="{FF2B5EF4-FFF2-40B4-BE49-F238E27FC236}">
-                <a16:creationId xmlns:a16="http://schemas.microsoft.com/office/drawing/2014/main" id="{B458D0F6-E762-A6E5-797D-E7B4166B6A66}"/>
-              </a:ext>
-            </a:extLst>
-          </p:cNvPr>
-          <p:cNvCxnSpPr>
-            <a:cxnSpLocks/>
-            <a:stCxn id="11" idx="3"/>
-            <a:endCxn id="6" idx="1"/>
-          </p:cNvCxnSpPr>
-          <p:nvPr/>
-        </p:nvCxnSpPr>
-        <p:spPr>
-          <a:xfrm flipV="1">
-            <a:off x="2278372" y="3624274"/>
-            <a:ext cx="3164393" cy="384559"/>
-          </a:xfrm>
-          <a:prstGeom prst="bentConnector3">
-            <a:avLst>
-              <a:gd name="adj1" fmla="val 88573"/>
-            </a:avLst>
-          </a:prstGeom>
-          <a:ln w="19050">
-            <a:solidFill>
-              <a:schemeClr val="tx1"/>
-            </a:solidFill>
-            <a:tailEnd type="triangle"/>
-          </a:ln>
-        </p:spPr>
-        <p:style>
-          <a:lnRef idx="1">
-            <a:schemeClr val="accent1"/>
-          </a:lnRef>
-          <a:fillRef idx="0">
-            <a:schemeClr val="accent1"/>
-          </a:fillRef>
-          <a:effectRef idx="0">
-            <a:schemeClr val="accent1"/>
-          </a:effectRef>
-          <a:fontRef idx="minor">
-            <a:schemeClr val="tx1"/>
-          </a:fontRef>
-        </p:style>
-      </p:cxnSp>
-      <p:sp>
-        <p:nvSpPr>
-          <p:cNvPr id="11" name="Rectangle 10">
-            <a:extLst>
-              <a:ext uri="{FF2B5EF4-FFF2-40B4-BE49-F238E27FC236}">
-                <a16:creationId xmlns:a16="http://schemas.microsoft.com/office/drawing/2014/main" id="{8CC6B7FE-3D49-7D7C-BF93-C8E7963D5FE8}"/>
-              </a:ext>
-            </a:extLst>
-          </p:cNvPr>
-          <p:cNvSpPr/>
-          <p:nvPr/>
-        </p:nvSpPr>
-        <p:spPr>
-          <a:xfrm>
-            <a:off x="1180412" y="3610550"/>
-            <a:ext cx="1097960" cy="796566"/>
-          </a:xfrm>
-          <a:prstGeom prst="rect">
-            <a:avLst/>
-          </a:prstGeom>
-          <a:solidFill>
-            <a:srgbClr val="0070C0"/>
-          </a:solidFill>
-        </p:spPr>
-        <p:style>
-          <a:lnRef idx="2">
-            <a:schemeClr val="accent1">
-              <a:shade val="50000"/>
-            </a:schemeClr>
-          </a:lnRef>
-          <a:fillRef idx="1">
-            <a:schemeClr val="accent1"/>
-          </a:fillRef>
-          <a:effectRef idx="0">
-            <a:schemeClr val="accent1"/>
-          </a:effectRef>
-          <a:fontRef idx="minor">
-            <a:schemeClr val="lt1"/>
-          </a:fontRef>
-        </p:style>
-        <p:txBody>
-          <a:bodyPr rtlCol="0" anchor="ctr"/>
-          <a:lstStyle/>
-          <a:p>
-            <a:pPr marL="0" marR="0" lvl="0" indent="0" algn="ctr" defTabSz="914400" rtl="0" eaLnBrk="1" fontAlgn="auto" latinLnBrk="0" hangingPunct="1">
-              <a:lnSpc>
-                <a:spcPct val="100000"/>
-              </a:lnSpc>
-              <a:spcBef>
-                <a:spcPts val="0"/>
-              </a:spcBef>
-              <a:spcAft>
-                <a:spcPts val="0"/>
-              </a:spcAft>
-              <a:buClrTx/>
-              <a:buSzTx/>
-              <a:buFontTx/>
-              <a:buNone/>
-              <a:tabLst/>
-              <a:defRPr/>
-            </a:pPr>
-            <a:r>
-              <a:rPr kumimoji="0" lang="nl-NL" sz="1200" b="1" i="0" u="none" strike="noStrike" kern="1200" cap="none" spc="0" normalizeH="0" baseline="0" noProof="0" dirty="0">
-                <a:ln>
-                  <a:noFill/>
-                </a:ln>
-                <a:solidFill>
-                  <a:prstClr val="white"/>
-                </a:solidFill>
-                <a:effectLst/>
-                <a:uLnTx/>
-                <a:uFillTx/>
-                <a:latin typeface="Calibri" panose="020F0502020204030204"/>
-                <a:ea typeface="+mn-ea"/>
-                <a:cs typeface="+mn-cs"/>
-              </a:rPr>
-              <a:t>CO2 Sensor</a:t>
-            </a:r>
-          </a:p>
-          <a:p>
-            <a:pPr marL="0" marR="0" lvl="0" indent="0" algn="ctr" defTabSz="914400" rtl="0" eaLnBrk="1" fontAlgn="auto" latinLnBrk="0" hangingPunct="1">
-              <a:lnSpc>
-                <a:spcPct val="100000"/>
-              </a:lnSpc>
-              <a:spcBef>
-                <a:spcPts val="0"/>
-              </a:spcBef>
-              <a:spcAft>
-                <a:spcPts val="0"/>
-              </a:spcAft>
-              <a:buClrTx/>
-              <a:buSzTx/>
-              <a:buFontTx/>
-              <a:buNone/>
-              <a:tabLst/>
-              <a:defRPr/>
-            </a:pPr>
-            <a:r>
-              <a:rPr kumimoji="0" lang="nl-NL" sz="1200" b="1" i="0" u="none" strike="noStrike" kern="1200" cap="none" spc="0" normalizeH="0" baseline="0" noProof="0" dirty="0" err="1">
-                <a:ln>
-                  <a:noFill/>
-                </a:ln>
-                <a:solidFill>
-                  <a:prstClr val="white"/>
-                </a:solidFill>
-                <a:effectLst/>
-                <a:uLnTx/>
-                <a:uFillTx/>
-                <a:latin typeface="Calibri" panose="020F0502020204030204"/>
-                <a:ea typeface="+mn-ea"/>
-                <a:cs typeface="+mn-cs"/>
-              </a:rPr>
-              <a:t>Simulation</a:t>
-            </a:r>
-            <a:endParaRPr kumimoji="0" lang="nl-NL" sz="1200" b="1" i="0" u="none" strike="noStrike" kern="1200" cap="none" spc="0" normalizeH="0" baseline="0" noProof="0" dirty="0">
-              <a:ln>
-                <a:noFill/>
-              </a:ln>
-              <a:solidFill>
-                <a:prstClr val="white"/>
-              </a:solidFill>
-              <a:effectLst/>
-              <a:uLnTx/>
-              <a:uFillTx/>
-              <a:latin typeface="Calibri" panose="020F0502020204030204"/>
-              <a:ea typeface="+mn-ea"/>
-              <a:cs typeface="+mn-cs"/>
-            </a:endParaRPr>
-          </a:p>
-        </p:txBody>
-      </p:sp>
-      <p:sp>
-        <p:nvSpPr>
-          <p:cNvPr id="32" name="Rectangle 31">
-            <a:extLst>
-              <a:ext uri="{FF2B5EF4-FFF2-40B4-BE49-F238E27FC236}">
-                <a16:creationId xmlns:a16="http://schemas.microsoft.com/office/drawing/2014/main" id="{CE11509D-3D5C-CE03-80A6-3126557720E8}"/>
-              </a:ext>
-            </a:extLst>
-          </p:cNvPr>
-          <p:cNvSpPr/>
-          <p:nvPr/>
-        </p:nvSpPr>
-        <p:spPr>
-          <a:xfrm>
-            <a:off x="9127038" y="3061586"/>
-            <a:ext cx="1555777" cy="796566"/>
-          </a:xfrm>
-          <a:prstGeom prst="rect">
-            <a:avLst/>
-          </a:prstGeom>
-          <a:solidFill>
-            <a:srgbClr val="0070C0"/>
-          </a:solidFill>
-        </p:spPr>
-        <p:style>
-          <a:lnRef idx="2">
-            <a:schemeClr val="accent1">
-              <a:shade val="50000"/>
-            </a:schemeClr>
-          </a:lnRef>
-          <a:fillRef idx="1">
-            <a:schemeClr val="accent1"/>
-          </a:fillRef>
-          <a:effectRef idx="0">
-            <a:schemeClr val="accent1"/>
-          </a:effectRef>
-          <a:fontRef idx="minor">
-            <a:schemeClr val="lt1"/>
-          </a:fontRef>
-        </p:style>
-        <p:txBody>
-          <a:bodyPr rtlCol="0" anchor="ctr"/>
-          <a:lstStyle/>
-          <a:p>
-            <a:pPr marL="0" marR="0" lvl="0" indent="0" algn="ctr" defTabSz="914400" rtl="0" eaLnBrk="1" fontAlgn="auto" latinLnBrk="0" hangingPunct="1">
-              <a:lnSpc>
-                <a:spcPct val="100000"/>
-              </a:lnSpc>
-              <a:spcBef>
-                <a:spcPts val="0"/>
-              </a:spcBef>
-              <a:spcAft>
-                <a:spcPts val="0"/>
-              </a:spcAft>
-              <a:buClrTx/>
-              <a:buSzTx/>
-              <a:buFontTx/>
-              <a:buNone/>
-              <a:tabLst/>
-              <a:defRPr/>
-            </a:pPr>
-            <a:r>
-              <a:rPr kumimoji="0" lang="nl-NL" sz="1200" b="1" i="0" u="none" strike="noStrike" kern="1200" cap="none" spc="0" normalizeH="0" baseline="0" noProof="0" dirty="0" err="1">
-                <a:ln>
-                  <a:noFill/>
-                </a:ln>
-                <a:solidFill>
-                  <a:prstClr val="white"/>
-                </a:solidFill>
-                <a:effectLst/>
-                <a:uLnTx/>
-                <a:uFillTx/>
-                <a:latin typeface="Calibri" panose="020F0502020204030204"/>
-                <a:ea typeface="+mn-ea"/>
-                <a:cs typeface="+mn-cs"/>
-              </a:rPr>
-              <a:t>Measurements</a:t>
-            </a:r>
-            <a:endParaRPr kumimoji="0" lang="nl-NL" sz="1200" b="1" i="0" u="none" strike="noStrike" kern="1200" cap="none" spc="0" normalizeH="0" baseline="0" noProof="0" dirty="0">
-              <a:ln>
-                <a:noFill/>
-              </a:ln>
-              <a:solidFill>
-                <a:prstClr val="white"/>
-              </a:solidFill>
-              <a:effectLst/>
-              <a:uLnTx/>
-              <a:uFillTx/>
-              <a:latin typeface="Calibri" panose="020F0502020204030204"/>
-              <a:ea typeface="+mn-ea"/>
-              <a:cs typeface="+mn-cs"/>
-            </a:endParaRPr>
-          </a:p>
-          <a:p>
-            <a:pPr marL="0" marR="0" lvl="0" indent="0" algn="ctr" defTabSz="914400" rtl="0" eaLnBrk="1" fontAlgn="auto" latinLnBrk="0" hangingPunct="1">
-              <a:lnSpc>
-                <a:spcPct val="100000"/>
-              </a:lnSpc>
-              <a:spcBef>
-                <a:spcPts val="0"/>
-              </a:spcBef>
-              <a:spcAft>
-                <a:spcPts val="0"/>
-              </a:spcAft>
-              <a:buClrTx/>
-              <a:buSzTx/>
-              <a:buFontTx/>
-              <a:buNone/>
-              <a:tabLst/>
-              <a:defRPr/>
-            </a:pPr>
-            <a:r>
-              <a:rPr kumimoji="0" lang="nl-NL" sz="1200" b="1" i="0" u="none" strike="noStrike" kern="1200" cap="none" spc="0" normalizeH="0" baseline="0" noProof="0" dirty="0">
-                <a:ln>
-                  <a:noFill/>
-                </a:ln>
-                <a:solidFill>
-                  <a:prstClr val="white"/>
-                </a:solidFill>
-                <a:effectLst/>
-                <a:uLnTx/>
-                <a:uFillTx/>
-                <a:latin typeface="Calibri" panose="020F0502020204030204"/>
-                <a:ea typeface="+mn-ea"/>
-                <a:cs typeface="+mn-cs"/>
-              </a:rPr>
-              <a:t>Dashboard</a:t>
-            </a:r>
-          </a:p>
-        </p:txBody>
-      </p:sp>
-      <p:sp>
-        <p:nvSpPr>
-          <p:cNvPr id="42" name="Rectangle: Rounded Corners 41">
-            <a:extLst>
-              <a:ext uri="{FF2B5EF4-FFF2-40B4-BE49-F238E27FC236}">
-                <a16:creationId xmlns:a16="http://schemas.microsoft.com/office/drawing/2014/main" id="{4B933A5D-757C-B9CD-A93E-F9369D497917}"/>
-              </a:ext>
-            </a:extLst>
-          </p:cNvPr>
-          <p:cNvSpPr/>
-          <p:nvPr/>
-        </p:nvSpPr>
-        <p:spPr>
-          <a:xfrm>
-            <a:off x="7755840" y="3321271"/>
-            <a:ext cx="937964" cy="273662"/>
-          </a:xfrm>
-          <a:prstGeom prst="roundRect">
-            <a:avLst>
-              <a:gd name="adj" fmla="val 50000"/>
-            </a:avLst>
-          </a:prstGeom>
-          <a:solidFill>
-            <a:srgbClr val="002060"/>
-          </a:solidFill>
-          <a:ln>
-            <a:noFill/>
-          </a:ln>
-        </p:spPr>
-        <p:style>
-          <a:lnRef idx="2">
-            <a:schemeClr val="accent6">
-              <a:shade val="50000"/>
-            </a:schemeClr>
-          </a:lnRef>
-          <a:fillRef idx="1">
-            <a:schemeClr val="accent6"/>
-          </a:fillRef>
-          <a:effectRef idx="0">
-            <a:schemeClr val="accent6"/>
-          </a:effectRef>
-          <a:fontRef idx="minor">
-            <a:schemeClr val="lt1"/>
-          </a:fontRef>
-        </p:style>
-        <p:txBody>
-          <a:bodyPr rtlCol="0" anchor="ctr"/>
-          <a:lstStyle/>
-          <a:p>
-            <a:pPr marL="0" marR="0" lvl="0" indent="0" defTabSz="914400" rtl="0" eaLnBrk="1" fontAlgn="auto" latinLnBrk="0" hangingPunct="1">
-              <a:lnSpc>
-                <a:spcPct val="100000"/>
-              </a:lnSpc>
-              <a:spcBef>
-                <a:spcPts val="0"/>
-              </a:spcBef>
-              <a:spcAft>
-                <a:spcPts val="0"/>
-              </a:spcAft>
-              <a:buClrTx/>
-              <a:buSzTx/>
-              <a:buFontTx/>
-              <a:buNone/>
-              <a:tabLst/>
-              <a:defRPr/>
-            </a:pPr>
-            <a:r>
-              <a:rPr lang="nl-NL" sz="1050" dirty="0">
-                <a:solidFill>
-                  <a:prstClr val="white"/>
-                </a:solidFill>
-                <a:latin typeface="Calibri" panose="020F0502020204030204"/>
-              </a:rPr>
-              <a:t>/</a:t>
-            </a:r>
-            <a:r>
-              <a:rPr lang="nl-NL" sz="1050" dirty="0" err="1">
-                <a:solidFill>
-                  <a:prstClr val="white"/>
-                </a:solidFill>
-                <a:latin typeface="Calibri" panose="020F0502020204030204"/>
-              </a:rPr>
-              <a:t>metrics</a:t>
-            </a:r>
-            <a:endParaRPr kumimoji="0" lang="en-US" sz="1050" b="0" i="0" u="none" strike="noStrike" kern="1200" cap="none" spc="0" normalizeH="0" baseline="0" noProof="0" dirty="0">
-              <a:ln>
-                <a:noFill/>
-              </a:ln>
-              <a:solidFill>
-                <a:prstClr val="white"/>
-              </a:solidFill>
-              <a:effectLst/>
-              <a:uLnTx/>
-              <a:uFillTx/>
-              <a:latin typeface="Calibri" panose="020F0502020204030204"/>
-              <a:ea typeface="+mn-ea"/>
-              <a:cs typeface="+mn-cs"/>
-            </a:endParaRPr>
-          </a:p>
-        </p:txBody>
-      </p:sp>
-      <p:cxnSp>
-        <p:nvCxnSpPr>
-          <p:cNvPr id="45" name="Straight Arrow Connector 44">
-            <a:extLst>
-              <a:ext uri="{FF2B5EF4-FFF2-40B4-BE49-F238E27FC236}">
-                <a16:creationId xmlns:a16="http://schemas.microsoft.com/office/drawing/2014/main" id="{5E471599-FF4C-0D25-F606-DBA989B060FA}"/>
-              </a:ext>
-            </a:extLst>
-          </p:cNvPr>
-          <p:cNvCxnSpPr>
-            <a:cxnSpLocks/>
-            <a:stCxn id="42" idx="3"/>
-            <a:endCxn id="32" idx="1"/>
-          </p:cNvCxnSpPr>
-          <p:nvPr/>
-        </p:nvCxnSpPr>
-        <p:spPr>
-          <a:xfrm>
-            <a:off x="8693804" y="3458102"/>
-            <a:ext cx="433234" cy="1767"/>
-          </a:xfrm>
-          <a:prstGeom prst="straightConnector1">
-            <a:avLst/>
-          </a:prstGeom>
-          <a:ln w="19050">
-            <a:solidFill>
-              <a:schemeClr val="tx1"/>
-            </a:solidFill>
-            <a:headEnd type="triangle" w="med" len="med"/>
-            <a:tailEnd type="none" w="med" len="med"/>
-          </a:ln>
-        </p:spPr>
-        <p:style>
-          <a:lnRef idx="1">
-            <a:schemeClr val="accent1"/>
-          </a:lnRef>
-          <a:fillRef idx="0">
-            <a:schemeClr val="accent1"/>
-          </a:fillRef>
-          <a:effectRef idx="0">
-            <a:schemeClr val="accent1"/>
-          </a:effectRef>
-          <a:fontRef idx="minor">
-            <a:schemeClr val="tx1"/>
-          </a:fontRef>
-        </p:style>
-      </p:cxnSp>
+            </a:fontRef>
+          </p:style>
+        </p:cxnSp>
+      </p:grpSp>
     </p:spTree>
     <p:extLst>
       <p:ext uri="{BB962C8B-B14F-4D97-AF65-F5344CB8AC3E}">
@@ -19823,6 +19845,2666 @@
     <p:extLst>
       <p:ext uri="{BB962C8B-B14F-4D97-AF65-F5344CB8AC3E}">
         <p14:creationId xmlns:p14="http://schemas.microsoft.com/office/powerpoint/2010/main" val="1949569304"/>
+      </p:ext>
+    </p:extLst>
+  </p:cSld>
+  <p:clrMapOvr>
+    <a:masterClrMapping/>
+  </p:clrMapOvr>
+</p:sld>
+</file>
+
+<file path=ppt/slides/slide5.xml><?xml version="1.0" encoding="utf-8"?>
+<p:sld xmlns:a="http://schemas.openxmlformats.org/drawingml/2006/main" xmlns:r="http://schemas.openxmlformats.org/officeDocument/2006/relationships" xmlns:p="http://schemas.openxmlformats.org/presentationml/2006/main">
+  <p:cSld>
+    <p:spTree>
+      <p:nvGrpSpPr>
+        <p:cNvPr id="1" name=""/>
+        <p:cNvGrpSpPr/>
+        <p:nvPr/>
+      </p:nvGrpSpPr>
+      <p:grpSpPr>
+        <a:xfrm>
+          <a:off x="0" y="0"/>
+          <a:ext cx="0" cy="0"/>
+          <a:chOff x="0" y="0"/>
+          <a:chExt cx="0" cy="0"/>
+        </a:xfrm>
+      </p:grpSpPr>
+      <p:sp>
+        <p:nvSpPr>
+          <p:cNvPr id="271" name="Rectangle 270">
+            <a:extLst>
+              <a:ext uri="{FF2B5EF4-FFF2-40B4-BE49-F238E27FC236}">
+                <a16:creationId xmlns:a16="http://schemas.microsoft.com/office/drawing/2014/main" id="{5BD69743-AE65-B775-07F2-0937BEE3F00B}"/>
+              </a:ext>
+            </a:extLst>
+          </p:cNvPr>
+          <p:cNvSpPr/>
+          <p:nvPr/>
+        </p:nvSpPr>
+        <p:spPr>
+          <a:xfrm>
+            <a:off x="816185" y="1295400"/>
+            <a:ext cx="10684328" cy="3588433"/>
+          </a:xfrm>
+          <a:prstGeom prst="rect">
+            <a:avLst/>
+          </a:prstGeom>
+          <a:solidFill>
+            <a:schemeClr val="bg1"/>
+          </a:solidFill>
+          <a:ln>
+            <a:noFill/>
+          </a:ln>
+        </p:spPr>
+        <p:style>
+          <a:lnRef idx="2">
+            <a:schemeClr val="accent1">
+              <a:shade val="50000"/>
+            </a:schemeClr>
+          </a:lnRef>
+          <a:fillRef idx="1">
+            <a:schemeClr val="accent1"/>
+          </a:fillRef>
+          <a:effectRef idx="0">
+            <a:schemeClr val="accent1"/>
+          </a:effectRef>
+          <a:fontRef idx="minor">
+            <a:schemeClr val="lt1"/>
+          </a:fontRef>
+        </p:style>
+        <p:txBody>
+          <a:bodyPr rtlCol="0" anchor="ctr"/>
+          <a:lstStyle/>
+          <a:p>
+            <a:pPr algn="ctr"/>
+            <a:endParaRPr lang="en-NL"/>
+          </a:p>
+        </p:txBody>
+      </p:sp>
+      <p:sp>
+        <p:nvSpPr>
+          <p:cNvPr id="3" name="Rectangle 2">
+            <a:extLst>
+              <a:ext uri="{FF2B5EF4-FFF2-40B4-BE49-F238E27FC236}">
+                <a16:creationId xmlns:a16="http://schemas.microsoft.com/office/drawing/2014/main" id="{08BCB2F3-BBEA-4743-AA9B-B996AD8932A1}"/>
+              </a:ext>
+            </a:extLst>
+          </p:cNvPr>
+          <p:cNvSpPr/>
+          <p:nvPr/>
+        </p:nvSpPr>
+        <p:spPr>
+          <a:xfrm>
+            <a:off x="991572" y="3041929"/>
+            <a:ext cx="741974" cy="655211"/>
+          </a:xfrm>
+          <a:prstGeom prst="rect">
+            <a:avLst/>
+          </a:prstGeom>
+          <a:solidFill>
+            <a:srgbClr val="0070C0"/>
+          </a:solidFill>
+        </p:spPr>
+        <p:style>
+          <a:lnRef idx="2">
+            <a:schemeClr val="accent1">
+              <a:shade val="50000"/>
+            </a:schemeClr>
+          </a:lnRef>
+          <a:fillRef idx="1">
+            <a:schemeClr val="accent1"/>
+          </a:fillRef>
+          <a:effectRef idx="0">
+            <a:schemeClr val="accent1"/>
+          </a:effectRef>
+          <a:fontRef idx="minor">
+            <a:schemeClr val="lt1"/>
+          </a:fontRef>
+        </p:style>
+        <p:txBody>
+          <a:bodyPr rtlCol="0" anchor="ctr"/>
+          <a:lstStyle/>
+          <a:p>
+            <a:pPr marL="0" marR="0" lvl="0" indent="0" algn="ctr" defTabSz="914400" rtl="0" eaLnBrk="1" fontAlgn="auto" latinLnBrk="0" hangingPunct="1">
+              <a:lnSpc>
+                <a:spcPct val="100000"/>
+              </a:lnSpc>
+              <a:spcBef>
+                <a:spcPts val="0"/>
+              </a:spcBef>
+              <a:spcAft>
+                <a:spcPts val="0"/>
+              </a:spcAft>
+              <a:buClrTx/>
+              <a:buSzTx/>
+              <a:buFontTx/>
+              <a:buNone/>
+              <a:tabLst/>
+              <a:defRPr/>
+            </a:pPr>
+            <a:r>
+              <a:rPr kumimoji="0" lang="nl-NL" sz="900" b="1" i="0" u="none" strike="noStrike" kern="1200" cap="none" spc="0" normalizeH="0" baseline="0" noProof="0" dirty="0">
+                <a:ln>
+                  <a:noFill/>
+                </a:ln>
+                <a:solidFill>
+                  <a:prstClr val="white"/>
+                </a:solidFill>
+                <a:effectLst/>
+                <a:uLnTx/>
+                <a:uFillTx/>
+                <a:latin typeface="Calibri" panose="020F0502020204030204"/>
+                <a:ea typeface="+mn-ea"/>
+                <a:cs typeface="+mn-cs"/>
+              </a:rPr>
+              <a:t>Camera</a:t>
+            </a:r>
+          </a:p>
+          <a:p>
+            <a:pPr marL="0" marR="0" lvl="0" indent="0" algn="ctr" defTabSz="914400" rtl="0" eaLnBrk="1" fontAlgn="auto" latinLnBrk="0" hangingPunct="1">
+              <a:lnSpc>
+                <a:spcPct val="100000"/>
+              </a:lnSpc>
+              <a:spcBef>
+                <a:spcPts val="0"/>
+              </a:spcBef>
+              <a:spcAft>
+                <a:spcPts val="0"/>
+              </a:spcAft>
+              <a:buClrTx/>
+              <a:buSzTx/>
+              <a:buFontTx/>
+              <a:buNone/>
+              <a:tabLst/>
+              <a:defRPr/>
+            </a:pPr>
+            <a:r>
+              <a:rPr kumimoji="0" lang="nl-NL" sz="900" b="1" i="0" u="none" strike="noStrike" kern="1200" cap="none" spc="0" normalizeH="0" baseline="0" noProof="0" dirty="0" err="1">
+                <a:ln>
+                  <a:noFill/>
+                </a:ln>
+                <a:solidFill>
+                  <a:prstClr val="white"/>
+                </a:solidFill>
+                <a:effectLst/>
+                <a:uLnTx/>
+                <a:uFillTx/>
+                <a:latin typeface="Calibri" panose="020F0502020204030204"/>
+                <a:ea typeface="+mn-ea"/>
+                <a:cs typeface="+mn-cs"/>
+              </a:rPr>
+              <a:t>Simulation</a:t>
+            </a:r>
+            <a:endParaRPr kumimoji="0" lang="nl-NL" sz="900" b="1" i="0" u="none" strike="noStrike" kern="1200" cap="none" spc="0" normalizeH="0" baseline="0" noProof="0" dirty="0">
+              <a:ln>
+                <a:noFill/>
+              </a:ln>
+              <a:solidFill>
+                <a:prstClr val="white"/>
+              </a:solidFill>
+              <a:effectLst/>
+              <a:uLnTx/>
+              <a:uFillTx/>
+              <a:latin typeface="Calibri" panose="020F0502020204030204"/>
+              <a:ea typeface="+mn-ea"/>
+              <a:cs typeface="+mn-cs"/>
+            </a:endParaRPr>
+          </a:p>
+        </p:txBody>
+      </p:sp>
+      <p:sp>
+        <p:nvSpPr>
+          <p:cNvPr id="27" name="Rectangle 26">
+            <a:extLst>
+              <a:ext uri="{FF2B5EF4-FFF2-40B4-BE49-F238E27FC236}">
+                <a16:creationId xmlns:a16="http://schemas.microsoft.com/office/drawing/2014/main" id="{C6E0445A-460C-4AB6-BC1D-0F813BA32317}"/>
+              </a:ext>
+            </a:extLst>
+          </p:cNvPr>
+          <p:cNvSpPr/>
+          <p:nvPr/>
+        </p:nvSpPr>
+        <p:spPr>
+          <a:xfrm>
+            <a:off x="3366207" y="3041908"/>
+            <a:ext cx="1144416" cy="655233"/>
+          </a:xfrm>
+          <a:prstGeom prst="rect">
+            <a:avLst/>
+          </a:prstGeom>
+          <a:solidFill>
+            <a:srgbClr val="0070C0"/>
+          </a:solidFill>
+        </p:spPr>
+        <p:style>
+          <a:lnRef idx="2">
+            <a:schemeClr val="accent1">
+              <a:shade val="50000"/>
+            </a:schemeClr>
+          </a:lnRef>
+          <a:fillRef idx="1">
+            <a:schemeClr val="accent1"/>
+          </a:fillRef>
+          <a:effectRef idx="0">
+            <a:schemeClr val="accent1"/>
+          </a:effectRef>
+          <a:fontRef idx="minor">
+            <a:schemeClr val="lt1"/>
+          </a:fontRef>
+        </p:style>
+        <p:txBody>
+          <a:bodyPr lIns="504000" rIns="0" rtlCol="0" anchor="ctr"/>
+          <a:lstStyle/>
+          <a:p>
+            <a:pPr marL="0" marR="0" lvl="0" indent="0" algn="ctr" defTabSz="914400" rtl="0" eaLnBrk="1" fontAlgn="auto" latinLnBrk="0" hangingPunct="1">
+              <a:lnSpc>
+                <a:spcPct val="100000"/>
+              </a:lnSpc>
+              <a:spcBef>
+                <a:spcPts val="0"/>
+              </a:spcBef>
+              <a:spcAft>
+                <a:spcPts val="0"/>
+              </a:spcAft>
+              <a:buClrTx/>
+              <a:buSzTx/>
+              <a:buFontTx/>
+              <a:buNone/>
+              <a:tabLst/>
+              <a:defRPr/>
+            </a:pPr>
+            <a:r>
+              <a:rPr kumimoji="0" lang="nl-NL" sz="900" b="1" i="0" u="none" strike="noStrike" kern="1200" cap="none" spc="0" normalizeH="0" baseline="0" noProof="0" dirty="0">
+                <a:ln>
+                  <a:noFill/>
+                </a:ln>
+                <a:solidFill>
+                  <a:prstClr val="white"/>
+                </a:solidFill>
+                <a:effectLst/>
+                <a:uLnTx/>
+                <a:uFillTx/>
+                <a:latin typeface="Calibri" panose="020F0502020204030204"/>
+                <a:ea typeface="+mn-ea"/>
+                <a:cs typeface="+mn-cs"/>
+              </a:rPr>
+              <a:t>Traffic</a:t>
+            </a:r>
+          </a:p>
+          <a:p>
+            <a:pPr marL="0" marR="0" lvl="0" indent="0" algn="ctr" defTabSz="914400" rtl="0" eaLnBrk="1" fontAlgn="auto" latinLnBrk="0" hangingPunct="1">
+              <a:lnSpc>
+                <a:spcPct val="100000"/>
+              </a:lnSpc>
+              <a:spcBef>
+                <a:spcPts val="0"/>
+              </a:spcBef>
+              <a:spcAft>
+                <a:spcPts val="0"/>
+              </a:spcAft>
+              <a:buClrTx/>
+              <a:buSzTx/>
+              <a:buFontTx/>
+              <a:buNone/>
+              <a:tabLst/>
+              <a:defRPr/>
+            </a:pPr>
+            <a:r>
+              <a:rPr kumimoji="0" lang="nl-NL" sz="900" b="1" i="0" u="none" strike="noStrike" kern="1200" cap="none" spc="0" normalizeH="0" baseline="0" noProof="0" dirty="0">
+                <a:ln>
+                  <a:noFill/>
+                </a:ln>
+                <a:solidFill>
+                  <a:prstClr val="white"/>
+                </a:solidFill>
+                <a:effectLst/>
+                <a:uLnTx/>
+                <a:uFillTx/>
+                <a:latin typeface="Calibri" panose="020F0502020204030204"/>
+                <a:ea typeface="+mn-ea"/>
+                <a:cs typeface="+mn-cs"/>
+              </a:rPr>
+              <a:t>Control</a:t>
+            </a:r>
+          </a:p>
+          <a:p>
+            <a:pPr marL="0" marR="0" lvl="0" indent="0" algn="ctr" defTabSz="914400" rtl="0" eaLnBrk="1" fontAlgn="auto" latinLnBrk="0" hangingPunct="1">
+              <a:lnSpc>
+                <a:spcPct val="100000"/>
+              </a:lnSpc>
+              <a:spcBef>
+                <a:spcPts val="0"/>
+              </a:spcBef>
+              <a:spcAft>
+                <a:spcPts val="0"/>
+              </a:spcAft>
+              <a:buClrTx/>
+              <a:buSzTx/>
+              <a:buFontTx/>
+              <a:buNone/>
+              <a:tabLst/>
+              <a:defRPr/>
+            </a:pPr>
+            <a:r>
+              <a:rPr kumimoji="0" lang="nl-NL" sz="900" b="1" i="0" u="none" strike="noStrike" kern="1200" cap="none" spc="0" normalizeH="0" baseline="0" noProof="0" dirty="0">
+                <a:ln>
+                  <a:noFill/>
+                </a:ln>
+                <a:solidFill>
+                  <a:prstClr val="white"/>
+                </a:solidFill>
+                <a:effectLst/>
+                <a:uLnTx/>
+                <a:uFillTx/>
+                <a:latin typeface="Calibri" panose="020F0502020204030204"/>
+                <a:ea typeface="+mn-ea"/>
+                <a:cs typeface="+mn-cs"/>
+              </a:rPr>
+              <a:t>Service</a:t>
+            </a:r>
+            <a:endParaRPr kumimoji="0" lang="en-US" sz="900" b="1" i="0" u="none" strike="noStrike" kern="1200" cap="none" spc="0" normalizeH="0" baseline="0" noProof="0" dirty="0">
+              <a:ln>
+                <a:noFill/>
+              </a:ln>
+              <a:solidFill>
+                <a:prstClr val="white"/>
+              </a:solidFill>
+              <a:effectLst/>
+              <a:uLnTx/>
+              <a:uFillTx/>
+              <a:latin typeface="Calibri" panose="020F0502020204030204"/>
+              <a:ea typeface="+mn-ea"/>
+              <a:cs typeface="+mn-cs"/>
+            </a:endParaRPr>
+          </a:p>
+        </p:txBody>
+      </p:sp>
+      <p:sp>
+        <p:nvSpPr>
+          <p:cNvPr id="28" name="Rectangle 27">
+            <a:extLst>
+              <a:ext uri="{FF2B5EF4-FFF2-40B4-BE49-F238E27FC236}">
+                <a16:creationId xmlns:a16="http://schemas.microsoft.com/office/drawing/2014/main" id="{855AFF49-FE7B-4CFC-B84E-E80F1C1D3BCF}"/>
+              </a:ext>
+            </a:extLst>
+          </p:cNvPr>
+          <p:cNvSpPr/>
+          <p:nvPr/>
+        </p:nvSpPr>
+        <p:spPr>
+          <a:xfrm>
+            <a:off x="7668744" y="3506895"/>
+            <a:ext cx="2006352" cy="657294"/>
+          </a:xfrm>
+          <a:prstGeom prst="rect">
+            <a:avLst/>
+          </a:prstGeom>
+          <a:solidFill>
+            <a:srgbClr val="0070C0"/>
+          </a:solidFill>
+        </p:spPr>
+        <p:style>
+          <a:lnRef idx="2">
+            <a:schemeClr val="accent1">
+              <a:shade val="50000"/>
+            </a:schemeClr>
+          </a:lnRef>
+          <a:fillRef idx="1">
+            <a:schemeClr val="accent1"/>
+          </a:fillRef>
+          <a:effectRef idx="0">
+            <a:schemeClr val="accent1"/>
+          </a:effectRef>
+          <a:fontRef idx="minor">
+            <a:schemeClr val="lt1"/>
+          </a:fontRef>
+        </p:style>
+        <p:txBody>
+          <a:bodyPr lIns="72000" rIns="0" rtlCol="0" anchor="ctr"/>
+          <a:lstStyle/>
+          <a:p>
+            <a:pPr marL="0" marR="0" lvl="0" indent="0" algn="ctr" defTabSz="914400" rtl="0" eaLnBrk="1" fontAlgn="auto" latinLnBrk="0" hangingPunct="1">
+              <a:lnSpc>
+                <a:spcPct val="100000"/>
+              </a:lnSpc>
+              <a:spcBef>
+                <a:spcPts val="0"/>
+              </a:spcBef>
+              <a:spcAft>
+                <a:spcPts val="0"/>
+              </a:spcAft>
+              <a:buClrTx/>
+              <a:buSzTx/>
+              <a:buFontTx/>
+              <a:buNone/>
+              <a:tabLst/>
+              <a:defRPr/>
+            </a:pPr>
+            <a:r>
+              <a:rPr kumimoji="0" lang="nl-NL" sz="900" b="1" i="0" u="none" strike="noStrike" kern="1200" cap="none" spc="0" normalizeH="0" baseline="0" noProof="0" dirty="0" err="1">
+                <a:ln>
+                  <a:noFill/>
+                </a:ln>
+                <a:solidFill>
+                  <a:prstClr val="white"/>
+                </a:solidFill>
+                <a:effectLst/>
+                <a:uLnTx/>
+                <a:uFillTx/>
+                <a:latin typeface="Calibri" panose="020F0502020204030204"/>
+                <a:ea typeface="+mn-ea"/>
+                <a:cs typeface="+mn-cs"/>
+              </a:rPr>
+              <a:t>Measurements</a:t>
+            </a:r>
+            <a:endParaRPr kumimoji="0" lang="nl-NL" sz="900" b="1" i="0" u="none" strike="noStrike" kern="1200" cap="none" spc="0" normalizeH="0" baseline="0" noProof="0" dirty="0">
+              <a:ln>
+                <a:noFill/>
+              </a:ln>
+              <a:solidFill>
+                <a:prstClr val="white"/>
+              </a:solidFill>
+              <a:effectLst/>
+              <a:uLnTx/>
+              <a:uFillTx/>
+              <a:latin typeface="Calibri" panose="020F0502020204030204"/>
+              <a:ea typeface="+mn-ea"/>
+              <a:cs typeface="+mn-cs"/>
+            </a:endParaRPr>
+          </a:p>
+          <a:p>
+            <a:pPr marL="0" marR="0" lvl="0" indent="0" algn="ctr" defTabSz="914400" rtl="0" eaLnBrk="1" fontAlgn="auto" latinLnBrk="0" hangingPunct="1">
+              <a:lnSpc>
+                <a:spcPct val="100000"/>
+              </a:lnSpc>
+              <a:spcBef>
+                <a:spcPts val="0"/>
+              </a:spcBef>
+              <a:spcAft>
+                <a:spcPts val="0"/>
+              </a:spcAft>
+              <a:buClrTx/>
+              <a:buSzTx/>
+              <a:buFontTx/>
+              <a:buNone/>
+              <a:tabLst/>
+              <a:defRPr/>
+            </a:pPr>
+            <a:r>
+              <a:rPr kumimoji="0" lang="nl-NL" sz="900" b="1" i="0" u="none" strike="noStrike" kern="1200" cap="none" spc="0" normalizeH="0" baseline="0" noProof="0" dirty="0">
+                <a:ln>
+                  <a:noFill/>
+                </a:ln>
+                <a:solidFill>
+                  <a:prstClr val="white"/>
+                </a:solidFill>
+                <a:effectLst/>
+                <a:uLnTx/>
+                <a:uFillTx/>
+                <a:latin typeface="Calibri" panose="020F0502020204030204"/>
+                <a:ea typeface="+mn-ea"/>
+                <a:cs typeface="+mn-cs"/>
+              </a:rPr>
+              <a:t>Service</a:t>
+            </a:r>
+            <a:endParaRPr kumimoji="0" lang="en-US" sz="900" b="1" i="0" u="none" strike="noStrike" kern="1200" cap="none" spc="0" normalizeH="0" baseline="0" noProof="0" dirty="0">
+              <a:ln>
+                <a:noFill/>
+              </a:ln>
+              <a:solidFill>
+                <a:prstClr val="white"/>
+              </a:solidFill>
+              <a:effectLst/>
+              <a:uLnTx/>
+              <a:uFillTx/>
+              <a:latin typeface="Calibri" panose="020F0502020204030204"/>
+              <a:ea typeface="+mn-ea"/>
+              <a:cs typeface="+mn-cs"/>
+            </a:endParaRPr>
+          </a:p>
+        </p:txBody>
+      </p:sp>
+      <p:sp>
+        <p:nvSpPr>
+          <p:cNvPr id="4" name="Rectangle: Rounded Corners 3">
+            <a:extLst>
+              <a:ext uri="{FF2B5EF4-FFF2-40B4-BE49-F238E27FC236}">
+                <a16:creationId xmlns:a16="http://schemas.microsoft.com/office/drawing/2014/main" id="{4A21F473-1306-4762-8A76-D6E31EAD2161}"/>
+              </a:ext>
+            </a:extLst>
+          </p:cNvPr>
+          <p:cNvSpPr/>
+          <p:nvPr/>
+        </p:nvSpPr>
+        <p:spPr>
+          <a:xfrm>
+            <a:off x="3176546" y="3129307"/>
+            <a:ext cx="727710" cy="182922"/>
+          </a:xfrm>
+          <a:prstGeom prst="roundRect">
+            <a:avLst>
+              <a:gd name="adj" fmla="val 50000"/>
+            </a:avLst>
+          </a:prstGeom>
+          <a:solidFill>
+            <a:srgbClr val="002060"/>
+          </a:solidFill>
+          <a:ln>
+            <a:noFill/>
+          </a:ln>
+        </p:spPr>
+        <p:style>
+          <a:lnRef idx="2">
+            <a:schemeClr val="accent6">
+              <a:shade val="50000"/>
+            </a:schemeClr>
+          </a:lnRef>
+          <a:fillRef idx="1">
+            <a:schemeClr val="accent6"/>
+          </a:fillRef>
+          <a:effectRef idx="0">
+            <a:schemeClr val="accent6"/>
+          </a:effectRef>
+          <a:fontRef idx="minor">
+            <a:schemeClr val="lt1"/>
+          </a:fontRef>
+        </p:style>
+        <p:txBody>
+          <a:bodyPr rtlCol="0" anchor="ctr"/>
+          <a:lstStyle/>
+          <a:p>
+            <a:pPr marL="0" marR="0" lvl="0" indent="0" defTabSz="914400" rtl="0" eaLnBrk="1" fontAlgn="auto" latinLnBrk="0" hangingPunct="1">
+              <a:lnSpc>
+                <a:spcPct val="100000"/>
+              </a:lnSpc>
+              <a:spcBef>
+                <a:spcPts val="0"/>
+              </a:spcBef>
+              <a:spcAft>
+                <a:spcPts val="0"/>
+              </a:spcAft>
+              <a:buClrTx/>
+              <a:buSzTx/>
+              <a:buFontTx/>
+              <a:buNone/>
+              <a:tabLst/>
+              <a:defRPr/>
+            </a:pPr>
+            <a:r>
+              <a:rPr kumimoji="0" lang="nl-NL" sz="800" b="0" i="0" u="none" strike="noStrike" kern="1200" cap="none" spc="0" normalizeH="0" baseline="0" noProof="0" dirty="0">
+                <a:ln>
+                  <a:noFill/>
+                </a:ln>
+                <a:solidFill>
+                  <a:prstClr val="white"/>
+                </a:solidFill>
+                <a:effectLst/>
+                <a:uLnTx/>
+                <a:uFillTx/>
+                <a:latin typeface="Calibri" panose="020F0502020204030204"/>
+                <a:ea typeface="+mn-ea"/>
+                <a:cs typeface="+mn-cs"/>
+              </a:rPr>
+              <a:t>/</a:t>
+            </a:r>
+            <a:r>
+              <a:rPr kumimoji="0" lang="nl-NL" sz="800" b="0" i="0" u="none" strike="noStrike" kern="1200" cap="none" spc="0" normalizeH="0" baseline="0" noProof="0" dirty="0" err="1">
+                <a:ln>
+                  <a:noFill/>
+                </a:ln>
+                <a:solidFill>
+                  <a:prstClr val="white"/>
+                </a:solidFill>
+                <a:effectLst/>
+                <a:uLnTx/>
+                <a:uFillTx/>
+                <a:latin typeface="Calibri" panose="020F0502020204030204"/>
+                <a:ea typeface="+mn-ea"/>
+                <a:cs typeface="+mn-cs"/>
+              </a:rPr>
+              <a:t>entrycam</a:t>
+            </a:r>
+            <a:endParaRPr kumimoji="0" lang="en-US" sz="800" b="0" i="0" u="none" strike="noStrike" kern="1200" cap="none" spc="0" normalizeH="0" baseline="0" noProof="0" dirty="0">
+              <a:ln>
+                <a:noFill/>
+              </a:ln>
+              <a:solidFill>
+                <a:prstClr val="white"/>
+              </a:solidFill>
+              <a:effectLst/>
+              <a:uLnTx/>
+              <a:uFillTx/>
+              <a:latin typeface="Calibri" panose="020F0502020204030204"/>
+              <a:ea typeface="+mn-ea"/>
+              <a:cs typeface="+mn-cs"/>
+            </a:endParaRPr>
+          </a:p>
+        </p:txBody>
+      </p:sp>
+      <p:sp>
+        <p:nvSpPr>
+          <p:cNvPr id="29" name="Rectangle: Rounded Corners 28">
+            <a:extLst>
+              <a:ext uri="{FF2B5EF4-FFF2-40B4-BE49-F238E27FC236}">
+                <a16:creationId xmlns:a16="http://schemas.microsoft.com/office/drawing/2014/main" id="{45E11952-9BB9-456F-AE51-F0E5037206D4}"/>
+              </a:ext>
+            </a:extLst>
+          </p:cNvPr>
+          <p:cNvSpPr/>
+          <p:nvPr/>
+        </p:nvSpPr>
+        <p:spPr>
+          <a:xfrm>
+            <a:off x="3176546" y="3417495"/>
+            <a:ext cx="727710" cy="182922"/>
+          </a:xfrm>
+          <a:prstGeom prst="roundRect">
+            <a:avLst>
+              <a:gd name="adj" fmla="val 50000"/>
+            </a:avLst>
+          </a:prstGeom>
+          <a:solidFill>
+            <a:srgbClr val="002060"/>
+          </a:solidFill>
+          <a:ln>
+            <a:noFill/>
+          </a:ln>
+        </p:spPr>
+        <p:style>
+          <a:lnRef idx="2">
+            <a:schemeClr val="accent6">
+              <a:shade val="50000"/>
+            </a:schemeClr>
+          </a:lnRef>
+          <a:fillRef idx="1">
+            <a:schemeClr val="accent6"/>
+          </a:fillRef>
+          <a:effectRef idx="0">
+            <a:schemeClr val="accent6"/>
+          </a:effectRef>
+          <a:fontRef idx="minor">
+            <a:schemeClr val="lt1"/>
+          </a:fontRef>
+        </p:style>
+        <p:txBody>
+          <a:bodyPr rtlCol="0" anchor="ctr"/>
+          <a:lstStyle/>
+          <a:p>
+            <a:pPr marL="0" marR="0" lvl="0" indent="0" defTabSz="914400" rtl="0" eaLnBrk="1" fontAlgn="auto" latinLnBrk="0" hangingPunct="1">
+              <a:lnSpc>
+                <a:spcPct val="100000"/>
+              </a:lnSpc>
+              <a:spcBef>
+                <a:spcPts val="0"/>
+              </a:spcBef>
+              <a:spcAft>
+                <a:spcPts val="0"/>
+              </a:spcAft>
+              <a:buClrTx/>
+              <a:buSzTx/>
+              <a:buFontTx/>
+              <a:buNone/>
+              <a:tabLst/>
+              <a:defRPr/>
+            </a:pPr>
+            <a:r>
+              <a:rPr kumimoji="0" lang="nl-NL" sz="800" b="0" i="0" u="none" strike="noStrike" kern="1200" cap="none" spc="0" normalizeH="0" baseline="0" noProof="0" dirty="0">
+                <a:ln>
+                  <a:noFill/>
+                </a:ln>
+                <a:solidFill>
+                  <a:prstClr val="white"/>
+                </a:solidFill>
+                <a:effectLst/>
+                <a:uLnTx/>
+                <a:uFillTx/>
+                <a:latin typeface="Calibri" panose="020F0502020204030204"/>
+                <a:ea typeface="+mn-ea"/>
+                <a:cs typeface="+mn-cs"/>
+              </a:rPr>
+              <a:t>/</a:t>
+            </a:r>
+            <a:r>
+              <a:rPr kumimoji="0" lang="nl-NL" sz="800" b="0" i="0" u="none" strike="noStrike" kern="1200" cap="none" spc="0" normalizeH="0" baseline="0" noProof="0" dirty="0" err="1">
+                <a:ln>
+                  <a:noFill/>
+                </a:ln>
+                <a:solidFill>
+                  <a:prstClr val="white"/>
+                </a:solidFill>
+                <a:effectLst/>
+                <a:uLnTx/>
+                <a:uFillTx/>
+                <a:latin typeface="Calibri" panose="020F0502020204030204"/>
+                <a:ea typeface="+mn-ea"/>
+                <a:cs typeface="+mn-cs"/>
+              </a:rPr>
+              <a:t>exitcam</a:t>
+            </a:r>
+            <a:endParaRPr kumimoji="0" lang="en-US" sz="800" b="0" i="0" u="none" strike="noStrike" kern="1200" cap="none" spc="0" normalizeH="0" baseline="0" noProof="0" dirty="0">
+              <a:ln>
+                <a:noFill/>
+              </a:ln>
+              <a:solidFill>
+                <a:prstClr val="white"/>
+              </a:solidFill>
+              <a:effectLst/>
+              <a:uLnTx/>
+              <a:uFillTx/>
+              <a:latin typeface="Calibri" panose="020F0502020204030204"/>
+              <a:ea typeface="+mn-ea"/>
+              <a:cs typeface="+mn-cs"/>
+            </a:endParaRPr>
+          </a:p>
+        </p:txBody>
+      </p:sp>
+      <p:sp>
+        <p:nvSpPr>
+          <p:cNvPr id="31" name="Rectangle: Rounded Corners 30">
+            <a:extLst>
+              <a:ext uri="{FF2B5EF4-FFF2-40B4-BE49-F238E27FC236}">
+                <a16:creationId xmlns:a16="http://schemas.microsoft.com/office/drawing/2014/main" id="{8BE3FE1E-9AF8-4982-A76E-71DF12239796}"/>
+              </a:ext>
+            </a:extLst>
+          </p:cNvPr>
+          <p:cNvSpPr/>
+          <p:nvPr/>
+        </p:nvSpPr>
+        <p:spPr>
+          <a:xfrm>
+            <a:off x="7318146" y="3605679"/>
+            <a:ext cx="893656" cy="182922"/>
+          </a:xfrm>
+          <a:prstGeom prst="roundRect">
+            <a:avLst>
+              <a:gd name="adj" fmla="val 50000"/>
+            </a:avLst>
+          </a:prstGeom>
+          <a:solidFill>
+            <a:srgbClr val="002060"/>
+          </a:solidFill>
+          <a:ln>
+            <a:noFill/>
+          </a:ln>
+        </p:spPr>
+        <p:style>
+          <a:lnRef idx="2">
+            <a:schemeClr val="accent6">
+              <a:shade val="50000"/>
+            </a:schemeClr>
+          </a:lnRef>
+          <a:fillRef idx="1">
+            <a:schemeClr val="accent6"/>
+          </a:fillRef>
+          <a:effectRef idx="0">
+            <a:schemeClr val="accent6"/>
+          </a:effectRef>
+          <a:fontRef idx="minor">
+            <a:schemeClr val="lt1"/>
+          </a:fontRef>
+        </p:style>
+        <p:txBody>
+          <a:bodyPr rtlCol="0" anchor="ctr"/>
+          <a:lstStyle/>
+          <a:p>
+            <a:pPr marL="0" marR="0" lvl="0" indent="0" defTabSz="914400" rtl="0" eaLnBrk="1" fontAlgn="auto" latinLnBrk="0" hangingPunct="1">
+              <a:lnSpc>
+                <a:spcPct val="100000"/>
+              </a:lnSpc>
+              <a:spcBef>
+                <a:spcPts val="0"/>
+              </a:spcBef>
+              <a:spcAft>
+                <a:spcPts val="0"/>
+              </a:spcAft>
+              <a:buClrTx/>
+              <a:buSzTx/>
+              <a:buFontTx/>
+              <a:buNone/>
+              <a:tabLst/>
+              <a:defRPr/>
+            </a:pPr>
+            <a:r>
+              <a:rPr lang="nl-NL" sz="800" dirty="0">
+                <a:solidFill>
+                  <a:prstClr val="white"/>
+                </a:solidFill>
+                <a:latin typeface="Calibri" panose="020F0502020204030204"/>
+              </a:rPr>
+              <a:t>/</a:t>
+            </a:r>
+            <a:r>
+              <a:rPr lang="nl-NL" sz="800" dirty="0" err="1">
+                <a:solidFill>
+                  <a:prstClr val="white"/>
+                </a:solidFill>
+                <a:latin typeface="Calibri" panose="020F0502020204030204"/>
+              </a:rPr>
+              <a:t>averageSpeed</a:t>
+            </a:r>
+            <a:endParaRPr kumimoji="0" lang="en-US" sz="800" b="0" i="0" u="none" strike="noStrike" kern="1200" cap="none" spc="0" normalizeH="0" baseline="0" noProof="0" dirty="0">
+              <a:ln>
+                <a:noFill/>
+              </a:ln>
+              <a:solidFill>
+                <a:prstClr val="white"/>
+              </a:solidFill>
+              <a:effectLst/>
+              <a:uLnTx/>
+              <a:uFillTx/>
+              <a:latin typeface="Calibri" panose="020F0502020204030204"/>
+              <a:ea typeface="+mn-ea"/>
+              <a:cs typeface="+mn-cs"/>
+            </a:endParaRPr>
+          </a:p>
+        </p:txBody>
+      </p:sp>
+      <p:cxnSp>
+        <p:nvCxnSpPr>
+          <p:cNvPr id="7" name="Straight Arrow Connector 6">
+            <a:extLst>
+              <a:ext uri="{FF2B5EF4-FFF2-40B4-BE49-F238E27FC236}">
+                <a16:creationId xmlns:a16="http://schemas.microsoft.com/office/drawing/2014/main" id="{9D2F5525-B012-456D-BFBA-EBADDC2208E2}"/>
+              </a:ext>
+            </a:extLst>
+          </p:cNvPr>
+          <p:cNvCxnSpPr>
+            <a:cxnSpLocks/>
+            <a:endCxn id="4" idx="1"/>
+          </p:cNvCxnSpPr>
+          <p:nvPr/>
+        </p:nvCxnSpPr>
+        <p:spPr>
+          <a:xfrm>
+            <a:off x="2195808" y="3220768"/>
+            <a:ext cx="980738" cy="0"/>
+          </a:xfrm>
+          <a:prstGeom prst="straightConnector1">
+            <a:avLst/>
+          </a:prstGeom>
+          <a:ln w="19050">
+            <a:solidFill>
+              <a:schemeClr val="tx1"/>
+            </a:solidFill>
+            <a:tailEnd type="triangle"/>
+          </a:ln>
+        </p:spPr>
+        <p:style>
+          <a:lnRef idx="1">
+            <a:schemeClr val="accent1"/>
+          </a:lnRef>
+          <a:fillRef idx="0">
+            <a:schemeClr val="accent1"/>
+          </a:fillRef>
+          <a:effectRef idx="0">
+            <a:schemeClr val="accent1"/>
+          </a:effectRef>
+          <a:fontRef idx="minor">
+            <a:schemeClr val="tx1"/>
+          </a:fontRef>
+        </p:style>
+      </p:cxnSp>
+      <p:sp>
+        <p:nvSpPr>
+          <p:cNvPr id="6" name="Rectangle: Rounded Corners 5">
+            <a:extLst>
+              <a:ext uri="{FF2B5EF4-FFF2-40B4-BE49-F238E27FC236}">
+                <a16:creationId xmlns:a16="http://schemas.microsoft.com/office/drawing/2014/main" id="{69AA8C8D-3649-18C2-0565-0BA30408B933}"/>
+              </a:ext>
+            </a:extLst>
+          </p:cNvPr>
+          <p:cNvSpPr/>
+          <p:nvPr/>
+        </p:nvSpPr>
+        <p:spPr>
+          <a:xfrm>
+            <a:off x="7318146" y="3880061"/>
+            <a:ext cx="893656" cy="182922"/>
+          </a:xfrm>
+          <a:prstGeom prst="roundRect">
+            <a:avLst>
+              <a:gd name="adj" fmla="val 50000"/>
+            </a:avLst>
+          </a:prstGeom>
+          <a:solidFill>
+            <a:srgbClr val="002060"/>
+          </a:solidFill>
+          <a:ln>
+            <a:noFill/>
+          </a:ln>
+        </p:spPr>
+        <p:style>
+          <a:lnRef idx="2">
+            <a:schemeClr val="accent6">
+              <a:shade val="50000"/>
+            </a:schemeClr>
+          </a:lnRef>
+          <a:fillRef idx="1">
+            <a:schemeClr val="accent6"/>
+          </a:fillRef>
+          <a:effectRef idx="0">
+            <a:schemeClr val="accent6"/>
+          </a:effectRef>
+          <a:fontRef idx="minor">
+            <a:schemeClr val="lt1"/>
+          </a:fontRef>
+        </p:style>
+        <p:txBody>
+          <a:bodyPr rtlCol="0" anchor="ctr"/>
+          <a:lstStyle/>
+          <a:p>
+            <a:pPr marL="0" marR="0" lvl="0" indent="0" defTabSz="914400" rtl="0" eaLnBrk="1" fontAlgn="auto" latinLnBrk="0" hangingPunct="1">
+              <a:lnSpc>
+                <a:spcPct val="100000"/>
+              </a:lnSpc>
+              <a:spcBef>
+                <a:spcPts val="0"/>
+              </a:spcBef>
+              <a:spcAft>
+                <a:spcPts val="0"/>
+              </a:spcAft>
+              <a:buClrTx/>
+              <a:buSzTx/>
+              <a:buFontTx/>
+              <a:buNone/>
+              <a:tabLst/>
+              <a:defRPr/>
+            </a:pPr>
+            <a:r>
+              <a:rPr lang="nl-NL" sz="800" dirty="0">
+                <a:solidFill>
+                  <a:prstClr val="white"/>
+                </a:solidFill>
+                <a:latin typeface="Calibri" panose="020F0502020204030204"/>
+              </a:rPr>
+              <a:t>/co2Level</a:t>
+            </a:r>
+            <a:endParaRPr kumimoji="0" lang="en-US" sz="800" b="0" i="0" u="none" strike="noStrike" kern="1200" cap="none" spc="0" normalizeH="0" baseline="0" noProof="0" dirty="0">
+              <a:ln>
+                <a:noFill/>
+              </a:ln>
+              <a:solidFill>
+                <a:prstClr val="white"/>
+              </a:solidFill>
+              <a:effectLst/>
+              <a:uLnTx/>
+              <a:uFillTx/>
+              <a:latin typeface="Calibri" panose="020F0502020204030204"/>
+              <a:ea typeface="+mn-ea"/>
+              <a:cs typeface="+mn-cs"/>
+            </a:endParaRPr>
+          </a:p>
+        </p:txBody>
+      </p:sp>
+      <p:cxnSp>
+        <p:nvCxnSpPr>
+          <p:cNvPr id="8" name="Straight Arrow Connector 7">
+            <a:extLst>
+              <a:ext uri="{FF2B5EF4-FFF2-40B4-BE49-F238E27FC236}">
+                <a16:creationId xmlns:a16="http://schemas.microsoft.com/office/drawing/2014/main" id="{B458D0F6-E762-A6E5-797D-E7B4166B6A66}"/>
+              </a:ext>
+            </a:extLst>
+          </p:cNvPr>
+          <p:cNvCxnSpPr>
+            <a:cxnSpLocks/>
+            <a:stCxn id="222" idx="3"/>
+          </p:cNvCxnSpPr>
+          <p:nvPr/>
+        </p:nvCxnSpPr>
+        <p:spPr>
+          <a:xfrm>
+            <a:off x="4971049" y="3371608"/>
+            <a:ext cx="1284527" cy="362844"/>
+          </a:xfrm>
+          <a:prstGeom prst="bentConnector3">
+            <a:avLst>
+              <a:gd name="adj1" fmla="val 14337"/>
+            </a:avLst>
+          </a:prstGeom>
+          <a:ln w="19050">
+            <a:solidFill>
+              <a:schemeClr val="tx1"/>
+            </a:solidFill>
+            <a:tailEnd type="triangle"/>
+          </a:ln>
+        </p:spPr>
+        <p:style>
+          <a:lnRef idx="1">
+            <a:schemeClr val="accent1"/>
+          </a:lnRef>
+          <a:fillRef idx="0">
+            <a:schemeClr val="accent1"/>
+          </a:fillRef>
+          <a:effectRef idx="0">
+            <a:schemeClr val="accent1"/>
+          </a:effectRef>
+          <a:fontRef idx="minor">
+            <a:schemeClr val="tx1"/>
+          </a:fontRef>
+        </p:style>
+      </p:cxnSp>
+      <p:sp>
+        <p:nvSpPr>
+          <p:cNvPr id="11" name="Rectangle 10">
+            <a:extLst>
+              <a:ext uri="{FF2B5EF4-FFF2-40B4-BE49-F238E27FC236}">
+                <a16:creationId xmlns:a16="http://schemas.microsoft.com/office/drawing/2014/main" id="{8CC6B7FE-3D49-7D7C-BF93-C8E7963D5FE8}"/>
+              </a:ext>
+            </a:extLst>
+          </p:cNvPr>
+          <p:cNvSpPr/>
+          <p:nvPr/>
+        </p:nvSpPr>
+        <p:spPr>
+          <a:xfrm>
+            <a:off x="991572" y="4064440"/>
+            <a:ext cx="741974" cy="655232"/>
+          </a:xfrm>
+          <a:prstGeom prst="rect">
+            <a:avLst/>
+          </a:prstGeom>
+          <a:solidFill>
+            <a:srgbClr val="0070C0"/>
+          </a:solidFill>
+        </p:spPr>
+        <p:style>
+          <a:lnRef idx="2">
+            <a:schemeClr val="accent1">
+              <a:shade val="50000"/>
+            </a:schemeClr>
+          </a:lnRef>
+          <a:fillRef idx="1">
+            <a:schemeClr val="accent1"/>
+          </a:fillRef>
+          <a:effectRef idx="0">
+            <a:schemeClr val="accent1"/>
+          </a:effectRef>
+          <a:fontRef idx="minor">
+            <a:schemeClr val="lt1"/>
+          </a:fontRef>
+        </p:style>
+        <p:txBody>
+          <a:bodyPr rtlCol="0" anchor="ctr"/>
+          <a:lstStyle/>
+          <a:p>
+            <a:pPr marL="0" marR="0" lvl="0" indent="0" algn="ctr" defTabSz="914400" rtl="0" eaLnBrk="1" fontAlgn="auto" latinLnBrk="0" hangingPunct="1">
+              <a:lnSpc>
+                <a:spcPct val="100000"/>
+              </a:lnSpc>
+              <a:spcBef>
+                <a:spcPts val="0"/>
+              </a:spcBef>
+              <a:spcAft>
+                <a:spcPts val="0"/>
+              </a:spcAft>
+              <a:buClrTx/>
+              <a:buSzTx/>
+              <a:buFontTx/>
+              <a:buNone/>
+              <a:tabLst/>
+              <a:defRPr/>
+            </a:pPr>
+            <a:r>
+              <a:rPr kumimoji="0" lang="nl-NL" sz="900" b="1" i="0" u="none" strike="noStrike" kern="1200" cap="none" spc="0" normalizeH="0" baseline="0" noProof="0" dirty="0">
+                <a:ln>
+                  <a:noFill/>
+                </a:ln>
+                <a:solidFill>
+                  <a:prstClr val="white"/>
+                </a:solidFill>
+                <a:effectLst/>
+                <a:uLnTx/>
+                <a:uFillTx/>
+                <a:latin typeface="Calibri" panose="020F0502020204030204"/>
+                <a:ea typeface="+mn-ea"/>
+                <a:cs typeface="+mn-cs"/>
+              </a:rPr>
+              <a:t>CO2 Sensor</a:t>
+            </a:r>
+          </a:p>
+          <a:p>
+            <a:pPr marL="0" marR="0" lvl="0" indent="0" algn="ctr" defTabSz="914400" rtl="0" eaLnBrk="1" fontAlgn="auto" latinLnBrk="0" hangingPunct="1">
+              <a:lnSpc>
+                <a:spcPct val="100000"/>
+              </a:lnSpc>
+              <a:spcBef>
+                <a:spcPts val="0"/>
+              </a:spcBef>
+              <a:spcAft>
+                <a:spcPts val="0"/>
+              </a:spcAft>
+              <a:buClrTx/>
+              <a:buSzTx/>
+              <a:buFontTx/>
+              <a:buNone/>
+              <a:tabLst/>
+              <a:defRPr/>
+            </a:pPr>
+            <a:r>
+              <a:rPr kumimoji="0" lang="nl-NL" sz="900" b="1" i="0" u="none" strike="noStrike" kern="1200" cap="none" spc="0" normalizeH="0" baseline="0" noProof="0" dirty="0" err="1">
+                <a:ln>
+                  <a:noFill/>
+                </a:ln>
+                <a:solidFill>
+                  <a:prstClr val="white"/>
+                </a:solidFill>
+                <a:effectLst/>
+                <a:uLnTx/>
+                <a:uFillTx/>
+                <a:latin typeface="Calibri" panose="020F0502020204030204"/>
+                <a:ea typeface="+mn-ea"/>
+                <a:cs typeface="+mn-cs"/>
+              </a:rPr>
+              <a:t>Simulation</a:t>
+            </a:r>
+            <a:endParaRPr kumimoji="0" lang="nl-NL" sz="900" b="1" i="0" u="none" strike="noStrike" kern="1200" cap="none" spc="0" normalizeH="0" baseline="0" noProof="0" dirty="0">
+              <a:ln>
+                <a:noFill/>
+              </a:ln>
+              <a:solidFill>
+                <a:prstClr val="white"/>
+              </a:solidFill>
+              <a:effectLst/>
+              <a:uLnTx/>
+              <a:uFillTx/>
+              <a:latin typeface="Calibri" panose="020F0502020204030204"/>
+              <a:ea typeface="+mn-ea"/>
+              <a:cs typeface="+mn-cs"/>
+            </a:endParaRPr>
+          </a:p>
+        </p:txBody>
+      </p:sp>
+      <p:sp>
+        <p:nvSpPr>
+          <p:cNvPr id="32" name="Rectangle 31">
+            <a:extLst>
+              <a:ext uri="{FF2B5EF4-FFF2-40B4-BE49-F238E27FC236}">
+                <a16:creationId xmlns:a16="http://schemas.microsoft.com/office/drawing/2014/main" id="{CE11509D-3D5C-CE03-80A6-3126557720E8}"/>
+              </a:ext>
+            </a:extLst>
+          </p:cNvPr>
+          <p:cNvSpPr/>
+          <p:nvPr/>
+        </p:nvSpPr>
+        <p:spPr>
+          <a:xfrm>
+            <a:off x="10419222" y="3506893"/>
+            <a:ext cx="920416" cy="657296"/>
+          </a:xfrm>
+          <a:prstGeom prst="rect">
+            <a:avLst/>
+          </a:prstGeom>
+          <a:solidFill>
+            <a:srgbClr val="0070C0"/>
+          </a:solidFill>
+        </p:spPr>
+        <p:style>
+          <a:lnRef idx="2">
+            <a:schemeClr val="accent1">
+              <a:shade val="50000"/>
+            </a:schemeClr>
+          </a:lnRef>
+          <a:fillRef idx="1">
+            <a:schemeClr val="accent1"/>
+          </a:fillRef>
+          <a:effectRef idx="0">
+            <a:schemeClr val="accent1"/>
+          </a:effectRef>
+          <a:fontRef idx="minor">
+            <a:schemeClr val="lt1"/>
+          </a:fontRef>
+        </p:style>
+        <p:txBody>
+          <a:bodyPr rtlCol="0" anchor="ctr"/>
+          <a:lstStyle/>
+          <a:p>
+            <a:pPr marL="0" marR="0" lvl="0" indent="0" algn="ctr" defTabSz="914400" rtl="0" eaLnBrk="1" fontAlgn="auto" latinLnBrk="0" hangingPunct="1">
+              <a:lnSpc>
+                <a:spcPct val="100000"/>
+              </a:lnSpc>
+              <a:spcBef>
+                <a:spcPts val="0"/>
+              </a:spcBef>
+              <a:spcAft>
+                <a:spcPts val="0"/>
+              </a:spcAft>
+              <a:buClrTx/>
+              <a:buSzTx/>
+              <a:buFontTx/>
+              <a:buNone/>
+              <a:tabLst/>
+              <a:defRPr/>
+            </a:pPr>
+            <a:r>
+              <a:rPr kumimoji="0" lang="nl-NL" sz="900" b="1" i="0" u="none" strike="noStrike" kern="1200" cap="none" spc="0" normalizeH="0" baseline="0" noProof="0" dirty="0" err="1">
+                <a:ln>
+                  <a:noFill/>
+                </a:ln>
+                <a:solidFill>
+                  <a:prstClr val="white"/>
+                </a:solidFill>
+                <a:effectLst/>
+                <a:uLnTx/>
+                <a:uFillTx/>
+                <a:latin typeface="Calibri" panose="020F0502020204030204"/>
+                <a:ea typeface="+mn-ea"/>
+                <a:cs typeface="+mn-cs"/>
+              </a:rPr>
+              <a:t>Measurements</a:t>
+            </a:r>
+            <a:endParaRPr kumimoji="0" lang="nl-NL" sz="900" b="1" i="0" u="none" strike="noStrike" kern="1200" cap="none" spc="0" normalizeH="0" baseline="0" noProof="0" dirty="0">
+              <a:ln>
+                <a:noFill/>
+              </a:ln>
+              <a:solidFill>
+                <a:prstClr val="white"/>
+              </a:solidFill>
+              <a:effectLst/>
+              <a:uLnTx/>
+              <a:uFillTx/>
+              <a:latin typeface="Calibri" panose="020F0502020204030204"/>
+              <a:ea typeface="+mn-ea"/>
+              <a:cs typeface="+mn-cs"/>
+            </a:endParaRPr>
+          </a:p>
+          <a:p>
+            <a:pPr marL="0" marR="0" lvl="0" indent="0" algn="ctr" defTabSz="914400" rtl="0" eaLnBrk="1" fontAlgn="auto" latinLnBrk="0" hangingPunct="1">
+              <a:lnSpc>
+                <a:spcPct val="100000"/>
+              </a:lnSpc>
+              <a:spcBef>
+                <a:spcPts val="0"/>
+              </a:spcBef>
+              <a:spcAft>
+                <a:spcPts val="0"/>
+              </a:spcAft>
+              <a:buClrTx/>
+              <a:buSzTx/>
+              <a:buFontTx/>
+              <a:buNone/>
+              <a:tabLst/>
+              <a:defRPr/>
+            </a:pPr>
+            <a:r>
+              <a:rPr kumimoji="0" lang="nl-NL" sz="900" b="1" i="0" u="none" strike="noStrike" kern="1200" cap="none" spc="0" normalizeH="0" baseline="0" noProof="0" dirty="0">
+                <a:ln>
+                  <a:noFill/>
+                </a:ln>
+                <a:solidFill>
+                  <a:prstClr val="white"/>
+                </a:solidFill>
+                <a:effectLst/>
+                <a:uLnTx/>
+                <a:uFillTx/>
+                <a:latin typeface="Calibri" panose="020F0502020204030204"/>
+                <a:ea typeface="+mn-ea"/>
+                <a:cs typeface="+mn-cs"/>
+              </a:rPr>
+              <a:t>Dashboard</a:t>
+            </a:r>
+          </a:p>
+        </p:txBody>
+      </p:sp>
+      <p:sp>
+        <p:nvSpPr>
+          <p:cNvPr id="42" name="Rectangle: Rounded Corners 41">
+            <a:extLst>
+              <a:ext uri="{FF2B5EF4-FFF2-40B4-BE49-F238E27FC236}">
+                <a16:creationId xmlns:a16="http://schemas.microsoft.com/office/drawing/2014/main" id="{4B933A5D-757C-B9CD-A93E-F9369D497917}"/>
+              </a:ext>
+            </a:extLst>
+          </p:cNvPr>
+          <p:cNvSpPr/>
+          <p:nvPr/>
+        </p:nvSpPr>
+        <p:spPr>
+          <a:xfrm>
+            <a:off x="9221620" y="3744535"/>
+            <a:ext cx="635151" cy="182922"/>
+          </a:xfrm>
+          <a:prstGeom prst="roundRect">
+            <a:avLst>
+              <a:gd name="adj" fmla="val 50000"/>
+            </a:avLst>
+          </a:prstGeom>
+          <a:solidFill>
+            <a:srgbClr val="002060"/>
+          </a:solidFill>
+          <a:ln>
+            <a:noFill/>
+          </a:ln>
+        </p:spPr>
+        <p:style>
+          <a:lnRef idx="2">
+            <a:schemeClr val="accent6">
+              <a:shade val="50000"/>
+            </a:schemeClr>
+          </a:lnRef>
+          <a:fillRef idx="1">
+            <a:schemeClr val="accent6"/>
+          </a:fillRef>
+          <a:effectRef idx="0">
+            <a:schemeClr val="accent6"/>
+          </a:effectRef>
+          <a:fontRef idx="minor">
+            <a:schemeClr val="lt1"/>
+          </a:fontRef>
+        </p:style>
+        <p:txBody>
+          <a:bodyPr rtlCol="0" anchor="ctr"/>
+          <a:lstStyle/>
+          <a:p>
+            <a:pPr marL="0" marR="0" lvl="0" indent="0" defTabSz="914400" rtl="0" eaLnBrk="1" fontAlgn="auto" latinLnBrk="0" hangingPunct="1">
+              <a:lnSpc>
+                <a:spcPct val="100000"/>
+              </a:lnSpc>
+              <a:spcBef>
+                <a:spcPts val="0"/>
+              </a:spcBef>
+              <a:spcAft>
+                <a:spcPts val="0"/>
+              </a:spcAft>
+              <a:buClrTx/>
+              <a:buSzTx/>
+              <a:buFontTx/>
+              <a:buNone/>
+              <a:tabLst/>
+              <a:defRPr/>
+            </a:pPr>
+            <a:r>
+              <a:rPr lang="nl-NL" sz="800" dirty="0">
+                <a:solidFill>
+                  <a:prstClr val="white"/>
+                </a:solidFill>
+                <a:latin typeface="Calibri" panose="020F0502020204030204"/>
+              </a:rPr>
+              <a:t>/</a:t>
+            </a:r>
+            <a:r>
+              <a:rPr lang="nl-NL" sz="800" dirty="0" err="1">
+                <a:solidFill>
+                  <a:prstClr val="white"/>
+                </a:solidFill>
+                <a:latin typeface="Calibri" panose="020F0502020204030204"/>
+              </a:rPr>
+              <a:t>metrics</a:t>
+            </a:r>
+            <a:endParaRPr kumimoji="0" lang="en-US" sz="800" b="0" i="0" u="none" strike="noStrike" kern="1200" cap="none" spc="0" normalizeH="0" baseline="0" noProof="0" dirty="0">
+              <a:ln>
+                <a:noFill/>
+              </a:ln>
+              <a:solidFill>
+                <a:prstClr val="white"/>
+              </a:solidFill>
+              <a:effectLst/>
+              <a:uLnTx/>
+              <a:uFillTx/>
+              <a:latin typeface="Calibri" panose="020F0502020204030204"/>
+              <a:ea typeface="+mn-ea"/>
+              <a:cs typeface="+mn-cs"/>
+            </a:endParaRPr>
+          </a:p>
+        </p:txBody>
+      </p:sp>
+      <p:grpSp>
+        <p:nvGrpSpPr>
+          <p:cNvPr id="193" name="Group 192">
+            <a:extLst>
+              <a:ext uri="{FF2B5EF4-FFF2-40B4-BE49-F238E27FC236}">
+                <a16:creationId xmlns:a16="http://schemas.microsoft.com/office/drawing/2014/main" id="{4C8FD797-DC17-C3F8-9E09-D1E815B693E6}"/>
+              </a:ext>
+            </a:extLst>
+          </p:cNvPr>
+          <p:cNvGrpSpPr/>
+          <p:nvPr/>
+        </p:nvGrpSpPr>
+        <p:grpSpPr>
+          <a:xfrm>
+            <a:off x="1733547" y="3043992"/>
+            <a:ext cx="462261" cy="655233"/>
+            <a:chOff x="4806927" y="431670"/>
+            <a:chExt cx="560207" cy="794065"/>
+          </a:xfrm>
+        </p:grpSpPr>
+        <p:sp>
+          <p:nvSpPr>
+            <p:cNvPr id="194" name="Rectangle 193">
+              <a:extLst>
+                <a:ext uri="{FF2B5EF4-FFF2-40B4-BE49-F238E27FC236}">
+                  <a16:creationId xmlns:a16="http://schemas.microsoft.com/office/drawing/2014/main" id="{4AF2D37F-51F4-AED7-2767-BCDD4876F8AB}"/>
+                </a:ext>
+              </a:extLst>
+            </p:cNvPr>
+            <p:cNvSpPr/>
+            <p:nvPr/>
+          </p:nvSpPr>
+          <p:spPr>
+            <a:xfrm>
+              <a:off x="4806927" y="431670"/>
+              <a:ext cx="560207" cy="794065"/>
+            </a:xfrm>
+            <a:prstGeom prst="rect">
+              <a:avLst/>
+            </a:prstGeom>
+            <a:solidFill>
+              <a:srgbClr val="00B0F0"/>
+            </a:solidFill>
+            <a:ln w="12700" cap="flat" cmpd="sng" algn="ctr">
+              <a:solidFill>
+                <a:schemeClr val="tx1"/>
+              </a:solidFill>
+              <a:prstDash val="solid"/>
+              <a:miter lim="800000"/>
+            </a:ln>
+            <a:effectLst/>
+          </p:spPr>
+          <p:txBody>
+            <a:bodyPr tIns="0" bIns="180000" rtlCol="0" anchor="b"/>
+            <a:lstStyle/>
+            <a:p>
+              <a:pPr marL="0" marR="0" lvl="0" indent="0" algn="ctr" defTabSz="914400" eaLnBrk="1" fontAlgn="auto" latinLnBrk="0" hangingPunct="1">
+                <a:lnSpc>
+                  <a:spcPct val="100000"/>
+                </a:lnSpc>
+                <a:spcBef>
+                  <a:spcPts val="0"/>
+                </a:spcBef>
+                <a:spcAft>
+                  <a:spcPts val="0"/>
+                </a:spcAft>
+                <a:buClrTx/>
+                <a:buSzTx/>
+                <a:buFontTx/>
+                <a:buNone/>
+                <a:tabLst/>
+                <a:defRPr/>
+              </a:pPr>
+              <a:r>
+                <a:rPr kumimoji="0" lang="nl-NL" sz="500" b="1" i="0" u="none" strike="noStrike" kern="0" cap="none" spc="0" normalizeH="0" baseline="0" noProof="0" dirty="0">
+                  <a:ln>
+                    <a:noFill/>
+                  </a:ln>
+                  <a:solidFill>
+                    <a:prstClr val="white"/>
+                  </a:solidFill>
+                  <a:effectLst/>
+                  <a:uLnTx/>
+                  <a:uFillTx/>
+                </a:rPr>
+                <a:t>Sidecar</a:t>
+              </a:r>
+              <a:endParaRPr kumimoji="0" lang="en-US" sz="500" b="1" i="0" u="none" strike="noStrike" kern="0" cap="none" spc="0" normalizeH="0" baseline="0" noProof="0" dirty="0">
+                <a:ln>
+                  <a:noFill/>
+                </a:ln>
+                <a:solidFill>
+                  <a:prstClr val="white"/>
+                </a:solidFill>
+                <a:effectLst/>
+                <a:uLnTx/>
+                <a:uFillTx/>
+              </a:endParaRPr>
+            </a:p>
+          </p:txBody>
+        </p:sp>
+        <p:pic>
+          <p:nvPicPr>
+            <p:cNvPr id="195" name="Graphic 194">
+              <a:extLst>
+                <a:ext uri="{FF2B5EF4-FFF2-40B4-BE49-F238E27FC236}">
+                  <a16:creationId xmlns:a16="http://schemas.microsoft.com/office/drawing/2014/main" id="{D8D6B475-3833-F9E5-C7F3-D0DFB81CC90A}"/>
+                </a:ext>
+              </a:extLst>
+            </p:cNvPr>
+            <p:cNvPicPr>
+              <a:picLocks noChangeAspect="1"/>
+            </p:cNvPicPr>
+            <p:nvPr/>
+          </p:nvPicPr>
+          <p:blipFill>
+            <a:blip r:embed="rId2">
+              <a:extLst>
+                <a:ext uri="{28A0092B-C50C-407E-A947-70E740481C1C}">
+                  <a14:useLocalDpi xmlns:a14="http://schemas.microsoft.com/office/drawing/2010/main" val="0"/>
+                </a:ext>
+                <a:ext uri="{96DAC541-7B7A-43D3-8B79-37D633B846F1}">
+                  <asvg:svgBlip xmlns:asvg="http://schemas.microsoft.com/office/drawing/2016/SVG/main" r:embed="rId3"/>
+                </a:ext>
+              </a:extLst>
+            </a:blip>
+            <a:stretch>
+              <a:fillRect/>
+            </a:stretch>
+          </p:blipFill>
+          <p:spPr>
+            <a:xfrm>
+              <a:off x="4878079" y="632227"/>
+              <a:ext cx="420708" cy="309514"/>
+            </a:xfrm>
+            <a:prstGeom prst="rect">
+              <a:avLst/>
+            </a:prstGeom>
+          </p:spPr>
+        </p:pic>
+      </p:grpSp>
+      <p:grpSp>
+        <p:nvGrpSpPr>
+          <p:cNvPr id="196" name="Group 195">
+            <a:extLst>
+              <a:ext uri="{FF2B5EF4-FFF2-40B4-BE49-F238E27FC236}">
+                <a16:creationId xmlns:a16="http://schemas.microsoft.com/office/drawing/2014/main" id="{BB0DED38-C3F4-6DD3-8655-2D1609EFBD99}"/>
+              </a:ext>
+            </a:extLst>
+          </p:cNvPr>
+          <p:cNvGrpSpPr/>
+          <p:nvPr/>
+        </p:nvGrpSpPr>
+        <p:grpSpPr>
+          <a:xfrm>
+            <a:off x="1742122" y="4064441"/>
+            <a:ext cx="462261" cy="655232"/>
+            <a:chOff x="4806927" y="431671"/>
+            <a:chExt cx="560207" cy="794064"/>
+          </a:xfrm>
+        </p:grpSpPr>
+        <p:sp>
+          <p:nvSpPr>
+            <p:cNvPr id="197" name="Rectangle 196">
+              <a:extLst>
+                <a:ext uri="{FF2B5EF4-FFF2-40B4-BE49-F238E27FC236}">
+                  <a16:creationId xmlns:a16="http://schemas.microsoft.com/office/drawing/2014/main" id="{A559795F-7CE0-0EDA-99FE-1855B43138E6}"/>
+                </a:ext>
+              </a:extLst>
+            </p:cNvPr>
+            <p:cNvSpPr/>
+            <p:nvPr/>
+          </p:nvSpPr>
+          <p:spPr>
+            <a:xfrm>
+              <a:off x="4806927" y="431671"/>
+              <a:ext cx="560207" cy="794064"/>
+            </a:xfrm>
+            <a:prstGeom prst="rect">
+              <a:avLst/>
+            </a:prstGeom>
+            <a:solidFill>
+              <a:srgbClr val="00B0F0"/>
+            </a:solidFill>
+            <a:ln w="12700" cap="flat" cmpd="sng" algn="ctr">
+              <a:solidFill>
+                <a:schemeClr val="tx1"/>
+              </a:solidFill>
+              <a:prstDash val="solid"/>
+              <a:miter lim="800000"/>
+            </a:ln>
+            <a:effectLst/>
+          </p:spPr>
+          <p:txBody>
+            <a:bodyPr tIns="0" bIns="180000" rtlCol="0" anchor="b"/>
+            <a:lstStyle/>
+            <a:p>
+              <a:pPr marL="0" marR="0" lvl="0" indent="0" algn="ctr" defTabSz="914400" eaLnBrk="1" fontAlgn="auto" latinLnBrk="0" hangingPunct="1">
+                <a:lnSpc>
+                  <a:spcPct val="100000"/>
+                </a:lnSpc>
+                <a:spcBef>
+                  <a:spcPts val="0"/>
+                </a:spcBef>
+                <a:spcAft>
+                  <a:spcPts val="0"/>
+                </a:spcAft>
+                <a:buClrTx/>
+                <a:buSzTx/>
+                <a:buFontTx/>
+                <a:buNone/>
+                <a:tabLst/>
+                <a:defRPr/>
+              </a:pPr>
+              <a:r>
+                <a:rPr kumimoji="0" lang="nl-NL" sz="500" b="1" i="0" u="none" strike="noStrike" kern="0" cap="none" spc="0" normalizeH="0" baseline="0" noProof="0" dirty="0">
+                  <a:ln>
+                    <a:noFill/>
+                  </a:ln>
+                  <a:solidFill>
+                    <a:prstClr val="white"/>
+                  </a:solidFill>
+                  <a:effectLst/>
+                  <a:uLnTx/>
+                  <a:uFillTx/>
+                </a:rPr>
+                <a:t>Sidecar</a:t>
+              </a:r>
+              <a:endParaRPr kumimoji="0" lang="en-US" sz="500" b="1" i="0" u="none" strike="noStrike" kern="0" cap="none" spc="0" normalizeH="0" baseline="0" noProof="0" dirty="0">
+                <a:ln>
+                  <a:noFill/>
+                </a:ln>
+                <a:solidFill>
+                  <a:prstClr val="white"/>
+                </a:solidFill>
+                <a:effectLst/>
+                <a:uLnTx/>
+                <a:uFillTx/>
+              </a:endParaRPr>
+            </a:p>
+          </p:txBody>
+        </p:sp>
+        <p:pic>
+          <p:nvPicPr>
+            <p:cNvPr id="198" name="Graphic 197">
+              <a:extLst>
+                <a:ext uri="{FF2B5EF4-FFF2-40B4-BE49-F238E27FC236}">
+                  <a16:creationId xmlns:a16="http://schemas.microsoft.com/office/drawing/2014/main" id="{8828660E-0528-B4DC-AC6C-AD8B7C5D325D}"/>
+                </a:ext>
+              </a:extLst>
+            </p:cNvPr>
+            <p:cNvPicPr>
+              <a:picLocks noChangeAspect="1"/>
+            </p:cNvPicPr>
+            <p:nvPr/>
+          </p:nvPicPr>
+          <p:blipFill>
+            <a:blip r:embed="rId2">
+              <a:extLst>
+                <a:ext uri="{28A0092B-C50C-407E-A947-70E740481C1C}">
+                  <a14:useLocalDpi xmlns:a14="http://schemas.microsoft.com/office/drawing/2010/main" val="0"/>
+                </a:ext>
+                <a:ext uri="{96DAC541-7B7A-43D3-8B79-37D633B846F1}">
+                  <asvg:svgBlip xmlns:asvg="http://schemas.microsoft.com/office/drawing/2016/SVG/main" r:embed="rId3"/>
+                </a:ext>
+              </a:extLst>
+            </a:blip>
+            <a:stretch>
+              <a:fillRect/>
+            </a:stretch>
+          </p:blipFill>
+          <p:spPr>
+            <a:xfrm>
+              <a:off x="4878079" y="632227"/>
+              <a:ext cx="420708" cy="309514"/>
+            </a:xfrm>
+            <a:prstGeom prst="rect">
+              <a:avLst/>
+            </a:prstGeom>
+          </p:spPr>
+        </p:pic>
+      </p:grpSp>
+      <p:grpSp>
+        <p:nvGrpSpPr>
+          <p:cNvPr id="203" name="Group 202">
+            <a:extLst>
+              <a:ext uri="{FF2B5EF4-FFF2-40B4-BE49-F238E27FC236}">
+                <a16:creationId xmlns:a16="http://schemas.microsoft.com/office/drawing/2014/main" id="{D537FD29-7F5F-6B2D-FF5E-D9D4D37A80A1}"/>
+              </a:ext>
+            </a:extLst>
+          </p:cNvPr>
+          <p:cNvGrpSpPr/>
+          <p:nvPr/>
+        </p:nvGrpSpPr>
+        <p:grpSpPr>
+          <a:xfrm>
+            <a:off x="4385568" y="1438678"/>
+            <a:ext cx="708701" cy="655233"/>
+            <a:chOff x="3057226" y="1218553"/>
+            <a:chExt cx="695886" cy="643384"/>
+          </a:xfrm>
+        </p:grpSpPr>
+        <p:sp>
+          <p:nvSpPr>
+            <p:cNvPr id="201" name="Rectangle 200">
+              <a:extLst>
+                <a:ext uri="{FF2B5EF4-FFF2-40B4-BE49-F238E27FC236}">
+                  <a16:creationId xmlns:a16="http://schemas.microsoft.com/office/drawing/2014/main" id="{DF110D06-F205-5DD0-88AF-73458CD6499F}"/>
+                </a:ext>
+              </a:extLst>
+            </p:cNvPr>
+            <p:cNvSpPr/>
+            <p:nvPr/>
+          </p:nvSpPr>
+          <p:spPr>
+            <a:xfrm>
+              <a:off x="3057226" y="1218553"/>
+              <a:ext cx="695886" cy="643384"/>
+            </a:xfrm>
+            <a:prstGeom prst="rect">
+              <a:avLst/>
+            </a:prstGeom>
+            <a:solidFill>
+              <a:srgbClr val="92D050"/>
+            </a:solidFill>
+            <a:ln w="12700" cap="flat" cmpd="sng" algn="ctr">
+              <a:solidFill>
+                <a:schemeClr val="tx1"/>
+              </a:solidFill>
+              <a:prstDash val="solid"/>
+              <a:miter lim="800000"/>
+            </a:ln>
+            <a:effectLst/>
+          </p:spPr>
+          <p:txBody>
+            <a:bodyPr rtlCol="0" anchor="t"/>
+            <a:lstStyle/>
+            <a:p>
+              <a:pPr marL="0" marR="0" lvl="0" indent="0" algn="ctr" defTabSz="914400" eaLnBrk="1" fontAlgn="auto" latinLnBrk="0" hangingPunct="1">
+                <a:lnSpc>
+                  <a:spcPct val="100000"/>
+                </a:lnSpc>
+                <a:spcBef>
+                  <a:spcPts val="0"/>
+                </a:spcBef>
+                <a:spcAft>
+                  <a:spcPts val="0"/>
+                </a:spcAft>
+                <a:buClrTx/>
+                <a:buSzTx/>
+                <a:buFontTx/>
+                <a:buNone/>
+                <a:tabLst/>
+                <a:defRPr/>
+              </a:pPr>
+              <a:r>
+                <a:rPr kumimoji="0" lang="nl-NL" sz="900" b="1" i="0" u="none" strike="noStrike" kern="0" cap="none" spc="0" normalizeH="0" baseline="0" noProof="0" dirty="0" err="1">
+                  <a:ln>
+                    <a:noFill/>
+                  </a:ln>
+                  <a:solidFill>
+                    <a:schemeClr val="bg1"/>
+                  </a:solidFill>
+                  <a:effectLst/>
+                  <a:uLnTx/>
+                  <a:uFillTx/>
+                </a:rPr>
+                <a:t>Redis</a:t>
+              </a:r>
+              <a:endParaRPr kumimoji="0" lang="nl-NL" sz="900" b="1" i="0" u="none" strike="noStrike" kern="0" cap="none" spc="0" normalizeH="0" baseline="0" noProof="0" dirty="0">
+                <a:ln>
+                  <a:noFill/>
+                </a:ln>
+                <a:solidFill>
+                  <a:schemeClr val="bg1"/>
+                </a:solidFill>
+                <a:effectLst/>
+                <a:uLnTx/>
+                <a:uFillTx/>
+              </a:endParaRPr>
+            </a:p>
+            <a:p>
+              <a:pPr marL="0" marR="0" lvl="0" indent="0" algn="ctr" defTabSz="914400" eaLnBrk="1" fontAlgn="auto" latinLnBrk="0" hangingPunct="1">
+                <a:lnSpc>
+                  <a:spcPct val="100000"/>
+                </a:lnSpc>
+                <a:spcBef>
+                  <a:spcPts val="0"/>
+                </a:spcBef>
+                <a:spcAft>
+                  <a:spcPts val="0"/>
+                </a:spcAft>
+                <a:buClrTx/>
+                <a:buSzTx/>
+                <a:buFontTx/>
+                <a:buNone/>
+                <a:tabLst/>
+                <a:defRPr/>
+              </a:pPr>
+              <a:endParaRPr kumimoji="0" lang="en-US" sz="900" b="1" i="0" u="none" strike="noStrike" kern="0" cap="none" spc="0" normalizeH="0" baseline="0" noProof="0" dirty="0">
+                <a:ln>
+                  <a:noFill/>
+                </a:ln>
+                <a:solidFill>
+                  <a:schemeClr val="bg1"/>
+                </a:solidFill>
+                <a:effectLst/>
+                <a:uLnTx/>
+                <a:uFillTx/>
+              </a:endParaRPr>
+            </a:p>
+          </p:txBody>
+        </p:sp>
+        <p:pic>
+          <p:nvPicPr>
+            <p:cNvPr id="202" name="Graphic 201">
+              <a:extLst>
+                <a:ext uri="{FF2B5EF4-FFF2-40B4-BE49-F238E27FC236}">
+                  <a16:creationId xmlns:a16="http://schemas.microsoft.com/office/drawing/2014/main" id="{F33993EB-377A-545F-9EEA-CF71282C2E5B}"/>
+                </a:ext>
+              </a:extLst>
+            </p:cNvPr>
+            <p:cNvPicPr>
+              <a:picLocks noChangeAspect="1"/>
+            </p:cNvPicPr>
+            <p:nvPr/>
+          </p:nvPicPr>
+          <p:blipFill>
+            <a:blip r:embed="rId4">
+              <a:extLst>
+                <a:ext uri="{28A0092B-C50C-407E-A947-70E740481C1C}">
+                  <a14:useLocalDpi xmlns:a14="http://schemas.microsoft.com/office/drawing/2010/main" val="0"/>
+                </a:ext>
+                <a:ext uri="{96DAC541-7B7A-43D3-8B79-37D633B846F1}">
+                  <asvg:svgBlip xmlns:asvg="http://schemas.microsoft.com/office/drawing/2016/SVG/main" r:embed="rId5"/>
+                </a:ext>
+              </a:extLst>
+            </a:blip>
+            <a:stretch>
+              <a:fillRect/>
+            </a:stretch>
+          </p:blipFill>
+          <p:spPr>
+            <a:xfrm>
+              <a:off x="3220140" y="1458741"/>
+              <a:ext cx="372219" cy="319811"/>
+            </a:xfrm>
+            <a:prstGeom prst="rect">
+              <a:avLst/>
+            </a:prstGeom>
+          </p:spPr>
+        </p:pic>
+      </p:grpSp>
+      <p:grpSp>
+        <p:nvGrpSpPr>
+          <p:cNvPr id="224" name="Group 223">
+            <a:extLst>
+              <a:ext uri="{FF2B5EF4-FFF2-40B4-BE49-F238E27FC236}">
+                <a16:creationId xmlns:a16="http://schemas.microsoft.com/office/drawing/2014/main" id="{5A87BFAB-4639-0A28-7E48-23A5E60BAADD}"/>
+              </a:ext>
+            </a:extLst>
+          </p:cNvPr>
+          <p:cNvGrpSpPr/>
+          <p:nvPr/>
+        </p:nvGrpSpPr>
+        <p:grpSpPr>
+          <a:xfrm>
+            <a:off x="6255576" y="3508956"/>
+            <a:ext cx="708701" cy="655233"/>
+            <a:chOff x="5380836" y="3117721"/>
+            <a:chExt cx="695886" cy="643384"/>
+          </a:xfrm>
+        </p:grpSpPr>
+        <p:sp>
+          <p:nvSpPr>
+            <p:cNvPr id="204" name="Rectangle 203">
+              <a:extLst>
+                <a:ext uri="{FF2B5EF4-FFF2-40B4-BE49-F238E27FC236}">
+                  <a16:creationId xmlns:a16="http://schemas.microsoft.com/office/drawing/2014/main" id="{BB5F4866-E1A8-D4C4-49E8-C76948C95BAD}"/>
+                </a:ext>
+              </a:extLst>
+            </p:cNvPr>
+            <p:cNvSpPr/>
+            <p:nvPr/>
+          </p:nvSpPr>
+          <p:spPr>
+            <a:xfrm>
+              <a:off x="5380836" y="3117721"/>
+              <a:ext cx="695886" cy="643384"/>
+            </a:xfrm>
+            <a:prstGeom prst="rect">
+              <a:avLst/>
+            </a:prstGeom>
+            <a:solidFill>
+              <a:srgbClr val="92D050"/>
+            </a:solidFill>
+            <a:ln w="12700" cap="flat" cmpd="sng" algn="ctr">
+              <a:solidFill>
+                <a:schemeClr val="tx1"/>
+              </a:solidFill>
+              <a:prstDash val="solid"/>
+              <a:miter lim="800000"/>
+            </a:ln>
+            <a:effectLst/>
+          </p:spPr>
+          <p:txBody>
+            <a:bodyPr rtlCol="0" anchor="t"/>
+            <a:lstStyle/>
+            <a:p>
+              <a:pPr marL="0" marR="0" lvl="0" indent="0" algn="ctr" defTabSz="914400" eaLnBrk="1" fontAlgn="auto" latinLnBrk="0" hangingPunct="1">
+                <a:lnSpc>
+                  <a:spcPct val="100000"/>
+                </a:lnSpc>
+                <a:spcBef>
+                  <a:spcPts val="0"/>
+                </a:spcBef>
+                <a:spcAft>
+                  <a:spcPts val="0"/>
+                </a:spcAft>
+                <a:buClrTx/>
+                <a:buSzTx/>
+                <a:buFontTx/>
+                <a:buNone/>
+                <a:tabLst/>
+                <a:defRPr/>
+              </a:pPr>
+              <a:r>
+                <a:rPr kumimoji="0" lang="nl-NL" sz="900" b="1" i="0" u="none" strike="noStrike" kern="0" cap="none" spc="0" normalizeH="0" baseline="0" noProof="0" dirty="0">
+                  <a:ln>
+                    <a:noFill/>
+                  </a:ln>
+                  <a:solidFill>
+                    <a:schemeClr val="bg1"/>
+                  </a:solidFill>
+                  <a:effectLst/>
+                  <a:uLnTx/>
+                  <a:uFillTx/>
+                </a:rPr>
+                <a:t>RabbitMQ</a:t>
+              </a:r>
+            </a:p>
+            <a:p>
+              <a:pPr marL="0" marR="0" lvl="0" indent="0" algn="ctr" defTabSz="914400" eaLnBrk="1" fontAlgn="auto" latinLnBrk="0" hangingPunct="1">
+                <a:lnSpc>
+                  <a:spcPct val="100000"/>
+                </a:lnSpc>
+                <a:spcBef>
+                  <a:spcPts val="0"/>
+                </a:spcBef>
+                <a:spcAft>
+                  <a:spcPts val="0"/>
+                </a:spcAft>
+                <a:buClrTx/>
+                <a:buSzTx/>
+                <a:buFontTx/>
+                <a:buNone/>
+                <a:tabLst/>
+                <a:defRPr/>
+              </a:pPr>
+              <a:endParaRPr kumimoji="0" lang="en-US" sz="900" b="1" i="0" u="none" strike="noStrike" kern="0" cap="none" spc="0" normalizeH="0" baseline="0" noProof="0" dirty="0">
+                <a:ln>
+                  <a:noFill/>
+                </a:ln>
+                <a:solidFill>
+                  <a:schemeClr val="bg1"/>
+                </a:solidFill>
+                <a:effectLst/>
+                <a:uLnTx/>
+                <a:uFillTx/>
+              </a:endParaRPr>
+            </a:p>
+          </p:txBody>
+        </p:sp>
+        <p:pic>
+          <p:nvPicPr>
+            <p:cNvPr id="205" name="Picture 204" descr="Icon&#10;&#10;Description automatically generated">
+              <a:extLst>
+                <a:ext uri="{FF2B5EF4-FFF2-40B4-BE49-F238E27FC236}">
+                  <a16:creationId xmlns:a16="http://schemas.microsoft.com/office/drawing/2014/main" id="{76474B13-EE51-46EF-539B-67ED833A79FF}"/>
+                </a:ext>
+              </a:extLst>
+            </p:cNvPr>
+            <p:cNvPicPr>
+              <a:picLocks noChangeAspect="1"/>
+            </p:cNvPicPr>
+            <p:nvPr/>
+          </p:nvPicPr>
+          <p:blipFill>
+            <a:blip r:embed="rId6">
+              <a:extLst>
+                <a:ext uri="{28A0092B-C50C-407E-A947-70E740481C1C}">
+                  <a14:useLocalDpi xmlns:a14="http://schemas.microsoft.com/office/drawing/2010/main" val="0"/>
+                </a:ext>
+              </a:extLst>
+            </a:blip>
+            <a:stretch>
+              <a:fillRect/>
+            </a:stretch>
+          </p:blipFill>
+          <p:spPr>
+            <a:xfrm>
+              <a:off x="5570387" y="3339139"/>
+              <a:ext cx="306162" cy="324021"/>
+            </a:xfrm>
+            <a:prstGeom prst="rect">
+              <a:avLst/>
+            </a:prstGeom>
+          </p:spPr>
+        </p:pic>
+      </p:grpSp>
+      <p:grpSp>
+        <p:nvGrpSpPr>
+          <p:cNvPr id="221" name="Group 220">
+            <a:extLst>
+              <a:ext uri="{FF2B5EF4-FFF2-40B4-BE49-F238E27FC236}">
+                <a16:creationId xmlns:a16="http://schemas.microsoft.com/office/drawing/2014/main" id="{D6CB9C5D-C658-BC0D-9495-7C0B66623F0B}"/>
+              </a:ext>
+            </a:extLst>
+          </p:cNvPr>
+          <p:cNvGrpSpPr/>
+          <p:nvPr/>
+        </p:nvGrpSpPr>
+        <p:grpSpPr>
+          <a:xfrm>
+            <a:off x="4508788" y="3043992"/>
+            <a:ext cx="462261" cy="655233"/>
+            <a:chOff x="4806927" y="431670"/>
+            <a:chExt cx="560207" cy="794065"/>
+          </a:xfrm>
+        </p:grpSpPr>
+        <p:sp>
+          <p:nvSpPr>
+            <p:cNvPr id="222" name="Rectangle 221">
+              <a:extLst>
+                <a:ext uri="{FF2B5EF4-FFF2-40B4-BE49-F238E27FC236}">
+                  <a16:creationId xmlns:a16="http://schemas.microsoft.com/office/drawing/2014/main" id="{7249D5C7-8B91-EFF4-77D4-504BD70303AD}"/>
+                </a:ext>
+              </a:extLst>
+            </p:cNvPr>
+            <p:cNvSpPr/>
+            <p:nvPr/>
+          </p:nvSpPr>
+          <p:spPr>
+            <a:xfrm>
+              <a:off x="4806927" y="431670"/>
+              <a:ext cx="560207" cy="794065"/>
+            </a:xfrm>
+            <a:prstGeom prst="rect">
+              <a:avLst/>
+            </a:prstGeom>
+            <a:solidFill>
+              <a:srgbClr val="00B0F0"/>
+            </a:solidFill>
+            <a:ln w="12700" cap="flat" cmpd="sng" algn="ctr">
+              <a:solidFill>
+                <a:schemeClr val="tx1"/>
+              </a:solidFill>
+              <a:prstDash val="solid"/>
+              <a:miter lim="800000"/>
+            </a:ln>
+            <a:effectLst/>
+          </p:spPr>
+          <p:txBody>
+            <a:bodyPr tIns="0" bIns="180000" rtlCol="0" anchor="b"/>
+            <a:lstStyle/>
+            <a:p>
+              <a:pPr marL="0" marR="0" lvl="0" indent="0" algn="ctr" defTabSz="914400" eaLnBrk="1" fontAlgn="auto" latinLnBrk="0" hangingPunct="1">
+                <a:lnSpc>
+                  <a:spcPct val="100000"/>
+                </a:lnSpc>
+                <a:spcBef>
+                  <a:spcPts val="0"/>
+                </a:spcBef>
+                <a:spcAft>
+                  <a:spcPts val="0"/>
+                </a:spcAft>
+                <a:buClrTx/>
+                <a:buSzTx/>
+                <a:buFontTx/>
+                <a:buNone/>
+                <a:tabLst/>
+                <a:defRPr/>
+              </a:pPr>
+              <a:r>
+                <a:rPr kumimoji="0" lang="nl-NL" sz="500" b="1" i="0" u="none" strike="noStrike" kern="0" cap="none" spc="0" normalizeH="0" baseline="0" noProof="0" dirty="0">
+                  <a:ln>
+                    <a:noFill/>
+                  </a:ln>
+                  <a:solidFill>
+                    <a:prstClr val="white"/>
+                  </a:solidFill>
+                  <a:effectLst/>
+                  <a:uLnTx/>
+                  <a:uFillTx/>
+                </a:rPr>
+                <a:t>Sidecar</a:t>
+              </a:r>
+              <a:endParaRPr kumimoji="0" lang="en-US" sz="500" b="1" i="0" u="none" strike="noStrike" kern="0" cap="none" spc="0" normalizeH="0" baseline="0" noProof="0" dirty="0">
+                <a:ln>
+                  <a:noFill/>
+                </a:ln>
+                <a:solidFill>
+                  <a:prstClr val="white"/>
+                </a:solidFill>
+                <a:effectLst/>
+                <a:uLnTx/>
+                <a:uFillTx/>
+              </a:endParaRPr>
+            </a:p>
+          </p:txBody>
+        </p:sp>
+        <p:pic>
+          <p:nvPicPr>
+            <p:cNvPr id="223" name="Graphic 222">
+              <a:extLst>
+                <a:ext uri="{FF2B5EF4-FFF2-40B4-BE49-F238E27FC236}">
+                  <a16:creationId xmlns:a16="http://schemas.microsoft.com/office/drawing/2014/main" id="{24C4837C-28E2-7609-295D-09C2A222EFA1}"/>
+                </a:ext>
+              </a:extLst>
+            </p:cNvPr>
+            <p:cNvPicPr>
+              <a:picLocks noChangeAspect="1"/>
+            </p:cNvPicPr>
+            <p:nvPr/>
+          </p:nvPicPr>
+          <p:blipFill>
+            <a:blip r:embed="rId2">
+              <a:extLst>
+                <a:ext uri="{28A0092B-C50C-407E-A947-70E740481C1C}">
+                  <a14:useLocalDpi xmlns:a14="http://schemas.microsoft.com/office/drawing/2010/main" val="0"/>
+                </a:ext>
+                <a:ext uri="{96DAC541-7B7A-43D3-8B79-37D633B846F1}">
+                  <asvg:svgBlip xmlns:asvg="http://schemas.microsoft.com/office/drawing/2016/SVG/main" r:embed="rId3"/>
+                </a:ext>
+              </a:extLst>
+            </a:blip>
+            <a:stretch>
+              <a:fillRect/>
+            </a:stretch>
+          </p:blipFill>
+          <p:spPr>
+            <a:xfrm>
+              <a:off x="4878079" y="632227"/>
+              <a:ext cx="420708" cy="309514"/>
+            </a:xfrm>
+            <a:prstGeom prst="rect">
+              <a:avLst/>
+            </a:prstGeom>
+          </p:spPr>
+        </p:pic>
+      </p:grpSp>
+      <p:cxnSp>
+        <p:nvCxnSpPr>
+          <p:cNvPr id="226" name="Straight Arrow Connector 225">
+            <a:extLst>
+              <a:ext uri="{FF2B5EF4-FFF2-40B4-BE49-F238E27FC236}">
+                <a16:creationId xmlns:a16="http://schemas.microsoft.com/office/drawing/2014/main" id="{B5069B7B-F27A-46F4-FB02-8FF5509A444C}"/>
+              </a:ext>
+            </a:extLst>
+          </p:cNvPr>
+          <p:cNvCxnSpPr>
+            <a:cxnSpLocks/>
+            <a:endCxn id="29" idx="1"/>
+          </p:cNvCxnSpPr>
+          <p:nvPr/>
+        </p:nvCxnSpPr>
+        <p:spPr>
+          <a:xfrm>
+            <a:off x="2204383" y="3508956"/>
+            <a:ext cx="972163" cy="0"/>
+          </a:xfrm>
+          <a:prstGeom prst="straightConnector1">
+            <a:avLst/>
+          </a:prstGeom>
+          <a:ln w="19050">
+            <a:solidFill>
+              <a:schemeClr val="tx1"/>
+            </a:solidFill>
+            <a:tailEnd type="triangle"/>
+          </a:ln>
+        </p:spPr>
+        <p:style>
+          <a:lnRef idx="1">
+            <a:schemeClr val="accent1"/>
+          </a:lnRef>
+          <a:fillRef idx="0">
+            <a:schemeClr val="accent1"/>
+          </a:fillRef>
+          <a:effectRef idx="0">
+            <a:schemeClr val="accent1"/>
+          </a:effectRef>
+          <a:fontRef idx="minor">
+            <a:schemeClr val="tx1"/>
+          </a:fontRef>
+        </p:style>
+      </p:cxnSp>
+      <p:sp>
+        <p:nvSpPr>
+          <p:cNvPr id="220" name="Rectangle: Rounded Corners 219">
+            <a:extLst>
+              <a:ext uri="{FF2B5EF4-FFF2-40B4-BE49-F238E27FC236}">
+                <a16:creationId xmlns:a16="http://schemas.microsoft.com/office/drawing/2014/main" id="{E5CF0CCE-1500-7C82-DB8E-2A9B37AE7AAA}"/>
+              </a:ext>
+            </a:extLst>
+          </p:cNvPr>
+          <p:cNvSpPr/>
+          <p:nvPr/>
+        </p:nvSpPr>
+        <p:spPr>
+          <a:xfrm>
+            <a:off x="2396417" y="3118022"/>
+            <a:ext cx="567190" cy="481453"/>
+          </a:xfrm>
+          <a:prstGeom prst="roundRect">
+            <a:avLst>
+              <a:gd name="adj" fmla="val 24544"/>
+            </a:avLst>
+          </a:prstGeom>
+          <a:solidFill>
+            <a:srgbClr val="FFC000"/>
+          </a:solidFill>
+          <a:effectLst>
+            <a:outerShdw blurRad="50800" dist="38100" dir="2700000" algn="tl" rotWithShape="0">
+              <a:prstClr val="black">
+                <a:alpha val="40000"/>
+              </a:prstClr>
+            </a:outerShdw>
+          </a:effectLst>
+        </p:spPr>
+        <p:style>
+          <a:lnRef idx="2">
+            <a:schemeClr val="accent1">
+              <a:shade val="50000"/>
+            </a:schemeClr>
+          </a:lnRef>
+          <a:fillRef idx="1">
+            <a:schemeClr val="accent1"/>
+          </a:fillRef>
+          <a:effectRef idx="0">
+            <a:schemeClr val="accent1"/>
+          </a:effectRef>
+          <a:fontRef idx="minor">
+            <a:schemeClr val="lt1"/>
+          </a:fontRef>
+        </p:style>
+        <p:txBody>
+          <a:bodyPr lIns="0" rIns="0" rtlCol="0" anchor="ctr"/>
+          <a:lstStyle/>
+          <a:p>
+            <a:pPr algn="ctr"/>
+            <a:r>
+              <a:rPr lang="en-US" sz="700" dirty="0">
+                <a:solidFill>
+                  <a:schemeClr val="tx1">
+                    <a:lumMod val="95000"/>
+                    <a:lumOff val="5000"/>
+                  </a:schemeClr>
+                </a:solidFill>
+              </a:rPr>
+              <a:t>Service invocation</a:t>
+            </a:r>
+            <a:endParaRPr lang="LID4096" sz="700" dirty="0">
+              <a:solidFill>
+                <a:schemeClr val="tx1">
+                  <a:lumMod val="95000"/>
+                  <a:lumOff val="5000"/>
+                </a:schemeClr>
+              </a:solidFill>
+            </a:endParaRPr>
+          </a:p>
+        </p:txBody>
+      </p:sp>
+      <p:cxnSp>
+        <p:nvCxnSpPr>
+          <p:cNvPr id="234" name="Straight Arrow Connector 7">
+            <a:extLst>
+              <a:ext uri="{FF2B5EF4-FFF2-40B4-BE49-F238E27FC236}">
+                <a16:creationId xmlns:a16="http://schemas.microsoft.com/office/drawing/2014/main" id="{F162BD3B-5F51-C254-CA7B-4813CC604238}"/>
+              </a:ext>
+            </a:extLst>
+          </p:cNvPr>
+          <p:cNvCxnSpPr>
+            <a:cxnSpLocks/>
+            <a:stCxn id="197" idx="3"/>
+          </p:cNvCxnSpPr>
+          <p:nvPr/>
+        </p:nvCxnSpPr>
+        <p:spPr>
+          <a:xfrm flipV="1">
+            <a:off x="2204383" y="3940906"/>
+            <a:ext cx="4040376" cy="451151"/>
+          </a:xfrm>
+          <a:prstGeom prst="bentConnector3">
+            <a:avLst>
+              <a:gd name="adj1" fmla="val 73082"/>
+            </a:avLst>
+          </a:prstGeom>
+          <a:ln w="19050">
+            <a:solidFill>
+              <a:schemeClr val="tx1"/>
+            </a:solidFill>
+            <a:tailEnd type="triangle"/>
+          </a:ln>
+        </p:spPr>
+        <p:style>
+          <a:lnRef idx="1">
+            <a:schemeClr val="accent1"/>
+          </a:lnRef>
+          <a:fillRef idx="0">
+            <a:schemeClr val="accent1"/>
+          </a:fillRef>
+          <a:effectRef idx="0">
+            <a:schemeClr val="accent1"/>
+          </a:effectRef>
+          <a:fontRef idx="minor">
+            <a:schemeClr val="tx1"/>
+          </a:fontRef>
+        </p:style>
+      </p:cxnSp>
+      <p:sp>
+        <p:nvSpPr>
+          <p:cNvPr id="230" name="Rectangle: Rounded Corners 229">
+            <a:extLst>
+              <a:ext uri="{FF2B5EF4-FFF2-40B4-BE49-F238E27FC236}">
+                <a16:creationId xmlns:a16="http://schemas.microsoft.com/office/drawing/2014/main" id="{F4F16FBE-F86D-B71D-5BCE-5C10ECEFFE84}"/>
+              </a:ext>
+            </a:extLst>
+          </p:cNvPr>
+          <p:cNvSpPr/>
+          <p:nvPr/>
+        </p:nvSpPr>
+        <p:spPr>
+          <a:xfrm>
+            <a:off x="5373649" y="3606724"/>
+            <a:ext cx="618787" cy="481453"/>
+          </a:xfrm>
+          <a:prstGeom prst="roundRect">
+            <a:avLst>
+              <a:gd name="adj" fmla="val 24544"/>
+            </a:avLst>
+          </a:prstGeom>
+          <a:solidFill>
+            <a:srgbClr val="FFC000"/>
+          </a:solidFill>
+          <a:effectLst>
+            <a:outerShdw blurRad="50800" dist="38100" dir="2700000" algn="tl" rotWithShape="0">
+              <a:prstClr val="black">
+                <a:alpha val="40000"/>
+              </a:prstClr>
+            </a:outerShdw>
+          </a:effectLst>
+        </p:spPr>
+        <p:style>
+          <a:lnRef idx="2">
+            <a:schemeClr val="accent1">
+              <a:shade val="50000"/>
+            </a:schemeClr>
+          </a:lnRef>
+          <a:fillRef idx="1">
+            <a:schemeClr val="accent1"/>
+          </a:fillRef>
+          <a:effectRef idx="0">
+            <a:schemeClr val="accent1"/>
+          </a:effectRef>
+          <a:fontRef idx="minor">
+            <a:schemeClr val="lt1"/>
+          </a:fontRef>
+        </p:style>
+        <p:txBody>
+          <a:bodyPr lIns="0" rIns="0" rtlCol="0" anchor="ctr"/>
+          <a:lstStyle/>
+          <a:p>
+            <a:pPr algn="ctr"/>
+            <a:r>
+              <a:rPr lang="en-US" sz="700" dirty="0">
+                <a:solidFill>
+                  <a:schemeClr val="tx1">
+                    <a:lumMod val="95000"/>
+                    <a:lumOff val="5000"/>
+                  </a:schemeClr>
+                </a:solidFill>
+              </a:rPr>
+              <a:t>Publish / Subscribe</a:t>
+            </a:r>
+            <a:endParaRPr lang="LID4096" sz="700" dirty="0">
+              <a:solidFill>
+                <a:schemeClr val="tx1">
+                  <a:lumMod val="95000"/>
+                  <a:lumOff val="5000"/>
+                </a:schemeClr>
+              </a:solidFill>
+            </a:endParaRPr>
+          </a:p>
+        </p:txBody>
+      </p:sp>
+      <p:cxnSp>
+        <p:nvCxnSpPr>
+          <p:cNvPr id="244" name="Straight Arrow Connector 243">
+            <a:extLst>
+              <a:ext uri="{FF2B5EF4-FFF2-40B4-BE49-F238E27FC236}">
+                <a16:creationId xmlns:a16="http://schemas.microsoft.com/office/drawing/2014/main" id="{42AF8F1E-FDC0-D346-159D-065BF6E9F608}"/>
+              </a:ext>
+            </a:extLst>
+          </p:cNvPr>
+          <p:cNvCxnSpPr>
+            <a:cxnSpLocks/>
+            <a:stCxn id="222" idx="0"/>
+            <a:endCxn id="201" idx="2"/>
+          </p:cNvCxnSpPr>
+          <p:nvPr/>
+        </p:nvCxnSpPr>
+        <p:spPr>
+          <a:xfrm flipH="1" flipV="1">
+            <a:off x="4739918" y="2093911"/>
+            <a:ext cx="1" cy="950081"/>
+          </a:xfrm>
+          <a:prstGeom prst="straightConnector1">
+            <a:avLst/>
+          </a:prstGeom>
+          <a:ln w="19050">
+            <a:solidFill>
+              <a:schemeClr val="tx1"/>
+            </a:solidFill>
+            <a:tailEnd type="triangle"/>
+          </a:ln>
+        </p:spPr>
+        <p:style>
+          <a:lnRef idx="1">
+            <a:schemeClr val="accent1"/>
+          </a:lnRef>
+          <a:fillRef idx="0">
+            <a:schemeClr val="accent1"/>
+          </a:fillRef>
+          <a:effectRef idx="0">
+            <a:schemeClr val="accent1"/>
+          </a:effectRef>
+          <a:fontRef idx="minor">
+            <a:schemeClr val="tx1"/>
+          </a:fontRef>
+        </p:style>
+      </p:cxnSp>
+      <p:sp>
+        <p:nvSpPr>
+          <p:cNvPr id="231" name="Rectangle: Rounded Corners 230">
+            <a:extLst>
+              <a:ext uri="{FF2B5EF4-FFF2-40B4-BE49-F238E27FC236}">
+                <a16:creationId xmlns:a16="http://schemas.microsoft.com/office/drawing/2014/main" id="{0F3D0F9F-2F60-E1ED-40EE-32350787B433}"/>
+              </a:ext>
+            </a:extLst>
+          </p:cNvPr>
+          <p:cNvSpPr/>
+          <p:nvPr/>
+        </p:nvSpPr>
+        <p:spPr>
+          <a:xfrm>
+            <a:off x="4456324" y="2327193"/>
+            <a:ext cx="567190" cy="481453"/>
+          </a:xfrm>
+          <a:prstGeom prst="roundRect">
+            <a:avLst>
+              <a:gd name="adj" fmla="val 24544"/>
+            </a:avLst>
+          </a:prstGeom>
+          <a:solidFill>
+            <a:srgbClr val="FFC000"/>
+          </a:solidFill>
+          <a:effectLst>
+            <a:outerShdw blurRad="50800" dist="38100" dir="2700000" algn="tl" rotWithShape="0">
+              <a:prstClr val="black">
+                <a:alpha val="40000"/>
+              </a:prstClr>
+            </a:outerShdw>
+          </a:effectLst>
+        </p:spPr>
+        <p:style>
+          <a:lnRef idx="2">
+            <a:schemeClr val="accent1">
+              <a:shade val="50000"/>
+            </a:schemeClr>
+          </a:lnRef>
+          <a:fillRef idx="1">
+            <a:schemeClr val="accent1"/>
+          </a:fillRef>
+          <a:effectRef idx="0">
+            <a:schemeClr val="accent1"/>
+          </a:effectRef>
+          <a:fontRef idx="minor">
+            <a:schemeClr val="lt1"/>
+          </a:fontRef>
+        </p:style>
+        <p:txBody>
+          <a:bodyPr lIns="0" rIns="0" rtlCol="0" anchor="ctr"/>
+          <a:lstStyle/>
+          <a:p>
+            <a:pPr algn="ctr"/>
+            <a:r>
+              <a:rPr lang="en-US" sz="700" dirty="0">
+                <a:solidFill>
+                  <a:schemeClr val="tx1">
+                    <a:lumMod val="95000"/>
+                    <a:lumOff val="5000"/>
+                  </a:schemeClr>
+                </a:solidFill>
+              </a:rPr>
+              <a:t>State Management</a:t>
+            </a:r>
+            <a:endParaRPr lang="LID4096" sz="700" dirty="0">
+              <a:solidFill>
+                <a:schemeClr val="tx1">
+                  <a:lumMod val="95000"/>
+                  <a:lumOff val="5000"/>
+                </a:schemeClr>
+              </a:solidFill>
+            </a:endParaRPr>
+          </a:p>
+        </p:txBody>
+      </p:sp>
+      <p:cxnSp>
+        <p:nvCxnSpPr>
+          <p:cNvPr id="247" name="Straight Arrow Connector 246">
+            <a:extLst>
+              <a:ext uri="{FF2B5EF4-FFF2-40B4-BE49-F238E27FC236}">
+                <a16:creationId xmlns:a16="http://schemas.microsoft.com/office/drawing/2014/main" id="{BEFD5EFA-5B1E-3AD9-2F06-82482FBC5111}"/>
+              </a:ext>
+            </a:extLst>
+          </p:cNvPr>
+          <p:cNvCxnSpPr>
+            <a:cxnSpLocks/>
+            <a:endCxn id="31" idx="1"/>
+          </p:cNvCxnSpPr>
+          <p:nvPr/>
+        </p:nvCxnSpPr>
+        <p:spPr>
+          <a:xfrm>
+            <a:off x="6975096" y="3697140"/>
+            <a:ext cx="343050" cy="0"/>
+          </a:xfrm>
+          <a:prstGeom prst="straightConnector1">
+            <a:avLst/>
+          </a:prstGeom>
+          <a:ln w="19050">
+            <a:solidFill>
+              <a:schemeClr val="tx1"/>
+            </a:solidFill>
+            <a:tailEnd type="triangle"/>
+          </a:ln>
+        </p:spPr>
+        <p:style>
+          <a:lnRef idx="1">
+            <a:schemeClr val="accent1"/>
+          </a:lnRef>
+          <a:fillRef idx="0">
+            <a:schemeClr val="accent1"/>
+          </a:fillRef>
+          <a:effectRef idx="0">
+            <a:schemeClr val="accent1"/>
+          </a:effectRef>
+          <a:fontRef idx="minor">
+            <a:schemeClr val="tx1"/>
+          </a:fontRef>
+        </p:style>
+      </p:cxnSp>
+      <p:cxnSp>
+        <p:nvCxnSpPr>
+          <p:cNvPr id="250" name="Straight Arrow Connector 249">
+            <a:extLst>
+              <a:ext uri="{FF2B5EF4-FFF2-40B4-BE49-F238E27FC236}">
+                <a16:creationId xmlns:a16="http://schemas.microsoft.com/office/drawing/2014/main" id="{246CD6AA-E409-BAE1-62F5-496E86F942C7}"/>
+              </a:ext>
+            </a:extLst>
+          </p:cNvPr>
+          <p:cNvCxnSpPr>
+            <a:cxnSpLocks/>
+            <a:endCxn id="6" idx="1"/>
+          </p:cNvCxnSpPr>
+          <p:nvPr/>
+        </p:nvCxnSpPr>
+        <p:spPr>
+          <a:xfrm>
+            <a:off x="6975096" y="3971522"/>
+            <a:ext cx="343050" cy="0"/>
+          </a:xfrm>
+          <a:prstGeom prst="straightConnector1">
+            <a:avLst/>
+          </a:prstGeom>
+          <a:ln w="19050">
+            <a:solidFill>
+              <a:schemeClr val="tx1"/>
+            </a:solidFill>
+            <a:tailEnd type="triangle"/>
+          </a:ln>
+        </p:spPr>
+        <p:style>
+          <a:lnRef idx="1">
+            <a:schemeClr val="accent1"/>
+          </a:lnRef>
+          <a:fillRef idx="0">
+            <a:schemeClr val="accent1"/>
+          </a:fillRef>
+          <a:effectRef idx="0">
+            <a:schemeClr val="accent1"/>
+          </a:effectRef>
+          <a:fontRef idx="minor">
+            <a:schemeClr val="tx1"/>
+          </a:fontRef>
+        </p:style>
+      </p:cxnSp>
+      <p:cxnSp>
+        <p:nvCxnSpPr>
+          <p:cNvPr id="252" name="Straight Arrow Connector 7">
+            <a:extLst>
+              <a:ext uri="{FF2B5EF4-FFF2-40B4-BE49-F238E27FC236}">
+                <a16:creationId xmlns:a16="http://schemas.microsoft.com/office/drawing/2014/main" id="{77D076E8-ECAE-92AB-78C6-FD1663A81E89}"/>
+              </a:ext>
+            </a:extLst>
+          </p:cNvPr>
+          <p:cNvCxnSpPr>
+            <a:cxnSpLocks/>
+            <a:stCxn id="32" idx="1"/>
+            <a:endCxn id="42" idx="3"/>
+          </p:cNvCxnSpPr>
+          <p:nvPr/>
+        </p:nvCxnSpPr>
+        <p:spPr>
+          <a:xfrm flipH="1">
+            <a:off x="9856771" y="3835541"/>
+            <a:ext cx="562451" cy="455"/>
+          </a:xfrm>
+          <a:prstGeom prst="straightConnector1">
+            <a:avLst/>
+          </a:prstGeom>
+          <a:ln w="19050">
+            <a:solidFill>
+              <a:schemeClr val="tx1"/>
+            </a:solidFill>
+            <a:tailEnd type="triangle"/>
+          </a:ln>
+        </p:spPr>
+        <p:style>
+          <a:lnRef idx="1">
+            <a:schemeClr val="accent1"/>
+          </a:lnRef>
+          <a:fillRef idx="0">
+            <a:schemeClr val="accent1"/>
+          </a:fillRef>
+          <a:effectRef idx="0">
+            <a:schemeClr val="accent1"/>
+          </a:effectRef>
+          <a:fontRef idx="minor">
+            <a:schemeClr val="tx1"/>
+          </a:fontRef>
+        </p:style>
+      </p:cxnSp>
+    </p:spTree>
+    <p:extLst>
+      <p:ext uri="{BB962C8B-B14F-4D97-AF65-F5344CB8AC3E}">
+        <p14:creationId xmlns:p14="http://schemas.microsoft.com/office/powerpoint/2010/main" val="1164626036"/>
       </p:ext>
     </p:extLst>
   </p:cSld>

--- a/img/Figures.pptx
+++ b/img/Figures.pptx
@@ -2033,7 +2033,7 @@
           <a:p>
             <a:fld id="{FBE30875-4028-481A-8091-6EDB19798FA1}" type="datetimeFigureOut">
               <a:rPr lang="en-NL" smtClean="0"/>
-              <a:t>02/13/2023</a:t>
+              <a:t>02/14/2023</a:t>
             </a:fld>
             <a:endParaRPr lang="en-NL"/>
           </a:p>
@@ -2594,7 +2594,7 @@
           <a:p>
             <a:fld id="{766785BB-7706-4DEE-A3EF-8F6193F80700}" type="datetimeFigureOut">
               <a:rPr lang="en-NL" smtClean="0"/>
-              <a:t>02/13/2023</a:t>
+              <a:t>02/14/2023</a:t>
             </a:fld>
             <a:endParaRPr lang="en-NL"/>
           </a:p>
@@ -2794,7 +2794,7 @@
           <a:p>
             <a:fld id="{766785BB-7706-4DEE-A3EF-8F6193F80700}" type="datetimeFigureOut">
               <a:rPr lang="en-NL" smtClean="0"/>
-              <a:t>02/13/2023</a:t>
+              <a:t>02/14/2023</a:t>
             </a:fld>
             <a:endParaRPr lang="en-NL"/>
           </a:p>
@@ -3004,7 +3004,7 @@
           <a:p>
             <a:fld id="{766785BB-7706-4DEE-A3EF-8F6193F80700}" type="datetimeFigureOut">
               <a:rPr lang="en-NL" smtClean="0"/>
-              <a:t>02/13/2023</a:t>
+              <a:t>02/14/2023</a:t>
             </a:fld>
             <a:endParaRPr lang="en-NL"/>
           </a:p>
@@ -3226,7 +3226,7 @@
           <a:p>
             <a:fld id="{705B85CB-7326-4CDB-B6DC-66899E5F8844}" type="datetimeFigureOut">
               <a:rPr lang="nl-NL" smtClean="0"/>
-              <a:t>13-2-2023</a:t>
+              <a:t>14-2-2023</a:t>
             </a:fld>
             <a:endParaRPr lang="nl-NL"/>
           </a:p>
@@ -3426,7 +3426,7 @@
           <a:p>
             <a:fld id="{705B85CB-7326-4CDB-B6DC-66899E5F8844}" type="datetimeFigureOut">
               <a:rPr lang="nl-NL" smtClean="0"/>
-              <a:t>13-2-2023</a:t>
+              <a:t>14-2-2023</a:t>
             </a:fld>
             <a:endParaRPr lang="nl-NL"/>
           </a:p>
@@ -3702,7 +3702,7 @@
           <a:p>
             <a:fld id="{705B85CB-7326-4CDB-B6DC-66899E5F8844}" type="datetimeFigureOut">
               <a:rPr lang="nl-NL" smtClean="0"/>
-              <a:t>13-2-2023</a:t>
+              <a:t>14-2-2023</a:t>
             </a:fld>
             <a:endParaRPr lang="nl-NL"/>
           </a:p>
@@ -3970,7 +3970,7 @@
           <a:p>
             <a:fld id="{705B85CB-7326-4CDB-B6DC-66899E5F8844}" type="datetimeFigureOut">
               <a:rPr lang="nl-NL" smtClean="0"/>
-              <a:t>13-2-2023</a:t>
+              <a:t>14-2-2023</a:t>
             </a:fld>
             <a:endParaRPr lang="nl-NL"/>
           </a:p>
@@ -4385,7 +4385,7 @@
           <a:p>
             <a:fld id="{705B85CB-7326-4CDB-B6DC-66899E5F8844}" type="datetimeFigureOut">
               <a:rPr lang="nl-NL" smtClean="0"/>
-              <a:t>13-2-2023</a:t>
+              <a:t>14-2-2023</a:t>
             </a:fld>
             <a:endParaRPr lang="nl-NL"/>
           </a:p>
@@ -4527,7 +4527,7 @@
           <a:p>
             <a:fld id="{705B85CB-7326-4CDB-B6DC-66899E5F8844}" type="datetimeFigureOut">
               <a:rPr lang="nl-NL" smtClean="0"/>
-              <a:t>13-2-2023</a:t>
+              <a:t>14-2-2023</a:t>
             </a:fld>
             <a:endParaRPr lang="nl-NL"/>
           </a:p>
@@ -4640,7 +4640,7 @@
           <a:p>
             <a:fld id="{705B85CB-7326-4CDB-B6DC-66899E5F8844}" type="datetimeFigureOut">
               <a:rPr lang="nl-NL" smtClean="0"/>
-              <a:t>13-2-2023</a:t>
+              <a:t>14-2-2023</a:t>
             </a:fld>
             <a:endParaRPr lang="nl-NL"/>
           </a:p>
@@ -4953,7 +4953,7 @@
           <a:p>
             <a:fld id="{705B85CB-7326-4CDB-B6DC-66899E5F8844}" type="datetimeFigureOut">
               <a:rPr lang="nl-NL" smtClean="0"/>
-              <a:t>13-2-2023</a:t>
+              <a:t>14-2-2023</a:t>
             </a:fld>
             <a:endParaRPr lang="nl-NL"/>
           </a:p>
@@ -5153,7 +5153,7 @@
           <a:p>
             <a:fld id="{766785BB-7706-4DEE-A3EF-8F6193F80700}" type="datetimeFigureOut">
               <a:rPr lang="en-NL" smtClean="0"/>
-              <a:t>02/13/2023</a:t>
+              <a:t>02/14/2023</a:t>
             </a:fld>
             <a:endParaRPr lang="en-NL"/>
           </a:p>
@@ -5442,7 +5442,7 @@
           <a:p>
             <a:fld id="{705B85CB-7326-4CDB-B6DC-66899E5F8844}" type="datetimeFigureOut">
               <a:rPr lang="nl-NL" smtClean="0"/>
-              <a:t>13-2-2023</a:t>
+              <a:t>14-2-2023</a:t>
             </a:fld>
             <a:endParaRPr lang="nl-NL"/>
           </a:p>
@@ -5642,7 +5642,7 @@
           <a:p>
             <a:fld id="{705B85CB-7326-4CDB-B6DC-66899E5F8844}" type="datetimeFigureOut">
               <a:rPr lang="nl-NL" smtClean="0"/>
-              <a:t>13-2-2023</a:t>
+              <a:t>14-2-2023</a:t>
             </a:fld>
             <a:endParaRPr lang="nl-NL"/>
           </a:p>
@@ -5852,7 +5852,7 @@
           <a:p>
             <a:fld id="{705B85CB-7326-4CDB-B6DC-66899E5F8844}" type="datetimeFigureOut">
               <a:rPr lang="nl-NL" smtClean="0"/>
-              <a:t>13-2-2023</a:t>
+              <a:t>14-2-2023</a:t>
             </a:fld>
             <a:endParaRPr lang="nl-NL"/>
           </a:p>
@@ -6128,7 +6128,7 @@
           <a:p>
             <a:fld id="{766785BB-7706-4DEE-A3EF-8F6193F80700}" type="datetimeFigureOut">
               <a:rPr lang="en-NL" smtClean="0"/>
-              <a:t>02/13/2023</a:t>
+              <a:t>02/14/2023</a:t>
             </a:fld>
             <a:endParaRPr lang="en-NL"/>
           </a:p>
@@ -6396,7 +6396,7 @@
           <a:p>
             <a:fld id="{766785BB-7706-4DEE-A3EF-8F6193F80700}" type="datetimeFigureOut">
               <a:rPr lang="en-NL" smtClean="0"/>
-              <a:t>02/13/2023</a:t>
+              <a:t>02/14/2023</a:t>
             </a:fld>
             <a:endParaRPr lang="en-NL"/>
           </a:p>
@@ -6811,7 +6811,7 @@
           <a:p>
             <a:fld id="{766785BB-7706-4DEE-A3EF-8F6193F80700}" type="datetimeFigureOut">
               <a:rPr lang="en-NL" smtClean="0"/>
-              <a:t>02/13/2023</a:t>
+              <a:t>02/14/2023</a:t>
             </a:fld>
             <a:endParaRPr lang="en-NL"/>
           </a:p>
@@ -6953,7 +6953,7 @@
           <a:p>
             <a:fld id="{766785BB-7706-4DEE-A3EF-8F6193F80700}" type="datetimeFigureOut">
               <a:rPr lang="en-NL" smtClean="0"/>
-              <a:t>02/13/2023</a:t>
+              <a:t>02/14/2023</a:t>
             </a:fld>
             <a:endParaRPr lang="en-NL"/>
           </a:p>
@@ -7066,7 +7066,7 @@
           <a:p>
             <a:fld id="{766785BB-7706-4DEE-A3EF-8F6193F80700}" type="datetimeFigureOut">
               <a:rPr lang="en-NL" smtClean="0"/>
-              <a:t>02/13/2023</a:t>
+              <a:t>02/14/2023</a:t>
             </a:fld>
             <a:endParaRPr lang="en-NL"/>
           </a:p>
@@ -7379,7 +7379,7 @@
           <a:p>
             <a:fld id="{766785BB-7706-4DEE-A3EF-8F6193F80700}" type="datetimeFigureOut">
               <a:rPr lang="en-NL" smtClean="0"/>
-              <a:t>02/13/2023</a:t>
+              <a:t>02/14/2023</a:t>
             </a:fld>
             <a:endParaRPr lang="en-NL"/>
           </a:p>
@@ -7668,7 +7668,7 @@
           <a:p>
             <a:fld id="{766785BB-7706-4DEE-A3EF-8F6193F80700}" type="datetimeFigureOut">
               <a:rPr lang="en-NL" smtClean="0"/>
-              <a:t>02/13/2023</a:t>
+              <a:t>02/14/2023</a:t>
             </a:fld>
             <a:endParaRPr lang="en-NL"/>
           </a:p>
@@ -7911,7 +7911,7 @@
           <a:p>
             <a:fld id="{766785BB-7706-4DEE-A3EF-8F6193F80700}" type="datetimeFigureOut">
               <a:rPr lang="en-NL" smtClean="0"/>
-              <a:t>02/13/2023</a:t>
+              <a:t>02/14/2023</a:t>
             </a:fld>
             <a:endParaRPr lang="en-NL"/>
           </a:p>
@@ -8481,7 +8481,7 @@
           <a:p>
             <a:fld id="{705B85CB-7326-4CDB-B6DC-66899E5F8844}" type="datetimeFigureOut">
               <a:rPr lang="nl-NL" smtClean="0"/>
-              <a:t>13-2-2023</a:t>
+              <a:t>14-2-2023</a:t>
             </a:fld>
             <a:endParaRPr lang="nl-NL"/>
           </a:p>
@@ -8921,7 +8921,7 @@
         <p:spPr>
           <a:xfrm>
             <a:off x="797204" y="554987"/>
-            <a:ext cx="10362561" cy="5607688"/>
+            <a:ext cx="10362561" cy="5107052"/>
           </a:xfrm>
           <a:prstGeom prst="rect">
             <a:avLst/>
@@ -8955,76 +8955,6 @@
           <a:p>
             <a:pPr algn="ctr"/>
             <a:endParaRPr lang="en-NL" sz="1400"/>
-          </a:p>
-        </p:txBody>
-      </p:sp>
-      <p:sp>
-        <p:nvSpPr>
-          <p:cNvPr id="159" name="Rectangle: Rounded Corners 59">
-            <a:extLst>
-              <a:ext uri="{FF2B5EF4-FFF2-40B4-BE49-F238E27FC236}">
-                <a16:creationId xmlns:a16="http://schemas.microsoft.com/office/drawing/2014/main" id="{2847259F-3482-F0A0-8F12-82097F1DFFED}"/>
-              </a:ext>
-            </a:extLst>
-          </p:cNvPr>
-          <p:cNvSpPr/>
-          <p:nvPr/>
-        </p:nvSpPr>
-        <p:spPr>
-          <a:xfrm>
-            <a:off x="3635683" y="4201766"/>
-            <a:ext cx="894422" cy="813090"/>
-          </a:xfrm>
-          <a:prstGeom prst="roundRect">
-            <a:avLst/>
-          </a:prstGeom>
-          <a:solidFill>
-            <a:srgbClr val="0070C0"/>
-          </a:solidFill>
-          <a:ln w="19050" cap="flat" cmpd="sng" algn="ctr">
-            <a:solidFill>
-              <a:sysClr val="windowText" lastClr="000000"/>
-            </a:solidFill>
-            <a:prstDash val="solid"/>
-            <a:miter lim="800000"/>
-          </a:ln>
-          <a:effectLst/>
-        </p:spPr>
-        <p:txBody>
-          <a:bodyPr rtlCol="0" anchor="ctr"/>
-          <a:lstStyle/>
-          <a:p>
-            <a:pPr marL="0" marR="0" lvl="0" indent="0" algn="ctr" defTabSz="914400" eaLnBrk="1" fontAlgn="auto" latinLnBrk="0" hangingPunct="1">
-              <a:lnSpc>
-                <a:spcPct val="100000"/>
-              </a:lnSpc>
-              <a:spcBef>
-                <a:spcPts val="0"/>
-              </a:spcBef>
-              <a:spcAft>
-                <a:spcPts val="0"/>
-              </a:spcAft>
-              <a:buClrTx/>
-              <a:buSzTx/>
-              <a:buFontTx/>
-              <a:buNone/>
-              <a:tabLst/>
-              <a:defRPr/>
-            </a:pPr>
-            <a:endParaRPr kumimoji="0" lang="nl-NL" sz="1400" b="0" i="0" u="none" strike="noStrike" kern="0" cap="none" spc="0" normalizeH="0" baseline="0" noProof="0">
-              <a:ln>
-                <a:noFill/>
-              </a:ln>
-              <a:solidFill>
-                <a:prstClr val="white"/>
-              </a:solidFill>
-              <a:effectLst/>
-              <a:uLnTx/>
-              <a:uFillTx/>
-              <a:latin typeface="Calibri" panose="020F0502020204030204"/>
-              <a:ea typeface="+mn-ea"/>
-              <a:cs typeface="+mn-cs"/>
-            </a:endParaRPr>
           </a:p>
         </p:txBody>
       </p:sp>
@@ -12323,7 +12253,7 @@
         </p:nvSpPr>
         <p:spPr>
           <a:xfrm>
-            <a:off x="7352391" y="4201767"/>
+            <a:off x="7658029" y="4201767"/>
             <a:ext cx="894422" cy="813090"/>
           </a:xfrm>
           <a:prstGeom prst="roundRect">
@@ -12393,7 +12323,7 @@
         </p:nvSpPr>
         <p:spPr>
           <a:xfrm>
-            <a:off x="7156255" y="5048140"/>
+            <a:off x="7461893" y="5048140"/>
             <a:ext cx="1286699" cy="453907"/>
           </a:xfrm>
           <a:prstGeom prst="rect">
@@ -12467,7 +12397,7 @@
         <p:spPr>
           <a:xfrm>
             <a:off x="6374833" y="4608312"/>
-            <a:ext cx="977558" cy="0"/>
+            <a:ext cx="1283196" cy="0"/>
           </a:xfrm>
           <a:prstGeom prst="straightConnector1">
             <a:avLst/>
@@ -12812,14 +12742,15 @@
           </p:cNvPr>
           <p:cNvCxnSpPr>
             <a:cxnSpLocks/>
+            <a:stCxn id="96" idx="2"/>
             <a:endCxn id="80" idx="3"/>
           </p:cNvCxnSpPr>
           <p:nvPr/>
         </p:nvCxnSpPr>
         <p:spPr>
-          <a:xfrm flipH="1">
-            <a:off x="8246813" y="4608312"/>
-            <a:ext cx="2007467" cy="0"/>
+          <a:xfrm flipH="1" flipV="1">
+            <a:off x="8552451" y="4608312"/>
+            <a:ext cx="1701829" cy="5165"/>
           </a:xfrm>
           <a:prstGeom prst="straightConnector1">
             <a:avLst/>
@@ -13072,124 +13003,6 @@
           </a:p>
         </p:txBody>
       </p:sp>
-      <p:sp>
-        <p:nvSpPr>
-          <p:cNvPr id="155" name="TextBox 154">
-            <a:extLst>
-              <a:ext uri="{FF2B5EF4-FFF2-40B4-BE49-F238E27FC236}">
-                <a16:creationId xmlns:a16="http://schemas.microsoft.com/office/drawing/2014/main" id="{CED84DEC-786E-AFBC-D868-D918706E9C92}"/>
-              </a:ext>
-            </a:extLst>
-          </p:cNvPr>
-          <p:cNvSpPr txBox="1"/>
-          <p:nvPr/>
-        </p:nvSpPr>
-        <p:spPr>
-          <a:xfrm>
-            <a:off x="3439551" y="5048140"/>
-            <a:ext cx="1286699" cy="453907"/>
-          </a:xfrm>
-          <a:prstGeom prst="rect">
-            <a:avLst/>
-          </a:prstGeom>
-          <a:noFill/>
-        </p:spPr>
-        <p:txBody>
-          <a:bodyPr wrap="none" rtlCol="0">
-            <a:spAutoFit/>
-          </a:bodyPr>
-          <a:lstStyle/>
-          <a:p>
-            <a:pPr algn="ctr">
-              <a:lnSpc>
-                <a:spcPts val="1400"/>
-              </a:lnSpc>
-            </a:pPr>
-            <a:r>
-              <a:rPr lang="en-US" sz="1400" dirty="0">
-                <a:solidFill>
-                  <a:schemeClr val="bg1"/>
-                </a:solidFill>
-                <a:latin typeface="Calibri" panose="020F0502020204030204" pitchFamily="34" charset="0"/>
-                <a:cs typeface="Calibri" panose="020F0502020204030204" pitchFamily="34" charset="0"/>
-              </a:rPr>
-              <a:t>Measurements</a:t>
-            </a:r>
-          </a:p>
-          <a:p>
-            <a:pPr algn="ctr">
-              <a:lnSpc>
-                <a:spcPts val="1400"/>
-              </a:lnSpc>
-            </a:pPr>
-            <a:r>
-              <a:rPr lang="en-US" sz="1400" dirty="0">
-                <a:solidFill>
-                  <a:schemeClr val="bg1"/>
-                </a:solidFill>
-                <a:latin typeface="Calibri" panose="020F0502020204030204" pitchFamily="34" charset="0"/>
-                <a:cs typeface="Calibri" panose="020F0502020204030204" pitchFamily="34" charset="0"/>
-              </a:rPr>
-              <a:t>Dashboard</a:t>
-            </a:r>
-            <a:endParaRPr lang="en-NL" sz="1400" dirty="0">
-              <a:solidFill>
-                <a:schemeClr val="bg1"/>
-              </a:solidFill>
-              <a:latin typeface="Calibri" panose="020F0502020204030204" pitchFamily="34" charset="0"/>
-              <a:cs typeface="Calibri" panose="020F0502020204030204" pitchFamily="34" charset="0"/>
-            </a:endParaRPr>
-          </a:p>
-        </p:txBody>
-      </p:sp>
-      <p:cxnSp>
-        <p:nvCxnSpPr>
-          <p:cNvPr id="160" name="Straight Arrow Connector 159">
-            <a:extLst>
-              <a:ext uri="{FF2B5EF4-FFF2-40B4-BE49-F238E27FC236}">
-                <a16:creationId xmlns:a16="http://schemas.microsoft.com/office/drawing/2014/main" id="{7C54A072-E67A-2882-BE94-0275BA165D50}"/>
-              </a:ext>
-            </a:extLst>
-          </p:cNvPr>
-          <p:cNvCxnSpPr>
-            <a:cxnSpLocks/>
-            <a:stCxn id="155" idx="2"/>
-            <a:endCxn id="81" idx="2"/>
-          </p:cNvCxnSpPr>
-          <p:nvPr/>
-        </p:nvCxnSpPr>
-        <p:spPr>
-          <a:xfrm rot="16200000" flipH="1">
-            <a:off x="5941253" y="3643695"/>
-            <a:ext cx="12700" cy="3716704"/>
-          </a:xfrm>
-          <a:prstGeom prst="bentConnector3">
-            <a:avLst>
-              <a:gd name="adj1" fmla="val 2550000"/>
-            </a:avLst>
-          </a:prstGeom>
-          <a:ln w="28575">
-            <a:solidFill>
-              <a:schemeClr val="bg1"/>
-            </a:solidFill>
-            <a:tailEnd type="triangle"/>
-          </a:ln>
-        </p:spPr>
-        <p:style>
-          <a:lnRef idx="1">
-            <a:schemeClr val="accent1"/>
-          </a:lnRef>
-          <a:fillRef idx="0">
-            <a:schemeClr val="accent1"/>
-          </a:fillRef>
-          <a:effectRef idx="0">
-            <a:schemeClr val="accent1"/>
-          </a:effectRef>
-          <a:fontRef idx="minor">
-            <a:schemeClr val="tx1"/>
-          </a:fontRef>
-        </p:style>
-      </p:cxnSp>
       <p:pic>
         <p:nvPicPr>
           <p:cNvPr id="172" name="Graphic 171" descr="Gauge with solid fill">
@@ -13231,10 +13044,10 @@
       </p:pic>
       <p:pic>
         <p:nvPicPr>
-          <p:cNvPr id="174" name="Graphic 173" descr="Presentation with bar chart with solid fill">
-            <a:extLst>
-              <a:ext uri="{FF2B5EF4-FFF2-40B4-BE49-F238E27FC236}">
-                <a16:creationId xmlns:a16="http://schemas.microsoft.com/office/drawing/2014/main" id="{264B299B-10EC-30B1-6B30-9FAA20117097}"/>
+          <p:cNvPr id="176" name="Graphic 175" descr="Bar chart with solid fill">
+            <a:extLst>
+              <a:ext uri="{FF2B5EF4-FFF2-40B4-BE49-F238E27FC236}">
+                <a16:creationId xmlns:a16="http://schemas.microsoft.com/office/drawing/2014/main" id="{7D4A92D0-9E06-100E-1002-8F8D5B805974}"/>
               </a:ext>
             </a:extLst>
           </p:cNvPr>
@@ -13260,46 +13073,7 @@
         </p:blipFill>
         <p:spPr>
           <a:xfrm>
-            <a:off x="3696940" y="4249274"/>
-            <a:ext cx="782224" cy="782224"/>
-          </a:xfrm>
-          <a:prstGeom prst="rect">
-            <a:avLst/>
-          </a:prstGeom>
-        </p:spPr>
-      </p:pic>
-      <p:pic>
-        <p:nvPicPr>
-          <p:cNvPr id="176" name="Graphic 175" descr="Bar chart with solid fill">
-            <a:extLst>
-              <a:ext uri="{FF2B5EF4-FFF2-40B4-BE49-F238E27FC236}">
-                <a16:creationId xmlns:a16="http://schemas.microsoft.com/office/drawing/2014/main" id="{7D4A92D0-9E06-100E-1002-8F8D5B805974}"/>
-              </a:ext>
-            </a:extLst>
-          </p:cNvPr>
-          <p:cNvPicPr>
-            <a:picLocks noChangeAspect="1"/>
-          </p:cNvPicPr>
-          <p:nvPr/>
-        </p:nvPicPr>
-        <p:blipFill>
-          <a:blip r:embed="rId12">
-            <a:extLst>
-              <a:ext uri="{28A0092B-C50C-407E-A947-70E740481C1C}">
-                <a14:useLocalDpi xmlns:a14="http://schemas.microsoft.com/office/drawing/2010/main" val="0"/>
-              </a:ext>
-              <a:ext uri="{96DAC541-7B7A-43D3-8B79-37D633B846F1}">
-                <asvg:svgBlip xmlns:asvg="http://schemas.microsoft.com/office/drawing/2016/SVG/main" r:embed="rId13"/>
-              </a:ext>
-            </a:extLst>
-          </a:blip>
-          <a:stretch>
-            <a:fillRect/>
-          </a:stretch>
-        </p:blipFill>
-        <p:spPr>
-          <a:xfrm>
-            <a:off x="7477817" y="4323591"/>
+            <a:off x="7783455" y="4323591"/>
             <a:ext cx="633590" cy="633590"/>
           </a:xfrm>
           <a:prstGeom prst="rect">
@@ -13337,193 +13111,121 @@
           <a:chExt cx="0" cy="0"/>
         </a:xfrm>
       </p:grpSpPr>
-      <p:grpSp>
-        <p:nvGrpSpPr>
-          <p:cNvPr id="2" name="Group 1">
-            <a:extLst>
-              <a:ext uri="{FF2B5EF4-FFF2-40B4-BE49-F238E27FC236}">
-                <a16:creationId xmlns:a16="http://schemas.microsoft.com/office/drawing/2014/main" id="{EBD998CC-DEF4-AE86-351E-0E95537FAE53}"/>
-              </a:ext>
-            </a:extLst>
-          </p:cNvPr>
-          <p:cNvGrpSpPr/>
+      <p:sp>
+        <p:nvSpPr>
+          <p:cNvPr id="209" name="Rectangle 208">
+            <a:extLst>
+              <a:ext uri="{FF2B5EF4-FFF2-40B4-BE49-F238E27FC236}">
+                <a16:creationId xmlns:a16="http://schemas.microsoft.com/office/drawing/2014/main" id="{03A159A2-7F2D-4398-B00B-DE37FC117412}"/>
+              </a:ext>
+            </a:extLst>
+          </p:cNvPr>
+          <p:cNvSpPr/>
           <p:nvPr/>
-        </p:nvGrpSpPr>
-        <p:grpSpPr>
+        </p:nvSpPr>
+        <p:spPr>
           <a:xfrm>
-            <a:off x="1767389" y="2608666"/>
-            <a:ext cx="8277364" cy="1754968"/>
-            <a:chOff x="1036545" y="2447925"/>
-            <a:chExt cx="9793642" cy="2076450"/>
+            <a:off x="1461248" y="2106706"/>
+            <a:ext cx="9127952" cy="2420470"/>
           </a:xfrm>
-        </p:grpSpPr>
-        <p:sp>
-          <p:nvSpPr>
-            <p:cNvPr id="209" name="Rectangle 208">
-              <a:extLst>
-                <a:ext uri="{FF2B5EF4-FFF2-40B4-BE49-F238E27FC236}">
-                  <a16:creationId xmlns:a16="http://schemas.microsoft.com/office/drawing/2014/main" id="{03A159A2-7F2D-4398-B00B-DE37FC117412}"/>
-                </a:ext>
-              </a:extLst>
-            </p:cNvPr>
-            <p:cNvSpPr/>
-            <p:nvPr/>
-          </p:nvSpPr>
-          <p:spPr>
-            <a:xfrm>
-              <a:off x="1036545" y="2447925"/>
-              <a:ext cx="9793642" cy="2076450"/>
-            </a:xfrm>
-            <a:prstGeom prst="rect">
-              <a:avLst/>
-            </a:prstGeom>
-            <a:solidFill>
-              <a:schemeClr val="bg1"/>
-            </a:solidFill>
-            <a:ln>
-              <a:noFill/>
-            </a:ln>
-          </p:spPr>
-          <p:style>
-            <a:lnRef idx="2">
-              <a:schemeClr val="accent1">
-                <a:shade val="50000"/>
-              </a:schemeClr>
-            </a:lnRef>
-            <a:fillRef idx="1">
-              <a:schemeClr val="accent1"/>
-            </a:fillRef>
-            <a:effectRef idx="0">
-              <a:schemeClr val="accent1"/>
-            </a:effectRef>
-            <a:fontRef idx="minor">
-              <a:schemeClr val="lt1"/>
-            </a:fontRef>
-          </p:style>
-          <p:txBody>
-            <a:bodyPr rtlCol="0" anchor="ctr"/>
-            <a:lstStyle/>
-            <a:p>
-              <a:pPr algn="ctr"/>
-              <a:endParaRPr lang="en-NL"/>
-            </a:p>
-          </p:txBody>
-        </p:sp>
-        <p:sp>
-          <p:nvSpPr>
-            <p:cNvPr id="3" name="Rectangle 2">
-              <a:extLst>
-                <a:ext uri="{FF2B5EF4-FFF2-40B4-BE49-F238E27FC236}">
-                  <a16:creationId xmlns:a16="http://schemas.microsoft.com/office/drawing/2014/main" id="{08BCB2F3-BBEA-4743-AA9B-B996AD8932A1}"/>
-                </a:ext>
-              </a:extLst>
-            </p:cNvPr>
-            <p:cNvSpPr/>
-            <p:nvPr/>
-          </p:nvSpPr>
-          <p:spPr>
-            <a:xfrm>
-              <a:off x="1180412" y="2632434"/>
-              <a:ext cx="1097960" cy="796566"/>
-            </a:xfrm>
-            <a:prstGeom prst="rect">
-              <a:avLst/>
-            </a:prstGeom>
-            <a:solidFill>
-              <a:srgbClr val="0070C0"/>
-            </a:solidFill>
-          </p:spPr>
-          <p:style>
-            <a:lnRef idx="2">
-              <a:schemeClr val="accent1">
-                <a:shade val="50000"/>
-              </a:schemeClr>
-            </a:lnRef>
-            <a:fillRef idx="1">
-              <a:schemeClr val="accent1"/>
-            </a:fillRef>
-            <a:effectRef idx="0">
-              <a:schemeClr val="accent1"/>
-            </a:effectRef>
-            <a:fontRef idx="minor">
-              <a:schemeClr val="lt1"/>
-            </a:fontRef>
-          </p:style>
-          <p:txBody>
-            <a:bodyPr rtlCol="0" anchor="ctr"/>
-            <a:lstStyle/>
-            <a:p>
-              <a:pPr marL="0" marR="0" lvl="0" indent="0" algn="ctr" defTabSz="914400" rtl="0" eaLnBrk="1" fontAlgn="auto" latinLnBrk="0" hangingPunct="1">
-                <a:lnSpc>
-                  <a:spcPct val="100000"/>
-                </a:lnSpc>
-                <a:spcBef>
-                  <a:spcPts val="0"/>
-                </a:spcBef>
-                <a:spcAft>
-                  <a:spcPts val="0"/>
-                </a:spcAft>
-                <a:buClrTx/>
-                <a:buSzTx/>
-                <a:buFontTx/>
-                <a:buNone/>
-                <a:tabLst/>
-                <a:defRPr/>
-              </a:pPr>
-              <a:r>
-                <a:rPr kumimoji="0" lang="nl-NL" sz="900" b="1" i="0" u="none" strike="noStrike" kern="1200" cap="none" spc="0" normalizeH="0" baseline="0" noProof="0" dirty="0">
-                  <a:ln>
-                    <a:noFill/>
-                  </a:ln>
-                  <a:solidFill>
-                    <a:prstClr val="white"/>
-                  </a:solidFill>
-                  <a:effectLst/>
-                  <a:uLnTx/>
-                  <a:uFillTx/>
-                  <a:latin typeface="Calibri" panose="020F0502020204030204"/>
-                  <a:ea typeface="+mn-ea"/>
-                  <a:cs typeface="+mn-cs"/>
-                </a:rPr>
-                <a:t>Camera</a:t>
-              </a:r>
-            </a:p>
-            <a:p>
-              <a:pPr marL="0" marR="0" lvl="0" indent="0" algn="ctr" defTabSz="914400" rtl="0" eaLnBrk="1" fontAlgn="auto" latinLnBrk="0" hangingPunct="1">
-                <a:lnSpc>
-                  <a:spcPct val="100000"/>
-                </a:lnSpc>
-                <a:spcBef>
-                  <a:spcPts val="0"/>
-                </a:spcBef>
-                <a:spcAft>
-                  <a:spcPts val="0"/>
-                </a:spcAft>
-                <a:buClrTx/>
-                <a:buSzTx/>
-                <a:buFontTx/>
-                <a:buNone/>
-                <a:tabLst/>
-                <a:defRPr/>
-              </a:pPr>
-              <a:r>
-                <a:rPr kumimoji="0" lang="nl-NL" sz="900" b="1" i="0" u="none" strike="noStrike" kern="1200" cap="none" spc="0" normalizeH="0" baseline="0" noProof="0" dirty="0" err="1">
-                  <a:ln>
-                    <a:noFill/>
-                  </a:ln>
-                  <a:solidFill>
-                    <a:prstClr val="white"/>
-                  </a:solidFill>
-                  <a:effectLst/>
-                  <a:uLnTx/>
-                  <a:uFillTx/>
-                  <a:latin typeface="Calibri" panose="020F0502020204030204"/>
-                  <a:ea typeface="+mn-ea"/>
-                  <a:cs typeface="+mn-cs"/>
-                </a:rPr>
-                <a:t>Simulation</a:t>
-              </a:r>
-              <a:endParaRPr kumimoji="0" lang="nl-NL" sz="900" b="1" i="0" u="none" strike="noStrike" kern="1200" cap="none" spc="0" normalizeH="0" baseline="0" noProof="0" dirty="0">
+          <a:prstGeom prst="rect">
+            <a:avLst/>
+          </a:prstGeom>
+          <a:solidFill>
+            <a:schemeClr val="bg1"/>
+          </a:solidFill>
+          <a:ln>
+            <a:noFill/>
+          </a:ln>
+        </p:spPr>
+        <p:style>
+          <a:lnRef idx="2">
+            <a:schemeClr val="accent1">
+              <a:shade val="50000"/>
+            </a:schemeClr>
+          </a:lnRef>
+          <a:fillRef idx="1">
+            <a:schemeClr val="accent1"/>
+          </a:fillRef>
+          <a:effectRef idx="0">
+            <a:schemeClr val="accent1"/>
+          </a:effectRef>
+          <a:fontRef idx="minor">
+            <a:schemeClr val="lt1"/>
+          </a:fontRef>
+        </p:style>
+        <p:txBody>
+          <a:bodyPr rtlCol="0" anchor="ctr"/>
+          <a:lstStyle/>
+          <a:p>
+            <a:pPr algn="ctr"/>
+            <a:endParaRPr lang="en-NL"/>
+          </a:p>
+        </p:txBody>
+      </p:sp>
+      <p:sp>
+        <p:nvSpPr>
+          <p:cNvPr id="38" name="Rectangle 37">
+            <a:extLst>
+              <a:ext uri="{FF2B5EF4-FFF2-40B4-BE49-F238E27FC236}">
+                <a16:creationId xmlns:a16="http://schemas.microsoft.com/office/drawing/2014/main" id="{1C8A6680-740E-31DB-5D0D-09DE5723D7DA}"/>
+              </a:ext>
+            </a:extLst>
+          </p:cNvPr>
+          <p:cNvSpPr/>
+          <p:nvPr/>
+        </p:nvSpPr>
+        <p:spPr>
+          <a:xfrm>
+            <a:off x="1602800" y="2259105"/>
+            <a:ext cx="1314907" cy="2104529"/>
+          </a:xfrm>
+          <a:prstGeom prst="rect">
+            <a:avLst/>
+          </a:prstGeom>
+          <a:solidFill>
+            <a:srgbClr val="0070C0"/>
+          </a:solidFill>
+        </p:spPr>
+        <p:style>
+          <a:lnRef idx="2">
+            <a:schemeClr val="accent1">
+              <a:shade val="50000"/>
+            </a:schemeClr>
+          </a:lnRef>
+          <a:fillRef idx="1">
+            <a:schemeClr val="accent1"/>
+          </a:fillRef>
+          <a:effectRef idx="0">
+            <a:schemeClr val="accent1"/>
+          </a:effectRef>
+          <a:fontRef idx="minor">
+            <a:schemeClr val="lt1"/>
+          </a:fontRef>
+        </p:style>
+        <p:txBody>
+          <a:bodyPr rtlCol="0" anchor="t"/>
+          <a:lstStyle/>
+          <a:p>
+            <a:pPr marL="0" marR="0" lvl="0" indent="0" algn="ctr" defTabSz="914400" rtl="0" eaLnBrk="1" fontAlgn="auto" latinLnBrk="0" hangingPunct="1">
+              <a:lnSpc>
+                <a:spcPct val="100000"/>
+              </a:lnSpc>
+              <a:spcBef>
+                <a:spcPts val="0"/>
+              </a:spcBef>
+              <a:spcAft>
+                <a:spcPts val="0"/>
+              </a:spcAft>
+              <a:buClrTx/>
+              <a:buSzTx/>
+              <a:buFontTx/>
+              <a:buNone/>
+              <a:tabLst/>
+              <a:defRPr/>
+            </a:pPr>
+            <a:r>
+              <a:rPr kumimoji="0" lang="nl-NL" sz="900" b="1" i="0" u="none" strike="noStrike" kern="1200" cap="none" spc="0" normalizeH="0" baseline="0" noProof="0" dirty="0" err="1">
                 <a:ln>
                   <a:noFill/>
                 </a:ln>
@@ -13536,161 +13238,94 @@
                 <a:latin typeface="Calibri" panose="020F0502020204030204"/>
                 <a:ea typeface="+mn-ea"/>
                 <a:cs typeface="+mn-cs"/>
-              </a:endParaRPr>
-            </a:p>
-          </p:txBody>
-        </p:sp>
-        <p:sp>
-          <p:nvSpPr>
-            <p:cNvPr id="27" name="Rectangle 26">
-              <a:extLst>
-                <a:ext uri="{FF2B5EF4-FFF2-40B4-BE49-F238E27FC236}">
-                  <a16:creationId xmlns:a16="http://schemas.microsoft.com/office/drawing/2014/main" id="{C6E0445A-460C-4AB6-BC1D-0F813BA32317}"/>
-                </a:ext>
-              </a:extLst>
-            </p:cNvPr>
-            <p:cNvSpPr/>
-            <p:nvPr/>
-          </p:nvSpPr>
-          <p:spPr>
-            <a:xfrm>
-              <a:off x="3049701" y="2632434"/>
-              <a:ext cx="1423631" cy="796566"/>
-            </a:xfrm>
-            <a:prstGeom prst="rect">
-              <a:avLst/>
-            </a:prstGeom>
+              </a:rPr>
+              <a:t>Simulation</a:t>
+            </a:r>
+            <a:endParaRPr kumimoji="0" lang="nl-NL" sz="900" b="1" i="0" u="none" strike="noStrike" kern="1200" cap="none" spc="0" normalizeH="0" baseline="0" noProof="0" dirty="0">
+              <a:ln>
+                <a:noFill/>
+              </a:ln>
+              <a:solidFill>
+                <a:prstClr val="white"/>
+              </a:solidFill>
+              <a:effectLst/>
+              <a:uLnTx/>
+              <a:uFillTx/>
+              <a:latin typeface="Calibri" panose="020F0502020204030204"/>
+              <a:ea typeface="+mn-ea"/>
+              <a:cs typeface="+mn-cs"/>
+            </a:endParaRPr>
+          </a:p>
+        </p:txBody>
+      </p:sp>
+      <p:sp>
+        <p:nvSpPr>
+          <p:cNvPr id="37" name="Rectangle 36">
+            <a:extLst>
+              <a:ext uri="{FF2B5EF4-FFF2-40B4-BE49-F238E27FC236}">
+                <a16:creationId xmlns:a16="http://schemas.microsoft.com/office/drawing/2014/main" id="{37F84E04-33D4-9C0A-44BB-3554F8D90819}"/>
+              </a:ext>
+            </a:extLst>
+          </p:cNvPr>
+          <p:cNvSpPr/>
+          <p:nvPr/>
+        </p:nvSpPr>
+        <p:spPr>
+          <a:xfrm>
+            <a:off x="1709430" y="2539330"/>
+            <a:ext cx="927971" cy="673239"/>
+          </a:xfrm>
+          <a:prstGeom prst="rect">
+            <a:avLst/>
+          </a:prstGeom>
+          <a:solidFill>
+            <a:srgbClr val="7030A0"/>
+          </a:solidFill>
+          <a:ln>
             <a:solidFill>
-              <a:srgbClr val="0070C0"/>
+              <a:schemeClr val="tx1"/>
             </a:solidFill>
-          </p:spPr>
-          <p:style>
-            <a:lnRef idx="2">
-              <a:schemeClr val="accent1">
-                <a:shade val="50000"/>
-              </a:schemeClr>
-            </a:lnRef>
-            <a:fillRef idx="1">
-              <a:schemeClr val="accent1"/>
-            </a:fillRef>
-            <a:effectRef idx="0">
-              <a:schemeClr val="accent1"/>
-            </a:effectRef>
-            <a:fontRef idx="minor">
-              <a:schemeClr val="lt1"/>
-            </a:fontRef>
-          </p:style>
-          <p:txBody>
-            <a:bodyPr lIns="648000" rtlCol="0" anchor="ctr"/>
-            <a:lstStyle/>
-            <a:p>
-              <a:pPr marL="0" marR="0" lvl="0" indent="0" algn="ctr" defTabSz="914400" rtl="0" eaLnBrk="1" fontAlgn="auto" latinLnBrk="0" hangingPunct="1">
-                <a:lnSpc>
-                  <a:spcPct val="100000"/>
-                </a:lnSpc>
-                <a:spcBef>
-                  <a:spcPts val="0"/>
-                </a:spcBef>
-                <a:spcAft>
-                  <a:spcPts val="0"/>
-                </a:spcAft>
-                <a:buClrTx/>
-                <a:buSzTx/>
-                <a:buFontTx/>
-                <a:buNone/>
-                <a:tabLst/>
-                <a:defRPr/>
-              </a:pPr>
-              <a:r>
-                <a:rPr kumimoji="0" lang="nl-NL" sz="900" b="1" i="0" u="none" strike="noStrike" kern="1200" cap="none" spc="0" normalizeH="0" baseline="0" noProof="0" dirty="0">
-                  <a:ln>
-                    <a:noFill/>
-                  </a:ln>
-                  <a:solidFill>
-                    <a:prstClr val="white"/>
-                  </a:solidFill>
-                  <a:effectLst/>
-                  <a:uLnTx/>
-                  <a:uFillTx/>
-                  <a:latin typeface="Calibri" panose="020F0502020204030204"/>
-                  <a:ea typeface="+mn-ea"/>
-                  <a:cs typeface="+mn-cs"/>
-                </a:rPr>
-                <a:t>Traffic</a:t>
-              </a:r>
-            </a:p>
-            <a:p>
-              <a:pPr marL="0" marR="0" lvl="0" indent="0" algn="ctr" defTabSz="914400" rtl="0" eaLnBrk="1" fontAlgn="auto" latinLnBrk="0" hangingPunct="1">
-                <a:lnSpc>
-                  <a:spcPct val="100000"/>
-                </a:lnSpc>
-                <a:spcBef>
-                  <a:spcPts val="0"/>
-                </a:spcBef>
-                <a:spcAft>
-                  <a:spcPts val="0"/>
-                </a:spcAft>
-                <a:buClrTx/>
-                <a:buSzTx/>
-                <a:buFontTx/>
-                <a:buNone/>
-                <a:tabLst/>
-                <a:defRPr/>
-              </a:pPr>
-              <a:r>
-                <a:rPr kumimoji="0" lang="nl-NL" sz="900" b="1" i="0" u="none" strike="noStrike" kern="1200" cap="none" spc="0" normalizeH="0" baseline="0" noProof="0" dirty="0">
-                  <a:ln>
-                    <a:noFill/>
-                  </a:ln>
-                  <a:solidFill>
-                    <a:prstClr val="white"/>
-                  </a:solidFill>
-                  <a:effectLst/>
-                  <a:uLnTx/>
-                  <a:uFillTx/>
-                  <a:latin typeface="Calibri" panose="020F0502020204030204"/>
-                  <a:ea typeface="+mn-ea"/>
-                  <a:cs typeface="+mn-cs"/>
-                </a:rPr>
-                <a:t>Control</a:t>
-              </a:r>
-            </a:p>
-            <a:p>
-              <a:pPr marL="0" marR="0" lvl="0" indent="0" algn="ctr" defTabSz="914400" rtl="0" eaLnBrk="1" fontAlgn="auto" latinLnBrk="0" hangingPunct="1">
-                <a:lnSpc>
-                  <a:spcPct val="100000"/>
-                </a:lnSpc>
-                <a:spcBef>
-                  <a:spcPts val="0"/>
-                </a:spcBef>
-                <a:spcAft>
-                  <a:spcPts val="0"/>
-                </a:spcAft>
-                <a:buClrTx/>
-                <a:buSzTx/>
-                <a:buFontTx/>
-                <a:buNone/>
-                <a:tabLst/>
-                <a:defRPr/>
-              </a:pPr>
-              <a:r>
-                <a:rPr kumimoji="0" lang="nl-NL" sz="900" b="1" i="0" u="none" strike="noStrike" kern="1200" cap="none" spc="0" normalizeH="0" baseline="0" noProof="0" dirty="0">
-                  <a:ln>
-                    <a:noFill/>
-                  </a:ln>
-                  <a:solidFill>
-                    <a:prstClr val="white"/>
-                  </a:solidFill>
-                  <a:effectLst/>
-                  <a:uLnTx/>
-                  <a:uFillTx/>
-                  <a:latin typeface="Calibri" panose="020F0502020204030204"/>
-                  <a:ea typeface="+mn-ea"/>
-                  <a:cs typeface="+mn-cs"/>
-                </a:rPr>
-                <a:t>Service</a:t>
-              </a:r>
-              <a:endParaRPr kumimoji="0" lang="en-US" sz="900" b="1" i="0" u="none" strike="noStrike" kern="1200" cap="none" spc="0" normalizeH="0" baseline="0" noProof="0" dirty="0">
+          </a:ln>
+        </p:spPr>
+        <p:style>
+          <a:lnRef idx="2">
+            <a:schemeClr val="accent1">
+              <a:shade val="50000"/>
+            </a:schemeClr>
+          </a:lnRef>
+          <a:fillRef idx="1">
+            <a:schemeClr val="accent1"/>
+          </a:fillRef>
+          <a:effectRef idx="0">
+            <a:schemeClr val="accent1"/>
+          </a:effectRef>
+          <a:fontRef idx="minor">
+            <a:schemeClr val="lt1"/>
+          </a:fontRef>
+        </p:style>
+        <p:txBody>
+          <a:bodyPr rtlCol="0" anchor="ctr"/>
+          <a:lstStyle/>
+          <a:p>
+            <a:pPr marL="0" marR="0" lvl="0" indent="0" algn="ctr" defTabSz="914400" rtl="0" eaLnBrk="1" fontAlgn="auto" latinLnBrk="0" hangingPunct="1">
+              <a:lnSpc>
+                <a:spcPct val="100000"/>
+              </a:lnSpc>
+              <a:spcBef>
+                <a:spcPts val="0"/>
+              </a:spcBef>
+              <a:spcAft>
+                <a:spcPts val="0"/>
+              </a:spcAft>
+              <a:buClrTx/>
+              <a:buSzTx/>
+              <a:buFontTx/>
+              <a:buNone/>
+              <a:tabLst/>
+              <a:defRPr/>
+            </a:pPr>
+            <a:r>
+              <a:rPr kumimoji="0" lang="nl-NL" sz="900" b="1" i="0" u="none" strike="noStrike" kern="1200" cap="none" spc="0" normalizeH="0" baseline="0" noProof="0" dirty="0">
                 <a:ln>
                   <a:noFill/>
                 </a:ln>
@@ -13703,89 +13338,30 @@
                 <a:latin typeface="Calibri" panose="020F0502020204030204"/>
                 <a:ea typeface="+mn-ea"/>
                 <a:cs typeface="+mn-cs"/>
-              </a:endParaRPr>
-            </a:p>
-          </p:txBody>
-        </p:sp>
-        <p:sp>
-          <p:nvSpPr>
-            <p:cNvPr id="28" name="Rectangle 27">
-              <a:extLst>
-                <a:ext uri="{FF2B5EF4-FFF2-40B4-BE49-F238E27FC236}">
-                  <a16:creationId xmlns:a16="http://schemas.microsoft.com/office/drawing/2014/main" id="{855AFF49-FE7B-4CFC-B84E-E80F1C1D3BCF}"/>
-                </a:ext>
-              </a:extLst>
-            </p:cNvPr>
-            <p:cNvSpPr/>
-            <p:nvPr/>
-          </p:nvSpPr>
-          <p:spPr>
-            <a:xfrm>
-              <a:off x="5867650" y="3059820"/>
-              <a:ext cx="2431467" cy="796564"/>
-            </a:xfrm>
-            <a:prstGeom prst="rect">
-              <a:avLst/>
-            </a:prstGeom>
-            <a:solidFill>
-              <a:srgbClr val="0070C0"/>
-            </a:solidFill>
-          </p:spPr>
-          <p:style>
-            <a:lnRef idx="2">
-              <a:schemeClr val="accent1">
-                <a:shade val="50000"/>
-              </a:schemeClr>
-            </a:lnRef>
-            <a:fillRef idx="1">
-              <a:schemeClr val="accent1"/>
-            </a:fillRef>
-            <a:effectRef idx="0">
-              <a:schemeClr val="accent1"/>
-            </a:effectRef>
-            <a:fontRef idx="minor">
-              <a:schemeClr val="lt1"/>
-            </a:fontRef>
-          </p:style>
-          <p:txBody>
-            <a:bodyPr lIns="72000" rIns="0" rtlCol="0" anchor="ctr"/>
-            <a:lstStyle/>
-            <a:p>
-              <a:pPr marL="0" marR="0" lvl="0" indent="0" algn="ctr" defTabSz="914400" rtl="0" eaLnBrk="1" fontAlgn="auto" latinLnBrk="0" hangingPunct="1">
-                <a:lnSpc>
-                  <a:spcPct val="100000"/>
-                </a:lnSpc>
-                <a:spcBef>
-                  <a:spcPts val="0"/>
-                </a:spcBef>
-                <a:spcAft>
-                  <a:spcPts val="0"/>
-                </a:spcAft>
-                <a:buClrTx/>
-                <a:buSzTx/>
-                <a:buFontTx/>
-                <a:buNone/>
-                <a:tabLst/>
-                <a:defRPr/>
-              </a:pPr>
-              <a:r>
-                <a:rPr kumimoji="0" lang="nl-NL" sz="900" b="1" i="0" u="none" strike="noStrike" kern="1200" cap="none" spc="0" normalizeH="0" baseline="0" noProof="0" dirty="0" err="1">
-                  <a:ln>
-                    <a:noFill/>
-                  </a:ln>
-                  <a:solidFill>
-                    <a:prstClr val="white"/>
-                  </a:solidFill>
-                  <a:effectLst/>
-                  <a:uLnTx/>
-                  <a:uFillTx/>
-                  <a:latin typeface="Calibri" panose="020F0502020204030204"/>
-                  <a:ea typeface="+mn-ea"/>
-                  <a:cs typeface="+mn-cs"/>
-                </a:rPr>
-                <a:t>Measurements</a:t>
-              </a:r>
-              <a:endParaRPr kumimoji="0" lang="nl-NL" sz="900" b="1" i="0" u="none" strike="noStrike" kern="1200" cap="none" spc="0" normalizeH="0" baseline="0" noProof="0" dirty="0">
+              </a:rPr>
+              <a:t>Camera</a:t>
+            </a:r>
+          </a:p>
+          <a:p>
+            <a:pPr marL="0" marR="0" lvl="0" indent="0" algn="ctr" defTabSz="914400" rtl="0" eaLnBrk="1" fontAlgn="auto" latinLnBrk="0" hangingPunct="1">
+              <a:lnSpc>
+                <a:spcPct val="100000"/>
+              </a:lnSpc>
+              <a:spcBef>
+                <a:spcPts val="0"/>
+              </a:spcBef>
+              <a:spcAft>
+                <a:spcPts val="0"/>
+              </a:spcAft>
+              <a:buClrTx/>
+              <a:buSzTx/>
+              <a:buFontTx/>
+              <a:buNone/>
+              <a:tabLst/>
+              <a:defRPr/>
+            </a:pPr>
+            <a:r>
+              <a:rPr kumimoji="0" lang="nl-NL" sz="900" b="1" i="0" u="none" strike="noStrike" kern="1200" cap="none" spc="0" normalizeH="0" baseline="0" noProof="0" dirty="0" err="1">
                 <a:ln>
                   <a:noFill/>
                 </a:ln>
@@ -13798,44 +13374,94 @@
                 <a:latin typeface="Calibri" panose="020F0502020204030204"/>
                 <a:ea typeface="+mn-ea"/>
                 <a:cs typeface="+mn-cs"/>
-              </a:endParaRPr>
-            </a:p>
-            <a:p>
-              <a:pPr marL="0" marR="0" lvl="0" indent="0" algn="ctr" defTabSz="914400" rtl="0" eaLnBrk="1" fontAlgn="auto" latinLnBrk="0" hangingPunct="1">
-                <a:lnSpc>
-                  <a:spcPct val="100000"/>
-                </a:lnSpc>
-                <a:spcBef>
-                  <a:spcPts val="0"/>
-                </a:spcBef>
-                <a:spcAft>
-                  <a:spcPts val="0"/>
-                </a:spcAft>
-                <a:buClrTx/>
-                <a:buSzTx/>
-                <a:buFontTx/>
-                <a:buNone/>
-                <a:tabLst/>
-                <a:defRPr/>
-              </a:pPr>
-              <a:r>
-                <a:rPr kumimoji="0" lang="nl-NL" sz="900" b="1" i="0" u="none" strike="noStrike" kern="1200" cap="none" spc="0" normalizeH="0" baseline="0" noProof="0" dirty="0">
-                  <a:ln>
-                    <a:noFill/>
-                  </a:ln>
-                  <a:solidFill>
-                    <a:prstClr val="white"/>
-                  </a:solidFill>
-                  <a:effectLst/>
-                  <a:uLnTx/>
-                  <a:uFillTx/>
-                  <a:latin typeface="Calibri" panose="020F0502020204030204"/>
-                  <a:ea typeface="+mn-ea"/>
-                  <a:cs typeface="+mn-cs"/>
-                </a:rPr>
-                <a:t>Service</a:t>
-              </a:r>
-              <a:endParaRPr kumimoji="0" lang="en-US" sz="900" b="1" i="0" u="none" strike="noStrike" kern="1200" cap="none" spc="0" normalizeH="0" baseline="0" noProof="0" dirty="0">
+              </a:rPr>
+              <a:t>Simulation</a:t>
+            </a:r>
+            <a:endParaRPr kumimoji="0" lang="nl-NL" sz="900" b="1" i="0" u="none" strike="noStrike" kern="1200" cap="none" spc="0" normalizeH="0" baseline="0" noProof="0" dirty="0">
+              <a:ln>
+                <a:noFill/>
+              </a:ln>
+              <a:solidFill>
+                <a:prstClr val="white"/>
+              </a:solidFill>
+              <a:effectLst/>
+              <a:uLnTx/>
+              <a:uFillTx/>
+              <a:latin typeface="Calibri" panose="020F0502020204030204"/>
+              <a:ea typeface="+mn-ea"/>
+              <a:cs typeface="+mn-cs"/>
+            </a:endParaRPr>
+          </a:p>
+        </p:txBody>
+      </p:sp>
+      <p:sp>
+        <p:nvSpPr>
+          <p:cNvPr id="36" name="Rectangle 35">
+            <a:extLst>
+              <a:ext uri="{FF2B5EF4-FFF2-40B4-BE49-F238E27FC236}">
+                <a16:creationId xmlns:a16="http://schemas.microsoft.com/office/drawing/2014/main" id="{2A4E954A-B076-1756-5EFE-15635F385E75}"/>
+              </a:ext>
+            </a:extLst>
+          </p:cNvPr>
+          <p:cNvSpPr/>
+          <p:nvPr/>
+        </p:nvSpPr>
+        <p:spPr>
+          <a:xfrm>
+            <a:off x="1796269" y="2655325"/>
+            <a:ext cx="927971" cy="673239"/>
+          </a:xfrm>
+          <a:prstGeom prst="rect">
+            <a:avLst/>
+          </a:prstGeom>
+          <a:solidFill>
+            <a:srgbClr val="7030A0"/>
+          </a:solidFill>
+          <a:ln>
+            <a:solidFill>
+              <a:schemeClr val="tx1"/>
+            </a:solidFill>
+          </a:ln>
+        </p:spPr>
+        <p:style>
+          <a:lnRef idx="2">
+            <a:schemeClr val="accent1">
+              <a:shade val="50000"/>
+            </a:schemeClr>
+          </a:lnRef>
+          <a:fillRef idx="1">
+            <a:schemeClr val="accent1"/>
+          </a:fillRef>
+          <a:effectRef idx="0">
+            <a:schemeClr val="accent1"/>
+          </a:effectRef>
+          <a:fontRef idx="minor">
+            <a:schemeClr val="lt1"/>
+          </a:fontRef>
+        </p:style>
+        <p:txBody>
+          <a:bodyPr rtlCol="0" anchor="ctr"/>
+          <a:lstStyle/>
+          <a:p>
+            <a:pPr marL="0" marR="0" lvl="0" indent="0" algn="ctr" defTabSz="914400" rtl="0" eaLnBrk="1" fontAlgn="auto" latinLnBrk="0" hangingPunct="1">
+              <a:lnSpc>
+                <a:spcPct val="100000"/>
+              </a:lnSpc>
+              <a:spcBef>
+                <a:spcPts val="0"/>
+              </a:spcBef>
+              <a:spcAft>
+                <a:spcPts val="0"/>
+              </a:spcAft>
+              <a:buClrTx/>
+              <a:buSzTx/>
+              <a:buFontTx/>
+              <a:buNone/>
+              <a:tabLst/>
+              <a:defRPr/>
+            </a:pPr>
+            <a:r>
+              <a:rPr kumimoji="0" lang="nl-NL" sz="900" b="1" i="0" u="none" strike="noStrike" kern="1200" cap="none" spc="0" normalizeH="0" baseline="0" noProof="0" dirty="0">
                 <a:ln>
                   <a:noFill/>
                 </a:ln>
@@ -13848,111 +13474,30 @@
                 <a:latin typeface="Calibri" panose="020F0502020204030204"/>
                 <a:ea typeface="+mn-ea"/>
                 <a:cs typeface="+mn-cs"/>
-              </a:endParaRPr>
-            </a:p>
-          </p:txBody>
-        </p:sp>
-        <p:sp>
-          <p:nvSpPr>
-            <p:cNvPr id="4" name="Rectangle: Rounded Corners 3">
-              <a:extLst>
-                <a:ext uri="{FF2B5EF4-FFF2-40B4-BE49-F238E27FC236}">
-                  <a16:creationId xmlns:a16="http://schemas.microsoft.com/office/drawing/2014/main" id="{4A21F473-1306-4762-8A76-D6E31EAD2161}"/>
-                </a:ext>
-              </a:extLst>
-            </p:cNvPr>
-            <p:cNvSpPr/>
-            <p:nvPr/>
-          </p:nvSpPr>
-          <p:spPr>
-            <a:xfrm>
-              <a:off x="2844060" y="2712336"/>
-              <a:ext cx="881900" cy="273662"/>
-            </a:xfrm>
-            <a:prstGeom prst="roundRect">
-              <a:avLst>
-                <a:gd name="adj" fmla="val 50000"/>
-              </a:avLst>
-            </a:prstGeom>
-            <a:solidFill>
-              <a:srgbClr val="002060"/>
-            </a:solidFill>
-            <a:ln>
-              <a:noFill/>
-            </a:ln>
-          </p:spPr>
-          <p:style>
-            <a:lnRef idx="2">
-              <a:schemeClr val="accent6">
-                <a:shade val="50000"/>
-              </a:schemeClr>
-            </a:lnRef>
-            <a:fillRef idx="1">
-              <a:schemeClr val="accent6"/>
-            </a:fillRef>
-            <a:effectRef idx="0">
-              <a:schemeClr val="accent6"/>
-            </a:effectRef>
-            <a:fontRef idx="minor">
-              <a:schemeClr val="lt1"/>
-            </a:fontRef>
-          </p:style>
-          <p:txBody>
-            <a:bodyPr rtlCol="0" anchor="ctr"/>
-            <a:lstStyle/>
-            <a:p>
-              <a:pPr marL="0" marR="0" lvl="0" indent="0" defTabSz="914400" rtl="0" eaLnBrk="1" fontAlgn="auto" latinLnBrk="0" hangingPunct="1">
-                <a:lnSpc>
-                  <a:spcPct val="100000"/>
-                </a:lnSpc>
-                <a:spcBef>
-                  <a:spcPts val="0"/>
-                </a:spcBef>
-                <a:spcAft>
-                  <a:spcPts val="0"/>
-                </a:spcAft>
-                <a:buClrTx/>
-                <a:buSzTx/>
-                <a:buFontTx/>
-                <a:buNone/>
-                <a:tabLst/>
-                <a:defRPr/>
-              </a:pPr>
-              <a:r>
-                <a:rPr kumimoji="0" lang="nl-NL" sz="800" b="0" i="0" u="none" strike="noStrike" kern="1200" cap="none" spc="0" normalizeH="0" baseline="0" noProof="0" dirty="0">
-                  <a:ln>
-                    <a:noFill/>
-                  </a:ln>
-                  <a:solidFill>
-                    <a:prstClr val="white"/>
-                  </a:solidFill>
-                  <a:effectLst/>
-                  <a:uLnTx/>
-                  <a:uFillTx/>
-                  <a:latin typeface="Calibri" panose="020F0502020204030204"/>
-                  <a:ea typeface="+mn-ea"/>
-                  <a:cs typeface="+mn-cs"/>
-                </a:rPr>
-                <a:t>/</a:t>
-              </a:r>
-              <a:r>
-                <a:rPr kumimoji="0" lang="nl-NL" sz="800" b="0" i="0" u="none" strike="noStrike" kern="1200" cap="none" spc="0" normalizeH="0" baseline="0" noProof="0" dirty="0" err="1">
-                  <a:ln>
-                    <a:noFill/>
-                  </a:ln>
-                  <a:solidFill>
-                    <a:prstClr val="white"/>
-                  </a:solidFill>
-                  <a:effectLst/>
-                  <a:uLnTx/>
-                  <a:uFillTx/>
-                  <a:latin typeface="Calibri" panose="020F0502020204030204"/>
-                  <a:ea typeface="+mn-ea"/>
-                  <a:cs typeface="+mn-cs"/>
-                </a:rPr>
-                <a:t>entrycam</a:t>
-              </a:r>
-              <a:endParaRPr kumimoji="0" lang="en-US" sz="800" b="0" i="0" u="none" strike="noStrike" kern="1200" cap="none" spc="0" normalizeH="0" baseline="0" noProof="0" dirty="0">
+              </a:rPr>
+              <a:t>Camera</a:t>
+            </a:r>
+          </a:p>
+          <a:p>
+            <a:pPr marL="0" marR="0" lvl="0" indent="0" algn="ctr" defTabSz="914400" rtl="0" eaLnBrk="1" fontAlgn="auto" latinLnBrk="0" hangingPunct="1">
+              <a:lnSpc>
+                <a:spcPct val="100000"/>
+              </a:lnSpc>
+              <a:spcBef>
+                <a:spcPts val="0"/>
+              </a:spcBef>
+              <a:spcAft>
+                <a:spcPts val="0"/>
+              </a:spcAft>
+              <a:buClrTx/>
+              <a:buSzTx/>
+              <a:buFontTx/>
+              <a:buNone/>
+              <a:tabLst/>
+              <a:defRPr/>
+            </a:pPr>
+            <a:r>
+              <a:rPr kumimoji="0" lang="nl-NL" sz="900" b="1" i="0" u="none" strike="noStrike" kern="1200" cap="none" spc="0" normalizeH="0" baseline="0" noProof="0" dirty="0" err="1">
                 <a:ln>
                   <a:noFill/>
                 </a:ln>
@@ -13965,111 +13510,94 @@
                 <a:latin typeface="Calibri" panose="020F0502020204030204"/>
                 <a:ea typeface="+mn-ea"/>
                 <a:cs typeface="+mn-cs"/>
-              </a:endParaRPr>
-            </a:p>
-          </p:txBody>
-        </p:sp>
-        <p:sp>
-          <p:nvSpPr>
-            <p:cNvPr id="29" name="Rectangle: Rounded Corners 28">
-              <a:extLst>
-                <a:ext uri="{FF2B5EF4-FFF2-40B4-BE49-F238E27FC236}">
-                  <a16:creationId xmlns:a16="http://schemas.microsoft.com/office/drawing/2014/main" id="{45E11952-9BB9-456F-AE51-F0E5037206D4}"/>
-                </a:ext>
-              </a:extLst>
-            </p:cNvPr>
-            <p:cNvSpPr/>
-            <p:nvPr/>
-          </p:nvSpPr>
-          <p:spPr>
-            <a:xfrm>
-              <a:off x="2844060" y="3061586"/>
-              <a:ext cx="881900" cy="273662"/>
-            </a:xfrm>
-            <a:prstGeom prst="roundRect">
-              <a:avLst>
-                <a:gd name="adj" fmla="val 50000"/>
-              </a:avLst>
-            </a:prstGeom>
+              </a:rPr>
+              <a:t>Simulation</a:t>
+            </a:r>
+            <a:endParaRPr kumimoji="0" lang="nl-NL" sz="900" b="1" i="0" u="none" strike="noStrike" kern="1200" cap="none" spc="0" normalizeH="0" baseline="0" noProof="0" dirty="0">
+              <a:ln>
+                <a:noFill/>
+              </a:ln>
+              <a:solidFill>
+                <a:prstClr val="white"/>
+              </a:solidFill>
+              <a:effectLst/>
+              <a:uLnTx/>
+              <a:uFillTx/>
+              <a:latin typeface="Calibri" panose="020F0502020204030204"/>
+              <a:ea typeface="+mn-ea"/>
+              <a:cs typeface="+mn-cs"/>
+            </a:endParaRPr>
+          </a:p>
+        </p:txBody>
+      </p:sp>
+      <p:sp>
+        <p:nvSpPr>
+          <p:cNvPr id="3" name="Rectangle 2">
+            <a:extLst>
+              <a:ext uri="{FF2B5EF4-FFF2-40B4-BE49-F238E27FC236}">
+                <a16:creationId xmlns:a16="http://schemas.microsoft.com/office/drawing/2014/main" id="{08BCB2F3-BBEA-4743-AA9B-B996AD8932A1}"/>
+              </a:ext>
+            </a:extLst>
+          </p:cNvPr>
+          <p:cNvSpPr/>
+          <p:nvPr/>
+        </p:nvSpPr>
+        <p:spPr>
+          <a:xfrm>
+            <a:off x="1888982" y="2764610"/>
+            <a:ext cx="927971" cy="673239"/>
+          </a:xfrm>
+          <a:prstGeom prst="rect">
+            <a:avLst/>
+          </a:prstGeom>
+          <a:solidFill>
+            <a:srgbClr val="7030A0"/>
+          </a:solidFill>
+          <a:ln>
             <a:solidFill>
-              <a:srgbClr val="002060"/>
+              <a:schemeClr val="tx1"/>
             </a:solidFill>
-            <a:ln>
-              <a:noFill/>
-            </a:ln>
-          </p:spPr>
-          <p:style>
-            <a:lnRef idx="2">
-              <a:schemeClr val="accent6">
-                <a:shade val="50000"/>
-              </a:schemeClr>
-            </a:lnRef>
-            <a:fillRef idx="1">
-              <a:schemeClr val="accent6"/>
-            </a:fillRef>
-            <a:effectRef idx="0">
-              <a:schemeClr val="accent6"/>
-            </a:effectRef>
-            <a:fontRef idx="minor">
-              <a:schemeClr val="lt1"/>
-            </a:fontRef>
-          </p:style>
-          <p:txBody>
-            <a:bodyPr rtlCol="0" anchor="ctr"/>
-            <a:lstStyle/>
-            <a:p>
-              <a:pPr marL="0" marR="0" lvl="0" indent="0" defTabSz="914400" rtl="0" eaLnBrk="1" fontAlgn="auto" latinLnBrk="0" hangingPunct="1">
-                <a:lnSpc>
-                  <a:spcPct val="100000"/>
-                </a:lnSpc>
-                <a:spcBef>
-                  <a:spcPts val="0"/>
-                </a:spcBef>
-                <a:spcAft>
-                  <a:spcPts val="0"/>
-                </a:spcAft>
-                <a:buClrTx/>
-                <a:buSzTx/>
-                <a:buFontTx/>
-                <a:buNone/>
-                <a:tabLst/>
-                <a:defRPr/>
-              </a:pPr>
-              <a:r>
-                <a:rPr kumimoji="0" lang="nl-NL" sz="800" b="0" i="0" u="none" strike="noStrike" kern="1200" cap="none" spc="0" normalizeH="0" baseline="0" noProof="0" dirty="0">
-                  <a:ln>
-                    <a:noFill/>
-                  </a:ln>
-                  <a:solidFill>
-                    <a:prstClr val="white"/>
-                  </a:solidFill>
-                  <a:effectLst/>
-                  <a:uLnTx/>
-                  <a:uFillTx/>
-                  <a:latin typeface="Calibri" panose="020F0502020204030204"/>
-                  <a:ea typeface="+mn-ea"/>
-                  <a:cs typeface="+mn-cs"/>
-                </a:rPr>
-                <a:t>/</a:t>
-              </a:r>
-              <a:r>
-                <a:rPr kumimoji="0" lang="nl-NL" sz="800" b="0" i="0" u="none" strike="noStrike" kern="1200" cap="none" spc="0" normalizeH="0" baseline="0" noProof="0" dirty="0" err="1">
-                  <a:ln>
-                    <a:noFill/>
-                  </a:ln>
-                  <a:solidFill>
-                    <a:prstClr val="white"/>
-                  </a:solidFill>
-                  <a:effectLst/>
-                  <a:uLnTx/>
-                  <a:uFillTx/>
-                  <a:latin typeface="Calibri" panose="020F0502020204030204"/>
-                  <a:ea typeface="+mn-ea"/>
-                  <a:cs typeface="+mn-cs"/>
-                </a:rPr>
-                <a:t>exitcam</a:t>
-              </a:r>
-              <a:endParaRPr kumimoji="0" lang="en-US" sz="800" b="0" i="0" u="none" strike="noStrike" kern="1200" cap="none" spc="0" normalizeH="0" baseline="0" noProof="0" dirty="0">
+          </a:ln>
+        </p:spPr>
+        <p:style>
+          <a:lnRef idx="2">
+            <a:schemeClr val="accent1">
+              <a:shade val="50000"/>
+            </a:schemeClr>
+          </a:lnRef>
+          <a:fillRef idx="1">
+            <a:schemeClr val="accent1"/>
+          </a:fillRef>
+          <a:effectRef idx="0">
+            <a:schemeClr val="accent1"/>
+          </a:effectRef>
+          <a:fontRef idx="minor">
+            <a:schemeClr val="lt1"/>
+          </a:fontRef>
+        </p:style>
+        <p:txBody>
+          <a:bodyPr rtlCol="0" anchor="ctr"/>
+          <a:lstStyle/>
+          <a:p>
+            <a:pPr marL="0" marR="0" lvl="0" indent="0" algn="ctr" defTabSz="914400" rtl="0" eaLnBrk="1" fontAlgn="auto" latinLnBrk="0" hangingPunct="1">
+              <a:lnSpc>
+                <a:spcPct val="100000"/>
+              </a:lnSpc>
+              <a:spcBef>
+                <a:spcPts val="0"/>
+              </a:spcBef>
+              <a:spcAft>
+                <a:spcPts val="0"/>
+              </a:spcAft>
+              <a:buClrTx/>
+              <a:buSzTx/>
+              <a:buFontTx/>
+              <a:buNone/>
+              <a:tabLst/>
+              <a:defRPr/>
+            </a:pPr>
+            <a:r>
+              <a:rPr kumimoji="0" lang="nl-NL" sz="900" b="1" i="0" u="none" strike="noStrike" kern="1200" cap="none" spc="0" normalizeH="0" baseline="0" noProof="0" dirty="0">
                 <a:ln>
                   <a:noFill/>
                 </a:ln>
@@ -14082,95 +13610,30 @@
                 <a:latin typeface="Calibri" panose="020F0502020204030204"/>
                 <a:ea typeface="+mn-ea"/>
                 <a:cs typeface="+mn-cs"/>
-              </a:endParaRPr>
-            </a:p>
-          </p:txBody>
-        </p:sp>
-        <p:sp>
-          <p:nvSpPr>
-            <p:cNvPr id="31" name="Rectangle: Rounded Corners 30">
-              <a:extLst>
-                <a:ext uri="{FF2B5EF4-FFF2-40B4-BE49-F238E27FC236}">
-                  <a16:creationId xmlns:a16="http://schemas.microsoft.com/office/drawing/2014/main" id="{8BE3FE1E-9AF8-4982-A76E-71DF12239796}"/>
-                </a:ext>
-              </a:extLst>
-            </p:cNvPr>
-            <p:cNvSpPr/>
-            <p:nvPr/>
-          </p:nvSpPr>
-          <p:spPr>
-            <a:xfrm>
-              <a:off x="5442765" y="3141488"/>
-              <a:ext cx="1083008" cy="273662"/>
-            </a:xfrm>
-            <a:prstGeom prst="roundRect">
-              <a:avLst>
-                <a:gd name="adj" fmla="val 50000"/>
-              </a:avLst>
-            </a:prstGeom>
-            <a:solidFill>
-              <a:srgbClr val="002060"/>
-            </a:solidFill>
-            <a:ln>
-              <a:noFill/>
-            </a:ln>
-          </p:spPr>
-          <p:style>
-            <a:lnRef idx="2">
-              <a:schemeClr val="accent6">
-                <a:shade val="50000"/>
-              </a:schemeClr>
-            </a:lnRef>
-            <a:fillRef idx="1">
-              <a:schemeClr val="accent6"/>
-            </a:fillRef>
-            <a:effectRef idx="0">
-              <a:schemeClr val="accent6"/>
-            </a:effectRef>
-            <a:fontRef idx="minor">
-              <a:schemeClr val="lt1"/>
-            </a:fontRef>
-          </p:style>
-          <p:txBody>
-            <a:bodyPr rtlCol="0" anchor="ctr"/>
-            <a:lstStyle/>
-            <a:p>
-              <a:pPr marL="0" marR="0" lvl="0" indent="0" defTabSz="914400" rtl="0" eaLnBrk="1" fontAlgn="auto" latinLnBrk="0" hangingPunct="1">
-                <a:lnSpc>
-                  <a:spcPct val="100000"/>
-                </a:lnSpc>
-                <a:spcBef>
-                  <a:spcPts val="0"/>
-                </a:spcBef>
-                <a:spcAft>
-                  <a:spcPts val="0"/>
-                </a:spcAft>
-                <a:buClrTx/>
-                <a:buSzTx/>
-                <a:buFontTx/>
-                <a:buNone/>
-                <a:tabLst/>
-                <a:defRPr/>
-              </a:pPr>
-              <a:r>
-                <a:rPr lang="nl-NL" sz="800" dirty="0">
-                  <a:solidFill>
-                    <a:prstClr val="white"/>
-                  </a:solidFill>
-                  <a:latin typeface="Calibri" panose="020F0502020204030204"/>
-                </a:rPr>
-                <a:t>/</a:t>
-              </a:r>
-              <a:r>
-                <a:rPr lang="nl-NL" sz="800" dirty="0" err="1">
-                  <a:solidFill>
-                    <a:prstClr val="white"/>
-                  </a:solidFill>
-                  <a:latin typeface="Calibri" panose="020F0502020204030204"/>
-                </a:rPr>
-                <a:t>averageSpeed</a:t>
-              </a:r>
-              <a:endParaRPr kumimoji="0" lang="en-US" sz="800" b="0" i="0" u="none" strike="noStrike" kern="1200" cap="none" spc="0" normalizeH="0" baseline="0" noProof="0" dirty="0">
+              </a:rPr>
+              <a:t>Camera</a:t>
+            </a:r>
+          </a:p>
+          <a:p>
+            <a:pPr marL="0" marR="0" lvl="0" indent="0" algn="ctr" defTabSz="914400" rtl="0" eaLnBrk="1" fontAlgn="auto" latinLnBrk="0" hangingPunct="1">
+              <a:lnSpc>
+                <a:spcPct val="100000"/>
+              </a:lnSpc>
+              <a:spcBef>
+                <a:spcPts val="0"/>
+              </a:spcBef>
+              <a:spcAft>
+                <a:spcPts val="0"/>
+              </a:spcAft>
+              <a:buClrTx/>
+              <a:buSzTx/>
+              <a:buFontTx/>
+              <a:buNone/>
+              <a:tabLst/>
+              <a:defRPr/>
+            </a:pPr>
+            <a:r>
+              <a:rPr kumimoji="0" lang="nl-NL" sz="900" b="1" i="0" u="none" strike="noStrike" kern="1200" cap="none" spc="0" normalizeH="0" baseline="0" noProof="0" dirty="0" err="1">
                 <a:ln>
                   <a:noFill/>
                 </a:ln>
@@ -14183,226 +13646,89 @@
                 <a:latin typeface="Calibri" panose="020F0502020204030204"/>
                 <a:ea typeface="+mn-ea"/>
                 <a:cs typeface="+mn-cs"/>
-              </a:endParaRPr>
-            </a:p>
-          </p:txBody>
-        </p:sp>
-        <p:cxnSp>
-          <p:nvCxnSpPr>
-            <p:cNvPr id="7" name="Straight Arrow Connector 6">
-              <a:extLst>
-                <a:ext uri="{FF2B5EF4-FFF2-40B4-BE49-F238E27FC236}">
-                  <a16:creationId xmlns:a16="http://schemas.microsoft.com/office/drawing/2014/main" id="{9D2F5525-B012-456D-BFBA-EBADDC2208E2}"/>
-                </a:ext>
-              </a:extLst>
-            </p:cNvPr>
-            <p:cNvCxnSpPr>
-              <a:cxnSpLocks/>
-              <a:stCxn id="3" idx="3"/>
-              <a:endCxn id="4" idx="1"/>
-            </p:cNvCxnSpPr>
-            <p:nvPr/>
-          </p:nvCxnSpPr>
-          <p:spPr>
-            <a:xfrm flipV="1">
-              <a:off x="2278372" y="2849167"/>
-              <a:ext cx="565688" cy="181550"/>
-            </a:xfrm>
-            <a:prstGeom prst="straightConnector1">
-              <a:avLst/>
-            </a:prstGeom>
-            <a:ln w="19050">
+              </a:rPr>
+              <a:t>Simulation</a:t>
+            </a:r>
+            <a:endParaRPr kumimoji="0" lang="nl-NL" sz="900" b="1" i="0" u="none" strike="noStrike" kern="1200" cap="none" spc="0" normalizeH="0" baseline="0" noProof="0" dirty="0">
+              <a:ln>
+                <a:noFill/>
+              </a:ln>
               <a:solidFill>
-                <a:schemeClr val="tx1"/>
+                <a:prstClr val="white"/>
               </a:solidFill>
-              <a:tailEnd type="triangle"/>
-            </a:ln>
-          </p:spPr>
-          <p:style>
-            <a:lnRef idx="1">
-              <a:schemeClr val="accent1"/>
-            </a:lnRef>
-            <a:fillRef idx="0">
-              <a:schemeClr val="accent1"/>
-            </a:fillRef>
-            <a:effectRef idx="0">
-              <a:schemeClr val="accent1"/>
-            </a:effectRef>
-            <a:fontRef idx="minor">
-              <a:schemeClr val="tx1"/>
-            </a:fontRef>
-          </p:style>
-        </p:cxnSp>
-        <p:cxnSp>
-          <p:nvCxnSpPr>
-            <p:cNvPr id="34" name="Straight Arrow Connector 33">
-              <a:extLst>
-                <a:ext uri="{FF2B5EF4-FFF2-40B4-BE49-F238E27FC236}">
-                  <a16:creationId xmlns:a16="http://schemas.microsoft.com/office/drawing/2014/main" id="{2751A23B-3249-4DF6-A4C4-797B4935C539}"/>
-                </a:ext>
-              </a:extLst>
-            </p:cNvPr>
-            <p:cNvCxnSpPr>
-              <a:cxnSpLocks/>
-              <a:stCxn id="3" idx="3"/>
-              <a:endCxn id="29" idx="1"/>
-            </p:cNvCxnSpPr>
-            <p:nvPr/>
-          </p:nvCxnSpPr>
-          <p:spPr>
-            <a:xfrm>
-              <a:off x="2278372" y="3030717"/>
-              <a:ext cx="565688" cy="167700"/>
-            </a:xfrm>
-            <a:prstGeom prst="straightConnector1">
-              <a:avLst/>
-            </a:prstGeom>
-            <a:ln w="19050">
-              <a:solidFill>
-                <a:schemeClr val="tx1"/>
-              </a:solidFill>
-              <a:tailEnd type="triangle"/>
-            </a:ln>
-          </p:spPr>
-          <p:style>
-            <a:lnRef idx="1">
-              <a:schemeClr val="accent1"/>
-            </a:lnRef>
-            <a:fillRef idx="0">
-              <a:schemeClr val="accent1"/>
-            </a:fillRef>
-            <a:effectRef idx="0">
-              <a:schemeClr val="accent1"/>
-            </a:effectRef>
-            <a:fontRef idx="minor">
-              <a:schemeClr val="tx1"/>
-            </a:fontRef>
-          </p:style>
-        </p:cxnSp>
-        <p:cxnSp>
-          <p:nvCxnSpPr>
-            <p:cNvPr id="40" name="Straight Arrow Connector 39">
-              <a:extLst>
-                <a:ext uri="{FF2B5EF4-FFF2-40B4-BE49-F238E27FC236}">
-                  <a16:creationId xmlns:a16="http://schemas.microsoft.com/office/drawing/2014/main" id="{8F0D0570-9E5C-4D3F-8C69-7492819819CA}"/>
-                </a:ext>
-              </a:extLst>
-            </p:cNvPr>
-            <p:cNvCxnSpPr>
-              <a:cxnSpLocks/>
-              <a:stCxn id="27" idx="3"/>
-              <a:endCxn id="31" idx="1"/>
-            </p:cNvCxnSpPr>
-            <p:nvPr/>
-          </p:nvCxnSpPr>
-          <p:spPr>
-            <a:xfrm>
-              <a:off x="4473333" y="3030718"/>
-              <a:ext cx="969432" cy="247603"/>
-            </a:xfrm>
-            <a:prstGeom prst="bentConnector3">
-              <a:avLst>
-                <a:gd name="adj1" fmla="val 50000"/>
-              </a:avLst>
-            </a:prstGeom>
-            <a:ln w="19050">
-              <a:solidFill>
-                <a:schemeClr val="tx1"/>
-              </a:solidFill>
-              <a:tailEnd type="triangle"/>
-            </a:ln>
-          </p:spPr>
-          <p:style>
-            <a:lnRef idx="1">
-              <a:schemeClr val="accent1"/>
-            </a:lnRef>
-            <a:fillRef idx="0">
-              <a:schemeClr val="accent1"/>
-            </a:fillRef>
-            <a:effectRef idx="0">
-              <a:schemeClr val="accent1"/>
-            </a:effectRef>
-            <a:fontRef idx="minor">
-              <a:schemeClr val="tx1"/>
-            </a:fontRef>
-          </p:style>
-        </p:cxnSp>
-        <p:sp>
-          <p:nvSpPr>
-            <p:cNvPr id="6" name="Rectangle: Rounded Corners 5">
-              <a:extLst>
-                <a:ext uri="{FF2B5EF4-FFF2-40B4-BE49-F238E27FC236}">
-                  <a16:creationId xmlns:a16="http://schemas.microsoft.com/office/drawing/2014/main" id="{69AA8C8D-3649-18C2-0565-0BA30408B933}"/>
-                </a:ext>
-              </a:extLst>
-            </p:cNvPr>
-            <p:cNvSpPr/>
-            <p:nvPr/>
-          </p:nvSpPr>
-          <p:spPr>
-            <a:xfrm>
-              <a:off x="5442765" y="3487443"/>
-              <a:ext cx="1083008" cy="273662"/>
-            </a:xfrm>
-            <a:prstGeom prst="roundRect">
-              <a:avLst>
-                <a:gd name="adj" fmla="val 50000"/>
-              </a:avLst>
-            </a:prstGeom>
-            <a:solidFill>
-              <a:srgbClr val="002060"/>
-            </a:solidFill>
-            <a:ln>
-              <a:noFill/>
-            </a:ln>
-          </p:spPr>
-          <p:style>
-            <a:lnRef idx="2">
-              <a:schemeClr val="accent6">
-                <a:shade val="50000"/>
-              </a:schemeClr>
-            </a:lnRef>
-            <a:fillRef idx="1">
-              <a:schemeClr val="accent6"/>
-            </a:fillRef>
-            <a:effectRef idx="0">
-              <a:schemeClr val="accent6"/>
-            </a:effectRef>
-            <a:fontRef idx="minor">
-              <a:schemeClr val="lt1"/>
-            </a:fontRef>
-          </p:style>
-          <p:txBody>
-            <a:bodyPr rtlCol="0" anchor="ctr"/>
-            <a:lstStyle/>
-            <a:p>
-              <a:pPr marL="0" marR="0" lvl="0" indent="0" defTabSz="914400" rtl="0" eaLnBrk="1" fontAlgn="auto" latinLnBrk="0" hangingPunct="1">
-                <a:lnSpc>
-                  <a:spcPct val="100000"/>
-                </a:lnSpc>
-                <a:spcBef>
-                  <a:spcPts val="0"/>
-                </a:spcBef>
-                <a:spcAft>
-                  <a:spcPts val="0"/>
-                </a:spcAft>
-                <a:buClrTx/>
-                <a:buSzTx/>
-                <a:buFontTx/>
-                <a:buNone/>
-                <a:tabLst/>
-                <a:defRPr/>
-              </a:pPr>
-              <a:r>
-                <a:rPr lang="nl-NL" sz="800" dirty="0">
-                  <a:solidFill>
-                    <a:prstClr val="white"/>
-                  </a:solidFill>
-                  <a:latin typeface="Calibri" panose="020F0502020204030204"/>
-                </a:rPr>
-                <a:t>/co2Level</a:t>
-              </a:r>
-              <a:endParaRPr kumimoji="0" lang="en-US" sz="800" b="0" i="0" u="none" strike="noStrike" kern="1200" cap="none" spc="0" normalizeH="0" baseline="0" noProof="0" dirty="0">
+              <a:effectLst/>
+              <a:uLnTx/>
+              <a:uFillTx/>
+              <a:latin typeface="Calibri" panose="020F0502020204030204"/>
+              <a:ea typeface="+mn-ea"/>
+              <a:cs typeface="+mn-cs"/>
+            </a:endParaRPr>
+          </a:p>
+        </p:txBody>
+      </p:sp>
+      <p:sp>
+        <p:nvSpPr>
+          <p:cNvPr id="27" name="Rectangle 26">
+            <a:extLst>
+              <a:ext uri="{FF2B5EF4-FFF2-40B4-BE49-F238E27FC236}">
+                <a16:creationId xmlns:a16="http://schemas.microsoft.com/office/drawing/2014/main" id="{C6E0445A-460C-4AB6-BC1D-0F813BA32317}"/>
+              </a:ext>
+            </a:extLst>
+          </p:cNvPr>
+          <p:cNvSpPr/>
+          <p:nvPr/>
+        </p:nvSpPr>
+        <p:spPr>
+          <a:xfrm>
+            <a:off x="3468862" y="2764610"/>
+            <a:ext cx="1203221" cy="673239"/>
+          </a:xfrm>
+          <a:prstGeom prst="rect">
+            <a:avLst/>
+          </a:prstGeom>
+          <a:solidFill>
+            <a:srgbClr val="0070C0"/>
+          </a:solidFill>
+        </p:spPr>
+        <p:style>
+          <a:lnRef idx="2">
+            <a:schemeClr val="accent1">
+              <a:shade val="50000"/>
+            </a:schemeClr>
+          </a:lnRef>
+          <a:fillRef idx="1">
+            <a:schemeClr val="accent1"/>
+          </a:fillRef>
+          <a:effectRef idx="0">
+            <a:schemeClr val="accent1"/>
+          </a:effectRef>
+          <a:fontRef idx="minor">
+            <a:schemeClr val="lt1"/>
+          </a:fontRef>
+        </p:style>
+        <p:txBody>
+          <a:bodyPr lIns="648000" rtlCol="0" anchor="ctr"/>
+          <a:lstStyle/>
+          <a:p>
+            <a:pPr marL="0" marR="0" lvl="0" indent="0" algn="ctr" defTabSz="914400" rtl="0" eaLnBrk="1" fontAlgn="auto" latinLnBrk="0" hangingPunct="1">
+              <a:lnSpc>
+                <a:spcPct val="100000"/>
+              </a:lnSpc>
+              <a:spcBef>
+                <a:spcPts val="0"/>
+              </a:spcBef>
+              <a:spcAft>
+                <a:spcPts val="0"/>
+              </a:spcAft>
+              <a:buClrTx/>
+              <a:buSzTx/>
+              <a:buFontTx/>
+              <a:buNone/>
+              <a:tabLst/>
+              <a:defRPr/>
+            </a:pPr>
+            <a:r>
+              <a:rPr kumimoji="0" lang="nl-NL" sz="900" b="1" i="0" u="none" strike="noStrike" kern="1200" cap="none" spc="0" normalizeH="0" baseline="0" noProof="0" dirty="0">
                 <a:ln>
                   <a:noFill/>
                 </a:ln>
@@ -14415,173 +13741,30 @@
                 <a:latin typeface="Calibri" panose="020F0502020204030204"/>
                 <a:ea typeface="+mn-ea"/>
                 <a:cs typeface="+mn-cs"/>
-              </a:endParaRPr>
-            </a:p>
-          </p:txBody>
-        </p:sp>
-        <p:cxnSp>
-          <p:nvCxnSpPr>
-            <p:cNvPr id="8" name="Straight Arrow Connector 7">
-              <a:extLst>
-                <a:ext uri="{FF2B5EF4-FFF2-40B4-BE49-F238E27FC236}">
-                  <a16:creationId xmlns:a16="http://schemas.microsoft.com/office/drawing/2014/main" id="{B458D0F6-E762-A6E5-797D-E7B4166B6A66}"/>
-                </a:ext>
-              </a:extLst>
-            </p:cNvPr>
-            <p:cNvCxnSpPr>
-              <a:cxnSpLocks/>
-              <a:stCxn id="11" idx="3"/>
-              <a:endCxn id="6" idx="1"/>
-            </p:cNvCxnSpPr>
-            <p:nvPr/>
-          </p:nvCxnSpPr>
-          <p:spPr>
-            <a:xfrm flipV="1">
-              <a:off x="2278372" y="3624274"/>
-              <a:ext cx="3164393" cy="384559"/>
-            </a:xfrm>
-            <a:prstGeom prst="bentConnector3">
-              <a:avLst>
-                <a:gd name="adj1" fmla="val 85001"/>
-              </a:avLst>
-            </a:prstGeom>
-            <a:ln w="19050">
-              <a:solidFill>
-                <a:schemeClr val="tx1"/>
-              </a:solidFill>
-              <a:tailEnd type="triangle"/>
-            </a:ln>
-          </p:spPr>
-          <p:style>
-            <a:lnRef idx="1">
-              <a:schemeClr val="accent1"/>
-            </a:lnRef>
-            <a:fillRef idx="0">
-              <a:schemeClr val="accent1"/>
-            </a:fillRef>
-            <a:effectRef idx="0">
-              <a:schemeClr val="accent1"/>
-            </a:effectRef>
-            <a:fontRef idx="minor">
-              <a:schemeClr val="tx1"/>
-            </a:fontRef>
-          </p:style>
-        </p:cxnSp>
-        <p:sp>
-          <p:nvSpPr>
-            <p:cNvPr id="11" name="Rectangle 10">
-              <a:extLst>
-                <a:ext uri="{FF2B5EF4-FFF2-40B4-BE49-F238E27FC236}">
-                  <a16:creationId xmlns:a16="http://schemas.microsoft.com/office/drawing/2014/main" id="{8CC6B7FE-3D49-7D7C-BF93-C8E7963D5FE8}"/>
-                </a:ext>
-              </a:extLst>
-            </p:cNvPr>
-            <p:cNvSpPr/>
-            <p:nvPr/>
-          </p:nvSpPr>
-          <p:spPr>
-            <a:xfrm>
-              <a:off x="1180412" y="3610550"/>
-              <a:ext cx="1097960" cy="796566"/>
-            </a:xfrm>
-            <a:prstGeom prst="rect">
-              <a:avLst/>
-            </a:prstGeom>
-            <a:solidFill>
-              <a:srgbClr val="0070C0"/>
-            </a:solidFill>
-          </p:spPr>
-          <p:style>
-            <a:lnRef idx="2">
-              <a:schemeClr val="accent1">
-                <a:shade val="50000"/>
-              </a:schemeClr>
-            </a:lnRef>
-            <a:fillRef idx="1">
-              <a:schemeClr val="accent1"/>
-            </a:fillRef>
-            <a:effectRef idx="0">
-              <a:schemeClr val="accent1"/>
-            </a:effectRef>
-            <a:fontRef idx="minor">
-              <a:schemeClr val="lt1"/>
-            </a:fontRef>
-          </p:style>
-          <p:txBody>
-            <a:bodyPr rtlCol="0" anchor="ctr"/>
-            <a:lstStyle/>
-            <a:p>
-              <a:pPr marL="0" marR="0" lvl="0" indent="0" algn="ctr" defTabSz="914400" rtl="0" eaLnBrk="1" fontAlgn="auto" latinLnBrk="0" hangingPunct="1">
-                <a:lnSpc>
-                  <a:spcPct val="100000"/>
-                </a:lnSpc>
-                <a:spcBef>
-                  <a:spcPts val="0"/>
-                </a:spcBef>
-                <a:spcAft>
-                  <a:spcPts val="0"/>
-                </a:spcAft>
-                <a:buClrTx/>
-                <a:buSzTx/>
-                <a:buFontTx/>
-                <a:buNone/>
-                <a:tabLst/>
-                <a:defRPr/>
-              </a:pPr>
-              <a:r>
-                <a:rPr kumimoji="0" lang="nl-NL" sz="900" b="1" i="0" u="none" strike="noStrike" kern="1200" cap="none" spc="0" normalizeH="0" baseline="0" noProof="0" dirty="0">
-                  <a:ln>
-                    <a:noFill/>
-                  </a:ln>
-                  <a:solidFill>
-                    <a:prstClr val="white"/>
-                  </a:solidFill>
-                  <a:effectLst/>
-                  <a:uLnTx/>
-                  <a:uFillTx/>
-                  <a:latin typeface="Calibri" panose="020F0502020204030204"/>
-                  <a:ea typeface="+mn-ea"/>
-                  <a:cs typeface="+mn-cs"/>
-                </a:rPr>
-                <a:t>CO2 Sensor</a:t>
-              </a:r>
-            </a:p>
-            <a:p>
-              <a:pPr marL="0" marR="0" lvl="0" indent="0" algn="ctr" defTabSz="914400" rtl="0" eaLnBrk="1" fontAlgn="auto" latinLnBrk="0" hangingPunct="1">
-                <a:lnSpc>
-                  <a:spcPct val="100000"/>
-                </a:lnSpc>
-                <a:spcBef>
-                  <a:spcPts val="0"/>
-                </a:spcBef>
-                <a:spcAft>
-                  <a:spcPts val="0"/>
-                </a:spcAft>
-                <a:buClrTx/>
-                <a:buSzTx/>
-                <a:buFontTx/>
-                <a:buNone/>
-                <a:tabLst/>
-                <a:defRPr/>
-              </a:pPr>
-              <a:r>
-                <a:rPr kumimoji="0" lang="nl-NL" sz="900" b="1" i="0" u="none" strike="noStrike" kern="1200" cap="none" spc="0" normalizeH="0" baseline="0" noProof="0" dirty="0" err="1">
-                  <a:ln>
-                    <a:noFill/>
-                  </a:ln>
-                  <a:solidFill>
-                    <a:prstClr val="white"/>
-                  </a:solidFill>
-                  <a:effectLst/>
-                  <a:uLnTx/>
-                  <a:uFillTx/>
-                  <a:latin typeface="Calibri" panose="020F0502020204030204"/>
-                  <a:ea typeface="+mn-ea"/>
-                  <a:cs typeface="+mn-cs"/>
-                </a:rPr>
-                <a:t>Simulation</a:t>
-              </a:r>
-              <a:endParaRPr kumimoji="0" lang="nl-NL" sz="900" b="1" i="0" u="none" strike="noStrike" kern="1200" cap="none" spc="0" normalizeH="0" baseline="0" noProof="0" dirty="0">
+              </a:rPr>
+              <a:t>Traffic</a:t>
+            </a:r>
+          </a:p>
+          <a:p>
+            <a:pPr marL="0" marR="0" lvl="0" indent="0" algn="ctr" defTabSz="914400" rtl="0" eaLnBrk="1" fontAlgn="auto" latinLnBrk="0" hangingPunct="1">
+              <a:lnSpc>
+                <a:spcPct val="100000"/>
+              </a:lnSpc>
+              <a:spcBef>
+                <a:spcPts val="0"/>
+              </a:spcBef>
+              <a:spcAft>
+                <a:spcPts val="0"/>
+              </a:spcAft>
+              <a:buClrTx/>
+              <a:buSzTx/>
+              <a:buFontTx/>
+              <a:buNone/>
+              <a:tabLst/>
+              <a:defRPr/>
+            </a:pPr>
+            <a:r>
+              <a:rPr kumimoji="0" lang="nl-NL" sz="900" b="1" i="0" u="none" strike="noStrike" kern="1200" cap="none" spc="0" normalizeH="0" baseline="0" noProof="0" dirty="0">
                 <a:ln>
                   <a:noFill/>
                 </a:ln>
@@ -14594,89 +13777,30 @@
                 <a:latin typeface="Calibri" panose="020F0502020204030204"/>
                 <a:ea typeface="+mn-ea"/>
                 <a:cs typeface="+mn-cs"/>
-              </a:endParaRPr>
-            </a:p>
-          </p:txBody>
-        </p:sp>
-        <p:sp>
-          <p:nvSpPr>
-            <p:cNvPr id="32" name="Rectangle 31">
-              <a:extLst>
-                <a:ext uri="{FF2B5EF4-FFF2-40B4-BE49-F238E27FC236}">
-                  <a16:creationId xmlns:a16="http://schemas.microsoft.com/office/drawing/2014/main" id="{CE11509D-3D5C-CE03-80A6-3126557720E8}"/>
-                </a:ext>
-              </a:extLst>
-            </p:cNvPr>
-            <p:cNvSpPr/>
-            <p:nvPr/>
-          </p:nvSpPr>
-          <p:spPr>
-            <a:xfrm>
-              <a:off x="9127038" y="3061586"/>
-              <a:ext cx="1555777" cy="796566"/>
-            </a:xfrm>
-            <a:prstGeom prst="rect">
-              <a:avLst/>
-            </a:prstGeom>
-            <a:solidFill>
-              <a:srgbClr val="0070C0"/>
-            </a:solidFill>
-          </p:spPr>
-          <p:style>
-            <a:lnRef idx="2">
-              <a:schemeClr val="accent1">
-                <a:shade val="50000"/>
-              </a:schemeClr>
-            </a:lnRef>
-            <a:fillRef idx="1">
-              <a:schemeClr val="accent1"/>
-            </a:fillRef>
-            <a:effectRef idx="0">
-              <a:schemeClr val="accent1"/>
-            </a:effectRef>
-            <a:fontRef idx="minor">
-              <a:schemeClr val="lt1"/>
-            </a:fontRef>
-          </p:style>
-          <p:txBody>
-            <a:bodyPr rtlCol="0" anchor="ctr"/>
-            <a:lstStyle/>
-            <a:p>
-              <a:pPr marL="0" marR="0" lvl="0" indent="0" algn="ctr" defTabSz="914400" rtl="0" eaLnBrk="1" fontAlgn="auto" latinLnBrk="0" hangingPunct="1">
-                <a:lnSpc>
-                  <a:spcPct val="100000"/>
-                </a:lnSpc>
-                <a:spcBef>
-                  <a:spcPts val="0"/>
-                </a:spcBef>
-                <a:spcAft>
-                  <a:spcPts val="0"/>
-                </a:spcAft>
-                <a:buClrTx/>
-                <a:buSzTx/>
-                <a:buFontTx/>
-                <a:buNone/>
-                <a:tabLst/>
-                <a:defRPr/>
-              </a:pPr>
-              <a:r>
-                <a:rPr kumimoji="0" lang="nl-NL" sz="900" b="1" i="0" u="none" strike="noStrike" kern="1200" cap="none" spc="0" normalizeH="0" baseline="0" noProof="0" dirty="0" err="1">
-                  <a:ln>
-                    <a:noFill/>
-                  </a:ln>
-                  <a:solidFill>
-                    <a:prstClr val="white"/>
-                  </a:solidFill>
-                  <a:effectLst/>
-                  <a:uLnTx/>
-                  <a:uFillTx/>
-                  <a:latin typeface="Calibri" panose="020F0502020204030204"/>
-                  <a:ea typeface="+mn-ea"/>
-                  <a:cs typeface="+mn-cs"/>
-                </a:rPr>
-                <a:t>Measurements</a:t>
-              </a:r>
-              <a:endParaRPr kumimoji="0" lang="nl-NL" sz="900" b="1" i="0" u="none" strike="noStrike" kern="1200" cap="none" spc="0" normalizeH="0" baseline="0" noProof="0" dirty="0">
+              </a:rPr>
+              <a:t>Control</a:t>
+            </a:r>
+          </a:p>
+          <a:p>
+            <a:pPr marL="0" marR="0" lvl="0" indent="0" algn="ctr" defTabSz="914400" rtl="0" eaLnBrk="1" fontAlgn="auto" latinLnBrk="0" hangingPunct="1">
+              <a:lnSpc>
+                <a:spcPct val="100000"/>
+              </a:lnSpc>
+              <a:spcBef>
+                <a:spcPts val="0"/>
+              </a:spcBef>
+              <a:spcAft>
+                <a:spcPts val="0"/>
+              </a:spcAft>
+              <a:buClrTx/>
+              <a:buSzTx/>
+              <a:buFontTx/>
+              <a:buNone/>
+              <a:tabLst/>
+              <a:defRPr/>
+            </a:pPr>
+            <a:r>
+              <a:rPr kumimoji="0" lang="nl-NL" sz="900" b="1" i="0" u="none" strike="noStrike" kern="1200" cap="none" spc="0" normalizeH="0" baseline="0" noProof="0" dirty="0">
                 <a:ln>
                   <a:noFill/>
                 </a:ln>
@@ -14689,131 +13813,89 @@
                 <a:latin typeface="Calibri" panose="020F0502020204030204"/>
                 <a:ea typeface="+mn-ea"/>
                 <a:cs typeface="+mn-cs"/>
-              </a:endParaRPr>
-            </a:p>
-            <a:p>
-              <a:pPr marL="0" marR="0" lvl="0" indent="0" algn="ctr" defTabSz="914400" rtl="0" eaLnBrk="1" fontAlgn="auto" latinLnBrk="0" hangingPunct="1">
-                <a:lnSpc>
-                  <a:spcPct val="100000"/>
-                </a:lnSpc>
-                <a:spcBef>
-                  <a:spcPts val="0"/>
-                </a:spcBef>
-                <a:spcAft>
-                  <a:spcPts val="0"/>
-                </a:spcAft>
-                <a:buClrTx/>
-                <a:buSzTx/>
-                <a:buFontTx/>
-                <a:buNone/>
-                <a:tabLst/>
-                <a:defRPr/>
-              </a:pPr>
-              <a:r>
-                <a:rPr kumimoji="0" lang="nl-NL" sz="900" b="1" i="0" u="none" strike="noStrike" kern="1200" cap="none" spc="0" normalizeH="0" baseline="0" noProof="0" dirty="0">
-                  <a:ln>
-                    <a:noFill/>
-                  </a:ln>
-                  <a:solidFill>
-                    <a:prstClr val="white"/>
-                  </a:solidFill>
-                  <a:effectLst/>
-                  <a:uLnTx/>
-                  <a:uFillTx/>
-                  <a:latin typeface="Calibri" panose="020F0502020204030204"/>
-                  <a:ea typeface="+mn-ea"/>
-                  <a:cs typeface="+mn-cs"/>
-                </a:rPr>
-                <a:t>Dashboard</a:t>
-              </a:r>
-            </a:p>
-          </p:txBody>
-        </p:sp>
-        <p:sp>
-          <p:nvSpPr>
-            <p:cNvPr id="42" name="Rectangle: Rounded Corners 41">
-              <a:extLst>
-                <a:ext uri="{FF2B5EF4-FFF2-40B4-BE49-F238E27FC236}">
-                  <a16:creationId xmlns:a16="http://schemas.microsoft.com/office/drawing/2014/main" id="{4B933A5D-757C-B9CD-A93E-F9369D497917}"/>
-                </a:ext>
-              </a:extLst>
-            </p:cNvPr>
-            <p:cNvSpPr/>
-            <p:nvPr/>
-          </p:nvSpPr>
-          <p:spPr>
-            <a:xfrm>
-              <a:off x="7755840" y="3321271"/>
-              <a:ext cx="937964" cy="273662"/>
-            </a:xfrm>
-            <a:prstGeom prst="roundRect">
-              <a:avLst>
-                <a:gd name="adj" fmla="val 50000"/>
-              </a:avLst>
-            </a:prstGeom>
-            <a:solidFill>
-              <a:srgbClr val="002060"/>
-            </a:solidFill>
-            <a:ln>
-              <a:noFill/>
-            </a:ln>
-          </p:spPr>
-          <p:style>
-            <a:lnRef idx="2">
-              <a:schemeClr val="accent6">
-                <a:shade val="50000"/>
-              </a:schemeClr>
-            </a:lnRef>
-            <a:fillRef idx="1">
-              <a:schemeClr val="accent6"/>
-            </a:fillRef>
-            <a:effectRef idx="0">
-              <a:schemeClr val="accent6"/>
-            </a:effectRef>
-            <a:fontRef idx="minor">
-              <a:schemeClr val="lt1"/>
-            </a:fontRef>
-          </p:style>
-          <p:txBody>
-            <a:bodyPr rtlCol="0" anchor="ctr"/>
-            <a:lstStyle/>
-            <a:p>
-              <a:pPr marL="0" marR="0" lvl="0" indent="0" defTabSz="914400" rtl="0" eaLnBrk="1" fontAlgn="auto" latinLnBrk="0" hangingPunct="1">
-                <a:lnSpc>
-                  <a:spcPct val="100000"/>
-                </a:lnSpc>
-                <a:spcBef>
-                  <a:spcPts val="0"/>
-                </a:spcBef>
-                <a:spcAft>
-                  <a:spcPts val="0"/>
-                </a:spcAft>
-                <a:buClrTx/>
-                <a:buSzTx/>
-                <a:buFontTx/>
-                <a:buNone/>
-                <a:tabLst/>
-                <a:defRPr/>
-              </a:pPr>
-              <a:r>
-                <a:rPr lang="nl-NL" sz="800" dirty="0">
-                  <a:solidFill>
-                    <a:prstClr val="white"/>
-                  </a:solidFill>
-                  <a:latin typeface="Calibri" panose="020F0502020204030204"/>
-                </a:rPr>
-                <a:t>/</a:t>
-              </a:r>
-              <a:r>
-                <a:rPr lang="nl-NL" sz="800" dirty="0" err="1">
-                  <a:solidFill>
-                    <a:prstClr val="white"/>
-                  </a:solidFill>
-                  <a:latin typeface="Calibri" panose="020F0502020204030204"/>
-                </a:rPr>
-                <a:t>metrics</a:t>
-              </a:r>
-              <a:endParaRPr kumimoji="0" lang="en-US" sz="800" b="0" i="0" u="none" strike="noStrike" kern="1200" cap="none" spc="0" normalizeH="0" baseline="0" noProof="0" dirty="0">
+              </a:rPr>
+              <a:t>Service</a:t>
+            </a:r>
+            <a:endParaRPr kumimoji="0" lang="en-US" sz="900" b="1" i="0" u="none" strike="noStrike" kern="1200" cap="none" spc="0" normalizeH="0" baseline="0" noProof="0" dirty="0">
+              <a:ln>
+                <a:noFill/>
+              </a:ln>
+              <a:solidFill>
+                <a:prstClr val="white"/>
+              </a:solidFill>
+              <a:effectLst/>
+              <a:uLnTx/>
+              <a:uFillTx/>
+              <a:latin typeface="Calibri" panose="020F0502020204030204"/>
+              <a:ea typeface="+mn-ea"/>
+              <a:cs typeface="+mn-cs"/>
+            </a:endParaRPr>
+          </a:p>
+        </p:txBody>
+      </p:sp>
+      <p:sp>
+        <p:nvSpPr>
+          <p:cNvPr id="28" name="Rectangle 27">
+            <a:extLst>
+              <a:ext uri="{FF2B5EF4-FFF2-40B4-BE49-F238E27FC236}">
+                <a16:creationId xmlns:a16="http://schemas.microsoft.com/office/drawing/2014/main" id="{855AFF49-FE7B-4CFC-B84E-E80F1C1D3BCF}"/>
+              </a:ext>
+            </a:extLst>
+          </p:cNvPr>
+          <p:cNvSpPr/>
+          <p:nvPr/>
+        </p:nvSpPr>
+        <p:spPr>
+          <a:xfrm>
+            <a:off x="5850529" y="3125827"/>
+            <a:ext cx="2055021" cy="673238"/>
+          </a:xfrm>
+          <a:prstGeom prst="rect">
+            <a:avLst/>
+          </a:prstGeom>
+          <a:solidFill>
+            <a:srgbClr val="0070C0"/>
+          </a:solidFill>
+        </p:spPr>
+        <p:style>
+          <a:lnRef idx="2">
+            <a:schemeClr val="accent1">
+              <a:shade val="50000"/>
+            </a:schemeClr>
+          </a:lnRef>
+          <a:fillRef idx="1">
+            <a:schemeClr val="accent1"/>
+          </a:fillRef>
+          <a:effectRef idx="0">
+            <a:schemeClr val="accent1"/>
+          </a:effectRef>
+          <a:fontRef idx="minor">
+            <a:schemeClr val="lt1"/>
+          </a:fontRef>
+        </p:style>
+        <p:txBody>
+          <a:bodyPr lIns="72000" rIns="0" rtlCol="0" anchor="ctr"/>
+          <a:lstStyle/>
+          <a:p>
+            <a:pPr marL="0" marR="0" lvl="0" indent="0" algn="ctr" defTabSz="914400" rtl="0" eaLnBrk="1" fontAlgn="auto" latinLnBrk="0" hangingPunct="1">
+              <a:lnSpc>
+                <a:spcPct val="100000"/>
+              </a:lnSpc>
+              <a:spcBef>
+                <a:spcPts val="0"/>
+              </a:spcBef>
+              <a:spcAft>
+                <a:spcPts val="0"/>
+              </a:spcAft>
+              <a:buClrTx/>
+              <a:buSzTx/>
+              <a:buFontTx/>
+              <a:buNone/>
+              <a:tabLst/>
+              <a:defRPr/>
+            </a:pPr>
+            <a:r>
+              <a:rPr kumimoji="0" lang="nl-NL" sz="900" b="1" i="0" u="none" strike="noStrike" kern="1200" cap="none" spc="0" normalizeH="0" baseline="0" noProof="0" dirty="0" err="1">
                 <a:ln>
                   <a:noFill/>
                 </a:ln>
@@ -14826,58 +13908,1018 @@
                 <a:latin typeface="Calibri" panose="020F0502020204030204"/>
                 <a:ea typeface="+mn-ea"/>
                 <a:cs typeface="+mn-cs"/>
-              </a:endParaRPr>
-            </a:p>
-          </p:txBody>
-        </p:sp>
-        <p:cxnSp>
-          <p:nvCxnSpPr>
-            <p:cNvPr id="45" name="Straight Arrow Connector 44">
-              <a:extLst>
-                <a:ext uri="{FF2B5EF4-FFF2-40B4-BE49-F238E27FC236}">
-                  <a16:creationId xmlns:a16="http://schemas.microsoft.com/office/drawing/2014/main" id="{5E471599-FF4C-0D25-F606-DBA989B060FA}"/>
-                </a:ext>
-              </a:extLst>
-            </p:cNvPr>
-            <p:cNvCxnSpPr>
-              <a:cxnSpLocks/>
-              <a:stCxn id="42" idx="3"/>
-              <a:endCxn id="32" idx="1"/>
-            </p:cNvCxnSpPr>
-            <p:nvPr/>
-          </p:nvCxnSpPr>
-          <p:spPr>
-            <a:xfrm>
-              <a:off x="8693804" y="3458102"/>
-              <a:ext cx="433234" cy="1767"/>
-            </a:xfrm>
-            <a:prstGeom prst="straightConnector1">
-              <a:avLst/>
-            </a:prstGeom>
-            <a:ln w="19050">
+              </a:rPr>
+              <a:t>Measurements</a:t>
+            </a:r>
+            <a:endParaRPr kumimoji="0" lang="nl-NL" sz="900" b="1" i="0" u="none" strike="noStrike" kern="1200" cap="none" spc="0" normalizeH="0" baseline="0" noProof="0" dirty="0">
+              <a:ln>
+                <a:noFill/>
+              </a:ln>
               <a:solidFill>
-                <a:schemeClr val="tx1"/>
+                <a:prstClr val="white"/>
               </a:solidFill>
-              <a:headEnd type="triangle" w="med" len="med"/>
-              <a:tailEnd type="none" w="med" len="med"/>
-            </a:ln>
-          </p:spPr>
-          <p:style>
-            <a:lnRef idx="1">
-              <a:schemeClr val="accent1"/>
-            </a:lnRef>
-            <a:fillRef idx="0">
-              <a:schemeClr val="accent1"/>
-            </a:fillRef>
-            <a:effectRef idx="0">
-              <a:schemeClr val="accent1"/>
-            </a:effectRef>
-            <a:fontRef idx="minor">
+              <a:effectLst/>
+              <a:uLnTx/>
+              <a:uFillTx/>
+              <a:latin typeface="Calibri" panose="020F0502020204030204"/>
+              <a:ea typeface="+mn-ea"/>
+              <a:cs typeface="+mn-cs"/>
+            </a:endParaRPr>
+          </a:p>
+          <a:p>
+            <a:pPr marL="0" marR="0" lvl="0" indent="0" algn="ctr" defTabSz="914400" rtl="0" eaLnBrk="1" fontAlgn="auto" latinLnBrk="0" hangingPunct="1">
+              <a:lnSpc>
+                <a:spcPct val="100000"/>
+              </a:lnSpc>
+              <a:spcBef>
+                <a:spcPts val="0"/>
+              </a:spcBef>
+              <a:spcAft>
+                <a:spcPts val="0"/>
+              </a:spcAft>
+              <a:buClrTx/>
+              <a:buSzTx/>
+              <a:buFontTx/>
+              <a:buNone/>
+              <a:tabLst/>
+              <a:defRPr/>
+            </a:pPr>
+            <a:r>
+              <a:rPr kumimoji="0" lang="nl-NL" sz="900" b="1" i="0" u="none" strike="noStrike" kern="1200" cap="none" spc="0" normalizeH="0" baseline="0" noProof="0" dirty="0">
+                <a:ln>
+                  <a:noFill/>
+                </a:ln>
+                <a:solidFill>
+                  <a:prstClr val="white"/>
+                </a:solidFill>
+                <a:effectLst/>
+                <a:uLnTx/>
+                <a:uFillTx/>
+                <a:latin typeface="Calibri" panose="020F0502020204030204"/>
+                <a:ea typeface="+mn-ea"/>
+                <a:cs typeface="+mn-cs"/>
+              </a:rPr>
+              <a:t>Service</a:t>
+            </a:r>
+            <a:endParaRPr kumimoji="0" lang="en-US" sz="900" b="1" i="0" u="none" strike="noStrike" kern="1200" cap="none" spc="0" normalizeH="0" baseline="0" noProof="0" dirty="0">
+              <a:ln>
+                <a:noFill/>
+              </a:ln>
+              <a:solidFill>
+                <a:prstClr val="white"/>
+              </a:solidFill>
+              <a:effectLst/>
+              <a:uLnTx/>
+              <a:uFillTx/>
+              <a:latin typeface="Calibri" panose="020F0502020204030204"/>
+              <a:ea typeface="+mn-ea"/>
+              <a:cs typeface="+mn-cs"/>
+            </a:endParaRPr>
+          </a:p>
+        </p:txBody>
+      </p:sp>
+      <p:sp>
+        <p:nvSpPr>
+          <p:cNvPr id="4" name="Rectangle: Rounded Corners 3">
+            <a:extLst>
+              <a:ext uri="{FF2B5EF4-FFF2-40B4-BE49-F238E27FC236}">
+                <a16:creationId xmlns:a16="http://schemas.microsoft.com/office/drawing/2014/main" id="{4A21F473-1306-4762-8A76-D6E31EAD2161}"/>
+              </a:ext>
+            </a:extLst>
+          </p:cNvPr>
+          <p:cNvSpPr/>
+          <p:nvPr/>
+        </p:nvSpPr>
+        <p:spPr>
+          <a:xfrm>
+            <a:off x="3295059" y="2832141"/>
+            <a:ext cx="745362" cy="231293"/>
+          </a:xfrm>
+          <a:prstGeom prst="roundRect">
+            <a:avLst>
+              <a:gd name="adj" fmla="val 50000"/>
+            </a:avLst>
+          </a:prstGeom>
+          <a:solidFill>
+            <a:srgbClr val="002060"/>
+          </a:solidFill>
+          <a:ln>
+            <a:noFill/>
+          </a:ln>
+        </p:spPr>
+        <p:style>
+          <a:lnRef idx="2">
+            <a:schemeClr val="accent6">
+              <a:shade val="50000"/>
+            </a:schemeClr>
+          </a:lnRef>
+          <a:fillRef idx="1">
+            <a:schemeClr val="accent6"/>
+          </a:fillRef>
+          <a:effectRef idx="0">
+            <a:schemeClr val="accent6"/>
+          </a:effectRef>
+          <a:fontRef idx="minor">
+            <a:schemeClr val="lt1"/>
+          </a:fontRef>
+        </p:style>
+        <p:txBody>
+          <a:bodyPr rtlCol="0" anchor="ctr"/>
+          <a:lstStyle/>
+          <a:p>
+            <a:pPr marL="0" marR="0" lvl="0" indent="0" defTabSz="914400" rtl="0" eaLnBrk="1" fontAlgn="auto" latinLnBrk="0" hangingPunct="1">
+              <a:lnSpc>
+                <a:spcPct val="100000"/>
+              </a:lnSpc>
+              <a:spcBef>
+                <a:spcPts val="0"/>
+              </a:spcBef>
+              <a:spcAft>
+                <a:spcPts val="0"/>
+              </a:spcAft>
+              <a:buClrTx/>
+              <a:buSzTx/>
+              <a:buFontTx/>
+              <a:buNone/>
+              <a:tabLst/>
+              <a:defRPr/>
+            </a:pPr>
+            <a:r>
+              <a:rPr kumimoji="0" lang="nl-NL" sz="800" b="0" i="0" u="none" strike="noStrike" kern="1200" cap="none" spc="0" normalizeH="0" baseline="0" noProof="0" dirty="0">
+                <a:ln>
+                  <a:noFill/>
+                </a:ln>
+                <a:solidFill>
+                  <a:prstClr val="white"/>
+                </a:solidFill>
+                <a:effectLst/>
+                <a:uLnTx/>
+                <a:uFillTx/>
+                <a:latin typeface="Calibri" panose="020F0502020204030204"/>
+                <a:ea typeface="+mn-ea"/>
+                <a:cs typeface="+mn-cs"/>
+              </a:rPr>
+              <a:t>/</a:t>
+            </a:r>
+            <a:r>
+              <a:rPr kumimoji="0" lang="nl-NL" sz="800" b="0" i="0" u="none" strike="noStrike" kern="1200" cap="none" spc="0" normalizeH="0" baseline="0" noProof="0" dirty="0" err="1">
+                <a:ln>
+                  <a:noFill/>
+                </a:ln>
+                <a:solidFill>
+                  <a:prstClr val="white"/>
+                </a:solidFill>
+                <a:effectLst/>
+                <a:uLnTx/>
+                <a:uFillTx/>
+                <a:latin typeface="Calibri" panose="020F0502020204030204"/>
+                <a:ea typeface="+mn-ea"/>
+                <a:cs typeface="+mn-cs"/>
+              </a:rPr>
+              <a:t>entrycam</a:t>
+            </a:r>
+            <a:endParaRPr kumimoji="0" lang="en-US" sz="800" b="0" i="0" u="none" strike="noStrike" kern="1200" cap="none" spc="0" normalizeH="0" baseline="0" noProof="0" dirty="0">
+              <a:ln>
+                <a:noFill/>
+              </a:ln>
+              <a:solidFill>
+                <a:prstClr val="white"/>
+              </a:solidFill>
+              <a:effectLst/>
+              <a:uLnTx/>
+              <a:uFillTx/>
+              <a:latin typeface="Calibri" panose="020F0502020204030204"/>
+              <a:ea typeface="+mn-ea"/>
+              <a:cs typeface="+mn-cs"/>
+            </a:endParaRPr>
+          </a:p>
+        </p:txBody>
+      </p:sp>
+      <p:sp>
+        <p:nvSpPr>
+          <p:cNvPr id="29" name="Rectangle: Rounded Corners 28">
+            <a:extLst>
+              <a:ext uri="{FF2B5EF4-FFF2-40B4-BE49-F238E27FC236}">
+                <a16:creationId xmlns:a16="http://schemas.microsoft.com/office/drawing/2014/main" id="{45E11952-9BB9-456F-AE51-F0E5037206D4}"/>
+              </a:ext>
+            </a:extLst>
+          </p:cNvPr>
+          <p:cNvSpPr/>
+          <p:nvPr/>
+        </p:nvSpPr>
+        <p:spPr>
+          <a:xfrm>
+            <a:off x="3295059" y="3127319"/>
+            <a:ext cx="745362" cy="231293"/>
+          </a:xfrm>
+          <a:prstGeom prst="roundRect">
+            <a:avLst>
+              <a:gd name="adj" fmla="val 50000"/>
+            </a:avLst>
+          </a:prstGeom>
+          <a:solidFill>
+            <a:srgbClr val="002060"/>
+          </a:solidFill>
+          <a:ln>
+            <a:noFill/>
+          </a:ln>
+        </p:spPr>
+        <p:style>
+          <a:lnRef idx="2">
+            <a:schemeClr val="accent6">
+              <a:shade val="50000"/>
+            </a:schemeClr>
+          </a:lnRef>
+          <a:fillRef idx="1">
+            <a:schemeClr val="accent6"/>
+          </a:fillRef>
+          <a:effectRef idx="0">
+            <a:schemeClr val="accent6"/>
+          </a:effectRef>
+          <a:fontRef idx="minor">
+            <a:schemeClr val="lt1"/>
+          </a:fontRef>
+        </p:style>
+        <p:txBody>
+          <a:bodyPr rtlCol="0" anchor="ctr"/>
+          <a:lstStyle/>
+          <a:p>
+            <a:pPr marL="0" marR="0" lvl="0" indent="0" defTabSz="914400" rtl="0" eaLnBrk="1" fontAlgn="auto" latinLnBrk="0" hangingPunct="1">
+              <a:lnSpc>
+                <a:spcPct val="100000"/>
+              </a:lnSpc>
+              <a:spcBef>
+                <a:spcPts val="0"/>
+              </a:spcBef>
+              <a:spcAft>
+                <a:spcPts val="0"/>
+              </a:spcAft>
+              <a:buClrTx/>
+              <a:buSzTx/>
+              <a:buFontTx/>
+              <a:buNone/>
+              <a:tabLst/>
+              <a:defRPr/>
+            </a:pPr>
+            <a:r>
+              <a:rPr kumimoji="0" lang="nl-NL" sz="800" b="0" i="0" u="none" strike="noStrike" kern="1200" cap="none" spc="0" normalizeH="0" baseline="0" noProof="0" dirty="0">
+                <a:ln>
+                  <a:noFill/>
+                </a:ln>
+                <a:solidFill>
+                  <a:prstClr val="white"/>
+                </a:solidFill>
+                <a:effectLst/>
+                <a:uLnTx/>
+                <a:uFillTx/>
+                <a:latin typeface="Calibri" panose="020F0502020204030204"/>
+                <a:ea typeface="+mn-ea"/>
+                <a:cs typeface="+mn-cs"/>
+              </a:rPr>
+              <a:t>/</a:t>
+            </a:r>
+            <a:r>
+              <a:rPr kumimoji="0" lang="nl-NL" sz="800" b="0" i="0" u="none" strike="noStrike" kern="1200" cap="none" spc="0" normalizeH="0" baseline="0" noProof="0" dirty="0" err="1">
+                <a:ln>
+                  <a:noFill/>
+                </a:ln>
+                <a:solidFill>
+                  <a:prstClr val="white"/>
+                </a:solidFill>
+                <a:effectLst/>
+                <a:uLnTx/>
+                <a:uFillTx/>
+                <a:latin typeface="Calibri" panose="020F0502020204030204"/>
+                <a:ea typeface="+mn-ea"/>
+                <a:cs typeface="+mn-cs"/>
+              </a:rPr>
+              <a:t>exitcam</a:t>
+            </a:r>
+            <a:endParaRPr kumimoji="0" lang="en-US" sz="800" b="0" i="0" u="none" strike="noStrike" kern="1200" cap="none" spc="0" normalizeH="0" baseline="0" noProof="0" dirty="0">
+              <a:ln>
+                <a:noFill/>
+              </a:ln>
+              <a:solidFill>
+                <a:prstClr val="white"/>
+              </a:solidFill>
+              <a:effectLst/>
+              <a:uLnTx/>
+              <a:uFillTx/>
+              <a:latin typeface="Calibri" panose="020F0502020204030204"/>
+              <a:ea typeface="+mn-ea"/>
+              <a:cs typeface="+mn-cs"/>
+            </a:endParaRPr>
+          </a:p>
+        </p:txBody>
+      </p:sp>
+      <p:sp>
+        <p:nvSpPr>
+          <p:cNvPr id="31" name="Rectangle: Rounded Corners 30">
+            <a:extLst>
+              <a:ext uri="{FF2B5EF4-FFF2-40B4-BE49-F238E27FC236}">
+                <a16:creationId xmlns:a16="http://schemas.microsoft.com/office/drawing/2014/main" id="{8BE3FE1E-9AF8-4982-A76E-71DF12239796}"/>
+              </a:ext>
+            </a:extLst>
+          </p:cNvPr>
+          <p:cNvSpPr/>
+          <p:nvPr/>
+        </p:nvSpPr>
+        <p:spPr>
+          <a:xfrm>
+            <a:off x="5491426" y="3194850"/>
+            <a:ext cx="915334" cy="231293"/>
+          </a:xfrm>
+          <a:prstGeom prst="roundRect">
+            <a:avLst>
+              <a:gd name="adj" fmla="val 50000"/>
+            </a:avLst>
+          </a:prstGeom>
+          <a:solidFill>
+            <a:srgbClr val="002060"/>
+          </a:solidFill>
+          <a:ln>
+            <a:noFill/>
+          </a:ln>
+        </p:spPr>
+        <p:style>
+          <a:lnRef idx="2">
+            <a:schemeClr val="accent6">
+              <a:shade val="50000"/>
+            </a:schemeClr>
+          </a:lnRef>
+          <a:fillRef idx="1">
+            <a:schemeClr val="accent6"/>
+          </a:fillRef>
+          <a:effectRef idx="0">
+            <a:schemeClr val="accent6"/>
+          </a:effectRef>
+          <a:fontRef idx="minor">
+            <a:schemeClr val="lt1"/>
+          </a:fontRef>
+        </p:style>
+        <p:txBody>
+          <a:bodyPr rtlCol="0" anchor="ctr"/>
+          <a:lstStyle/>
+          <a:p>
+            <a:pPr marL="0" marR="0" lvl="0" indent="0" defTabSz="914400" rtl="0" eaLnBrk="1" fontAlgn="auto" latinLnBrk="0" hangingPunct="1">
+              <a:lnSpc>
+                <a:spcPct val="100000"/>
+              </a:lnSpc>
+              <a:spcBef>
+                <a:spcPts val="0"/>
+              </a:spcBef>
+              <a:spcAft>
+                <a:spcPts val="0"/>
+              </a:spcAft>
+              <a:buClrTx/>
+              <a:buSzTx/>
+              <a:buFontTx/>
+              <a:buNone/>
+              <a:tabLst/>
+              <a:defRPr/>
+            </a:pPr>
+            <a:r>
+              <a:rPr lang="nl-NL" sz="800" dirty="0">
+                <a:solidFill>
+                  <a:prstClr val="white"/>
+                </a:solidFill>
+                <a:latin typeface="Calibri" panose="020F0502020204030204"/>
+              </a:rPr>
+              <a:t>/</a:t>
+            </a:r>
+            <a:r>
+              <a:rPr lang="nl-NL" sz="800" dirty="0" err="1">
+                <a:solidFill>
+                  <a:prstClr val="white"/>
+                </a:solidFill>
+                <a:latin typeface="Calibri" panose="020F0502020204030204"/>
+              </a:rPr>
+              <a:t>averageSpeed</a:t>
+            </a:r>
+            <a:endParaRPr kumimoji="0" lang="en-US" sz="800" b="0" i="0" u="none" strike="noStrike" kern="1200" cap="none" spc="0" normalizeH="0" baseline="0" noProof="0" dirty="0">
+              <a:ln>
+                <a:noFill/>
+              </a:ln>
+              <a:solidFill>
+                <a:prstClr val="white"/>
+              </a:solidFill>
+              <a:effectLst/>
+              <a:uLnTx/>
+              <a:uFillTx/>
+              <a:latin typeface="Calibri" panose="020F0502020204030204"/>
+              <a:ea typeface="+mn-ea"/>
+              <a:cs typeface="+mn-cs"/>
+            </a:endParaRPr>
+          </a:p>
+        </p:txBody>
+      </p:sp>
+      <p:cxnSp>
+        <p:nvCxnSpPr>
+          <p:cNvPr id="7" name="Straight Arrow Connector 6">
+            <a:extLst>
+              <a:ext uri="{FF2B5EF4-FFF2-40B4-BE49-F238E27FC236}">
+                <a16:creationId xmlns:a16="http://schemas.microsoft.com/office/drawing/2014/main" id="{9D2F5525-B012-456D-BFBA-EBADDC2208E2}"/>
+              </a:ext>
+            </a:extLst>
+          </p:cNvPr>
+          <p:cNvCxnSpPr>
+            <a:cxnSpLocks/>
+            <a:stCxn id="3" idx="3"/>
+            <a:endCxn id="4" idx="1"/>
+          </p:cNvCxnSpPr>
+          <p:nvPr/>
+        </p:nvCxnSpPr>
+        <p:spPr>
+          <a:xfrm flipV="1">
+            <a:off x="2816953" y="2947787"/>
+            <a:ext cx="478107" cy="153442"/>
+          </a:xfrm>
+          <a:prstGeom prst="straightConnector1">
+            <a:avLst/>
+          </a:prstGeom>
+          <a:ln w="19050">
+            <a:solidFill>
               <a:schemeClr val="tx1"/>
-            </a:fontRef>
-          </p:style>
-        </p:cxnSp>
-      </p:grpSp>
+            </a:solidFill>
+            <a:tailEnd type="triangle"/>
+          </a:ln>
+        </p:spPr>
+        <p:style>
+          <a:lnRef idx="1">
+            <a:schemeClr val="accent1"/>
+          </a:lnRef>
+          <a:fillRef idx="0">
+            <a:schemeClr val="accent1"/>
+          </a:fillRef>
+          <a:effectRef idx="0">
+            <a:schemeClr val="accent1"/>
+          </a:effectRef>
+          <a:fontRef idx="minor">
+            <a:schemeClr val="tx1"/>
+          </a:fontRef>
+        </p:style>
+      </p:cxnSp>
+      <p:cxnSp>
+        <p:nvCxnSpPr>
+          <p:cNvPr id="34" name="Straight Arrow Connector 33">
+            <a:extLst>
+              <a:ext uri="{FF2B5EF4-FFF2-40B4-BE49-F238E27FC236}">
+                <a16:creationId xmlns:a16="http://schemas.microsoft.com/office/drawing/2014/main" id="{2751A23B-3249-4DF6-A4C4-797B4935C539}"/>
+              </a:ext>
+            </a:extLst>
+          </p:cNvPr>
+          <p:cNvCxnSpPr>
+            <a:cxnSpLocks/>
+            <a:stCxn id="3" idx="3"/>
+            <a:endCxn id="29" idx="1"/>
+          </p:cNvCxnSpPr>
+          <p:nvPr/>
+        </p:nvCxnSpPr>
+        <p:spPr>
+          <a:xfrm>
+            <a:off x="2816953" y="3101229"/>
+            <a:ext cx="478107" cy="141736"/>
+          </a:xfrm>
+          <a:prstGeom prst="straightConnector1">
+            <a:avLst/>
+          </a:prstGeom>
+          <a:ln w="19050">
+            <a:solidFill>
+              <a:schemeClr val="tx1"/>
+            </a:solidFill>
+            <a:tailEnd type="triangle"/>
+          </a:ln>
+        </p:spPr>
+        <p:style>
+          <a:lnRef idx="1">
+            <a:schemeClr val="accent1"/>
+          </a:lnRef>
+          <a:fillRef idx="0">
+            <a:schemeClr val="accent1"/>
+          </a:fillRef>
+          <a:effectRef idx="0">
+            <a:schemeClr val="accent1"/>
+          </a:effectRef>
+          <a:fontRef idx="minor">
+            <a:schemeClr val="tx1"/>
+          </a:fontRef>
+        </p:style>
+      </p:cxnSp>
+      <p:cxnSp>
+        <p:nvCxnSpPr>
+          <p:cNvPr id="40" name="Straight Arrow Connector 39">
+            <a:extLst>
+              <a:ext uri="{FF2B5EF4-FFF2-40B4-BE49-F238E27FC236}">
+                <a16:creationId xmlns:a16="http://schemas.microsoft.com/office/drawing/2014/main" id="{8F0D0570-9E5C-4D3F-8C69-7492819819CA}"/>
+              </a:ext>
+            </a:extLst>
+          </p:cNvPr>
+          <p:cNvCxnSpPr>
+            <a:cxnSpLocks/>
+            <a:stCxn id="27" idx="3"/>
+            <a:endCxn id="31" idx="1"/>
+          </p:cNvCxnSpPr>
+          <p:nvPr/>
+        </p:nvCxnSpPr>
+        <p:spPr>
+          <a:xfrm>
+            <a:off x="4672084" y="3101230"/>
+            <a:ext cx="819342" cy="209268"/>
+          </a:xfrm>
+          <a:prstGeom prst="bentConnector3">
+            <a:avLst>
+              <a:gd name="adj1" fmla="val 50000"/>
+            </a:avLst>
+          </a:prstGeom>
+          <a:ln w="19050">
+            <a:solidFill>
+              <a:schemeClr val="tx1"/>
+            </a:solidFill>
+            <a:tailEnd type="triangle"/>
+          </a:ln>
+        </p:spPr>
+        <p:style>
+          <a:lnRef idx="1">
+            <a:schemeClr val="accent1"/>
+          </a:lnRef>
+          <a:fillRef idx="0">
+            <a:schemeClr val="accent1"/>
+          </a:fillRef>
+          <a:effectRef idx="0">
+            <a:schemeClr val="accent1"/>
+          </a:effectRef>
+          <a:fontRef idx="minor">
+            <a:schemeClr val="tx1"/>
+          </a:fontRef>
+        </p:style>
+      </p:cxnSp>
+      <p:sp>
+        <p:nvSpPr>
+          <p:cNvPr id="6" name="Rectangle: Rounded Corners 5">
+            <a:extLst>
+              <a:ext uri="{FF2B5EF4-FFF2-40B4-BE49-F238E27FC236}">
+                <a16:creationId xmlns:a16="http://schemas.microsoft.com/office/drawing/2014/main" id="{69AA8C8D-3649-18C2-0565-0BA30408B933}"/>
+              </a:ext>
+            </a:extLst>
+          </p:cNvPr>
+          <p:cNvSpPr/>
+          <p:nvPr/>
+        </p:nvSpPr>
+        <p:spPr>
+          <a:xfrm>
+            <a:off x="5491426" y="3487244"/>
+            <a:ext cx="915334" cy="231293"/>
+          </a:xfrm>
+          <a:prstGeom prst="roundRect">
+            <a:avLst>
+              <a:gd name="adj" fmla="val 50000"/>
+            </a:avLst>
+          </a:prstGeom>
+          <a:solidFill>
+            <a:srgbClr val="002060"/>
+          </a:solidFill>
+          <a:ln>
+            <a:noFill/>
+          </a:ln>
+        </p:spPr>
+        <p:style>
+          <a:lnRef idx="2">
+            <a:schemeClr val="accent6">
+              <a:shade val="50000"/>
+            </a:schemeClr>
+          </a:lnRef>
+          <a:fillRef idx="1">
+            <a:schemeClr val="accent6"/>
+          </a:fillRef>
+          <a:effectRef idx="0">
+            <a:schemeClr val="accent6"/>
+          </a:effectRef>
+          <a:fontRef idx="minor">
+            <a:schemeClr val="lt1"/>
+          </a:fontRef>
+        </p:style>
+        <p:txBody>
+          <a:bodyPr rtlCol="0" anchor="ctr"/>
+          <a:lstStyle/>
+          <a:p>
+            <a:pPr marL="0" marR="0" lvl="0" indent="0" defTabSz="914400" rtl="0" eaLnBrk="1" fontAlgn="auto" latinLnBrk="0" hangingPunct="1">
+              <a:lnSpc>
+                <a:spcPct val="100000"/>
+              </a:lnSpc>
+              <a:spcBef>
+                <a:spcPts val="0"/>
+              </a:spcBef>
+              <a:spcAft>
+                <a:spcPts val="0"/>
+              </a:spcAft>
+              <a:buClrTx/>
+              <a:buSzTx/>
+              <a:buFontTx/>
+              <a:buNone/>
+              <a:tabLst/>
+              <a:defRPr/>
+            </a:pPr>
+            <a:r>
+              <a:rPr lang="nl-NL" sz="800" dirty="0">
+                <a:solidFill>
+                  <a:prstClr val="white"/>
+                </a:solidFill>
+                <a:latin typeface="Calibri" panose="020F0502020204030204"/>
+              </a:rPr>
+              <a:t>/co2Level</a:t>
+            </a:r>
+            <a:endParaRPr kumimoji="0" lang="en-US" sz="800" b="0" i="0" u="none" strike="noStrike" kern="1200" cap="none" spc="0" normalizeH="0" baseline="0" noProof="0" dirty="0">
+              <a:ln>
+                <a:noFill/>
+              </a:ln>
+              <a:solidFill>
+                <a:prstClr val="white"/>
+              </a:solidFill>
+              <a:effectLst/>
+              <a:uLnTx/>
+              <a:uFillTx/>
+              <a:latin typeface="Calibri" panose="020F0502020204030204"/>
+              <a:ea typeface="+mn-ea"/>
+              <a:cs typeface="+mn-cs"/>
+            </a:endParaRPr>
+          </a:p>
+        </p:txBody>
+      </p:sp>
+      <p:cxnSp>
+        <p:nvCxnSpPr>
+          <p:cNvPr id="8" name="Straight Arrow Connector 7">
+            <a:extLst>
+              <a:ext uri="{FF2B5EF4-FFF2-40B4-BE49-F238E27FC236}">
+                <a16:creationId xmlns:a16="http://schemas.microsoft.com/office/drawing/2014/main" id="{B458D0F6-E762-A6E5-797D-E7B4166B6A66}"/>
+              </a:ext>
+            </a:extLst>
+          </p:cNvPr>
+          <p:cNvCxnSpPr>
+            <a:cxnSpLocks/>
+            <a:stCxn id="11" idx="3"/>
+            <a:endCxn id="6" idx="1"/>
+          </p:cNvCxnSpPr>
+          <p:nvPr/>
+        </p:nvCxnSpPr>
+        <p:spPr>
+          <a:xfrm flipV="1">
+            <a:off x="2724238" y="3602891"/>
+            <a:ext cx="2767188" cy="325020"/>
+          </a:xfrm>
+          <a:prstGeom prst="bentConnector3">
+            <a:avLst>
+              <a:gd name="adj1" fmla="val 84988"/>
+            </a:avLst>
+          </a:prstGeom>
+          <a:ln w="19050">
+            <a:solidFill>
+              <a:schemeClr val="tx1"/>
+            </a:solidFill>
+            <a:tailEnd type="triangle"/>
+          </a:ln>
+        </p:spPr>
+        <p:style>
+          <a:lnRef idx="1">
+            <a:schemeClr val="accent1"/>
+          </a:lnRef>
+          <a:fillRef idx="0">
+            <a:schemeClr val="accent1"/>
+          </a:fillRef>
+          <a:effectRef idx="0">
+            <a:schemeClr val="accent1"/>
+          </a:effectRef>
+          <a:fontRef idx="minor">
+            <a:schemeClr val="tx1"/>
+          </a:fontRef>
+        </p:style>
+      </p:cxnSp>
+      <p:sp>
+        <p:nvSpPr>
+          <p:cNvPr id="11" name="Rectangle 10">
+            <a:extLst>
+              <a:ext uri="{FF2B5EF4-FFF2-40B4-BE49-F238E27FC236}">
+                <a16:creationId xmlns:a16="http://schemas.microsoft.com/office/drawing/2014/main" id="{8CC6B7FE-3D49-7D7C-BF93-C8E7963D5FE8}"/>
+              </a:ext>
+            </a:extLst>
+          </p:cNvPr>
+          <p:cNvSpPr>
+            <a:spLocks/>
+          </p:cNvSpPr>
+          <p:nvPr/>
+        </p:nvSpPr>
+        <p:spPr>
+          <a:xfrm>
+            <a:off x="1796267" y="3591291"/>
+            <a:ext cx="927971" cy="673239"/>
+          </a:xfrm>
+          <a:prstGeom prst="rect">
+            <a:avLst/>
+          </a:prstGeom>
+          <a:solidFill>
+            <a:srgbClr val="7030A0"/>
+          </a:solidFill>
+          <a:ln>
+            <a:solidFill>
+              <a:schemeClr val="tx1"/>
+            </a:solidFill>
+          </a:ln>
+        </p:spPr>
+        <p:style>
+          <a:lnRef idx="2">
+            <a:schemeClr val="accent1">
+              <a:shade val="50000"/>
+            </a:schemeClr>
+          </a:lnRef>
+          <a:fillRef idx="1">
+            <a:schemeClr val="accent1"/>
+          </a:fillRef>
+          <a:effectRef idx="0">
+            <a:schemeClr val="accent1"/>
+          </a:effectRef>
+          <a:fontRef idx="minor">
+            <a:schemeClr val="lt1"/>
+          </a:fontRef>
+        </p:style>
+        <p:txBody>
+          <a:bodyPr rtlCol="0" anchor="ctr"/>
+          <a:lstStyle/>
+          <a:p>
+            <a:pPr marL="0" marR="0" lvl="0" indent="0" algn="ctr" defTabSz="914400" rtl="0" eaLnBrk="1" fontAlgn="auto" latinLnBrk="0" hangingPunct="1">
+              <a:lnSpc>
+                <a:spcPct val="100000"/>
+              </a:lnSpc>
+              <a:spcBef>
+                <a:spcPts val="0"/>
+              </a:spcBef>
+              <a:spcAft>
+                <a:spcPts val="0"/>
+              </a:spcAft>
+              <a:buClrTx/>
+              <a:buSzTx/>
+              <a:buFontTx/>
+              <a:buNone/>
+              <a:tabLst/>
+              <a:defRPr/>
+            </a:pPr>
+            <a:r>
+              <a:rPr kumimoji="0" lang="nl-NL" sz="900" b="1" i="0" u="none" strike="noStrike" kern="1200" cap="none" spc="0" normalizeH="0" baseline="0" noProof="0" dirty="0">
+                <a:ln>
+                  <a:noFill/>
+                </a:ln>
+                <a:solidFill>
+                  <a:prstClr val="white"/>
+                </a:solidFill>
+                <a:effectLst/>
+                <a:uLnTx/>
+                <a:uFillTx/>
+                <a:latin typeface="Calibri" panose="020F0502020204030204"/>
+                <a:ea typeface="+mn-ea"/>
+                <a:cs typeface="+mn-cs"/>
+              </a:rPr>
+              <a:t>CO2 Sensor</a:t>
+            </a:r>
+          </a:p>
+          <a:p>
+            <a:pPr marL="0" marR="0" lvl="0" indent="0" algn="ctr" defTabSz="914400" rtl="0" eaLnBrk="1" fontAlgn="auto" latinLnBrk="0" hangingPunct="1">
+              <a:lnSpc>
+                <a:spcPct val="100000"/>
+              </a:lnSpc>
+              <a:spcBef>
+                <a:spcPts val="0"/>
+              </a:spcBef>
+              <a:spcAft>
+                <a:spcPts val="0"/>
+              </a:spcAft>
+              <a:buClrTx/>
+              <a:buSzTx/>
+              <a:buFontTx/>
+              <a:buNone/>
+              <a:tabLst/>
+              <a:defRPr/>
+            </a:pPr>
+            <a:r>
+              <a:rPr kumimoji="0" lang="nl-NL" sz="900" b="1" i="0" u="none" strike="noStrike" kern="1200" cap="none" spc="0" normalizeH="0" baseline="0" noProof="0" dirty="0" err="1">
+                <a:ln>
+                  <a:noFill/>
+                </a:ln>
+                <a:solidFill>
+                  <a:prstClr val="white"/>
+                </a:solidFill>
+                <a:effectLst/>
+                <a:uLnTx/>
+                <a:uFillTx/>
+                <a:latin typeface="Calibri" panose="020F0502020204030204"/>
+                <a:ea typeface="+mn-ea"/>
+                <a:cs typeface="+mn-cs"/>
+              </a:rPr>
+              <a:t>Simulation</a:t>
+            </a:r>
+            <a:endParaRPr kumimoji="0" lang="nl-NL" sz="900" b="1" i="0" u="none" strike="noStrike" kern="1200" cap="none" spc="0" normalizeH="0" baseline="0" noProof="0" dirty="0">
+              <a:ln>
+                <a:noFill/>
+              </a:ln>
+              <a:solidFill>
+                <a:prstClr val="white"/>
+              </a:solidFill>
+              <a:effectLst/>
+              <a:uLnTx/>
+              <a:uFillTx/>
+              <a:latin typeface="Calibri" panose="020F0502020204030204"/>
+              <a:ea typeface="+mn-ea"/>
+              <a:cs typeface="+mn-cs"/>
+            </a:endParaRPr>
+          </a:p>
+        </p:txBody>
+      </p:sp>
+      <p:sp>
+        <p:nvSpPr>
+          <p:cNvPr id="42" name="Rectangle: Rounded Corners 41">
+            <a:extLst>
+              <a:ext uri="{FF2B5EF4-FFF2-40B4-BE49-F238E27FC236}">
+                <a16:creationId xmlns:a16="http://schemas.microsoft.com/office/drawing/2014/main" id="{4B933A5D-757C-B9CD-A93E-F9369D497917}"/>
+              </a:ext>
+            </a:extLst>
+          </p:cNvPr>
+          <p:cNvSpPr/>
+          <p:nvPr/>
+        </p:nvSpPr>
+        <p:spPr>
+          <a:xfrm>
+            <a:off x="7446385" y="3346799"/>
+            <a:ext cx="792746" cy="231293"/>
+          </a:xfrm>
+          <a:prstGeom prst="roundRect">
+            <a:avLst>
+              <a:gd name="adj" fmla="val 50000"/>
+            </a:avLst>
+          </a:prstGeom>
+          <a:solidFill>
+            <a:srgbClr val="002060"/>
+          </a:solidFill>
+          <a:ln>
+            <a:noFill/>
+          </a:ln>
+        </p:spPr>
+        <p:style>
+          <a:lnRef idx="2">
+            <a:schemeClr val="accent6">
+              <a:shade val="50000"/>
+            </a:schemeClr>
+          </a:lnRef>
+          <a:fillRef idx="1">
+            <a:schemeClr val="accent6"/>
+          </a:fillRef>
+          <a:effectRef idx="0">
+            <a:schemeClr val="accent6"/>
+          </a:effectRef>
+          <a:fontRef idx="minor">
+            <a:schemeClr val="lt1"/>
+          </a:fontRef>
+        </p:style>
+        <p:txBody>
+          <a:bodyPr rtlCol="0" anchor="ctr"/>
+          <a:lstStyle/>
+          <a:p>
+            <a:pPr marL="0" marR="0" lvl="0" indent="0" defTabSz="914400" rtl="0" eaLnBrk="1" fontAlgn="auto" latinLnBrk="0" hangingPunct="1">
+              <a:lnSpc>
+                <a:spcPct val="100000"/>
+              </a:lnSpc>
+              <a:spcBef>
+                <a:spcPts val="0"/>
+              </a:spcBef>
+              <a:spcAft>
+                <a:spcPts val="0"/>
+              </a:spcAft>
+              <a:buClrTx/>
+              <a:buSzTx/>
+              <a:buFontTx/>
+              <a:buNone/>
+              <a:tabLst/>
+              <a:defRPr/>
+            </a:pPr>
+            <a:r>
+              <a:rPr lang="nl-NL" sz="800" dirty="0">
+                <a:solidFill>
+                  <a:prstClr val="white"/>
+                </a:solidFill>
+                <a:latin typeface="Calibri" panose="020F0502020204030204"/>
+              </a:rPr>
+              <a:t>/</a:t>
+            </a:r>
+            <a:r>
+              <a:rPr lang="nl-NL" sz="800" dirty="0" err="1">
+                <a:solidFill>
+                  <a:prstClr val="white"/>
+                </a:solidFill>
+                <a:latin typeface="Calibri" panose="020F0502020204030204"/>
+              </a:rPr>
+              <a:t>metrics</a:t>
+            </a:r>
+            <a:endParaRPr kumimoji="0" lang="en-US" sz="800" b="0" i="0" u="none" strike="noStrike" kern="1200" cap="none" spc="0" normalizeH="0" baseline="0" noProof="0" dirty="0">
+              <a:ln>
+                <a:noFill/>
+              </a:ln>
+              <a:solidFill>
+                <a:prstClr val="white"/>
+              </a:solidFill>
+              <a:effectLst/>
+              <a:uLnTx/>
+              <a:uFillTx/>
+              <a:latin typeface="Calibri" panose="020F0502020204030204"/>
+              <a:ea typeface="+mn-ea"/>
+              <a:cs typeface="+mn-cs"/>
+            </a:endParaRPr>
+          </a:p>
+        </p:txBody>
+      </p:sp>
+      <p:pic>
+        <p:nvPicPr>
+          <p:cNvPr id="2" name="Picture 1">
+            <a:extLst>
+              <a:ext uri="{FF2B5EF4-FFF2-40B4-BE49-F238E27FC236}">
+                <a16:creationId xmlns:a16="http://schemas.microsoft.com/office/drawing/2014/main" id="{59EB297A-DF3B-B00D-17E1-9ECA0F4AC847}"/>
+              </a:ext>
+            </a:extLst>
+          </p:cNvPr>
+          <p:cNvPicPr>
+            <a:picLocks noChangeAspect="1"/>
+          </p:cNvPicPr>
+          <p:nvPr/>
+        </p:nvPicPr>
+        <p:blipFill>
+          <a:blip r:embed="rId2"/>
+          <a:stretch>
+            <a:fillRect/>
+          </a:stretch>
+        </p:blipFill>
+        <p:spPr>
+          <a:xfrm>
+            <a:off x="8640503" y="2863475"/>
+            <a:ext cx="1721806" cy="1197940"/>
+          </a:xfrm>
+          <a:prstGeom prst="rect">
+            <a:avLst/>
+          </a:prstGeom>
+          <a:ln>
+            <a:solidFill>
+              <a:schemeClr val="tx1"/>
+            </a:solidFill>
+          </a:ln>
+          <a:effectLst>
+            <a:outerShdw blurRad="50800" dist="38100" dir="2700000" algn="tl" rotWithShape="0">
+              <a:prstClr val="black">
+                <a:alpha val="40000"/>
+              </a:prstClr>
+            </a:outerShdw>
+          </a:effectLst>
+        </p:spPr>
+      </p:pic>
+      <p:cxnSp>
+        <p:nvCxnSpPr>
+          <p:cNvPr id="5" name="Straight Arrow Connector 4">
+            <a:extLst>
+              <a:ext uri="{FF2B5EF4-FFF2-40B4-BE49-F238E27FC236}">
+                <a16:creationId xmlns:a16="http://schemas.microsoft.com/office/drawing/2014/main" id="{399ADF40-14AD-6E1C-65D5-ED9CE760603B}"/>
+              </a:ext>
+            </a:extLst>
+          </p:cNvPr>
+          <p:cNvCxnSpPr>
+            <a:cxnSpLocks/>
+            <a:stCxn id="42" idx="3"/>
+            <a:endCxn id="2" idx="1"/>
+          </p:cNvCxnSpPr>
+          <p:nvPr/>
+        </p:nvCxnSpPr>
+        <p:spPr>
+          <a:xfrm flipV="1">
+            <a:off x="8239131" y="3462445"/>
+            <a:ext cx="401372" cy="1"/>
+          </a:xfrm>
+          <a:prstGeom prst="straightConnector1">
+            <a:avLst/>
+          </a:prstGeom>
+          <a:ln w="19050">
+            <a:solidFill>
+              <a:schemeClr val="tx1"/>
+            </a:solidFill>
+            <a:tailEnd type="triangle"/>
+          </a:ln>
+        </p:spPr>
+        <p:style>
+          <a:lnRef idx="1">
+            <a:schemeClr val="accent1"/>
+          </a:lnRef>
+          <a:fillRef idx="0">
+            <a:schemeClr val="accent1"/>
+          </a:fillRef>
+          <a:effectRef idx="0">
+            <a:schemeClr val="accent1"/>
+          </a:effectRef>
+          <a:fontRef idx="minor">
+            <a:schemeClr val="tx1"/>
+          </a:fontRef>
+        </p:style>
+      </p:cxnSp>
     </p:spTree>
     <p:extLst>
       <p:ext uri="{BB962C8B-B14F-4D97-AF65-F5344CB8AC3E}">
@@ -14922,8 +14964,8 @@
         </p:nvSpPr>
         <p:spPr>
           <a:xfrm>
-            <a:off x="528918" y="298310"/>
-            <a:ext cx="11236137" cy="6215577"/>
+            <a:off x="352092" y="399147"/>
+            <a:ext cx="11434025" cy="6215577"/>
           </a:xfrm>
           <a:prstGeom prst="rect">
             <a:avLst/>
@@ -14974,8 +15016,102 @@
         </p:nvSpPr>
         <p:spPr>
           <a:xfrm>
-            <a:off x="684939" y="425620"/>
-            <a:ext cx="1241185" cy="1433355"/>
+            <a:off x="10407899" y="631807"/>
+            <a:ext cx="1241185" cy="1227168"/>
+          </a:xfrm>
+          <a:prstGeom prst="roundRect">
+            <a:avLst>
+              <a:gd name="adj" fmla="val 6705"/>
+            </a:avLst>
+          </a:prstGeom>
+          <a:solidFill>
+            <a:schemeClr val="bg1">
+              <a:lumMod val="75000"/>
+            </a:schemeClr>
+          </a:solidFill>
+          <a:ln>
+            <a:prstDash val="dash"/>
+          </a:ln>
+        </p:spPr>
+        <p:style>
+          <a:lnRef idx="2">
+            <a:schemeClr val="accent1">
+              <a:shade val="50000"/>
+            </a:schemeClr>
+          </a:lnRef>
+          <a:fillRef idx="1">
+            <a:schemeClr val="accent1"/>
+          </a:fillRef>
+          <a:effectRef idx="0">
+            <a:schemeClr val="accent1"/>
+          </a:effectRef>
+          <a:fontRef idx="minor">
+            <a:schemeClr val="lt1"/>
+          </a:fontRef>
+        </p:style>
+        <p:txBody>
+          <a:bodyPr lIns="0" tIns="0" rIns="0" bIns="0" rtlCol="0" anchor="t"/>
+          <a:lstStyle/>
+          <a:p>
+            <a:pPr marL="0" marR="0" lvl="0" indent="0" algn="ctr" defTabSz="914400" rtl="0" eaLnBrk="1" fontAlgn="auto" latinLnBrk="0" hangingPunct="1">
+              <a:lnSpc>
+                <a:spcPct val="100000"/>
+              </a:lnSpc>
+              <a:spcBef>
+                <a:spcPts val="0"/>
+              </a:spcBef>
+              <a:spcAft>
+                <a:spcPts val="0"/>
+              </a:spcAft>
+              <a:buClrTx/>
+              <a:buSzTx/>
+              <a:buFontTx/>
+              <a:buNone/>
+              <a:tabLst/>
+              <a:defRPr/>
+            </a:pPr>
+            <a:r>
+              <a:rPr lang="nl-NL" sz="1000" b="1" dirty="0">
+                <a:solidFill>
+                  <a:prstClr val="white"/>
+                </a:solidFill>
+                <a:latin typeface="Calibri" panose="020F0502020204030204"/>
+              </a:rPr>
+              <a:t>Dashboard</a:t>
+            </a:r>
+            <a:endParaRPr kumimoji="0" lang="nl-NL" sz="1000" b="1" i="0" u="none" strike="noStrike" kern="1200" cap="none" spc="0" normalizeH="0" baseline="0" noProof="0" dirty="0">
+              <a:ln>
+                <a:noFill/>
+              </a:ln>
+              <a:solidFill>
+                <a:prstClr val="white"/>
+              </a:solidFill>
+              <a:effectLst/>
+              <a:uLnTx/>
+              <a:uFillTx/>
+              <a:latin typeface="Calibri" panose="020F0502020204030204"/>
+              <a:ea typeface="+mn-ea"/>
+              <a:cs typeface="+mn-cs"/>
+            </a:endParaRPr>
+          </a:p>
+        </p:txBody>
+      </p:sp>
+      <p:sp>
+        <p:nvSpPr>
+          <p:cNvPr id="87" name="Rectangle: Rounded Corners 86">
+            <a:extLst>
+              <a:ext uri="{FF2B5EF4-FFF2-40B4-BE49-F238E27FC236}">
+                <a16:creationId xmlns:a16="http://schemas.microsoft.com/office/drawing/2014/main" id="{68D6079E-8E45-476A-9076-1708675B8EA5}"/>
+              </a:ext>
+            </a:extLst>
+          </p:cNvPr>
+          <p:cNvSpPr/>
+          <p:nvPr/>
+        </p:nvSpPr>
+        <p:spPr>
+          <a:xfrm>
+            <a:off x="694855" y="631807"/>
+            <a:ext cx="2551011" cy="1227168"/>
           </a:xfrm>
           <a:prstGeom prst="roundRect">
             <a:avLst>
@@ -15038,7 +15174,7 @@
                 <a:ea typeface="+mn-ea"/>
                 <a:cs typeface="+mn-cs"/>
               </a:rPr>
-              <a:t>Measurements</a:t>
+              <a:t>Simulation</a:t>
             </a:r>
             <a:endParaRPr kumimoji="0" lang="nl-NL" sz="1000" b="1" i="0" u="none" strike="noStrike" kern="1200" cap="none" spc="0" normalizeH="0" baseline="0" noProof="0" dirty="0">
               <a:ln>
@@ -15055,6 +15191,53 @@
               <a:cs typeface="+mn-cs"/>
             </a:endParaRPr>
           </a:p>
+        </p:txBody>
+      </p:sp>
+      <p:sp>
+        <p:nvSpPr>
+          <p:cNvPr id="71" name="Rectangle: Rounded Corners 70">
+            <a:extLst>
+              <a:ext uri="{FF2B5EF4-FFF2-40B4-BE49-F238E27FC236}">
+                <a16:creationId xmlns:a16="http://schemas.microsoft.com/office/drawing/2014/main" id="{8271EC48-6A07-4D31-87CA-259756CE9DF8}"/>
+              </a:ext>
+            </a:extLst>
+          </p:cNvPr>
+          <p:cNvSpPr/>
+          <p:nvPr/>
+        </p:nvSpPr>
+        <p:spPr>
+          <a:xfrm>
+            <a:off x="6459849" y="631807"/>
+            <a:ext cx="3749126" cy="1227168"/>
+          </a:xfrm>
+          <a:prstGeom prst="roundRect">
+            <a:avLst>
+              <a:gd name="adj" fmla="val 7088"/>
+            </a:avLst>
+          </a:prstGeom>
+          <a:solidFill>
+            <a:srgbClr val="0070C0"/>
+          </a:solidFill>
+        </p:spPr>
+        <p:style>
+          <a:lnRef idx="2">
+            <a:schemeClr val="accent1">
+              <a:shade val="50000"/>
+            </a:schemeClr>
+          </a:lnRef>
+          <a:fillRef idx="1">
+            <a:schemeClr val="accent1"/>
+          </a:fillRef>
+          <a:effectRef idx="0">
+            <a:schemeClr val="accent1"/>
+          </a:effectRef>
+          <a:fontRef idx="minor">
+            <a:schemeClr val="lt1"/>
+          </a:fontRef>
+        </p:style>
+        <p:txBody>
+          <a:bodyPr lIns="0" tIns="0" rIns="0" bIns="0" rtlCol="0" anchor="t"/>
+          <a:lstStyle/>
           <a:p>
             <a:pPr marL="0" marR="0" lvl="0" indent="0" algn="ctr" defTabSz="914400" rtl="0" eaLnBrk="1" fontAlgn="auto" latinLnBrk="0" hangingPunct="1">
               <a:lnSpc>
@@ -15074,15 +15257,40 @@
               <a:defRPr/>
             </a:pPr>
             <a:r>
-              <a:rPr lang="nl-NL" sz="1000" b="1" dirty="0">
+              <a:rPr kumimoji="0" lang="nl-NL" sz="1000" b="1" i="0" u="none" strike="noStrike" kern="1200" cap="none" spc="0" normalizeH="0" baseline="0" noProof="0" dirty="0" err="1">
+                <a:ln>
+                  <a:noFill/>
+                </a:ln>
                 <a:solidFill>
                   <a:prstClr val="white"/>
                 </a:solidFill>
+                <a:effectLst/>
+                <a:uLnTx/>
+                <a:uFillTx/>
                 <a:latin typeface="Calibri" panose="020F0502020204030204"/>
+                <a:ea typeface="+mn-ea"/>
+                <a:cs typeface="+mn-cs"/>
               </a:rPr>
-              <a:t>Dashboard</a:t>
-            </a:r>
-            <a:endParaRPr kumimoji="0" lang="nl-NL" sz="1000" b="1" i="0" u="none" strike="noStrike" kern="1200" cap="none" spc="0" normalizeH="0" baseline="0" noProof="0" dirty="0">
+              <a:t>Measurements</a:t>
+            </a:r>
+            <a:r>
+              <a:rPr kumimoji="0" lang="nl-NL" sz="1000" b="1" i="0" u="none" strike="noStrike" kern="1200" cap="none" spc="0" normalizeH="0" baseline="0" noProof="0" dirty="0">
+                <a:ln>
+                  <a:noFill/>
+                </a:ln>
+                <a:solidFill>
+                  <a:prstClr val="white"/>
+                </a:solidFill>
+                <a:effectLst/>
+                <a:uLnTx/>
+                <a:uFillTx/>
+                <a:latin typeface="Calibri" panose="020F0502020204030204"/>
+                <a:ea typeface="+mn-ea"/>
+                <a:cs typeface="+mn-cs"/>
+              </a:rPr>
+              <a:t> Service</a:t>
+            </a:r>
+            <a:endParaRPr kumimoji="0" lang="en-US" sz="1000" b="1" i="0" u="none" strike="noStrike" kern="1200" cap="none" spc="0" normalizeH="0" baseline="0" noProof="0" dirty="0">
               <a:ln>
                 <a:noFill/>
               </a:ln>
@@ -15101,10 +15309,10 @@
       </p:sp>
       <p:sp>
         <p:nvSpPr>
-          <p:cNvPr id="87" name="Rectangle: Rounded Corners 86">
-            <a:extLst>
-              <a:ext uri="{FF2B5EF4-FFF2-40B4-BE49-F238E27FC236}">
-                <a16:creationId xmlns:a16="http://schemas.microsoft.com/office/drawing/2014/main" id="{68D6079E-8E45-476A-9076-1708675B8EA5}"/>
+          <p:cNvPr id="231" name="Rectangle: Rounded Corners 230">
+            <a:extLst>
+              <a:ext uri="{FF2B5EF4-FFF2-40B4-BE49-F238E27FC236}">
+                <a16:creationId xmlns:a16="http://schemas.microsoft.com/office/drawing/2014/main" id="{A02FED02-F1ED-4A52-95BA-49184873C864}"/>
               </a:ext>
             </a:extLst>
           </p:cNvPr>
@@ -15113,8 +15321,8 @@
         </p:nvSpPr>
         <p:spPr>
           <a:xfrm>
-            <a:off x="2057484" y="425620"/>
-            <a:ext cx="1241185" cy="1433355"/>
+            <a:off x="3727965" y="631807"/>
+            <a:ext cx="2294394" cy="1227168"/>
           </a:xfrm>
           <a:prstGeom prst="roundRect">
             <a:avLst>
@@ -15177,170 +15385,7 @@
                 <a:ea typeface="+mn-ea"/>
                 <a:cs typeface="+mn-cs"/>
               </a:rPr>
-              <a:t>Camera </a:t>
-            </a:r>
-            <a:br>
-              <a:rPr kumimoji="0" lang="nl-NL" sz="1000" b="1" i="0" u="none" strike="noStrike" kern="1200" cap="none" spc="0" normalizeH="0" baseline="0" noProof="0" dirty="0">
-                <a:ln>
-                  <a:noFill/>
-                </a:ln>
-                <a:solidFill>
-                  <a:prstClr val="white"/>
-                </a:solidFill>
-                <a:effectLst/>
-                <a:uLnTx/>
-                <a:uFillTx/>
-                <a:latin typeface="Calibri" panose="020F0502020204030204"/>
-                <a:ea typeface="+mn-ea"/>
-                <a:cs typeface="+mn-cs"/>
-              </a:rPr>
-            </a:br>
-            <a:r>
-              <a:rPr kumimoji="0" lang="nl-NL" sz="1000" b="1" i="0" u="none" strike="noStrike" kern="1200" cap="none" spc="0" normalizeH="0" baseline="0" noProof="0" dirty="0" err="1">
-                <a:ln>
-                  <a:noFill/>
-                </a:ln>
-                <a:solidFill>
-                  <a:prstClr val="white"/>
-                </a:solidFill>
-                <a:effectLst/>
-                <a:uLnTx/>
-                <a:uFillTx/>
-                <a:latin typeface="Calibri" panose="020F0502020204030204"/>
-                <a:ea typeface="+mn-ea"/>
-                <a:cs typeface="+mn-cs"/>
-              </a:rPr>
-              <a:t>Simulation</a:t>
-            </a:r>
-            <a:endParaRPr kumimoji="0" lang="nl-NL" sz="1000" b="1" i="0" u="none" strike="noStrike" kern="1200" cap="none" spc="0" normalizeH="0" baseline="0" noProof="0" dirty="0">
-              <a:ln>
-                <a:noFill/>
-              </a:ln>
-              <a:solidFill>
-                <a:prstClr val="white"/>
-              </a:solidFill>
-              <a:effectLst/>
-              <a:uLnTx/>
-              <a:uFillTx/>
-              <a:latin typeface="Calibri" panose="020F0502020204030204"/>
-              <a:ea typeface="+mn-ea"/>
-              <a:cs typeface="+mn-cs"/>
-            </a:endParaRPr>
-          </a:p>
-        </p:txBody>
-      </p:sp>
-      <p:sp>
-        <p:nvSpPr>
-          <p:cNvPr id="71" name="Rectangle: Rounded Corners 70">
-            <a:extLst>
-              <a:ext uri="{FF2B5EF4-FFF2-40B4-BE49-F238E27FC236}">
-                <a16:creationId xmlns:a16="http://schemas.microsoft.com/office/drawing/2014/main" id="{8271EC48-6A07-4D31-87CA-259756CE9DF8}"/>
-              </a:ext>
-            </a:extLst>
-          </p:cNvPr>
-          <p:cNvSpPr/>
-          <p:nvPr/>
-        </p:nvSpPr>
-        <p:spPr>
-          <a:xfrm>
-            <a:off x="7847138" y="425620"/>
-            <a:ext cx="3749126" cy="1433355"/>
-          </a:xfrm>
-          <a:prstGeom prst="roundRect">
-            <a:avLst>
-              <a:gd name="adj" fmla="val 7088"/>
-            </a:avLst>
-          </a:prstGeom>
-          <a:solidFill>
-            <a:srgbClr val="0070C0"/>
-          </a:solidFill>
-        </p:spPr>
-        <p:style>
-          <a:lnRef idx="2">
-            <a:schemeClr val="accent1">
-              <a:shade val="50000"/>
-            </a:schemeClr>
-          </a:lnRef>
-          <a:fillRef idx="1">
-            <a:schemeClr val="accent1"/>
-          </a:fillRef>
-          <a:effectRef idx="0">
-            <a:schemeClr val="accent1"/>
-          </a:effectRef>
-          <a:fontRef idx="minor">
-            <a:schemeClr val="lt1"/>
-          </a:fontRef>
-        </p:style>
-        <p:txBody>
-          <a:bodyPr lIns="0" tIns="0" rIns="0" bIns="0" rtlCol="0" anchor="t"/>
-          <a:lstStyle/>
-          <a:p>
-            <a:pPr marL="0" marR="0" lvl="0" indent="0" algn="ctr" defTabSz="914400" rtl="0" eaLnBrk="1" fontAlgn="auto" latinLnBrk="0" hangingPunct="1">
-              <a:lnSpc>
-                <a:spcPct val="100000"/>
-              </a:lnSpc>
-              <a:spcBef>
-                <a:spcPts val="0"/>
-              </a:spcBef>
-              <a:spcAft>
-                <a:spcPts val="0"/>
-              </a:spcAft>
-              <a:buClrTx/>
-              <a:buSzTx/>
-              <a:buFontTx/>
-              <a:buNone/>
-              <a:tabLst/>
-              <a:defRPr/>
-            </a:pPr>
-            <a:r>
-              <a:rPr kumimoji="0" lang="nl-NL" sz="1000" b="1" i="0" u="none" strike="noStrike" kern="1200" cap="none" spc="0" normalizeH="0" baseline="0" noProof="0" dirty="0" err="1">
-                <a:ln>
-                  <a:noFill/>
-                </a:ln>
-                <a:solidFill>
-                  <a:prstClr val="white"/>
-                </a:solidFill>
-                <a:effectLst/>
-                <a:uLnTx/>
-                <a:uFillTx/>
-                <a:latin typeface="Calibri" panose="020F0502020204030204"/>
-                <a:ea typeface="+mn-ea"/>
-                <a:cs typeface="+mn-cs"/>
-              </a:rPr>
-              <a:t>Measurements</a:t>
-            </a:r>
-            <a:br>
-              <a:rPr kumimoji="0" lang="nl-NL" sz="1000" b="1" i="0" u="none" strike="noStrike" kern="1200" cap="none" spc="0" normalizeH="0" baseline="0" noProof="0" dirty="0">
-                <a:ln>
-                  <a:noFill/>
-                </a:ln>
-                <a:solidFill>
-                  <a:prstClr val="white"/>
-                </a:solidFill>
-                <a:effectLst/>
-                <a:uLnTx/>
-                <a:uFillTx/>
-                <a:latin typeface="Calibri" panose="020F0502020204030204"/>
-                <a:ea typeface="+mn-ea"/>
-                <a:cs typeface="+mn-cs"/>
-              </a:rPr>
-            </a:br>
-            <a:r>
-              <a:rPr kumimoji="0" lang="nl-NL" sz="1000" b="1" i="0" u="none" strike="noStrike" kern="1200" cap="none" spc="0" normalizeH="0" baseline="0" noProof="0" dirty="0">
-                <a:ln>
-                  <a:noFill/>
-                </a:ln>
-                <a:solidFill>
-                  <a:prstClr val="white"/>
-                </a:solidFill>
-                <a:effectLst/>
-                <a:uLnTx/>
-                <a:uFillTx/>
-                <a:latin typeface="Calibri" panose="020F0502020204030204"/>
-                <a:ea typeface="+mn-ea"/>
-                <a:cs typeface="+mn-cs"/>
-              </a:rPr>
-              <a:t>Service</a:t>
+              <a:t>Traffic Control Service</a:t>
             </a:r>
             <a:endParaRPr kumimoji="0" lang="en-US" sz="1000" b="1" i="0" u="none" strike="noStrike" kern="1200" cap="none" spc="0" normalizeH="0" baseline="0" noProof="0" dirty="0">
               <a:ln>
@@ -15361,10 +15406,10 @@
       </p:sp>
       <p:sp>
         <p:nvSpPr>
-          <p:cNvPr id="231" name="Rectangle: Rounded Corners 230">
-            <a:extLst>
-              <a:ext uri="{FF2B5EF4-FFF2-40B4-BE49-F238E27FC236}">
-                <a16:creationId xmlns:a16="http://schemas.microsoft.com/office/drawing/2014/main" id="{A02FED02-F1ED-4A52-95BA-49184873C864}"/>
+          <p:cNvPr id="5" name="Oval 4">
+            <a:extLst>
+              <a:ext uri="{FF2B5EF4-FFF2-40B4-BE49-F238E27FC236}">
+                <a16:creationId xmlns:a16="http://schemas.microsoft.com/office/drawing/2014/main" id="{BB9902F0-25CB-4217-AF9A-4BEF1AE13BCA}"/>
               </a:ext>
             </a:extLst>
           </p:cNvPr>
@@ -15373,140 +15418,7 @@
         </p:nvSpPr>
         <p:spPr>
           <a:xfrm>
-            <a:off x="5115254" y="425620"/>
-            <a:ext cx="2294394" cy="1433355"/>
-          </a:xfrm>
-          <a:prstGeom prst="roundRect">
-            <a:avLst>
-              <a:gd name="adj" fmla="val 6705"/>
-            </a:avLst>
-          </a:prstGeom>
-          <a:solidFill>
-            <a:srgbClr val="0070C0"/>
-          </a:solidFill>
-        </p:spPr>
-        <p:style>
-          <a:lnRef idx="2">
-            <a:schemeClr val="accent1">
-              <a:shade val="50000"/>
-            </a:schemeClr>
-          </a:lnRef>
-          <a:fillRef idx="1">
-            <a:schemeClr val="accent1"/>
-          </a:fillRef>
-          <a:effectRef idx="0">
-            <a:schemeClr val="accent1"/>
-          </a:effectRef>
-          <a:fontRef idx="minor">
-            <a:schemeClr val="lt1"/>
-          </a:fontRef>
-        </p:style>
-        <p:txBody>
-          <a:bodyPr lIns="0" tIns="0" rIns="0" bIns="0" rtlCol="0" anchor="t"/>
-          <a:lstStyle/>
-          <a:p>
-            <a:pPr marL="0" marR="0" lvl="0" indent="0" algn="ctr" defTabSz="914400" rtl="0" eaLnBrk="1" fontAlgn="auto" latinLnBrk="0" hangingPunct="1">
-              <a:lnSpc>
-                <a:spcPct val="100000"/>
-              </a:lnSpc>
-              <a:spcBef>
-                <a:spcPts val="0"/>
-              </a:spcBef>
-              <a:spcAft>
-                <a:spcPts val="0"/>
-              </a:spcAft>
-              <a:buClrTx/>
-              <a:buSzTx/>
-              <a:buFontTx/>
-              <a:buNone/>
-              <a:tabLst/>
-              <a:defRPr/>
-            </a:pPr>
-            <a:r>
-              <a:rPr kumimoji="0" lang="nl-NL" sz="1000" b="1" i="0" u="none" strike="noStrike" kern="1200" cap="none" spc="0" normalizeH="0" baseline="0" noProof="0" dirty="0">
-                <a:ln>
-                  <a:noFill/>
-                </a:ln>
-                <a:solidFill>
-                  <a:prstClr val="white"/>
-                </a:solidFill>
-                <a:effectLst/>
-                <a:uLnTx/>
-                <a:uFillTx/>
-                <a:latin typeface="Calibri" panose="020F0502020204030204"/>
-                <a:ea typeface="+mn-ea"/>
-                <a:cs typeface="+mn-cs"/>
-              </a:rPr>
-              <a:t>Traffic Control </a:t>
-            </a:r>
-          </a:p>
-          <a:p>
-            <a:pPr marL="0" marR="0" lvl="0" indent="0" algn="ctr" defTabSz="914400" rtl="0" eaLnBrk="1" fontAlgn="auto" latinLnBrk="0" hangingPunct="1">
-              <a:lnSpc>
-                <a:spcPct val="100000"/>
-              </a:lnSpc>
-              <a:spcBef>
-                <a:spcPts val="0"/>
-              </a:spcBef>
-              <a:spcAft>
-                <a:spcPts val="0"/>
-              </a:spcAft>
-              <a:buClrTx/>
-              <a:buSzTx/>
-              <a:buFontTx/>
-              <a:buNone/>
-              <a:tabLst/>
-              <a:defRPr/>
-            </a:pPr>
-            <a:r>
-              <a:rPr kumimoji="0" lang="nl-NL" sz="1000" b="1" i="0" u="none" strike="noStrike" kern="1200" cap="none" spc="0" normalizeH="0" baseline="0" noProof="0" dirty="0">
-                <a:ln>
-                  <a:noFill/>
-                </a:ln>
-                <a:solidFill>
-                  <a:prstClr val="white"/>
-                </a:solidFill>
-                <a:effectLst/>
-                <a:uLnTx/>
-                <a:uFillTx/>
-                <a:latin typeface="Calibri" panose="020F0502020204030204"/>
-                <a:ea typeface="+mn-ea"/>
-                <a:cs typeface="+mn-cs"/>
-              </a:rPr>
-              <a:t>Service</a:t>
-            </a:r>
-            <a:endParaRPr kumimoji="0" lang="en-US" sz="1000" b="1" i="0" u="none" strike="noStrike" kern="1200" cap="none" spc="0" normalizeH="0" baseline="0" noProof="0" dirty="0">
-              <a:ln>
-                <a:noFill/>
-              </a:ln>
-              <a:solidFill>
-                <a:prstClr val="white"/>
-              </a:solidFill>
-              <a:effectLst/>
-              <a:uLnTx/>
-              <a:uFillTx/>
-              <a:latin typeface="Calibri" panose="020F0502020204030204"/>
-              <a:ea typeface="+mn-ea"/>
-              <a:cs typeface="+mn-cs"/>
-            </a:endParaRPr>
-          </a:p>
-        </p:txBody>
-      </p:sp>
-      <p:sp>
-        <p:nvSpPr>
-          <p:cNvPr id="5" name="Oval 4">
-            <a:extLst>
-              <a:ext uri="{FF2B5EF4-FFF2-40B4-BE49-F238E27FC236}">
-                <a16:creationId xmlns:a16="http://schemas.microsoft.com/office/drawing/2014/main" id="{BB9902F0-25CB-4217-AF9A-4BEF1AE13BCA}"/>
-              </a:ext>
-            </a:extLst>
-          </p:cNvPr>
-          <p:cNvSpPr/>
-          <p:nvPr/>
-        </p:nvSpPr>
-        <p:spPr>
-          <a:xfrm>
-            <a:off x="5210191" y="884064"/>
+            <a:off x="3822902" y="884064"/>
             <a:ext cx="844839" cy="844839"/>
           </a:xfrm>
           <a:prstGeom prst="ellipse">
@@ -15623,7 +15535,7 @@
         </p:nvSpPr>
         <p:spPr>
           <a:xfrm>
-            <a:off x="9309849" y="884064"/>
+            <a:off x="7922560" y="884064"/>
             <a:ext cx="844839" cy="844839"/>
           </a:xfrm>
           <a:prstGeom prst="ellipse">
@@ -15749,7 +15661,7 @@
         </p:nvSpPr>
         <p:spPr>
           <a:xfrm>
-            <a:off x="7958204" y="884064"/>
+            <a:off x="6570915" y="884064"/>
             <a:ext cx="844839" cy="844839"/>
           </a:xfrm>
           <a:prstGeom prst="ellipse">
@@ -15868,7 +15780,7 @@
         </p:nvSpPr>
         <p:spPr>
           <a:xfrm>
-            <a:off x="6421711" y="884064"/>
+            <a:off x="5034422" y="884064"/>
             <a:ext cx="844839" cy="844839"/>
           </a:xfrm>
           <a:prstGeom prst="ellipse">
@@ -15985,7 +15897,7 @@
         </p:nvSpPr>
         <p:spPr>
           <a:xfrm>
-            <a:off x="2245225" y="884064"/>
+            <a:off x="857936" y="884064"/>
             <a:ext cx="844839" cy="844839"/>
           </a:xfrm>
           <a:prstGeom prst="ellipse">
@@ -16116,7 +16028,7 @@
         </p:nvCxnSpPr>
         <p:spPr>
           <a:xfrm>
-            <a:off x="2667645" y="1728903"/>
+            <a:off x="1280356" y="1728903"/>
             <a:ext cx="0" cy="4555097"/>
           </a:xfrm>
           <a:prstGeom prst="line">
@@ -16159,7 +16071,7 @@
         </p:nvCxnSpPr>
         <p:spPr>
           <a:xfrm>
-            <a:off x="2667645" y="2271402"/>
+            <a:off x="1280356" y="2271402"/>
             <a:ext cx="2964966" cy="0"/>
           </a:xfrm>
           <a:prstGeom prst="straightConnector1">
@@ -16198,7 +16110,7 @@
         </p:nvSpPr>
         <p:spPr>
           <a:xfrm>
-            <a:off x="2651084" y="2037694"/>
+            <a:off x="1263795" y="2037694"/>
             <a:ext cx="1308371" cy="230832"/>
           </a:xfrm>
           <a:prstGeom prst="rect">
@@ -16313,7 +16225,7 @@
         </p:nvCxnSpPr>
         <p:spPr>
           <a:xfrm>
-            <a:off x="5632611" y="1728903"/>
+            <a:off x="4245322" y="1728903"/>
             <a:ext cx="0" cy="4555097"/>
           </a:xfrm>
           <a:prstGeom prst="line">
@@ -16357,7 +16269,7 @@
         </p:nvCxnSpPr>
         <p:spPr>
           <a:xfrm flipH="1">
-            <a:off x="9706313" y="1728903"/>
+            <a:off x="8319024" y="1728903"/>
             <a:ext cx="25956" cy="4555097"/>
           </a:xfrm>
           <a:prstGeom prst="line">
@@ -16400,7 +16312,7 @@
         </p:nvCxnSpPr>
         <p:spPr>
           <a:xfrm>
-            <a:off x="6847682" y="1728903"/>
+            <a:off x="5460393" y="1728903"/>
             <a:ext cx="0" cy="4555097"/>
           </a:xfrm>
           <a:prstGeom prst="line">
@@ -16444,7 +16356,7 @@
         </p:nvCxnSpPr>
         <p:spPr>
           <a:xfrm>
-            <a:off x="8380624" y="1728903"/>
+            <a:off x="6993335" y="1728903"/>
             <a:ext cx="0" cy="4555097"/>
           </a:xfrm>
           <a:prstGeom prst="line">
@@ -16487,7 +16399,7 @@
         </p:nvCxnSpPr>
         <p:spPr>
           <a:xfrm>
-            <a:off x="2667645" y="3060706"/>
+            <a:off x="1280356" y="3060706"/>
             <a:ext cx="4158011" cy="0"/>
           </a:xfrm>
           <a:prstGeom prst="straightConnector1">
@@ -16526,7 +16438,7 @@
         </p:nvSpPr>
         <p:spPr>
           <a:xfrm>
-            <a:off x="2630813" y="2826998"/>
+            <a:off x="1243524" y="2826998"/>
             <a:ext cx="1308371" cy="230832"/>
           </a:xfrm>
           <a:prstGeom prst="rect">
@@ -16639,7 +16551,7 @@
         </p:nvSpPr>
         <p:spPr>
           <a:xfrm>
-            <a:off x="5950824" y="2347414"/>
+            <a:off x="4563535" y="2347414"/>
             <a:ext cx="771365" cy="369332"/>
           </a:xfrm>
           <a:prstGeom prst="rect">
@@ -16751,7 +16663,7 @@
         </p:nvSpPr>
         <p:spPr>
           <a:xfrm>
-            <a:off x="7152575" y="3233294"/>
+            <a:off x="5765286" y="3233294"/>
             <a:ext cx="965329" cy="230832"/>
           </a:xfrm>
           <a:prstGeom prst="rect">
@@ -16849,7 +16761,7 @@
         </p:nvCxnSpPr>
         <p:spPr>
           <a:xfrm flipH="1">
-            <a:off x="6858546" y="4281635"/>
+            <a:off x="5471257" y="4281635"/>
             <a:ext cx="1522078" cy="0"/>
           </a:xfrm>
           <a:prstGeom prst="straightConnector1">
@@ -16889,8 +16801,8 @@
         </p:nvSpPr>
         <p:spPr>
           <a:xfrm>
-            <a:off x="6816691" y="4047927"/>
-            <a:ext cx="1566454" cy="230832"/>
+            <a:off x="5429402" y="4047927"/>
+            <a:ext cx="1612942" cy="230832"/>
           </a:xfrm>
           <a:prstGeom prst="rect">
             <a:avLst/>
@@ -16978,7 +16890,7 @@
                 <a:ea typeface="+mn-ea"/>
                 <a:cs typeface="+mn-cs"/>
               </a:rPr>
-              <a:t>verageSpeedDetected</a:t>
+              <a:t>verageSpeedMeasured</a:t>
             </a:r>
             <a:endParaRPr kumimoji="0" lang="nl-NL" sz="900" b="0" i="0" u="none" strike="noStrike" kern="1200" cap="none" spc="0" normalizeH="0" baseline="0" noProof="0" dirty="0">
               <a:ln>
@@ -17011,7 +16923,7 @@
         </p:nvGrpSpPr>
         <p:grpSpPr>
           <a:xfrm>
-            <a:off x="6845358" y="3651227"/>
+            <a:off x="5458069" y="3651227"/>
             <a:ext cx="299274" cy="259267"/>
             <a:chOff x="4738943" y="4803764"/>
             <a:chExt cx="361377" cy="259267"/>
@@ -17158,7 +17070,7 @@
         </p:nvSpPr>
         <p:spPr>
           <a:xfrm>
-            <a:off x="7135924" y="3553606"/>
+            <a:off x="5748635" y="3553606"/>
             <a:ext cx="1050288" cy="369332"/>
           </a:xfrm>
           <a:prstGeom prst="rect">
@@ -17307,7 +17219,7 @@
         </p:nvGrpSpPr>
         <p:grpSpPr>
           <a:xfrm>
-            <a:off x="8382012" y="4392507"/>
+            <a:off x="6994723" y="4392507"/>
             <a:ext cx="299274" cy="259267"/>
             <a:chOff x="4738943" y="4803764"/>
             <a:chExt cx="361377" cy="259267"/>
@@ -17454,7 +17366,7 @@
         </p:nvSpPr>
         <p:spPr>
           <a:xfrm>
-            <a:off x="8643345" y="4275438"/>
+            <a:off x="7256056" y="4275438"/>
             <a:ext cx="1083951" cy="507831"/>
           </a:xfrm>
           <a:prstGeom prst="rect">
@@ -17670,7 +17582,7 @@
         </p:nvGrpSpPr>
         <p:grpSpPr>
           <a:xfrm>
-            <a:off x="5635985" y="2437742"/>
+            <a:off x="4248696" y="2437742"/>
             <a:ext cx="299274" cy="259267"/>
             <a:chOff x="4738943" y="4803764"/>
             <a:chExt cx="361377" cy="259267"/>
@@ -17817,7 +17729,7 @@
         </p:nvGrpSpPr>
         <p:grpSpPr>
           <a:xfrm>
-            <a:off x="6845358" y="3247669"/>
+            <a:off x="5458069" y="3247669"/>
             <a:ext cx="299274" cy="259267"/>
             <a:chOff x="4738943" y="4803764"/>
             <a:chExt cx="361377" cy="259267"/>
@@ -17964,7 +17876,7 @@
         </p:nvSpPr>
         <p:spPr>
           <a:xfrm>
-            <a:off x="2352570" y="2271402"/>
+            <a:off x="965281" y="2271402"/>
             <a:ext cx="198477" cy="789304"/>
           </a:xfrm>
           <a:prstGeom prst="leftBrace">
@@ -18011,7 +17923,7 @@
         </p:nvSpPr>
         <p:spPr>
           <a:xfrm>
-            <a:off x="1718319" y="2458305"/>
+            <a:off x="331030" y="2458305"/>
             <a:ext cx="577402" cy="369332"/>
           </a:xfrm>
           <a:prstGeom prst="rect">
@@ -18106,10 +18018,10 @@
       </p:sp>
       <p:sp>
         <p:nvSpPr>
-          <p:cNvPr id="3" name="Rectangle: Rounded Corners 2">
-            <a:extLst>
-              <a:ext uri="{FF2B5EF4-FFF2-40B4-BE49-F238E27FC236}">
-                <a16:creationId xmlns:a16="http://schemas.microsoft.com/office/drawing/2014/main" id="{C41674DE-708D-8237-29B5-DB616F4A76D5}"/>
+          <p:cNvPr id="6" name="Oval 5">
+            <a:extLst>
+              <a:ext uri="{FF2B5EF4-FFF2-40B4-BE49-F238E27FC236}">
+                <a16:creationId xmlns:a16="http://schemas.microsoft.com/office/drawing/2014/main" id="{B436C95C-5311-BD11-007B-8454C955B501}"/>
               </a:ext>
             </a:extLst>
           </p:cNvPr>
@@ -18118,137 +18030,7 @@
         </p:nvSpPr>
         <p:spPr>
           <a:xfrm>
-            <a:off x="3436579" y="425620"/>
-            <a:ext cx="1241185" cy="1433355"/>
-          </a:xfrm>
-          <a:prstGeom prst="roundRect">
-            <a:avLst>
-              <a:gd name="adj" fmla="val 6705"/>
-            </a:avLst>
-          </a:prstGeom>
-          <a:solidFill>
-            <a:srgbClr val="0070C0"/>
-          </a:solidFill>
-        </p:spPr>
-        <p:style>
-          <a:lnRef idx="2">
-            <a:schemeClr val="accent1">
-              <a:shade val="50000"/>
-            </a:schemeClr>
-          </a:lnRef>
-          <a:fillRef idx="1">
-            <a:schemeClr val="accent1"/>
-          </a:fillRef>
-          <a:effectRef idx="0">
-            <a:schemeClr val="accent1"/>
-          </a:effectRef>
-          <a:fontRef idx="minor">
-            <a:schemeClr val="lt1"/>
-          </a:fontRef>
-        </p:style>
-        <p:txBody>
-          <a:bodyPr lIns="0" tIns="0" rIns="0" bIns="0" rtlCol="0" anchor="t"/>
-          <a:lstStyle/>
-          <a:p>
-            <a:pPr marL="0" marR="0" lvl="0" indent="0" algn="ctr" defTabSz="914400" rtl="0" eaLnBrk="1" fontAlgn="auto" latinLnBrk="0" hangingPunct="1">
-              <a:lnSpc>
-                <a:spcPct val="100000"/>
-              </a:lnSpc>
-              <a:spcBef>
-                <a:spcPts val="0"/>
-              </a:spcBef>
-              <a:spcAft>
-                <a:spcPts val="0"/>
-              </a:spcAft>
-              <a:buClrTx/>
-              <a:buSzTx/>
-              <a:buFontTx/>
-              <a:buNone/>
-              <a:tabLst/>
-              <a:defRPr/>
-            </a:pPr>
-            <a:r>
-              <a:rPr kumimoji="0" lang="nl-NL" sz="1000" b="1" i="0" u="none" strike="noStrike" kern="1200" cap="none" spc="0" normalizeH="0" baseline="0" noProof="0" dirty="0">
-                <a:ln>
-                  <a:noFill/>
-                </a:ln>
-                <a:solidFill>
-                  <a:prstClr val="white"/>
-                </a:solidFill>
-                <a:effectLst/>
-                <a:uLnTx/>
-                <a:uFillTx/>
-                <a:latin typeface="Calibri" panose="020F0502020204030204"/>
-                <a:ea typeface="+mn-ea"/>
-                <a:cs typeface="+mn-cs"/>
-              </a:rPr>
-              <a:t>CO2 Sensor </a:t>
-            </a:r>
-            <a:br>
-              <a:rPr kumimoji="0" lang="nl-NL" sz="1000" b="1" i="0" u="none" strike="noStrike" kern="1200" cap="none" spc="0" normalizeH="0" baseline="0" noProof="0" dirty="0">
-                <a:ln>
-                  <a:noFill/>
-                </a:ln>
-                <a:solidFill>
-                  <a:prstClr val="white"/>
-                </a:solidFill>
-                <a:effectLst/>
-                <a:uLnTx/>
-                <a:uFillTx/>
-                <a:latin typeface="Calibri" panose="020F0502020204030204"/>
-                <a:ea typeface="+mn-ea"/>
-                <a:cs typeface="+mn-cs"/>
-              </a:rPr>
-            </a:br>
-            <a:r>
-              <a:rPr kumimoji="0" lang="nl-NL" sz="1000" b="1" i="0" u="none" strike="noStrike" kern="1200" cap="none" spc="0" normalizeH="0" baseline="0" noProof="0" dirty="0" err="1">
-                <a:ln>
-                  <a:noFill/>
-                </a:ln>
-                <a:solidFill>
-                  <a:prstClr val="white"/>
-                </a:solidFill>
-                <a:effectLst/>
-                <a:uLnTx/>
-                <a:uFillTx/>
-                <a:latin typeface="Calibri" panose="020F0502020204030204"/>
-                <a:ea typeface="+mn-ea"/>
-                <a:cs typeface="+mn-cs"/>
-              </a:rPr>
-              <a:t>Simulation</a:t>
-            </a:r>
-            <a:endParaRPr kumimoji="0" lang="nl-NL" sz="1000" b="1" i="0" u="none" strike="noStrike" kern="1200" cap="none" spc="0" normalizeH="0" baseline="0" noProof="0" dirty="0">
-              <a:ln>
-                <a:noFill/>
-              </a:ln>
-              <a:solidFill>
-                <a:prstClr val="white"/>
-              </a:solidFill>
-              <a:effectLst/>
-              <a:uLnTx/>
-              <a:uFillTx/>
-              <a:latin typeface="Calibri" panose="020F0502020204030204"/>
-              <a:ea typeface="+mn-ea"/>
-              <a:cs typeface="+mn-cs"/>
-            </a:endParaRPr>
-          </a:p>
-        </p:txBody>
-      </p:sp>
-      <p:sp>
-        <p:nvSpPr>
-          <p:cNvPr id="6" name="Oval 5">
-            <a:extLst>
-              <a:ext uri="{FF2B5EF4-FFF2-40B4-BE49-F238E27FC236}">
-                <a16:creationId xmlns:a16="http://schemas.microsoft.com/office/drawing/2014/main" id="{B436C95C-5311-BD11-007B-8454C955B501}"/>
-              </a:ext>
-            </a:extLst>
-          </p:cNvPr>
-          <p:cNvSpPr/>
-          <p:nvPr/>
-        </p:nvSpPr>
-        <p:spPr>
-          <a:xfrm>
-            <a:off x="3624320" y="884064"/>
+            <a:off x="2237031" y="884064"/>
             <a:ext cx="844839" cy="844839"/>
           </a:xfrm>
           <a:prstGeom prst="ellipse">
@@ -18379,7 +18161,7 @@
         </p:nvCxnSpPr>
         <p:spPr>
           <a:xfrm>
-            <a:off x="4046740" y="1728903"/>
+            <a:off x="2659451" y="1728903"/>
             <a:ext cx="0" cy="4555097"/>
           </a:xfrm>
           <a:prstGeom prst="line">
@@ -18422,7 +18204,7 @@
         </p:nvCxnSpPr>
         <p:spPr>
           <a:xfrm>
-            <a:off x="4046739" y="5092531"/>
+            <a:off x="2659450" y="5092531"/>
             <a:ext cx="5659574" cy="0"/>
           </a:xfrm>
           <a:prstGeom prst="straightConnector1">
@@ -18461,7 +18243,7 @@
         </p:nvSpPr>
         <p:spPr>
           <a:xfrm>
-            <a:off x="4004687" y="4858823"/>
+            <a:off x="2617398" y="4858823"/>
             <a:ext cx="1377300" cy="230832"/>
           </a:xfrm>
           <a:prstGeom prst="rect">
@@ -18543,7 +18325,7 @@
         </p:nvGrpSpPr>
         <p:grpSpPr>
           <a:xfrm>
-            <a:off x="9708668" y="5227700"/>
+            <a:off x="8321379" y="5227700"/>
             <a:ext cx="299274" cy="259267"/>
             <a:chOff x="4738943" y="4803764"/>
             <a:chExt cx="361377" cy="259267"/>
@@ -18690,7 +18472,7 @@
         </p:nvSpPr>
         <p:spPr>
           <a:xfrm>
-            <a:off x="9976677" y="5103417"/>
+            <a:off x="8589388" y="5103417"/>
             <a:ext cx="851515" cy="507831"/>
           </a:xfrm>
           <a:prstGeom prst="rect">
@@ -18904,7 +18686,7 @@
         </p:nvSpPr>
         <p:spPr>
           <a:xfrm>
-            <a:off x="4004687" y="4701652"/>
+            <a:off x="2617398" y="4701652"/>
             <a:ext cx="1045479" cy="230832"/>
           </a:xfrm>
           <a:prstGeom prst="rect">
@@ -19020,7 +18802,7 @@
         </p:nvSpPr>
         <p:spPr>
           <a:xfrm>
-            <a:off x="10578474" y="884064"/>
+            <a:off x="9191185" y="884064"/>
             <a:ext cx="844839" cy="844839"/>
           </a:xfrm>
           <a:prstGeom prst="ellipse">
@@ -19132,7 +18914,7 @@
         </p:nvCxnSpPr>
         <p:spPr>
           <a:xfrm flipH="1">
-            <a:off x="10974938" y="1728903"/>
+            <a:off x="9587649" y="1728903"/>
             <a:ext cx="25956" cy="4555097"/>
           </a:xfrm>
           <a:prstGeom prst="line">
@@ -19173,14 +18955,16 @@
         </p:nvSpPr>
         <p:spPr>
           <a:xfrm>
-            <a:off x="893580" y="884064"/>
+            <a:off x="10616540" y="884064"/>
             <a:ext cx="844839" cy="844839"/>
           </a:xfrm>
           <a:prstGeom prst="ellipse">
             <a:avLst/>
           </a:prstGeom>
           <a:solidFill>
-            <a:srgbClr val="002060"/>
+            <a:schemeClr val="bg1">
+              <a:lumMod val="50000"/>
+            </a:schemeClr>
           </a:solidFill>
           <a:ln w="19050">
             <a:solidFill>
@@ -19262,7 +19046,7 @@
         </p:nvCxnSpPr>
         <p:spPr>
           <a:xfrm>
-            <a:off x="1316000" y="1728903"/>
+            <a:off x="11038960" y="1728903"/>
             <a:ext cx="0" cy="4555097"/>
           </a:xfrm>
           <a:prstGeom prst="line">
@@ -19304,9 +19088,9 @@
           <p:nvPr/>
         </p:nvCxnSpPr>
         <p:spPr>
-          <a:xfrm flipV="1">
-            <a:off x="1316000" y="5866249"/>
-            <a:ext cx="9658938" cy="19269"/>
+          <a:xfrm flipH="1">
+            <a:off x="9587649" y="5863354"/>
+            <a:ext cx="1451311" cy="2895"/>
           </a:xfrm>
           <a:prstGeom prst="straightConnector1">
             <a:avLst/>
@@ -19345,9 +19129,9 @@
           <p:nvPr/>
         </p:nvCxnSpPr>
         <p:spPr>
-          <a:xfrm>
-            <a:off x="1316000" y="6054507"/>
-            <a:ext cx="9658938" cy="0"/>
+          <a:xfrm flipH="1">
+            <a:off x="9587649" y="6054507"/>
+            <a:ext cx="1430086" cy="0"/>
           </a:xfrm>
           <a:prstGeom prst="straightConnector1">
             <a:avLst/>
@@ -19387,7 +19171,7 @@
         </p:nvSpPr>
         <p:spPr>
           <a:xfrm>
-            <a:off x="1294775" y="5654686"/>
+            <a:off x="10313304" y="5632522"/>
             <a:ext cx="747320" cy="230832"/>
           </a:xfrm>
           <a:prstGeom prst="rect">
@@ -19885,8 +19669,8 @@
         </p:nvSpPr>
         <p:spPr>
           <a:xfrm>
-            <a:off x="816185" y="1295400"/>
-            <a:ext cx="10684328" cy="3588433"/>
+            <a:off x="180975" y="1295400"/>
+            <a:ext cx="11385993" cy="3588433"/>
           </a:xfrm>
           <a:prstGeom prst="rect">
             <a:avLst/>
@@ -19920,137 +19704,6 @@
           <a:p>
             <a:pPr algn="ctr"/>
             <a:endParaRPr lang="en-NL"/>
-          </a:p>
-        </p:txBody>
-      </p:sp>
-      <p:sp>
-        <p:nvSpPr>
-          <p:cNvPr id="3" name="Rectangle 2">
-            <a:extLst>
-              <a:ext uri="{FF2B5EF4-FFF2-40B4-BE49-F238E27FC236}">
-                <a16:creationId xmlns:a16="http://schemas.microsoft.com/office/drawing/2014/main" id="{08BCB2F3-BBEA-4743-AA9B-B996AD8932A1}"/>
-              </a:ext>
-            </a:extLst>
-          </p:cNvPr>
-          <p:cNvSpPr/>
-          <p:nvPr/>
-        </p:nvSpPr>
-        <p:spPr>
-          <a:xfrm>
-            <a:off x="991572" y="3041929"/>
-            <a:ext cx="741974" cy="655211"/>
-          </a:xfrm>
-          <a:prstGeom prst="rect">
-            <a:avLst/>
-          </a:prstGeom>
-          <a:solidFill>
-            <a:srgbClr val="0070C0"/>
-          </a:solidFill>
-        </p:spPr>
-        <p:style>
-          <a:lnRef idx="2">
-            <a:schemeClr val="accent1">
-              <a:shade val="50000"/>
-            </a:schemeClr>
-          </a:lnRef>
-          <a:fillRef idx="1">
-            <a:schemeClr val="accent1"/>
-          </a:fillRef>
-          <a:effectRef idx="0">
-            <a:schemeClr val="accent1"/>
-          </a:effectRef>
-          <a:fontRef idx="minor">
-            <a:schemeClr val="lt1"/>
-          </a:fontRef>
-        </p:style>
-        <p:txBody>
-          <a:bodyPr rtlCol="0" anchor="ctr"/>
-          <a:lstStyle/>
-          <a:p>
-            <a:pPr marL="0" marR="0" lvl="0" indent="0" algn="ctr" defTabSz="914400" rtl="0" eaLnBrk="1" fontAlgn="auto" latinLnBrk="0" hangingPunct="1">
-              <a:lnSpc>
-                <a:spcPct val="100000"/>
-              </a:lnSpc>
-              <a:spcBef>
-                <a:spcPts val="0"/>
-              </a:spcBef>
-              <a:spcAft>
-                <a:spcPts val="0"/>
-              </a:spcAft>
-              <a:buClrTx/>
-              <a:buSzTx/>
-              <a:buFontTx/>
-              <a:buNone/>
-              <a:tabLst/>
-              <a:defRPr/>
-            </a:pPr>
-            <a:r>
-              <a:rPr kumimoji="0" lang="nl-NL" sz="900" b="1" i="0" u="none" strike="noStrike" kern="1200" cap="none" spc="0" normalizeH="0" baseline="0" noProof="0" dirty="0">
-                <a:ln>
-                  <a:noFill/>
-                </a:ln>
-                <a:solidFill>
-                  <a:prstClr val="white"/>
-                </a:solidFill>
-                <a:effectLst/>
-                <a:uLnTx/>
-                <a:uFillTx/>
-                <a:latin typeface="Calibri" panose="020F0502020204030204"/>
-                <a:ea typeface="+mn-ea"/>
-                <a:cs typeface="+mn-cs"/>
-              </a:rPr>
-              <a:t>Camera</a:t>
-            </a:r>
-          </a:p>
-          <a:p>
-            <a:pPr marL="0" marR="0" lvl="0" indent="0" algn="ctr" defTabSz="914400" rtl="0" eaLnBrk="1" fontAlgn="auto" latinLnBrk="0" hangingPunct="1">
-              <a:lnSpc>
-                <a:spcPct val="100000"/>
-              </a:lnSpc>
-              <a:spcBef>
-                <a:spcPts val="0"/>
-              </a:spcBef>
-              <a:spcAft>
-                <a:spcPts val="0"/>
-              </a:spcAft>
-              <a:buClrTx/>
-              <a:buSzTx/>
-              <a:buFontTx/>
-              <a:buNone/>
-              <a:tabLst/>
-              <a:defRPr/>
-            </a:pPr>
-            <a:r>
-              <a:rPr kumimoji="0" lang="nl-NL" sz="900" b="1" i="0" u="none" strike="noStrike" kern="1200" cap="none" spc="0" normalizeH="0" baseline="0" noProof="0" dirty="0" err="1">
-                <a:ln>
-                  <a:noFill/>
-                </a:ln>
-                <a:solidFill>
-                  <a:prstClr val="white"/>
-                </a:solidFill>
-                <a:effectLst/>
-                <a:uLnTx/>
-                <a:uFillTx/>
-                <a:latin typeface="Calibri" panose="020F0502020204030204"/>
-                <a:ea typeface="+mn-ea"/>
-                <a:cs typeface="+mn-cs"/>
-              </a:rPr>
-              <a:t>Simulation</a:t>
-            </a:r>
-            <a:endParaRPr kumimoji="0" lang="nl-NL" sz="900" b="1" i="0" u="none" strike="noStrike" kern="1200" cap="none" spc="0" normalizeH="0" baseline="0" noProof="0" dirty="0">
-              <a:ln>
-                <a:noFill/>
-              </a:ln>
-              <a:solidFill>
-                <a:prstClr val="white"/>
-              </a:solidFill>
-              <a:effectLst/>
-              <a:uLnTx/>
-              <a:uFillTx/>
-              <a:latin typeface="Calibri" panose="020F0502020204030204"/>
-              <a:ea typeface="+mn-ea"/>
-              <a:cs typeface="+mn-cs"/>
-            </a:endParaRPr>
           </a:p>
         </p:txBody>
       </p:sp>
@@ -20855,12 +20508,12 @@
         </p:nvCxnSpPr>
         <p:spPr>
           <a:xfrm>
-            <a:off x="4971049" y="3371608"/>
-            <a:ext cx="1284527" cy="362844"/>
+            <a:off x="4971049" y="3368493"/>
+            <a:ext cx="1284527" cy="365959"/>
           </a:xfrm>
           <a:prstGeom prst="bentConnector3">
             <a:avLst>
-              <a:gd name="adj1" fmla="val 14337"/>
+              <a:gd name="adj1" fmla="val 50000"/>
             </a:avLst>
           </a:prstGeom>
           <a:ln w="19050">
@@ -20885,268 +20538,6 @@
           </a:fontRef>
         </p:style>
       </p:cxnSp>
-      <p:sp>
-        <p:nvSpPr>
-          <p:cNvPr id="11" name="Rectangle 10">
-            <a:extLst>
-              <a:ext uri="{FF2B5EF4-FFF2-40B4-BE49-F238E27FC236}">
-                <a16:creationId xmlns:a16="http://schemas.microsoft.com/office/drawing/2014/main" id="{8CC6B7FE-3D49-7D7C-BF93-C8E7963D5FE8}"/>
-              </a:ext>
-            </a:extLst>
-          </p:cNvPr>
-          <p:cNvSpPr/>
-          <p:nvPr/>
-        </p:nvSpPr>
-        <p:spPr>
-          <a:xfrm>
-            <a:off x="991572" y="4064440"/>
-            <a:ext cx="741974" cy="655232"/>
-          </a:xfrm>
-          <a:prstGeom prst="rect">
-            <a:avLst/>
-          </a:prstGeom>
-          <a:solidFill>
-            <a:srgbClr val="0070C0"/>
-          </a:solidFill>
-        </p:spPr>
-        <p:style>
-          <a:lnRef idx="2">
-            <a:schemeClr val="accent1">
-              <a:shade val="50000"/>
-            </a:schemeClr>
-          </a:lnRef>
-          <a:fillRef idx="1">
-            <a:schemeClr val="accent1"/>
-          </a:fillRef>
-          <a:effectRef idx="0">
-            <a:schemeClr val="accent1"/>
-          </a:effectRef>
-          <a:fontRef idx="minor">
-            <a:schemeClr val="lt1"/>
-          </a:fontRef>
-        </p:style>
-        <p:txBody>
-          <a:bodyPr rtlCol="0" anchor="ctr"/>
-          <a:lstStyle/>
-          <a:p>
-            <a:pPr marL="0" marR="0" lvl="0" indent="0" algn="ctr" defTabSz="914400" rtl="0" eaLnBrk="1" fontAlgn="auto" latinLnBrk="0" hangingPunct="1">
-              <a:lnSpc>
-                <a:spcPct val="100000"/>
-              </a:lnSpc>
-              <a:spcBef>
-                <a:spcPts val="0"/>
-              </a:spcBef>
-              <a:spcAft>
-                <a:spcPts val="0"/>
-              </a:spcAft>
-              <a:buClrTx/>
-              <a:buSzTx/>
-              <a:buFontTx/>
-              <a:buNone/>
-              <a:tabLst/>
-              <a:defRPr/>
-            </a:pPr>
-            <a:r>
-              <a:rPr kumimoji="0" lang="nl-NL" sz="900" b="1" i="0" u="none" strike="noStrike" kern="1200" cap="none" spc="0" normalizeH="0" baseline="0" noProof="0" dirty="0">
-                <a:ln>
-                  <a:noFill/>
-                </a:ln>
-                <a:solidFill>
-                  <a:prstClr val="white"/>
-                </a:solidFill>
-                <a:effectLst/>
-                <a:uLnTx/>
-                <a:uFillTx/>
-                <a:latin typeface="Calibri" panose="020F0502020204030204"/>
-                <a:ea typeface="+mn-ea"/>
-                <a:cs typeface="+mn-cs"/>
-              </a:rPr>
-              <a:t>CO2 Sensor</a:t>
-            </a:r>
-          </a:p>
-          <a:p>
-            <a:pPr marL="0" marR="0" lvl="0" indent="0" algn="ctr" defTabSz="914400" rtl="0" eaLnBrk="1" fontAlgn="auto" latinLnBrk="0" hangingPunct="1">
-              <a:lnSpc>
-                <a:spcPct val="100000"/>
-              </a:lnSpc>
-              <a:spcBef>
-                <a:spcPts val="0"/>
-              </a:spcBef>
-              <a:spcAft>
-                <a:spcPts val="0"/>
-              </a:spcAft>
-              <a:buClrTx/>
-              <a:buSzTx/>
-              <a:buFontTx/>
-              <a:buNone/>
-              <a:tabLst/>
-              <a:defRPr/>
-            </a:pPr>
-            <a:r>
-              <a:rPr kumimoji="0" lang="nl-NL" sz="900" b="1" i="0" u="none" strike="noStrike" kern="1200" cap="none" spc="0" normalizeH="0" baseline="0" noProof="0" dirty="0" err="1">
-                <a:ln>
-                  <a:noFill/>
-                </a:ln>
-                <a:solidFill>
-                  <a:prstClr val="white"/>
-                </a:solidFill>
-                <a:effectLst/>
-                <a:uLnTx/>
-                <a:uFillTx/>
-                <a:latin typeface="Calibri" panose="020F0502020204030204"/>
-                <a:ea typeface="+mn-ea"/>
-                <a:cs typeface="+mn-cs"/>
-              </a:rPr>
-              <a:t>Simulation</a:t>
-            </a:r>
-            <a:endParaRPr kumimoji="0" lang="nl-NL" sz="900" b="1" i="0" u="none" strike="noStrike" kern="1200" cap="none" spc="0" normalizeH="0" baseline="0" noProof="0" dirty="0">
-              <a:ln>
-                <a:noFill/>
-              </a:ln>
-              <a:solidFill>
-                <a:prstClr val="white"/>
-              </a:solidFill>
-              <a:effectLst/>
-              <a:uLnTx/>
-              <a:uFillTx/>
-              <a:latin typeface="Calibri" panose="020F0502020204030204"/>
-              <a:ea typeface="+mn-ea"/>
-              <a:cs typeface="+mn-cs"/>
-            </a:endParaRPr>
-          </a:p>
-        </p:txBody>
-      </p:sp>
-      <p:sp>
-        <p:nvSpPr>
-          <p:cNvPr id="32" name="Rectangle 31">
-            <a:extLst>
-              <a:ext uri="{FF2B5EF4-FFF2-40B4-BE49-F238E27FC236}">
-                <a16:creationId xmlns:a16="http://schemas.microsoft.com/office/drawing/2014/main" id="{CE11509D-3D5C-CE03-80A6-3126557720E8}"/>
-              </a:ext>
-            </a:extLst>
-          </p:cNvPr>
-          <p:cNvSpPr/>
-          <p:nvPr/>
-        </p:nvSpPr>
-        <p:spPr>
-          <a:xfrm>
-            <a:off x="10419222" y="3506893"/>
-            <a:ext cx="920416" cy="657296"/>
-          </a:xfrm>
-          <a:prstGeom prst="rect">
-            <a:avLst/>
-          </a:prstGeom>
-          <a:solidFill>
-            <a:srgbClr val="0070C0"/>
-          </a:solidFill>
-        </p:spPr>
-        <p:style>
-          <a:lnRef idx="2">
-            <a:schemeClr val="accent1">
-              <a:shade val="50000"/>
-            </a:schemeClr>
-          </a:lnRef>
-          <a:fillRef idx="1">
-            <a:schemeClr val="accent1"/>
-          </a:fillRef>
-          <a:effectRef idx="0">
-            <a:schemeClr val="accent1"/>
-          </a:effectRef>
-          <a:fontRef idx="minor">
-            <a:schemeClr val="lt1"/>
-          </a:fontRef>
-        </p:style>
-        <p:txBody>
-          <a:bodyPr rtlCol="0" anchor="ctr"/>
-          <a:lstStyle/>
-          <a:p>
-            <a:pPr marL="0" marR="0" lvl="0" indent="0" algn="ctr" defTabSz="914400" rtl="0" eaLnBrk="1" fontAlgn="auto" latinLnBrk="0" hangingPunct="1">
-              <a:lnSpc>
-                <a:spcPct val="100000"/>
-              </a:lnSpc>
-              <a:spcBef>
-                <a:spcPts val="0"/>
-              </a:spcBef>
-              <a:spcAft>
-                <a:spcPts val="0"/>
-              </a:spcAft>
-              <a:buClrTx/>
-              <a:buSzTx/>
-              <a:buFontTx/>
-              <a:buNone/>
-              <a:tabLst/>
-              <a:defRPr/>
-            </a:pPr>
-            <a:r>
-              <a:rPr kumimoji="0" lang="nl-NL" sz="900" b="1" i="0" u="none" strike="noStrike" kern="1200" cap="none" spc="0" normalizeH="0" baseline="0" noProof="0" dirty="0" err="1">
-                <a:ln>
-                  <a:noFill/>
-                </a:ln>
-                <a:solidFill>
-                  <a:prstClr val="white"/>
-                </a:solidFill>
-                <a:effectLst/>
-                <a:uLnTx/>
-                <a:uFillTx/>
-                <a:latin typeface="Calibri" panose="020F0502020204030204"/>
-                <a:ea typeface="+mn-ea"/>
-                <a:cs typeface="+mn-cs"/>
-              </a:rPr>
-              <a:t>Measurements</a:t>
-            </a:r>
-            <a:endParaRPr kumimoji="0" lang="nl-NL" sz="900" b="1" i="0" u="none" strike="noStrike" kern="1200" cap="none" spc="0" normalizeH="0" baseline="0" noProof="0" dirty="0">
-              <a:ln>
-                <a:noFill/>
-              </a:ln>
-              <a:solidFill>
-                <a:prstClr val="white"/>
-              </a:solidFill>
-              <a:effectLst/>
-              <a:uLnTx/>
-              <a:uFillTx/>
-              <a:latin typeface="Calibri" panose="020F0502020204030204"/>
-              <a:ea typeface="+mn-ea"/>
-              <a:cs typeface="+mn-cs"/>
-            </a:endParaRPr>
-          </a:p>
-          <a:p>
-            <a:pPr marL="0" marR="0" lvl="0" indent="0" algn="ctr" defTabSz="914400" rtl="0" eaLnBrk="1" fontAlgn="auto" latinLnBrk="0" hangingPunct="1">
-              <a:lnSpc>
-                <a:spcPct val="100000"/>
-              </a:lnSpc>
-              <a:spcBef>
-                <a:spcPts val="0"/>
-              </a:spcBef>
-              <a:spcAft>
-                <a:spcPts val="0"/>
-              </a:spcAft>
-              <a:buClrTx/>
-              <a:buSzTx/>
-              <a:buFontTx/>
-              <a:buNone/>
-              <a:tabLst/>
-              <a:defRPr/>
-            </a:pPr>
-            <a:r>
-              <a:rPr kumimoji="0" lang="nl-NL" sz="900" b="1" i="0" u="none" strike="noStrike" kern="1200" cap="none" spc="0" normalizeH="0" baseline="0" noProof="0" dirty="0">
-                <a:ln>
-                  <a:noFill/>
-                </a:ln>
-                <a:solidFill>
-                  <a:prstClr val="white"/>
-                </a:solidFill>
-                <a:effectLst/>
-                <a:uLnTx/>
-                <a:uFillTx/>
-                <a:latin typeface="Calibri" panose="020F0502020204030204"/>
-                <a:ea typeface="+mn-ea"/>
-                <a:cs typeface="+mn-cs"/>
-              </a:rPr>
-              <a:t>Dashboard</a:t>
-            </a:r>
-          </a:p>
-        </p:txBody>
-      </p:sp>
       <p:sp>
         <p:nvSpPr>
           <p:cNvPr id="42" name="Rectangle: Rounded Corners 41">
@@ -21263,9 +20654,9 @@
         <p:grpSpPr>
           <a:xfrm>
             <a:off x="1733547" y="3043992"/>
-            <a:ext cx="462261" cy="655233"/>
+            <a:ext cx="462261" cy="1465253"/>
             <a:chOff x="4806927" y="431670"/>
-            <a:chExt cx="560207" cy="794065"/>
+            <a:chExt cx="560207" cy="1775714"/>
           </a:xfrm>
         </p:grpSpPr>
         <p:sp>
@@ -21283,7 +20674,7 @@
           <p:spPr>
             <a:xfrm>
               <a:off x="4806927" y="431670"/>
-              <a:ext cx="560207" cy="794065"/>
+              <a:ext cx="560207" cy="1775714"/>
             </a:xfrm>
             <a:prstGeom prst="rect">
               <a:avLst/>
@@ -21301,7 +20692,7 @@
             <a:effectLst/>
           </p:spPr>
           <p:txBody>
-            <a:bodyPr tIns="0" bIns="180000" rtlCol="0" anchor="b"/>
+            <a:bodyPr tIns="0" bIns="540000" rtlCol="0" anchor="b"/>
             <a:lstStyle/>
             <a:p>
               <a:pPr marL="0" marR="0" lvl="0" indent="0" algn="ctr" defTabSz="914400" eaLnBrk="1" fontAlgn="auto" latinLnBrk="0" hangingPunct="1">
@@ -21380,149 +20771,8 @@
           </p:blipFill>
           <p:spPr>
             <a:xfrm>
-              <a:off x="4878079" y="632227"/>
-              <a:ext cx="420708" cy="309514"/>
-            </a:xfrm>
-            <a:prstGeom prst="rect">
-              <a:avLst/>
-            </a:prstGeom>
-          </p:spPr>
-        </p:pic>
-      </p:grpSp>
-      <p:grpSp>
-        <p:nvGrpSpPr>
-          <p:cNvPr id="196" name="Group 195">
-            <a:extLst>
-              <a:ext uri="{FF2B5EF4-FFF2-40B4-BE49-F238E27FC236}">
-                <a16:creationId xmlns:a16="http://schemas.microsoft.com/office/drawing/2014/main" id="{BB0DED38-C3F4-6DD3-8655-2D1609EFBD99}"/>
-              </a:ext>
-            </a:extLst>
-          </p:cNvPr>
-          <p:cNvGrpSpPr/>
-          <p:nvPr/>
-        </p:nvGrpSpPr>
-        <p:grpSpPr>
-          <a:xfrm>
-            <a:off x="1742122" y="4064441"/>
-            <a:ext cx="462261" cy="655232"/>
-            <a:chOff x="4806927" y="431671"/>
-            <a:chExt cx="560207" cy="794064"/>
-          </a:xfrm>
-        </p:grpSpPr>
-        <p:sp>
-          <p:nvSpPr>
-            <p:cNvPr id="197" name="Rectangle 196">
-              <a:extLst>
-                <a:ext uri="{FF2B5EF4-FFF2-40B4-BE49-F238E27FC236}">
-                  <a16:creationId xmlns:a16="http://schemas.microsoft.com/office/drawing/2014/main" id="{A559795F-7CE0-0EDA-99FE-1855B43138E6}"/>
-                </a:ext>
-              </a:extLst>
-            </p:cNvPr>
-            <p:cNvSpPr/>
-            <p:nvPr/>
-          </p:nvSpPr>
-          <p:spPr>
-            <a:xfrm>
-              <a:off x="4806927" y="431671"/>
-              <a:ext cx="560207" cy="794064"/>
-            </a:xfrm>
-            <a:prstGeom prst="rect">
-              <a:avLst/>
-            </a:prstGeom>
-            <a:solidFill>
-              <a:srgbClr val="00B0F0"/>
-            </a:solidFill>
-            <a:ln w="12700" cap="flat" cmpd="sng" algn="ctr">
-              <a:solidFill>
-                <a:schemeClr val="tx1"/>
-              </a:solidFill>
-              <a:prstDash val="solid"/>
-              <a:miter lim="800000"/>
-            </a:ln>
-            <a:effectLst/>
-          </p:spPr>
-          <p:txBody>
-            <a:bodyPr tIns="0" bIns="180000" rtlCol="0" anchor="b"/>
-            <a:lstStyle/>
-            <a:p>
-              <a:pPr marL="0" marR="0" lvl="0" indent="0" algn="ctr" defTabSz="914400" eaLnBrk="1" fontAlgn="auto" latinLnBrk="0" hangingPunct="1">
-                <a:lnSpc>
-                  <a:spcPct val="100000"/>
-                </a:lnSpc>
-                <a:spcBef>
-                  <a:spcPts val="0"/>
-                </a:spcBef>
-                <a:spcAft>
-                  <a:spcPts val="0"/>
-                </a:spcAft>
-                <a:buClrTx/>
-                <a:buSzTx/>
-                <a:buFontTx/>
-                <a:buNone/>
-                <a:tabLst/>
-                <a:defRPr/>
-              </a:pPr>
-              <a:r>
-                <a:rPr kumimoji="0" lang="nl-NL" sz="500" b="1" i="0" u="none" strike="noStrike" kern="0" cap="none" spc="0" normalizeH="0" baseline="0" noProof="0" dirty="0">
-                  <a:ln>
-                    <a:noFill/>
-                  </a:ln>
-                  <a:solidFill>
-                    <a:prstClr val="white"/>
-                  </a:solidFill>
-                  <a:effectLst/>
-                  <a:uLnTx/>
-                  <a:uFillTx/>
-                </a:rPr>
-                <a:t>Sidecar</a:t>
-              </a:r>
-              <a:endParaRPr kumimoji="0" lang="en-US" sz="500" b="1" i="0" u="none" strike="noStrike" kern="0" cap="none" spc="0" normalizeH="0" baseline="0" noProof="0" dirty="0">
-                <a:ln>
-                  <a:noFill/>
-                </a:ln>
-                <a:solidFill>
-                  <a:prstClr val="white"/>
-                </a:solidFill>
-                <a:effectLst/>
-                <a:uLnTx/>
-                <a:uFillTx/>
-              </a:endParaRPr>
-            </a:p>
-          </p:txBody>
-        </p:sp>
-        <p:pic>
-          <p:nvPicPr>
-            <p:cNvPr id="198" name="Graphic 197">
-              <a:extLst>
-                <a:ext uri="{FF2B5EF4-FFF2-40B4-BE49-F238E27FC236}">
-                  <a16:creationId xmlns:a16="http://schemas.microsoft.com/office/drawing/2014/main" id="{8828660E-0528-B4DC-AC6C-AD8B7C5D325D}"/>
-                </a:ext>
-              </a:extLst>
-            </p:cNvPr>
-            <p:cNvPicPr>
-              <a:picLocks noChangeAspect="1"/>
-            </p:cNvPicPr>
-            <p:nvPr/>
-          </p:nvPicPr>
-          <p:blipFill>
-            <a:blip r:embed="rId2">
-              <a:extLst>
-                <a:ext uri="{28A0092B-C50C-407E-A947-70E740481C1C}">
-                  <a14:useLocalDpi xmlns:a14="http://schemas.microsoft.com/office/drawing/2010/main" val="0"/>
-                </a:ext>
-                <a:ext uri="{96DAC541-7B7A-43D3-8B79-37D633B846F1}">
-                  <asvg:svgBlip xmlns:asvg="http://schemas.microsoft.com/office/drawing/2016/SVG/main" r:embed="rId3"/>
-                </a:ext>
-              </a:extLst>
-            </a:blip>
-            <a:stretch>
-              <a:fillRect/>
-            </a:stretch>
-          </p:blipFill>
-          <p:spPr>
-            <a:xfrm>
-              <a:off x="4878079" y="632227"/>
-              <a:ext cx="420708" cy="309514"/>
+              <a:off x="4878079" y="1103325"/>
+              <a:ext cx="420708" cy="309513"/>
             </a:xfrm>
             <a:prstGeom prst="rect">
               <a:avLst/>
@@ -21872,10 +21122,10 @@
         </p:nvGrpSpPr>
         <p:grpSpPr>
           <a:xfrm>
-            <a:off x="4508788" y="3043992"/>
-            <a:ext cx="462261" cy="655233"/>
-            <a:chOff x="4806927" y="431670"/>
-            <a:chExt cx="560207" cy="794065"/>
+            <a:off x="4508788" y="3039845"/>
+            <a:ext cx="462261" cy="657296"/>
+            <a:chOff x="4806927" y="426644"/>
+            <a:chExt cx="560207" cy="796565"/>
           </a:xfrm>
         </p:grpSpPr>
         <p:sp>
@@ -21892,8 +21142,8 @@
           </p:nvSpPr>
           <p:spPr>
             <a:xfrm>
-              <a:off x="4806927" y="431670"/>
-              <a:ext cx="560207" cy="794065"/>
+              <a:off x="4806927" y="426644"/>
+              <a:ext cx="560207" cy="796565"/>
             </a:xfrm>
             <a:prstGeom prst="rect">
               <a:avLst/>
@@ -22131,7 +21381,6 @@
           </p:cNvPr>
           <p:cNvCxnSpPr>
             <a:cxnSpLocks/>
-            <a:stCxn id="197" idx="3"/>
           </p:cNvCxnSpPr>
           <p:nvPr/>
         </p:nvCxnSpPr>
@@ -22260,9 +21509,9 @@
           <p:nvPr/>
         </p:nvCxnSpPr>
         <p:spPr>
-          <a:xfrm flipH="1" flipV="1">
-            <a:off x="4739918" y="2093911"/>
-            <a:ext cx="1" cy="950081"/>
+          <a:xfrm flipV="1">
+            <a:off x="4739919" y="2093911"/>
+            <a:ext cx="0" cy="945934"/>
           </a:xfrm>
           <a:prstGeom prst="straightConnector1">
             <a:avLst/>
@@ -22455,26 +21704,709 @@
           </a:fontRef>
         </p:style>
       </p:cxnSp>
+      <p:sp>
+        <p:nvSpPr>
+          <p:cNvPr id="2" name="Rectangle 1">
+            <a:extLst>
+              <a:ext uri="{FF2B5EF4-FFF2-40B4-BE49-F238E27FC236}">
+                <a16:creationId xmlns:a16="http://schemas.microsoft.com/office/drawing/2014/main" id="{9819E7AC-9808-599A-B306-FACE94231355}"/>
+              </a:ext>
+            </a:extLst>
+          </p:cNvPr>
+          <p:cNvSpPr/>
+          <p:nvPr/>
+        </p:nvSpPr>
+        <p:spPr>
+          <a:xfrm>
+            <a:off x="431563" y="2682187"/>
+            <a:ext cx="1314907" cy="2104529"/>
+          </a:xfrm>
+          <a:prstGeom prst="rect">
+            <a:avLst/>
+          </a:prstGeom>
+          <a:solidFill>
+            <a:srgbClr val="0070C0"/>
+          </a:solidFill>
+        </p:spPr>
+        <p:style>
+          <a:lnRef idx="2">
+            <a:schemeClr val="accent1">
+              <a:shade val="50000"/>
+            </a:schemeClr>
+          </a:lnRef>
+          <a:fillRef idx="1">
+            <a:schemeClr val="accent1"/>
+          </a:fillRef>
+          <a:effectRef idx="0">
+            <a:schemeClr val="accent1"/>
+          </a:effectRef>
+          <a:fontRef idx="minor">
+            <a:schemeClr val="lt1"/>
+          </a:fontRef>
+        </p:style>
+        <p:txBody>
+          <a:bodyPr rtlCol="0" anchor="t"/>
+          <a:lstStyle/>
+          <a:p>
+            <a:pPr marL="0" marR="0" lvl="0" indent="0" algn="ctr" defTabSz="914400" rtl="0" eaLnBrk="1" fontAlgn="auto" latinLnBrk="0" hangingPunct="1">
+              <a:lnSpc>
+                <a:spcPct val="100000"/>
+              </a:lnSpc>
+              <a:spcBef>
+                <a:spcPts val="0"/>
+              </a:spcBef>
+              <a:spcAft>
+                <a:spcPts val="0"/>
+              </a:spcAft>
+              <a:buClrTx/>
+              <a:buSzTx/>
+              <a:buFontTx/>
+              <a:buNone/>
+              <a:tabLst/>
+              <a:defRPr/>
+            </a:pPr>
+            <a:r>
+              <a:rPr kumimoji="0" lang="nl-NL" sz="900" b="1" i="0" u="none" strike="noStrike" kern="1200" cap="none" spc="0" normalizeH="0" baseline="0" noProof="0" dirty="0" err="1">
+                <a:ln>
+                  <a:noFill/>
+                </a:ln>
+                <a:solidFill>
+                  <a:prstClr val="white"/>
+                </a:solidFill>
+                <a:effectLst/>
+                <a:uLnTx/>
+                <a:uFillTx/>
+                <a:latin typeface="Calibri" panose="020F0502020204030204"/>
+                <a:ea typeface="+mn-ea"/>
+                <a:cs typeface="+mn-cs"/>
+              </a:rPr>
+              <a:t>Simulation</a:t>
+            </a:r>
+            <a:endParaRPr kumimoji="0" lang="nl-NL" sz="900" b="1" i="0" u="none" strike="noStrike" kern="1200" cap="none" spc="0" normalizeH="0" baseline="0" noProof="0" dirty="0">
+              <a:ln>
+                <a:noFill/>
+              </a:ln>
+              <a:solidFill>
+                <a:prstClr val="white"/>
+              </a:solidFill>
+              <a:effectLst/>
+              <a:uLnTx/>
+              <a:uFillTx/>
+              <a:latin typeface="Calibri" panose="020F0502020204030204"/>
+              <a:ea typeface="+mn-ea"/>
+              <a:cs typeface="+mn-cs"/>
+            </a:endParaRPr>
+          </a:p>
+        </p:txBody>
+      </p:sp>
+      <p:sp>
+        <p:nvSpPr>
+          <p:cNvPr id="5" name="Rectangle 4">
+            <a:extLst>
+              <a:ext uri="{FF2B5EF4-FFF2-40B4-BE49-F238E27FC236}">
+                <a16:creationId xmlns:a16="http://schemas.microsoft.com/office/drawing/2014/main" id="{73C81DE0-3590-DCED-EB87-4E24752E4E64}"/>
+              </a:ext>
+            </a:extLst>
+          </p:cNvPr>
+          <p:cNvSpPr/>
+          <p:nvPr/>
+        </p:nvSpPr>
+        <p:spPr>
+          <a:xfrm>
+            <a:off x="538193" y="2962412"/>
+            <a:ext cx="927971" cy="673239"/>
+          </a:xfrm>
+          <a:prstGeom prst="rect">
+            <a:avLst/>
+          </a:prstGeom>
+          <a:solidFill>
+            <a:srgbClr val="7030A0"/>
+          </a:solidFill>
+          <a:ln>
+            <a:solidFill>
+              <a:schemeClr val="tx1"/>
+            </a:solidFill>
+          </a:ln>
+        </p:spPr>
+        <p:style>
+          <a:lnRef idx="2">
+            <a:schemeClr val="accent1">
+              <a:shade val="50000"/>
+            </a:schemeClr>
+          </a:lnRef>
+          <a:fillRef idx="1">
+            <a:schemeClr val="accent1"/>
+          </a:fillRef>
+          <a:effectRef idx="0">
+            <a:schemeClr val="accent1"/>
+          </a:effectRef>
+          <a:fontRef idx="minor">
+            <a:schemeClr val="lt1"/>
+          </a:fontRef>
+        </p:style>
+        <p:txBody>
+          <a:bodyPr rtlCol="0" anchor="ctr"/>
+          <a:lstStyle/>
+          <a:p>
+            <a:pPr marL="0" marR="0" lvl="0" indent="0" algn="ctr" defTabSz="914400" rtl="0" eaLnBrk="1" fontAlgn="auto" latinLnBrk="0" hangingPunct="1">
+              <a:lnSpc>
+                <a:spcPct val="100000"/>
+              </a:lnSpc>
+              <a:spcBef>
+                <a:spcPts val="0"/>
+              </a:spcBef>
+              <a:spcAft>
+                <a:spcPts val="0"/>
+              </a:spcAft>
+              <a:buClrTx/>
+              <a:buSzTx/>
+              <a:buFontTx/>
+              <a:buNone/>
+              <a:tabLst/>
+              <a:defRPr/>
+            </a:pPr>
+            <a:r>
+              <a:rPr kumimoji="0" lang="nl-NL" sz="900" b="1" i="0" u="none" strike="noStrike" kern="1200" cap="none" spc="0" normalizeH="0" baseline="0" noProof="0" dirty="0">
+                <a:ln>
+                  <a:noFill/>
+                </a:ln>
+                <a:solidFill>
+                  <a:prstClr val="white"/>
+                </a:solidFill>
+                <a:effectLst/>
+                <a:uLnTx/>
+                <a:uFillTx/>
+                <a:latin typeface="Calibri" panose="020F0502020204030204"/>
+                <a:ea typeface="+mn-ea"/>
+                <a:cs typeface="+mn-cs"/>
+              </a:rPr>
+              <a:t>Camera</a:t>
+            </a:r>
+          </a:p>
+          <a:p>
+            <a:pPr marL="0" marR="0" lvl="0" indent="0" algn="ctr" defTabSz="914400" rtl="0" eaLnBrk="1" fontAlgn="auto" latinLnBrk="0" hangingPunct="1">
+              <a:lnSpc>
+                <a:spcPct val="100000"/>
+              </a:lnSpc>
+              <a:spcBef>
+                <a:spcPts val="0"/>
+              </a:spcBef>
+              <a:spcAft>
+                <a:spcPts val="0"/>
+              </a:spcAft>
+              <a:buClrTx/>
+              <a:buSzTx/>
+              <a:buFontTx/>
+              <a:buNone/>
+              <a:tabLst/>
+              <a:defRPr/>
+            </a:pPr>
+            <a:r>
+              <a:rPr kumimoji="0" lang="nl-NL" sz="900" b="1" i="0" u="none" strike="noStrike" kern="1200" cap="none" spc="0" normalizeH="0" baseline="0" noProof="0" dirty="0" err="1">
+                <a:ln>
+                  <a:noFill/>
+                </a:ln>
+                <a:solidFill>
+                  <a:prstClr val="white"/>
+                </a:solidFill>
+                <a:effectLst/>
+                <a:uLnTx/>
+                <a:uFillTx/>
+                <a:latin typeface="Calibri" panose="020F0502020204030204"/>
+                <a:ea typeface="+mn-ea"/>
+                <a:cs typeface="+mn-cs"/>
+              </a:rPr>
+              <a:t>Simulation</a:t>
+            </a:r>
+            <a:endParaRPr kumimoji="0" lang="nl-NL" sz="900" b="1" i="0" u="none" strike="noStrike" kern="1200" cap="none" spc="0" normalizeH="0" baseline="0" noProof="0" dirty="0">
+              <a:ln>
+                <a:noFill/>
+              </a:ln>
+              <a:solidFill>
+                <a:prstClr val="white"/>
+              </a:solidFill>
+              <a:effectLst/>
+              <a:uLnTx/>
+              <a:uFillTx/>
+              <a:latin typeface="Calibri" panose="020F0502020204030204"/>
+              <a:ea typeface="+mn-ea"/>
+              <a:cs typeface="+mn-cs"/>
+            </a:endParaRPr>
+          </a:p>
+        </p:txBody>
+      </p:sp>
+      <p:sp>
+        <p:nvSpPr>
+          <p:cNvPr id="9" name="Rectangle 8">
+            <a:extLst>
+              <a:ext uri="{FF2B5EF4-FFF2-40B4-BE49-F238E27FC236}">
+                <a16:creationId xmlns:a16="http://schemas.microsoft.com/office/drawing/2014/main" id="{8B53DD7A-4A87-6F3A-DFC2-1F5BFBF613BB}"/>
+              </a:ext>
+            </a:extLst>
+          </p:cNvPr>
+          <p:cNvSpPr/>
+          <p:nvPr/>
+        </p:nvSpPr>
+        <p:spPr>
+          <a:xfrm>
+            <a:off x="625032" y="3078407"/>
+            <a:ext cx="927971" cy="673239"/>
+          </a:xfrm>
+          <a:prstGeom prst="rect">
+            <a:avLst/>
+          </a:prstGeom>
+          <a:solidFill>
+            <a:srgbClr val="7030A0"/>
+          </a:solidFill>
+          <a:ln>
+            <a:solidFill>
+              <a:schemeClr val="tx1"/>
+            </a:solidFill>
+          </a:ln>
+        </p:spPr>
+        <p:style>
+          <a:lnRef idx="2">
+            <a:schemeClr val="accent1">
+              <a:shade val="50000"/>
+            </a:schemeClr>
+          </a:lnRef>
+          <a:fillRef idx="1">
+            <a:schemeClr val="accent1"/>
+          </a:fillRef>
+          <a:effectRef idx="0">
+            <a:schemeClr val="accent1"/>
+          </a:effectRef>
+          <a:fontRef idx="minor">
+            <a:schemeClr val="lt1"/>
+          </a:fontRef>
+        </p:style>
+        <p:txBody>
+          <a:bodyPr rtlCol="0" anchor="ctr"/>
+          <a:lstStyle/>
+          <a:p>
+            <a:pPr marL="0" marR="0" lvl="0" indent="0" algn="ctr" defTabSz="914400" rtl="0" eaLnBrk="1" fontAlgn="auto" latinLnBrk="0" hangingPunct="1">
+              <a:lnSpc>
+                <a:spcPct val="100000"/>
+              </a:lnSpc>
+              <a:spcBef>
+                <a:spcPts val="0"/>
+              </a:spcBef>
+              <a:spcAft>
+                <a:spcPts val="0"/>
+              </a:spcAft>
+              <a:buClrTx/>
+              <a:buSzTx/>
+              <a:buFontTx/>
+              <a:buNone/>
+              <a:tabLst/>
+              <a:defRPr/>
+            </a:pPr>
+            <a:r>
+              <a:rPr kumimoji="0" lang="nl-NL" sz="900" b="1" i="0" u="none" strike="noStrike" kern="1200" cap="none" spc="0" normalizeH="0" baseline="0" noProof="0" dirty="0">
+                <a:ln>
+                  <a:noFill/>
+                </a:ln>
+                <a:solidFill>
+                  <a:prstClr val="white"/>
+                </a:solidFill>
+                <a:effectLst/>
+                <a:uLnTx/>
+                <a:uFillTx/>
+                <a:latin typeface="Calibri" panose="020F0502020204030204"/>
+                <a:ea typeface="+mn-ea"/>
+                <a:cs typeface="+mn-cs"/>
+              </a:rPr>
+              <a:t>Camera</a:t>
+            </a:r>
+          </a:p>
+          <a:p>
+            <a:pPr marL="0" marR="0" lvl="0" indent="0" algn="ctr" defTabSz="914400" rtl="0" eaLnBrk="1" fontAlgn="auto" latinLnBrk="0" hangingPunct="1">
+              <a:lnSpc>
+                <a:spcPct val="100000"/>
+              </a:lnSpc>
+              <a:spcBef>
+                <a:spcPts val="0"/>
+              </a:spcBef>
+              <a:spcAft>
+                <a:spcPts val="0"/>
+              </a:spcAft>
+              <a:buClrTx/>
+              <a:buSzTx/>
+              <a:buFontTx/>
+              <a:buNone/>
+              <a:tabLst/>
+              <a:defRPr/>
+            </a:pPr>
+            <a:r>
+              <a:rPr kumimoji="0" lang="nl-NL" sz="900" b="1" i="0" u="none" strike="noStrike" kern="1200" cap="none" spc="0" normalizeH="0" baseline="0" noProof="0" dirty="0" err="1">
+                <a:ln>
+                  <a:noFill/>
+                </a:ln>
+                <a:solidFill>
+                  <a:prstClr val="white"/>
+                </a:solidFill>
+                <a:effectLst/>
+                <a:uLnTx/>
+                <a:uFillTx/>
+                <a:latin typeface="Calibri" panose="020F0502020204030204"/>
+                <a:ea typeface="+mn-ea"/>
+                <a:cs typeface="+mn-cs"/>
+              </a:rPr>
+              <a:t>Simulation</a:t>
+            </a:r>
+            <a:endParaRPr kumimoji="0" lang="nl-NL" sz="900" b="1" i="0" u="none" strike="noStrike" kern="1200" cap="none" spc="0" normalizeH="0" baseline="0" noProof="0" dirty="0">
+              <a:ln>
+                <a:noFill/>
+              </a:ln>
+              <a:solidFill>
+                <a:prstClr val="white"/>
+              </a:solidFill>
+              <a:effectLst/>
+              <a:uLnTx/>
+              <a:uFillTx/>
+              <a:latin typeface="Calibri" panose="020F0502020204030204"/>
+              <a:ea typeface="+mn-ea"/>
+              <a:cs typeface="+mn-cs"/>
+            </a:endParaRPr>
+          </a:p>
+        </p:txBody>
+      </p:sp>
+      <p:sp>
+        <p:nvSpPr>
+          <p:cNvPr id="10" name="Rectangle 9">
+            <a:extLst>
+              <a:ext uri="{FF2B5EF4-FFF2-40B4-BE49-F238E27FC236}">
+                <a16:creationId xmlns:a16="http://schemas.microsoft.com/office/drawing/2014/main" id="{34219D17-CE1C-F916-8F9B-DEABA6B810CE}"/>
+              </a:ext>
+            </a:extLst>
+          </p:cNvPr>
+          <p:cNvSpPr/>
+          <p:nvPr/>
+        </p:nvSpPr>
+        <p:spPr>
+          <a:xfrm>
+            <a:off x="717745" y="3187692"/>
+            <a:ext cx="927971" cy="673239"/>
+          </a:xfrm>
+          <a:prstGeom prst="rect">
+            <a:avLst/>
+          </a:prstGeom>
+          <a:solidFill>
+            <a:srgbClr val="7030A0"/>
+          </a:solidFill>
+          <a:ln>
+            <a:solidFill>
+              <a:schemeClr val="tx1"/>
+            </a:solidFill>
+          </a:ln>
+        </p:spPr>
+        <p:style>
+          <a:lnRef idx="2">
+            <a:schemeClr val="accent1">
+              <a:shade val="50000"/>
+            </a:schemeClr>
+          </a:lnRef>
+          <a:fillRef idx="1">
+            <a:schemeClr val="accent1"/>
+          </a:fillRef>
+          <a:effectRef idx="0">
+            <a:schemeClr val="accent1"/>
+          </a:effectRef>
+          <a:fontRef idx="minor">
+            <a:schemeClr val="lt1"/>
+          </a:fontRef>
+        </p:style>
+        <p:txBody>
+          <a:bodyPr rtlCol="0" anchor="ctr"/>
+          <a:lstStyle/>
+          <a:p>
+            <a:pPr marL="0" marR="0" lvl="0" indent="0" algn="ctr" defTabSz="914400" rtl="0" eaLnBrk="1" fontAlgn="auto" latinLnBrk="0" hangingPunct="1">
+              <a:lnSpc>
+                <a:spcPct val="100000"/>
+              </a:lnSpc>
+              <a:spcBef>
+                <a:spcPts val="0"/>
+              </a:spcBef>
+              <a:spcAft>
+                <a:spcPts val="0"/>
+              </a:spcAft>
+              <a:buClrTx/>
+              <a:buSzTx/>
+              <a:buFontTx/>
+              <a:buNone/>
+              <a:tabLst/>
+              <a:defRPr/>
+            </a:pPr>
+            <a:r>
+              <a:rPr kumimoji="0" lang="nl-NL" sz="900" b="1" i="0" u="none" strike="noStrike" kern="1200" cap="none" spc="0" normalizeH="0" baseline="0" noProof="0" dirty="0">
+                <a:ln>
+                  <a:noFill/>
+                </a:ln>
+                <a:solidFill>
+                  <a:prstClr val="white"/>
+                </a:solidFill>
+                <a:effectLst/>
+                <a:uLnTx/>
+                <a:uFillTx/>
+                <a:latin typeface="Calibri" panose="020F0502020204030204"/>
+                <a:ea typeface="+mn-ea"/>
+                <a:cs typeface="+mn-cs"/>
+              </a:rPr>
+              <a:t>Camera</a:t>
+            </a:r>
+          </a:p>
+          <a:p>
+            <a:pPr marL="0" marR="0" lvl="0" indent="0" algn="ctr" defTabSz="914400" rtl="0" eaLnBrk="1" fontAlgn="auto" latinLnBrk="0" hangingPunct="1">
+              <a:lnSpc>
+                <a:spcPct val="100000"/>
+              </a:lnSpc>
+              <a:spcBef>
+                <a:spcPts val="0"/>
+              </a:spcBef>
+              <a:spcAft>
+                <a:spcPts val="0"/>
+              </a:spcAft>
+              <a:buClrTx/>
+              <a:buSzTx/>
+              <a:buFontTx/>
+              <a:buNone/>
+              <a:tabLst/>
+              <a:defRPr/>
+            </a:pPr>
+            <a:r>
+              <a:rPr kumimoji="0" lang="nl-NL" sz="900" b="1" i="0" u="none" strike="noStrike" kern="1200" cap="none" spc="0" normalizeH="0" baseline="0" noProof="0" dirty="0" err="1">
+                <a:ln>
+                  <a:noFill/>
+                </a:ln>
+                <a:solidFill>
+                  <a:prstClr val="white"/>
+                </a:solidFill>
+                <a:effectLst/>
+                <a:uLnTx/>
+                <a:uFillTx/>
+                <a:latin typeface="Calibri" panose="020F0502020204030204"/>
+                <a:ea typeface="+mn-ea"/>
+                <a:cs typeface="+mn-cs"/>
+              </a:rPr>
+              <a:t>Simulation</a:t>
+            </a:r>
+            <a:endParaRPr kumimoji="0" lang="nl-NL" sz="900" b="1" i="0" u="none" strike="noStrike" kern="1200" cap="none" spc="0" normalizeH="0" baseline="0" noProof="0" dirty="0">
+              <a:ln>
+                <a:noFill/>
+              </a:ln>
+              <a:solidFill>
+                <a:prstClr val="white"/>
+              </a:solidFill>
+              <a:effectLst/>
+              <a:uLnTx/>
+              <a:uFillTx/>
+              <a:latin typeface="Calibri" panose="020F0502020204030204"/>
+              <a:ea typeface="+mn-ea"/>
+              <a:cs typeface="+mn-cs"/>
+            </a:endParaRPr>
+          </a:p>
+        </p:txBody>
+      </p:sp>
+      <p:sp>
+        <p:nvSpPr>
+          <p:cNvPr id="12" name="Rectangle 11">
+            <a:extLst>
+              <a:ext uri="{FF2B5EF4-FFF2-40B4-BE49-F238E27FC236}">
+                <a16:creationId xmlns:a16="http://schemas.microsoft.com/office/drawing/2014/main" id="{11095D22-D904-8027-5FE8-5D176E102454}"/>
+              </a:ext>
+            </a:extLst>
+          </p:cNvPr>
+          <p:cNvSpPr>
+            <a:spLocks/>
+          </p:cNvSpPr>
+          <p:nvPr/>
+        </p:nvSpPr>
+        <p:spPr>
+          <a:xfrm>
+            <a:off x="625030" y="4014373"/>
+            <a:ext cx="927971" cy="673239"/>
+          </a:xfrm>
+          <a:prstGeom prst="rect">
+            <a:avLst/>
+          </a:prstGeom>
+          <a:solidFill>
+            <a:srgbClr val="7030A0"/>
+          </a:solidFill>
+          <a:ln>
+            <a:solidFill>
+              <a:schemeClr val="tx1"/>
+            </a:solidFill>
+          </a:ln>
+        </p:spPr>
+        <p:style>
+          <a:lnRef idx="2">
+            <a:schemeClr val="accent1">
+              <a:shade val="50000"/>
+            </a:schemeClr>
+          </a:lnRef>
+          <a:fillRef idx="1">
+            <a:schemeClr val="accent1"/>
+          </a:fillRef>
+          <a:effectRef idx="0">
+            <a:schemeClr val="accent1"/>
+          </a:effectRef>
+          <a:fontRef idx="minor">
+            <a:schemeClr val="lt1"/>
+          </a:fontRef>
+        </p:style>
+        <p:txBody>
+          <a:bodyPr rtlCol="0" anchor="ctr"/>
+          <a:lstStyle/>
+          <a:p>
+            <a:pPr marL="0" marR="0" lvl="0" indent="0" algn="ctr" defTabSz="914400" rtl="0" eaLnBrk="1" fontAlgn="auto" latinLnBrk="0" hangingPunct="1">
+              <a:lnSpc>
+                <a:spcPct val="100000"/>
+              </a:lnSpc>
+              <a:spcBef>
+                <a:spcPts val="0"/>
+              </a:spcBef>
+              <a:spcAft>
+                <a:spcPts val="0"/>
+              </a:spcAft>
+              <a:buClrTx/>
+              <a:buSzTx/>
+              <a:buFontTx/>
+              <a:buNone/>
+              <a:tabLst/>
+              <a:defRPr/>
+            </a:pPr>
+            <a:r>
+              <a:rPr kumimoji="0" lang="nl-NL" sz="900" b="1" i="0" u="none" strike="noStrike" kern="1200" cap="none" spc="0" normalizeH="0" baseline="0" noProof="0" dirty="0">
+                <a:ln>
+                  <a:noFill/>
+                </a:ln>
+                <a:solidFill>
+                  <a:prstClr val="white"/>
+                </a:solidFill>
+                <a:effectLst/>
+                <a:uLnTx/>
+                <a:uFillTx/>
+                <a:latin typeface="Calibri" panose="020F0502020204030204"/>
+                <a:ea typeface="+mn-ea"/>
+                <a:cs typeface="+mn-cs"/>
+              </a:rPr>
+              <a:t>CO2 Sensor</a:t>
+            </a:r>
+          </a:p>
+          <a:p>
+            <a:pPr marL="0" marR="0" lvl="0" indent="0" algn="ctr" defTabSz="914400" rtl="0" eaLnBrk="1" fontAlgn="auto" latinLnBrk="0" hangingPunct="1">
+              <a:lnSpc>
+                <a:spcPct val="100000"/>
+              </a:lnSpc>
+              <a:spcBef>
+                <a:spcPts val="0"/>
+              </a:spcBef>
+              <a:spcAft>
+                <a:spcPts val="0"/>
+              </a:spcAft>
+              <a:buClrTx/>
+              <a:buSzTx/>
+              <a:buFontTx/>
+              <a:buNone/>
+              <a:tabLst/>
+              <a:defRPr/>
+            </a:pPr>
+            <a:r>
+              <a:rPr kumimoji="0" lang="nl-NL" sz="900" b="1" i="0" u="none" strike="noStrike" kern="1200" cap="none" spc="0" normalizeH="0" baseline="0" noProof="0" dirty="0" err="1">
+                <a:ln>
+                  <a:noFill/>
+                </a:ln>
+                <a:solidFill>
+                  <a:prstClr val="white"/>
+                </a:solidFill>
+                <a:effectLst/>
+                <a:uLnTx/>
+                <a:uFillTx/>
+                <a:latin typeface="Calibri" panose="020F0502020204030204"/>
+                <a:ea typeface="+mn-ea"/>
+                <a:cs typeface="+mn-cs"/>
+              </a:rPr>
+              <a:t>Simulation</a:t>
+            </a:r>
+            <a:endParaRPr kumimoji="0" lang="nl-NL" sz="900" b="1" i="0" u="none" strike="noStrike" kern="1200" cap="none" spc="0" normalizeH="0" baseline="0" noProof="0" dirty="0">
+              <a:ln>
+                <a:noFill/>
+              </a:ln>
+              <a:solidFill>
+                <a:prstClr val="white"/>
+              </a:solidFill>
+              <a:effectLst/>
+              <a:uLnTx/>
+              <a:uFillTx/>
+              <a:latin typeface="Calibri" panose="020F0502020204030204"/>
+              <a:ea typeface="+mn-ea"/>
+              <a:cs typeface="+mn-cs"/>
+            </a:endParaRPr>
+          </a:p>
+        </p:txBody>
+      </p:sp>
+      <p:pic>
+        <p:nvPicPr>
+          <p:cNvPr id="3" name="Picture 2">
+            <a:extLst>
+              <a:ext uri="{FF2B5EF4-FFF2-40B4-BE49-F238E27FC236}">
+                <a16:creationId xmlns:a16="http://schemas.microsoft.com/office/drawing/2014/main" id="{CFC78E9A-005D-28EF-F074-1E11066F9AF2}"/>
+              </a:ext>
+            </a:extLst>
+          </p:cNvPr>
+          <p:cNvPicPr>
+            <a:picLocks noChangeAspect="1"/>
+          </p:cNvPicPr>
+          <p:nvPr/>
+        </p:nvPicPr>
+        <p:blipFill>
+          <a:blip r:embed="rId7"/>
+          <a:stretch>
+            <a:fillRect/>
+          </a:stretch>
+        </p:blipFill>
+        <p:spPr>
+          <a:xfrm>
+            <a:off x="10187763" y="3404792"/>
+            <a:ext cx="1238238" cy="861500"/>
+          </a:xfrm>
+          <a:prstGeom prst="rect">
+            <a:avLst/>
+          </a:prstGeom>
+          <a:ln>
+            <a:solidFill>
+              <a:schemeClr val="tx1"/>
+            </a:solidFill>
+          </a:ln>
+          <a:effectLst>
+            <a:outerShdw blurRad="50800" dist="38100" dir="2700000" algn="tl" rotWithShape="0">
+              <a:prstClr val="black">
+                <a:alpha val="40000"/>
+              </a:prstClr>
+            </a:outerShdw>
+          </a:effectLst>
+        </p:spPr>
+      </p:pic>
       <p:cxnSp>
         <p:nvCxnSpPr>
-          <p:cNvPr id="252" name="Straight Arrow Connector 7">
-            <a:extLst>
-              <a:ext uri="{FF2B5EF4-FFF2-40B4-BE49-F238E27FC236}">
-                <a16:creationId xmlns:a16="http://schemas.microsoft.com/office/drawing/2014/main" id="{77D076E8-ECAE-92AB-78C6-FD1663A81E89}"/>
+          <p:cNvPr id="11" name="Straight Arrow Connector 10">
+            <a:extLst>
+              <a:ext uri="{FF2B5EF4-FFF2-40B4-BE49-F238E27FC236}">
+                <a16:creationId xmlns:a16="http://schemas.microsoft.com/office/drawing/2014/main" id="{65FBD5C0-8E8A-7319-F96F-A1502610D712}"/>
               </a:ext>
             </a:extLst>
           </p:cNvPr>
           <p:cNvCxnSpPr>
             <a:cxnSpLocks/>
-            <a:stCxn id="32" idx="1"/>
-            <a:endCxn id="42" idx="3"/>
+            <a:stCxn id="42" idx="3"/>
+            <a:endCxn id="3" idx="1"/>
           </p:cNvCxnSpPr>
           <p:nvPr/>
         </p:nvCxnSpPr>
         <p:spPr>
-          <a:xfrm flipH="1">
-            <a:off x="9856771" y="3835541"/>
-            <a:ext cx="562451" cy="455"/>
+          <a:xfrm flipV="1">
+            <a:off x="9856771" y="3835542"/>
+            <a:ext cx="330992" cy="454"/>
           </a:xfrm>
           <a:prstGeom prst="straightConnector1">
             <a:avLst/>

--- a/img/Figures.pptx
+++ b/img/Figures.pptx
@@ -2033,7 +2033,7 @@
           <a:p>
             <a:fld id="{FBE30875-4028-481A-8091-6EDB19798FA1}" type="datetimeFigureOut">
               <a:rPr lang="en-NL" smtClean="0"/>
-              <a:t>02/14/2023</a:t>
+              <a:t>03/01/2023</a:t>
             </a:fld>
             <a:endParaRPr lang="en-NL"/>
           </a:p>
@@ -2594,7 +2594,7 @@
           <a:p>
             <a:fld id="{766785BB-7706-4DEE-A3EF-8F6193F80700}" type="datetimeFigureOut">
               <a:rPr lang="en-NL" smtClean="0"/>
-              <a:t>02/14/2023</a:t>
+              <a:t>03/01/2023</a:t>
             </a:fld>
             <a:endParaRPr lang="en-NL"/>
           </a:p>
@@ -2794,7 +2794,7 @@
           <a:p>
             <a:fld id="{766785BB-7706-4DEE-A3EF-8F6193F80700}" type="datetimeFigureOut">
               <a:rPr lang="en-NL" smtClean="0"/>
-              <a:t>02/14/2023</a:t>
+              <a:t>03/01/2023</a:t>
             </a:fld>
             <a:endParaRPr lang="en-NL"/>
           </a:p>
@@ -3004,7 +3004,7 @@
           <a:p>
             <a:fld id="{766785BB-7706-4DEE-A3EF-8F6193F80700}" type="datetimeFigureOut">
               <a:rPr lang="en-NL" smtClean="0"/>
-              <a:t>02/14/2023</a:t>
+              <a:t>03/01/2023</a:t>
             </a:fld>
             <a:endParaRPr lang="en-NL"/>
           </a:p>
@@ -3226,7 +3226,7 @@
           <a:p>
             <a:fld id="{705B85CB-7326-4CDB-B6DC-66899E5F8844}" type="datetimeFigureOut">
               <a:rPr lang="nl-NL" smtClean="0"/>
-              <a:t>14-2-2023</a:t>
+              <a:t>1-3-2023</a:t>
             </a:fld>
             <a:endParaRPr lang="nl-NL"/>
           </a:p>
@@ -3426,7 +3426,7 @@
           <a:p>
             <a:fld id="{705B85CB-7326-4CDB-B6DC-66899E5F8844}" type="datetimeFigureOut">
               <a:rPr lang="nl-NL" smtClean="0"/>
-              <a:t>14-2-2023</a:t>
+              <a:t>1-3-2023</a:t>
             </a:fld>
             <a:endParaRPr lang="nl-NL"/>
           </a:p>
@@ -3702,7 +3702,7 @@
           <a:p>
             <a:fld id="{705B85CB-7326-4CDB-B6DC-66899E5F8844}" type="datetimeFigureOut">
               <a:rPr lang="nl-NL" smtClean="0"/>
-              <a:t>14-2-2023</a:t>
+              <a:t>1-3-2023</a:t>
             </a:fld>
             <a:endParaRPr lang="nl-NL"/>
           </a:p>
@@ -3970,7 +3970,7 @@
           <a:p>
             <a:fld id="{705B85CB-7326-4CDB-B6DC-66899E5F8844}" type="datetimeFigureOut">
               <a:rPr lang="nl-NL" smtClean="0"/>
-              <a:t>14-2-2023</a:t>
+              <a:t>1-3-2023</a:t>
             </a:fld>
             <a:endParaRPr lang="nl-NL"/>
           </a:p>
@@ -4385,7 +4385,7 @@
           <a:p>
             <a:fld id="{705B85CB-7326-4CDB-B6DC-66899E5F8844}" type="datetimeFigureOut">
               <a:rPr lang="nl-NL" smtClean="0"/>
-              <a:t>14-2-2023</a:t>
+              <a:t>1-3-2023</a:t>
             </a:fld>
             <a:endParaRPr lang="nl-NL"/>
           </a:p>
@@ -4527,7 +4527,7 @@
           <a:p>
             <a:fld id="{705B85CB-7326-4CDB-B6DC-66899E5F8844}" type="datetimeFigureOut">
               <a:rPr lang="nl-NL" smtClean="0"/>
-              <a:t>14-2-2023</a:t>
+              <a:t>1-3-2023</a:t>
             </a:fld>
             <a:endParaRPr lang="nl-NL"/>
           </a:p>
@@ -4640,7 +4640,7 @@
           <a:p>
             <a:fld id="{705B85CB-7326-4CDB-B6DC-66899E5F8844}" type="datetimeFigureOut">
               <a:rPr lang="nl-NL" smtClean="0"/>
-              <a:t>14-2-2023</a:t>
+              <a:t>1-3-2023</a:t>
             </a:fld>
             <a:endParaRPr lang="nl-NL"/>
           </a:p>
@@ -4953,7 +4953,7 @@
           <a:p>
             <a:fld id="{705B85CB-7326-4CDB-B6DC-66899E5F8844}" type="datetimeFigureOut">
               <a:rPr lang="nl-NL" smtClean="0"/>
-              <a:t>14-2-2023</a:t>
+              <a:t>1-3-2023</a:t>
             </a:fld>
             <a:endParaRPr lang="nl-NL"/>
           </a:p>
@@ -5153,7 +5153,7 @@
           <a:p>
             <a:fld id="{766785BB-7706-4DEE-A3EF-8F6193F80700}" type="datetimeFigureOut">
               <a:rPr lang="en-NL" smtClean="0"/>
-              <a:t>02/14/2023</a:t>
+              <a:t>03/01/2023</a:t>
             </a:fld>
             <a:endParaRPr lang="en-NL"/>
           </a:p>
@@ -5442,7 +5442,7 @@
           <a:p>
             <a:fld id="{705B85CB-7326-4CDB-B6DC-66899E5F8844}" type="datetimeFigureOut">
               <a:rPr lang="nl-NL" smtClean="0"/>
-              <a:t>14-2-2023</a:t>
+              <a:t>1-3-2023</a:t>
             </a:fld>
             <a:endParaRPr lang="nl-NL"/>
           </a:p>
@@ -5642,7 +5642,7 @@
           <a:p>
             <a:fld id="{705B85CB-7326-4CDB-B6DC-66899E5F8844}" type="datetimeFigureOut">
               <a:rPr lang="nl-NL" smtClean="0"/>
-              <a:t>14-2-2023</a:t>
+              <a:t>1-3-2023</a:t>
             </a:fld>
             <a:endParaRPr lang="nl-NL"/>
           </a:p>
@@ -5852,7 +5852,7 @@
           <a:p>
             <a:fld id="{705B85CB-7326-4CDB-B6DC-66899E5F8844}" type="datetimeFigureOut">
               <a:rPr lang="nl-NL" smtClean="0"/>
-              <a:t>14-2-2023</a:t>
+              <a:t>1-3-2023</a:t>
             </a:fld>
             <a:endParaRPr lang="nl-NL"/>
           </a:p>
@@ -6128,7 +6128,7 @@
           <a:p>
             <a:fld id="{766785BB-7706-4DEE-A3EF-8F6193F80700}" type="datetimeFigureOut">
               <a:rPr lang="en-NL" smtClean="0"/>
-              <a:t>02/14/2023</a:t>
+              <a:t>03/01/2023</a:t>
             </a:fld>
             <a:endParaRPr lang="en-NL"/>
           </a:p>
@@ -6396,7 +6396,7 @@
           <a:p>
             <a:fld id="{766785BB-7706-4DEE-A3EF-8F6193F80700}" type="datetimeFigureOut">
               <a:rPr lang="en-NL" smtClean="0"/>
-              <a:t>02/14/2023</a:t>
+              <a:t>03/01/2023</a:t>
             </a:fld>
             <a:endParaRPr lang="en-NL"/>
           </a:p>
@@ -6811,7 +6811,7 @@
           <a:p>
             <a:fld id="{766785BB-7706-4DEE-A3EF-8F6193F80700}" type="datetimeFigureOut">
               <a:rPr lang="en-NL" smtClean="0"/>
-              <a:t>02/14/2023</a:t>
+              <a:t>03/01/2023</a:t>
             </a:fld>
             <a:endParaRPr lang="en-NL"/>
           </a:p>
@@ -6953,7 +6953,7 @@
           <a:p>
             <a:fld id="{766785BB-7706-4DEE-A3EF-8F6193F80700}" type="datetimeFigureOut">
               <a:rPr lang="en-NL" smtClean="0"/>
-              <a:t>02/14/2023</a:t>
+              <a:t>03/01/2023</a:t>
             </a:fld>
             <a:endParaRPr lang="en-NL"/>
           </a:p>
@@ -7066,7 +7066,7 @@
           <a:p>
             <a:fld id="{766785BB-7706-4DEE-A3EF-8F6193F80700}" type="datetimeFigureOut">
               <a:rPr lang="en-NL" smtClean="0"/>
-              <a:t>02/14/2023</a:t>
+              <a:t>03/01/2023</a:t>
             </a:fld>
             <a:endParaRPr lang="en-NL"/>
           </a:p>
@@ -7379,7 +7379,7 @@
           <a:p>
             <a:fld id="{766785BB-7706-4DEE-A3EF-8F6193F80700}" type="datetimeFigureOut">
               <a:rPr lang="en-NL" smtClean="0"/>
-              <a:t>02/14/2023</a:t>
+              <a:t>03/01/2023</a:t>
             </a:fld>
             <a:endParaRPr lang="en-NL"/>
           </a:p>
@@ -7668,7 +7668,7 @@
           <a:p>
             <a:fld id="{766785BB-7706-4DEE-A3EF-8F6193F80700}" type="datetimeFigureOut">
               <a:rPr lang="en-NL" smtClean="0"/>
-              <a:t>02/14/2023</a:t>
+              <a:t>03/01/2023</a:t>
             </a:fld>
             <a:endParaRPr lang="en-NL"/>
           </a:p>
@@ -7911,7 +7911,7 @@
           <a:p>
             <a:fld id="{766785BB-7706-4DEE-A3EF-8F6193F80700}" type="datetimeFigureOut">
               <a:rPr lang="en-NL" smtClean="0"/>
-              <a:t>02/14/2023</a:t>
+              <a:t>03/01/2023</a:t>
             </a:fld>
             <a:endParaRPr lang="en-NL"/>
           </a:p>
@@ -8481,7 +8481,7 @@
           <a:p>
             <a:fld id="{705B85CB-7326-4CDB-B6DC-66899E5F8844}" type="datetimeFigureOut">
               <a:rPr lang="nl-NL" smtClean="0"/>
-              <a:t>14-2-2023</a:t>
+              <a:t>1-3-2023</a:t>
             </a:fld>
             <a:endParaRPr lang="nl-NL"/>
           </a:p>
@@ -15025,13 +15025,8 @@
             </a:avLst>
           </a:prstGeom>
           <a:solidFill>
-            <a:schemeClr val="bg1">
-              <a:lumMod val="75000"/>
-            </a:schemeClr>
+            <a:srgbClr val="0070C0"/>
           </a:solidFill>
-          <a:ln>
-            <a:prstDash val="dash"/>
-          </a:ln>
         </p:spPr>
         <p:style>
           <a:lnRef idx="2">
@@ -15053,23 +15048,7 @@
           <a:bodyPr lIns="0" tIns="0" rIns="0" bIns="0" rtlCol="0" anchor="t"/>
           <a:lstStyle/>
           <a:p>
-            <a:pPr marL="0" marR="0" lvl="0" indent="0" algn="ctr" defTabSz="914400" rtl="0" eaLnBrk="1" fontAlgn="auto" latinLnBrk="0" hangingPunct="1">
-              <a:lnSpc>
-                <a:spcPct val="100000"/>
-              </a:lnSpc>
-              <a:spcBef>
-                <a:spcPts val="0"/>
-              </a:spcBef>
-              <a:spcAft>
-                <a:spcPts val="0"/>
-              </a:spcAft>
-              <a:buClrTx/>
-              <a:buSzTx/>
-              <a:buFontTx/>
-              <a:buNone/>
-              <a:tabLst/>
-              <a:defRPr/>
-            </a:pPr>
+            <a:pPr algn="ctr"/>
             <a:r>
               <a:rPr lang="nl-NL" sz="1000" b="1" dirty="0">
                 <a:solidFill>
@@ -15079,20 +15058,6 @@
               </a:rPr>
               <a:t>Dashboard</a:t>
             </a:r>
-            <a:endParaRPr kumimoji="0" lang="nl-NL" sz="1000" b="1" i="0" u="none" strike="noStrike" kern="1200" cap="none" spc="0" normalizeH="0" baseline="0" noProof="0" dirty="0">
-              <a:ln>
-                <a:noFill/>
-              </a:ln>
-              <a:solidFill>
-                <a:prstClr val="white"/>
-              </a:solidFill>
-              <a:effectLst/>
-              <a:uLnTx/>
-              <a:uFillTx/>
-              <a:latin typeface="Calibri" panose="020F0502020204030204"/>
-              <a:ea typeface="+mn-ea"/>
-              <a:cs typeface="+mn-cs"/>
-            </a:endParaRPr>
           </a:p>
         </p:txBody>
       </p:sp>
@@ -18962,9 +18927,7 @@
             <a:avLst/>
           </a:prstGeom>
           <a:solidFill>
-            <a:schemeClr val="bg1">
-              <a:lumMod val="50000"/>
-            </a:schemeClr>
+            <a:srgbClr val="002060"/>
           </a:solidFill>
           <a:ln w="19050">
             <a:solidFill>
@@ -18992,37 +18955,13 @@
           <a:bodyPr lIns="0" tIns="0" rIns="0" bIns="0" rtlCol="0" anchor="ctr"/>
           <a:lstStyle/>
           <a:p>
-            <a:pPr marL="0" marR="0" lvl="0" indent="0" algn="ctr" defTabSz="914400" rtl="0" eaLnBrk="1" fontAlgn="auto" latinLnBrk="0" hangingPunct="1">
-              <a:lnSpc>
-                <a:spcPct val="100000"/>
-              </a:lnSpc>
-              <a:spcBef>
-                <a:spcPts val="0"/>
-              </a:spcBef>
-              <a:spcAft>
-                <a:spcPts val="0"/>
-              </a:spcAft>
-              <a:buClrTx/>
-              <a:buSzTx/>
-              <a:buFontTx/>
-              <a:buNone/>
-              <a:tabLst/>
-              <a:defRPr/>
-            </a:pPr>
-            <a:r>
-              <a:rPr kumimoji="0" lang="en-US" sz="900" b="1" i="0" u="none" strike="noStrike" kern="1200" cap="none" spc="0" normalizeH="0" baseline="0" noProof="0" dirty="0">
-                <a:ln>
-                  <a:noFill/>
-                </a:ln>
+            <a:pPr algn="ctr"/>
+            <a:r>
+              <a:rPr lang="en-US" sz="900" b="1" dirty="0">
                 <a:solidFill>
                   <a:prstClr val="white"/>
                 </a:solidFill>
-                <a:effectLst/>
-                <a:uLnTx/>
-                <a:uFillTx/>
                 <a:latin typeface="Calibri" panose="020F0502020204030204"/>
-                <a:ea typeface="+mn-ea"/>
-                <a:cs typeface="+mn-cs"/>
               </a:rPr>
               <a:t>Dashboard</a:t>
             </a:r>
@@ -20513,7 +20452,7 @@
           </a:xfrm>
           <a:prstGeom prst="bentConnector3">
             <a:avLst>
-              <a:gd name="adj1" fmla="val 50000"/>
+              <a:gd name="adj1" fmla="val 15105"/>
             </a:avLst>
           </a:prstGeom>
           <a:ln w="19050">
@@ -20951,113 +20890,61 @@
           </p:spPr>
         </p:pic>
       </p:grpSp>
-      <p:grpSp>
-        <p:nvGrpSpPr>
-          <p:cNvPr id="224" name="Group 223">
-            <a:extLst>
-              <a:ext uri="{FF2B5EF4-FFF2-40B4-BE49-F238E27FC236}">
-                <a16:creationId xmlns:a16="http://schemas.microsoft.com/office/drawing/2014/main" id="{5A87BFAB-4639-0A28-7E48-23A5E60BAADD}"/>
-              </a:ext>
-            </a:extLst>
-          </p:cNvPr>
-          <p:cNvGrpSpPr/>
+      <p:sp>
+        <p:nvSpPr>
+          <p:cNvPr id="204" name="Rectangle 203">
+            <a:extLst>
+              <a:ext uri="{FF2B5EF4-FFF2-40B4-BE49-F238E27FC236}">
+                <a16:creationId xmlns:a16="http://schemas.microsoft.com/office/drawing/2014/main" id="{BB5F4866-E1A8-D4C4-49E8-C76948C95BAD}"/>
+              </a:ext>
+            </a:extLst>
+          </p:cNvPr>
+          <p:cNvSpPr/>
           <p:nvPr/>
-        </p:nvGrpSpPr>
-        <p:grpSpPr>
+        </p:nvSpPr>
+        <p:spPr>
           <a:xfrm>
             <a:off x="6255576" y="3508956"/>
             <a:ext cx="708701" cy="655233"/>
-            <a:chOff x="5380836" y="3117721"/>
-            <a:chExt cx="695886" cy="643384"/>
           </a:xfrm>
-        </p:grpSpPr>
-        <p:sp>
-          <p:nvSpPr>
-            <p:cNvPr id="204" name="Rectangle 203">
-              <a:extLst>
-                <a:ext uri="{FF2B5EF4-FFF2-40B4-BE49-F238E27FC236}">
-                  <a16:creationId xmlns:a16="http://schemas.microsoft.com/office/drawing/2014/main" id="{BB5F4866-E1A8-D4C4-49E8-C76948C95BAD}"/>
-                </a:ext>
-              </a:extLst>
-            </p:cNvPr>
-            <p:cNvSpPr/>
-            <p:nvPr/>
-          </p:nvSpPr>
-          <p:spPr>
-            <a:xfrm>
-              <a:off x="5380836" y="3117721"/>
-              <a:ext cx="695886" cy="643384"/>
-            </a:xfrm>
-            <a:prstGeom prst="rect">
-              <a:avLst/>
-            </a:prstGeom>
+          <a:prstGeom prst="rect">
+            <a:avLst/>
+          </a:prstGeom>
+          <a:solidFill>
+            <a:srgbClr val="92D050"/>
+          </a:solidFill>
+          <a:ln w="12700" cap="flat" cmpd="sng" algn="ctr">
             <a:solidFill>
-              <a:srgbClr val="92D050"/>
+              <a:schemeClr val="tx1"/>
             </a:solidFill>
-            <a:ln w="12700" cap="flat" cmpd="sng" algn="ctr">
-              <a:solidFill>
-                <a:schemeClr val="tx1"/>
-              </a:solidFill>
-              <a:prstDash val="solid"/>
-              <a:miter lim="800000"/>
-            </a:ln>
-            <a:effectLst/>
-          </p:spPr>
-          <p:txBody>
-            <a:bodyPr rtlCol="0" anchor="t"/>
-            <a:lstStyle/>
-            <a:p>
-              <a:pPr marL="0" marR="0" lvl="0" indent="0" algn="ctr" defTabSz="914400" eaLnBrk="1" fontAlgn="auto" latinLnBrk="0" hangingPunct="1">
-                <a:lnSpc>
-                  <a:spcPct val="100000"/>
-                </a:lnSpc>
-                <a:spcBef>
-                  <a:spcPts val="0"/>
-                </a:spcBef>
-                <a:spcAft>
-                  <a:spcPts val="0"/>
-                </a:spcAft>
-                <a:buClrTx/>
-                <a:buSzTx/>
-                <a:buFontTx/>
-                <a:buNone/>
-                <a:tabLst/>
-                <a:defRPr/>
-              </a:pPr>
-              <a:r>
-                <a:rPr kumimoji="0" lang="nl-NL" sz="900" b="1" i="0" u="none" strike="noStrike" kern="0" cap="none" spc="0" normalizeH="0" baseline="0" noProof="0" dirty="0">
-                  <a:ln>
-                    <a:noFill/>
-                  </a:ln>
-                  <a:solidFill>
-                    <a:schemeClr val="bg1"/>
-                  </a:solidFill>
-                  <a:effectLst/>
-                  <a:uLnTx/>
-                  <a:uFillTx/>
-                </a:rPr>
-                <a:t>RabbitMQ</a:t>
-              </a:r>
-            </a:p>
-            <a:p>
-              <a:pPr marL="0" marR="0" lvl="0" indent="0" algn="ctr" defTabSz="914400" eaLnBrk="1" fontAlgn="auto" latinLnBrk="0" hangingPunct="1">
-                <a:lnSpc>
-                  <a:spcPct val="100000"/>
-                </a:lnSpc>
-                <a:spcBef>
-                  <a:spcPts val="0"/>
-                </a:spcBef>
-                <a:spcAft>
-                  <a:spcPts val="0"/>
-                </a:spcAft>
-                <a:buClrTx/>
-                <a:buSzTx/>
-                <a:buFontTx/>
-                <a:buNone/>
-                <a:tabLst/>
-                <a:defRPr/>
-              </a:pPr>
-              <a:endParaRPr kumimoji="0" lang="en-US" sz="900" b="1" i="0" u="none" strike="noStrike" kern="0" cap="none" spc="0" normalizeH="0" baseline="0" noProof="0" dirty="0">
+            <a:prstDash val="solid"/>
+            <a:miter lim="800000"/>
+          </a:ln>
+          <a:effectLst/>
+        </p:spPr>
+        <p:txBody>
+          <a:bodyPr rtlCol="0" anchor="t"/>
+          <a:lstStyle/>
+          <a:p>
+            <a:pPr marL="0" marR="0" lvl="0" indent="0" algn="ctr" defTabSz="914400" eaLnBrk="1" fontAlgn="auto" latinLnBrk="0" hangingPunct="1">
+              <a:lnSpc>
+                <a:spcPct val="100000"/>
+              </a:lnSpc>
+              <a:spcBef>
+                <a:spcPts val="0"/>
+              </a:spcBef>
+              <a:spcAft>
+                <a:spcPts val="0"/>
+              </a:spcAft>
+              <a:buClrTx/>
+              <a:buSzTx/>
+              <a:buFontTx/>
+              <a:buNone/>
+              <a:tabLst/>
+              <a:defRPr/>
+            </a:pPr>
+            <a:r>
+              <a:rPr kumimoji="0" lang="nl-NL" sz="900" b="1" i="0" u="none" strike="noStrike" kern="0" cap="none" spc="0" normalizeH="0" baseline="0" noProof="0" dirty="0" err="1">
                 <a:ln>
                   <a:noFill/>
                 </a:ln>
@@ -21067,47 +20954,53 @@
                 <a:effectLst/>
                 <a:uLnTx/>
                 <a:uFillTx/>
-              </a:endParaRPr>
-            </a:p>
-          </p:txBody>
-        </p:sp>
-        <p:pic>
-          <p:nvPicPr>
-            <p:cNvPr id="205" name="Picture 204" descr="Icon&#10;&#10;Description automatically generated">
-              <a:extLst>
-                <a:ext uri="{FF2B5EF4-FFF2-40B4-BE49-F238E27FC236}">
-                  <a16:creationId xmlns:a16="http://schemas.microsoft.com/office/drawing/2014/main" id="{76474B13-EE51-46EF-539B-67ED833A79FF}"/>
-                </a:ext>
-              </a:extLst>
-            </p:cNvPr>
-            <p:cNvPicPr>
-              <a:picLocks noChangeAspect="1"/>
-            </p:cNvPicPr>
-            <p:nvPr/>
-          </p:nvPicPr>
-          <p:blipFill>
-            <a:blip r:embed="rId6">
-              <a:extLst>
-                <a:ext uri="{28A0092B-C50C-407E-A947-70E740481C1C}">
-                  <a14:useLocalDpi xmlns:a14="http://schemas.microsoft.com/office/drawing/2010/main" val="0"/>
-                </a:ext>
-              </a:extLst>
-            </a:blip>
-            <a:stretch>
-              <a:fillRect/>
-            </a:stretch>
-          </p:blipFill>
-          <p:spPr>
-            <a:xfrm>
-              <a:off x="5570387" y="3339139"/>
-              <a:ext cx="306162" cy="324021"/>
-            </a:xfrm>
-            <a:prstGeom prst="rect">
-              <a:avLst/>
-            </a:prstGeom>
-          </p:spPr>
-        </p:pic>
-      </p:grpSp>
+              </a:rPr>
+              <a:t>Redis</a:t>
+            </a:r>
+            <a:endParaRPr kumimoji="0" lang="nl-NL" sz="900" b="1" i="0" u="none" strike="noStrike" kern="0" cap="none" spc="0" normalizeH="0" baseline="0" noProof="0" dirty="0">
+              <a:ln>
+                <a:noFill/>
+              </a:ln>
+              <a:solidFill>
+                <a:schemeClr val="bg1"/>
+              </a:solidFill>
+              <a:effectLst/>
+              <a:uLnTx/>
+              <a:uFillTx/>
+            </a:endParaRPr>
+          </a:p>
+          <a:p>
+            <a:pPr marL="0" marR="0" lvl="0" indent="0" algn="ctr" defTabSz="914400" eaLnBrk="1" fontAlgn="auto" latinLnBrk="0" hangingPunct="1">
+              <a:lnSpc>
+                <a:spcPct val="100000"/>
+              </a:lnSpc>
+              <a:spcBef>
+                <a:spcPts val="0"/>
+              </a:spcBef>
+              <a:spcAft>
+                <a:spcPts val="0"/>
+              </a:spcAft>
+              <a:buClrTx/>
+              <a:buSzTx/>
+              <a:buFontTx/>
+              <a:buNone/>
+              <a:tabLst/>
+              <a:defRPr/>
+            </a:pPr>
+            <a:endParaRPr kumimoji="0" lang="en-US" sz="900" b="1" i="0" u="none" strike="noStrike" kern="0" cap="none" spc="0" normalizeH="0" baseline="0" noProof="0" dirty="0">
+              <a:ln>
+                <a:noFill/>
+              </a:ln>
+              <a:solidFill>
+                <a:schemeClr val="bg1"/>
+              </a:solidFill>
+              <a:effectLst/>
+              <a:uLnTx/>
+              <a:uFillTx/>
+            </a:endParaRPr>
+          </a:p>
+        </p:txBody>
+      </p:sp>
       <p:grpSp>
         <p:nvGrpSpPr>
           <p:cNvPr id="221" name="Group 220">
@@ -22360,7 +22253,7 @@
           <p:nvPr/>
         </p:nvPicPr>
         <p:blipFill>
-          <a:blip r:embed="rId7"/>
+          <a:blip r:embed="rId6"/>
           <a:stretch>
             <a:fillRect/>
           </a:stretch>
@@ -22433,6 +22326,45 @@
           </a:fontRef>
         </p:style>
       </p:cxnSp>
+      <p:pic>
+        <p:nvPicPr>
+          <p:cNvPr id="13" name="Graphic 12">
+            <a:extLst>
+              <a:ext uri="{FF2B5EF4-FFF2-40B4-BE49-F238E27FC236}">
+                <a16:creationId xmlns:a16="http://schemas.microsoft.com/office/drawing/2014/main" id="{ED2DE896-8EB1-4DE3-8761-C240FBA1C53D}"/>
+              </a:ext>
+            </a:extLst>
+          </p:cNvPr>
+          <p:cNvPicPr>
+            <a:picLocks noChangeAspect="1"/>
+          </p:cNvPicPr>
+          <p:nvPr/>
+        </p:nvPicPr>
+        <p:blipFill>
+          <a:blip r:embed="rId4">
+            <a:extLst>
+              <a:ext uri="{28A0092B-C50C-407E-A947-70E740481C1C}">
+                <a14:useLocalDpi xmlns:a14="http://schemas.microsoft.com/office/drawing/2010/main" val="0"/>
+              </a:ext>
+              <a:ext uri="{96DAC541-7B7A-43D3-8B79-37D633B846F1}">
+                <asvg:svgBlip xmlns:asvg="http://schemas.microsoft.com/office/drawing/2016/SVG/main" r:embed="rId5"/>
+              </a:ext>
+            </a:extLst>
+          </a:blip>
+          <a:stretch>
+            <a:fillRect/>
+          </a:stretch>
+        </p:blipFill>
+        <p:spPr>
+          <a:xfrm>
+            <a:off x="6426405" y="3758688"/>
+            <a:ext cx="379074" cy="325701"/>
+          </a:xfrm>
+          <a:prstGeom prst="rect">
+            <a:avLst/>
+          </a:prstGeom>
+        </p:spPr>
+      </p:pic>
     </p:spTree>
     <p:extLst>
       <p:ext uri="{BB962C8B-B14F-4D97-AF65-F5344CB8AC3E}">
